--- a/Proyecto I/Presentación/Arquitectura Objetivo MPLA.pptx
+++ b/Proyecto I/Presentación/Arquitectura Objetivo MPLA.pptx
@@ -30428,36 +30428,6 @@
       </p:sp>
       <p:pic>
         <p:nvPicPr>
-          <p:cNvPr id="8" name="Imagen 3"/>
-          <p:cNvPicPr/>
-          <p:nvPr/>
-        </p:nvPicPr>
-        <p:blipFill>
-          <a:blip r:embed="rId7" cstate="print"/>
-          <a:srcRect/>
-          <a:stretch>
-            <a:fillRect/>
-          </a:stretch>
-        </p:blipFill>
-        <p:spPr bwMode="auto">
-          <a:xfrm>
-            <a:off x="10400665" y="6181090"/>
-            <a:ext cx="1791335" cy="676910"/>
-          </a:xfrm>
-          <a:prstGeom prst="rect">
-            <a:avLst/>
-          </a:prstGeom>
-          <a:noFill/>
-          <a:ln w="9525">
-            <a:noFill/>
-            <a:miter lim="800000"/>
-            <a:headEnd/>
-            <a:tailEnd/>
-          </a:ln>
-        </p:spPr>
-      </p:pic>
-      <p:pic>
-        <p:nvPicPr>
           <p:cNvPr id="9" name="Imagen 3"/>
           <p:cNvPicPr/>
           <p:nvPr/>
@@ -31497,7 +31467,7 @@
         </p:nvSpPr>
         <p:spPr>
           <a:xfrm>
-            <a:off x="1484311" y="76204"/>
+            <a:off x="983114" y="-607266"/>
             <a:ext cx="10018713" cy="1752599"/>
           </a:xfrm>
         </p:spPr>
@@ -31537,1004 +31507,6 @@
           </a:p>
         </p:txBody>
       </p:sp>
-      <p:graphicFrame>
-        <p:nvGraphicFramePr>
-          <p:cNvPr id="3" name="2 Tabla"/>
-          <p:cNvGraphicFramePr>
-            <a:graphicFrameLocks noGrp="1"/>
-          </p:cNvGraphicFramePr>
-          <p:nvPr>
-            <p:extLst>
-              <p:ext uri="{D42A27DB-BD31-4B8C-83A1-F6EECF244321}">
-                <p14:modId xmlns:p14="http://schemas.microsoft.com/office/powerpoint/2010/main" val="3846097299"/>
-              </p:ext>
-            </p:extLst>
-          </p:nvPr>
-        </p:nvGraphicFramePr>
-        <p:xfrm>
-          <a:off x="2063262" y="2250833"/>
-          <a:ext cx="8862647" cy="3059720"/>
-        </p:xfrm>
-        <a:graphic>
-          <a:graphicData uri="http://schemas.openxmlformats.org/drawingml/2006/table">
-            <a:tbl>
-              <a:tblPr firstRow="1" firstCol="1" bandRow="1">
-                <a:tableStyleId>{5C22544A-7EE6-4342-B048-85BDC9FD1C3A}</a:tableStyleId>
-              </a:tblPr>
-              <a:tblGrid>
-                <a:gridCol w="1098968"/>
-                <a:gridCol w="5370765"/>
-                <a:gridCol w="1098968"/>
-                <a:gridCol w="1293946"/>
-              </a:tblGrid>
-              <a:tr h="292291">
-                <a:tc gridSpan="2">
-                  <a:txBody>
-                    <a:bodyPr/>
-                    <a:lstStyle/>
-                    <a:p>
-                      <a:pPr marL="0" marR="0">
-                        <a:lnSpc>
-                          <a:spcPct val="115000"/>
-                        </a:lnSpc>
-                        <a:spcBef>
-                          <a:spcPts val="0"/>
-                        </a:spcBef>
-                        <a:spcAft>
-                          <a:spcPts val="0"/>
-                        </a:spcAft>
-                      </a:pPr>
-                      <a:r>
-                        <a:rPr lang="es-MX" sz="1600" dirty="0">
-                          <a:effectLst/>
-                        </a:rPr>
-                        <a:t>Costo Estimado de Mano de Obra / Hora</a:t>
-                      </a:r>
-                      <a:endParaRPr lang="es-CO" sz="1600" dirty="0">
-                        <a:effectLst/>
-                        <a:latin typeface="Calibri"/>
-                        <a:ea typeface="Calibri"/>
-                        <a:cs typeface="Times New Roman"/>
-                      </a:endParaRPr>
-                    </a:p>
-                  </a:txBody>
-                  <a:tcPr marL="44450" marR="44450" marT="0" marB="0" anchor="ctr"/>
-                </a:tc>
-                <a:tc hMerge="1">
-                  <a:txBody>
-                    <a:bodyPr/>
-                    <a:lstStyle/>
-                    <a:p>
-                      <a:endParaRPr lang="es-CO"/>
-                    </a:p>
-                  </a:txBody>
-                  <a:tcPr/>
-                </a:tc>
-                <a:tc gridSpan="2">
-                  <a:txBody>
-                    <a:bodyPr/>
-                    <a:lstStyle/>
-                    <a:p>
-                      <a:pPr marL="0" marR="0" algn="r">
-                        <a:lnSpc>
-                          <a:spcPct val="115000"/>
-                        </a:lnSpc>
-                        <a:spcBef>
-                          <a:spcPts val="0"/>
-                        </a:spcBef>
-                        <a:spcAft>
-                          <a:spcPts val="0"/>
-                        </a:spcAft>
-                      </a:pPr>
-                      <a:r>
-                        <a:rPr lang="es-MX" sz="1600" dirty="0" smtClean="0">
-                          <a:effectLst/>
-                        </a:rPr>
-                        <a:t>300.000.00 </a:t>
-                      </a:r>
-                      <a:endParaRPr lang="es-CO" sz="1600" dirty="0">
-                        <a:effectLst/>
-                        <a:latin typeface="Calibri"/>
-                        <a:ea typeface="Calibri"/>
-                        <a:cs typeface="Times New Roman"/>
-                      </a:endParaRPr>
-                    </a:p>
-                  </a:txBody>
-                  <a:tcPr marL="44450" marR="44450" marT="0" marB="0" anchor="ctr"/>
-                </a:tc>
-                <a:tc hMerge="1">
-                  <a:txBody>
-                    <a:bodyPr/>
-                    <a:lstStyle/>
-                    <a:p>
-                      <a:endParaRPr lang="es-CO"/>
-                    </a:p>
-                  </a:txBody>
-                  <a:tcPr/>
-                </a:tc>
-              </a:tr>
-              <a:tr h="598182">
-                <a:tc gridSpan="2">
-                  <a:txBody>
-                    <a:bodyPr/>
-                    <a:lstStyle/>
-                    <a:p>
-                      <a:pPr marL="0" marR="0">
-                        <a:lnSpc>
-                          <a:spcPct val="115000"/>
-                        </a:lnSpc>
-                        <a:spcBef>
-                          <a:spcPts val="0"/>
-                        </a:spcBef>
-                        <a:spcAft>
-                          <a:spcPts val="0"/>
-                        </a:spcAft>
-                      </a:pPr>
-                      <a:r>
-                        <a:rPr lang="es-MX" sz="1600" dirty="0">
-                          <a:effectLst/>
-                        </a:rPr>
-                        <a:t>Proyecto</a:t>
-                      </a:r>
-                      <a:endParaRPr lang="es-CO" sz="1600" dirty="0">
-                        <a:effectLst/>
-                        <a:latin typeface="Calibri"/>
-                        <a:ea typeface="Calibri"/>
-                        <a:cs typeface="Times New Roman"/>
-                      </a:endParaRPr>
-                    </a:p>
-                  </a:txBody>
-                  <a:tcPr marL="44450" marR="44450" marT="0" marB="0" anchor="ctr"/>
-                </a:tc>
-                <a:tc hMerge="1">
-                  <a:txBody>
-                    <a:bodyPr/>
-                    <a:lstStyle/>
-                    <a:p>
-                      <a:endParaRPr lang="es-CO"/>
-                    </a:p>
-                  </a:txBody>
-                  <a:tcPr/>
-                </a:tc>
-                <a:tc>
-                  <a:txBody>
-                    <a:bodyPr/>
-                    <a:lstStyle/>
-                    <a:p>
-                      <a:pPr marL="0" marR="0" algn="ctr">
-                        <a:lnSpc>
-                          <a:spcPct val="115000"/>
-                        </a:lnSpc>
-                        <a:spcBef>
-                          <a:spcPts val="0"/>
-                        </a:spcBef>
-                        <a:spcAft>
-                          <a:spcPts val="0"/>
-                        </a:spcAft>
-                      </a:pPr>
-                      <a:r>
-                        <a:rPr lang="es-MX" sz="1600">
-                          <a:effectLst/>
-                        </a:rPr>
-                        <a:t>Horas Estimadas</a:t>
-                      </a:r>
-                      <a:endParaRPr lang="es-CO" sz="1600">
-                        <a:effectLst/>
-                        <a:latin typeface="Calibri"/>
-                        <a:ea typeface="Calibri"/>
-                        <a:cs typeface="Times New Roman"/>
-                      </a:endParaRPr>
-                    </a:p>
-                  </a:txBody>
-                  <a:tcPr marL="44450" marR="44450" marT="0" marB="0" anchor="ctr"/>
-                </a:tc>
-                <a:tc>
-                  <a:txBody>
-                    <a:bodyPr/>
-                    <a:lstStyle/>
-                    <a:p>
-                      <a:pPr marL="0" marR="0" algn="ctr">
-                        <a:lnSpc>
-                          <a:spcPct val="115000"/>
-                        </a:lnSpc>
-                        <a:spcBef>
-                          <a:spcPts val="0"/>
-                        </a:spcBef>
-                        <a:spcAft>
-                          <a:spcPts val="0"/>
-                        </a:spcAft>
-                      </a:pPr>
-                      <a:r>
-                        <a:rPr lang="es-MX" sz="1600" dirty="0">
-                          <a:effectLst/>
-                        </a:rPr>
-                        <a:t>Costo Estimado</a:t>
-                      </a:r>
-                      <a:endParaRPr lang="es-CO" sz="1600" dirty="0">
-                        <a:effectLst/>
-                        <a:latin typeface="Calibri"/>
-                        <a:ea typeface="Calibri"/>
-                        <a:cs typeface="Times New Roman"/>
-                      </a:endParaRPr>
-                    </a:p>
-                  </a:txBody>
-                  <a:tcPr marL="44450" marR="44450" marT="0" marB="0" anchor="ctr"/>
-                </a:tc>
-              </a:tr>
-              <a:tr h="292291">
-                <a:tc>
-                  <a:txBody>
-                    <a:bodyPr/>
-                    <a:lstStyle/>
-                    <a:p>
-                      <a:pPr marL="0" marR="0" algn="ctr">
-                        <a:lnSpc>
-                          <a:spcPct val="115000"/>
-                        </a:lnSpc>
-                        <a:spcBef>
-                          <a:spcPts val="0"/>
-                        </a:spcBef>
-                        <a:spcAft>
-                          <a:spcPts val="0"/>
-                        </a:spcAft>
-                      </a:pPr>
-                      <a:r>
-                        <a:rPr lang="es-MX" sz="1600">
-                          <a:effectLst/>
-                        </a:rPr>
-                        <a:t>PC1</a:t>
-                      </a:r>
-                      <a:endParaRPr lang="es-CO" sz="1600">
-                        <a:effectLst/>
-                        <a:latin typeface="Calibri"/>
-                        <a:ea typeface="Calibri"/>
-                        <a:cs typeface="Times New Roman"/>
-                      </a:endParaRPr>
-                    </a:p>
-                  </a:txBody>
-                  <a:tcPr marL="44450" marR="44450" marT="0" marB="0" anchor="ctr"/>
-                </a:tc>
-                <a:tc>
-                  <a:txBody>
-                    <a:bodyPr/>
-                    <a:lstStyle/>
-                    <a:p>
-                      <a:pPr marL="0" marR="0">
-                        <a:lnSpc>
-                          <a:spcPct val="115000"/>
-                        </a:lnSpc>
-                        <a:spcBef>
-                          <a:spcPts val="0"/>
-                        </a:spcBef>
-                        <a:spcAft>
-                          <a:spcPts val="0"/>
-                        </a:spcAft>
-                      </a:pPr>
-                      <a:r>
-                        <a:rPr lang="es-MX" sz="1600">
-                          <a:effectLst/>
-                        </a:rPr>
-                        <a:t>Automatización de procesos transaccionales</a:t>
-                      </a:r>
-                      <a:endParaRPr lang="es-CO" sz="1600">
-                        <a:effectLst/>
-                        <a:latin typeface="Calibri"/>
-                        <a:ea typeface="Calibri"/>
-                        <a:cs typeface="Times New Roman"/>
-                      </a:endParaRPr>
-                    </a:p>
-                  </a:txBody>
-                  <a:tcPr marL="44450" marR="44450" marT="0" marB="0" anchor="ctr"/>
-                </a:tc>
-                <a:tc>
-                  <a:txBody>
-                    <a:bodyPr/>
-                    <a:lstStyle/>
-                    <a:p>
-                      <a:pPr marL="0" marR="0" algn="ctr">
-                        <a:lnSpc>
-                          <a:spcPct val="115000"/>
-                        </a:lnSpc>
-                        <a:spcBef>
-                          <a:spcPts val="0"/>
-                        </a:spcBef>
-                        <a:spcAft>
-                          <a:spcPts val="0"/>
-                        </a:spcAft>
-                      </a:pPr>
-                      <a:r>
-                        <a:rPr lang="es-MX" sz="1600" dirty="0">
-                          <a:effectLst/>
-                          <a:latin typeface="Calibri" pitchFamily="34" charset="0"/>
-                        </a:rPr>
-                        <a:t>256</a:t>
-                      </a:r>
-                      <a:endParaRPr lang="es-CO" sz="1600" dirty="0">
-                        <a:effectLst/>
-                        <a:latin typeface="Calibri" pitchFamily="34" charset="0"/>
-                        <a:ea typeface="Calibri"/>
-                        <a:cs typeface="Times New Roman"/>
-                      </a:endParaRPr>
-                    </a:p>
-                  </a:txBody>
-                  <a:tcPr marL="44450" marR="44450" marT="0" marB="0" anchor="ctr"/>
-                </a:tc>
-                <a:tc>
-                  <a:txBody>
-                    <a:bodyPr/>
-                    <a:lstStyle/>
-                    <a:p>
-                      <a:pPr marL="0" marR="0" algn="ctr">
-                        <a:lnSpc>
-                          <a:spcPct val="115000"/>
-                        </a:lnSpc>
-                        <a:spcBef>
-                          <a:spcPts val="0"/>
-                        </a:spcBef>
-                        <a:spcAft>
-                          <a:spcPts val="0"/>
-                        </a:spcAft>
-                      </a:pPr>
-                      <a:r>
-                        <a:rPr lang="es-MX" sz="1600" dirty="0">
-                          <a:effectLst/>
-                          <a:latin typeface="Calibri" pitchFamily="34" charset="0"/>
-                        </a:rPr>
-                        <a:t>11,136,000.00</a:t>
-                      </a:r>
-                      <a:endParaRPr lang="es-CO" sz="1600" dirty="0">
-                        <a:effectLst/>
-                        <a:latin typeface="Calibri" pitchFamily="34" charset="0"/>
-                        <a:ea typeface="Calibri"/>
-                        <a:cs typeface="Times New Roman"/>
-                      </a:endParaRPr>
-                    </a:p>
-                  </a:txBody>
-                  <a:tcPr marL="44450" marR="44450" marT="0" marB="0" anchor="ctr"/>
-                </a:tc>
-              </a:tr>
-              <a:tr h="292291">
-                <a:tc>
-                  <a:txBody>
-                    <a:bodyPr/>
-                    <a:lstStyle/>
-                    <a:p>
-                      <a:pPr marL="0" marR="0" algn="ctr">
-                        <a:lnSpc>
-                          <a:spcPct val="115000"/>
-                        </a:lnSpc>
-                        <a:spcBef>
-                          <a:spcPts val="0"/>
-                        </a:spcBef>
-                        <a:spcAft>
-                          <a:spcPts val="0"/>
-                        </a:spcAft>
-                      </a:pPr>
-                      <a:r>
-                        <a:rPr lang="es-MX" sz="1600">
-                          <a:effectLst/>
-                        </a:rPr>
-                        <a:t>PC2</a:t>
-                      </a:r>
-                      <a:endParaRPr lang="es-CO" sz="1600">
-                        <a:effectLst/>
-                        <a:latin typeface="Calibri"/>
-                        <a:ea typeface="Calibri"/>
-                        <a:cs typeface="Times New Roman"/>
-                      </a:endParaRPr>
-                    </a:p>
-                  </a:txBody>
-                  <a:tcPr marL="44450" marR="44450" marT="0" marB="0" anchor="ctr"/>
-                </a:tc>
-                <a:tc>
-                  <a:txBody>
-                    <a:bodyPr/>
-                    <a:lstStyle/>
-                    <a:p>
-                      <a:pPr marL="0" marR="0">
-                        <a:lnSpc>
-                          <a:spcPct val="115000"/>
-                        </a:lnSpc>
-                        <a:spcBef>
-                          <a:spcPts val="0"/>
-                        </a:spcBef>
-                        <a:spcAft>
-                          <a:spcPts val="0"/>
-                        </a:spcAft>
-                      </a:pPr>
-                      <a:r>
-                        <a:rPr lang="es-MX" sz="1600">
-                          <a:effectLst/>
-                        </a:rPr>
-                        <a:t>Automatización de campañas</a:t>
-                      </a:r>
-                      <a:endParaRPr lang="es-CO" sz="1600">
-                        <a:effectLst/>
-                        <a:latin typeface="Calibri"/>
-                        <a:ea typeface="Calibri"/>
-                        <a:cs typeface="Times New Roman"/>
-                      </a:endParaRPr>
-                    </a:p>
-                  </a:txBody>
-                  <a:tcPr marL="44450" marR="44450" marT="0" marB="0" anchor="ctr"/>
-                </a:tc>
-                <a:tc>
-                  <a:txBody>
-                    <a:bodyPr/>
-                    <a:lstStyle/>
-                    <a:p>
-                      <a:pPr marL="0" marR="0" algn="ctr">
-                        <a:lnSpc>
-                          <a:spcPct val="115000"/>
-                        </a:lnSpc>
-                        <a:spcBef>
-                          <a:spcPts val="0"/>
-                        </a:spcBef>
-                        <a:spcAft>
-                          <a:spcPts val="0"/>
-                        </a:spcAft>
-                      </a:pPr>
-                      <a:r>
-                        <a:rPr lang="es-MX" sz="1600" dirty="0">
-                          <a:effectLst/>
-                          <a:latin typeface="Calibri" pitchFamily="34" charset="0"/>
-                        </a:rPr>
-                        <a:t>176</a:t>
-                      </a:r>
-                      <a:endParaRPr lang="es-CO" sz="1600" dirty="0">
-                        <a:effectLst/>
-                        <a:latin typeface="Calibri" pitchFamily="34" charset="0"/>
-                        <a:ea typeface="Calibri"/>
-                        <a:cs typeface="Times New Roman"/>
-                      </a:endParaRPr>
-                    </a:p>
-                  </a:txBody>
-                  <a:tcPr marL="44450" marR="44450" marT="0" marB="0" anchor="ctr"/>
-                </a:tc>
-                <a:tc>
-                  <a:txBody>
-                    <a:bodyPr/>
-                    <a:lstStyle/>
-                    <a:p>
-                      <a:pPr marL="0" marR="0" algn="ctr">
-                        <a:lnSpc>
-                          <a:spcPct val="115000"/>
-                        </a:lnSpc>
-                        <a:spcBef>
-                          <a:spcPts val="0"/>
-                        </a:spcBef>
-                        <a:spcAft>
-                          <a:spcPts val="0"/>
-                        </a:spcAft>
-                      </a:pPr>
-                      <a:r>
-                        <a:rPr lang="es-MX" sz="1600" dirty="0">
-                          <a:effectLst/>
-                          <a:latin typeface="Calibri" pitchFamily="34" charset="0"/>
-                        </a:rPr>
-                        <a:t>7,656,000.00</a:t>
-                      </a:r>
-                      <a:endParaRPr lang="es-CO" sz="1600" dirty="0">
-                        <a:effectLst/>
-                        <a:latin typeface="Calibri" pitchFamily="34" charset="0"/>
-                        <a:ea typeface="Calibri"/>
-                        <a:cs typeface="Times New Roman"/>
-                      </a:endParaRPr>
-                    </a:p>
-                  </a:txBody>
-                  <a:tcPr marL="44450" marR="44450" marT="0" marB="0" anchor="ctr"/>
-                </a:tc>
-              </a:tr>
-              <a:tr h="598182">
-                <a:tc>
-                  <a:txBody>
-                    <a:bodyPr/>
-                    <a:lstStyle/>
-                    <a:p>
-                      <a:pPr marL="0" marR="0" algn="ctr">
-                        <a:lnSpc>
-                          <a:spcPct val="115000"/>
-                        </a:lnSpc>
-                        <a:spcBef>
-                          <a:spcPts val="0"/>
-                        </a:spcBef>
-                        <a:spcAft>
-                          <a:spcPts val="0"/>
-                        </a:spcAft>
-                      </a:pPr>
-                      <a:r>
-                        <a:rPr lang="es-MX" sz="1600">
-                          <a:effectLst/>
-                        </a:rPr>
-                        <a:t>PC3</a:t>
-                      </a:r>
-                      <a:endParaRPr lang="es-CO" sz="1600">
-                        <a:effectLst/>
-                        <a:latin typeface="Calibri"/>
-                        <a:ea typeface="Calibri"/>
-                        <a:cs typeface="Times New Roman"/>
-                      </a:endParaRPr>
-                    </a:p>
-                  </a:txBody>
-                  <a:tcPr marL="44450" marR="44450" marT="0" marB="0" anchor="ctr"/>
-                </a:tc>
-                <a:tc>
-                  <a:txBody>
-                    <a:bodyPr/>
-                    <a:lstStyle/>
-                    <a:p>
-                      <a:pPr marL="0" marR="0">
-                        <a:lnSpc>
-                          <a:spcPct val="115000"/>
-                        </a:lnSpc>
-                        <a:spcBef>
-                          <a:spcPts val="0"/>
-                        </a:spcBef>
-                        <a:spcAft>
-                          <a:spcPts val="0"/>
-                        </a:spcAft>
-                      </a:pPr>
-                      <a:r>
-                        <a:rPr lang="es-MX" sz="1600" dirty="0">
-                          <a:effectLst/>
-                        </a:rPr>
-                        <a:t>Automatización proceso retroalimentación de clientes o productos</a:t>
-                      </a:r>
-                      <a:endParaRPr lang="es-CO" sz="1600" dirty="0">
-                        <a:effectLst/>
-                        <a:latin typeface="Calibri"/>
-                        <a:ea typeface="Calibri"/>
-                        <a:cs typeface="Times New Roman"/>
-                      </a:endParaRPr>
-                    </a:p>
-                  </a:txBody>
-                  <a:tcPr marL="44450" marR="44450" marT="0" marB="0" anchor="ctr"/>
-                </a:tc>
-                <a:tc>
-                  <a:txBody>
-                    <a:bodyPr/>
-                    <a:lstStyle/>
-                    <a:p>
-                      <a:pPr marL="0" marR="0" algn="ctr">
-                        <a:lnSpc>
-                          <a:spcPct val="115000"/>
-                        </a:lnSpc>
-                        <a:spcBef>
-                          <a:spcPts val="0"/>
-                        </a:spcBef>
-                        <a:spcAft>
-                          <a:spcPts val="0"/>
-                        </a:spcAft>
-                      </a:pPr>
-                      <a:r>
-                        <a:rPr lang="es-MX" sz="1600" dirty="0">
-                          <a:effectLst/>
-                          <a:latin typeface="Calibri" pitchFamily="34" charset="0"/>
-                        </a:rPr>
-                        <a:t>18</a:t>
-                      </a:r>
-                      <a:endParaRPr lang="es-CO" sz="1600" dirty="0">
-                        <a:effectLst/>
-                        <a:latin typeface="Calibri" pitchFamily="34" charset="0"/>
-                        <a:ea typeface="Calibri"/>
-                        <a:cs typeface="Times New Roman"/>
-                      </a:endParaRPr>
-                    </a:p>
-                  </a:txBody>
-                  <a:tcPr marL="44450" marR="44450" marT="0" marB="0" anchor="ctr"/>
-                </a:tc>
-                <a:tc>
-                  <a:txBody>
-                    <a:bodyPr/>
-                    <a:lstStyle/>
-                    <a:p>
-                      <a:pPr marL="0" marR="0" algn="ctr">
-                        <a:lnSpc>
-                          <a:spcPct val="115000"/>
-                        </a:lnSpc>
-                        <a:spcBef>
-                          <a:spcPts val="0"/>
-                        </a:spcBef>
-                        <a:spcAft>
-                          <a:spcPts val="0"/>
-                        </a:spcAft>
-                      </a:pPr>
-                      <a:r>
-                        <a:rPr lang="es-MX" sz="1600" dirty="0">
-                          <a:effectLst/>
-                          <a:latin typeface="Calibri" pitchFamily="34" charset="0"/>
-                        </a:rPr>
-                        <a:t>783,000.00</a:t>
-                      </a:r>
-                      <a:endParaRPr lang="es-CO" sz="1600" dirty="0">
-                        <a:effectLst/>
-                        <a:latin typeface="Calibri" pitchFamily="34" charset="0"/>
-                        <a:ea typeface="Calibri"/>
-                        <a:cs typeface="Times New Roman"/>
-                      </a:endParaRPr>
-                    </a:p>
-                  </a:txBody>
-                  <a:tcPr marL="44450" marR="44450" marT="0" marB="0" anchor="ctr"/>
-                </a:tc>
-              </a:tr>
-              <a:tr h="292291">
-                <a:tc>
-                  <a:txBody>
-                    <a:bodyPr/>
-                    <a:lstStyle/>
-                    <a:p>
-                      <a:pPr marL="0" marR="0" algn="ctr">
-                        <a:lnSpc>
-                          <a:spcPct val="115000"/>
-                        </a:lnSpc>
-                        <a:spcBef>
-                          <a:spcPts val="0"/>
-                        </a:spcBef>
-                        <a:spcAft>
-                          <a:spcPts val="0"/>
-                        </a:spcAft>
-                      </a:pPr>
-                      <a:r>
-                        <a:rPr lang="es-MX" sz="1600">
-                          <a:effectLst/>
-                        </a:rPr>
-                        <a:t>PC4</a:t>
-                      </a:r>
-                      <a:endParaRPr lang="es-CO" sz="1600">
-                        <a:effectLst/>
-                        <a:latin typeface="Calibri"/>
-                        <a:ea typeface="Calibri"/>
-                        <a:cs typeface="Times New Roman"/>
-                      </a:endParaRPr>
-                    </a:p>
-                  </a:txBody>
-                  <a:tcPr marL="44450" marR="44450" marT="0" marB="0" anchor="ctr"/>
-                </a:tc>
-                <a:tc>
-                  <a:txBody>
-                    <a:bodyPr/>
-                    <a:lstStyle/>
-                    <a:p>
-                      <a:pPr marL="0" marR="0">
-                        <a:lnSpc>
-                          <a:spcPct val="115000"/>
-                        </a:lnSpc>
-                        <a:spcBef>
-                          <a:spcPts val="0"/>
-                        </a:spcBef>
-                        <a:spcAft>
-                          <a:spcPts val="0"/>
-                        </a:spcAft>
-                      </a:pPr>
-                      <a:r>
-                        <a:rPr lang="es-MX" sz="1600" dirty="0">
-                          <a:effectLst/>
-                        </a:rPr>
-                        <a:t>Monitor de transacciones</a:t>
-                      </a:r>
-                      <a:endParaRPr lang="es-CO" sz="1600" dirty="0">
-                        <a:effectLst/>
-                        <a:latin typeface="Calibri"/>
-                        <a:ea typeface="Calibri"/>
-                        <a:cs typeface="Times New Roman"/>
-                      </a:endParaRPr>
-                    </a:p>
-                  </a:txBody>
-                  <a:tcPr marL="44450" marR="44450" marT="0" marB="0" anchor="ctr"/>
-                </a:tc>
-                <a:tc>
-                  <a:txBody>
-                    <a:bodyPr/>
-                    <a:lstStyle/>
-                    <a:p>
-                      <a:pPr marL="0" marR="0" algn="ctr">
-                        <a:lnSpc>
-                          <a:spcPct val="115000"/>
-                        </a:lnSpc>
-                        <a:spcBef>
-                          <a:spcPts val="0"/>
-                        </a:spcBef>
-                        <a:spcAft>
-                          <a:spcPts val="0"/>
-                        </a:spcAft>
-                      </a:pPr>
-                      <a:r>
-                        <a:rPr lang="es-MX" sz="1600">
-                          <a:effectLst/>
-                          <a:latin typeface="Calibri" pitchFamily="34" charset="0"/>
-                        </a:rPr>
-                        <a:t>42</a:t>
-                      </a:r>
-                      <a:endParaRPr lang="es-CO" sz="1600">
-                        <a:effectLst/>
-                        <a:latin typeface="Calibri" pitchFamily="34" charset="0"/>
-                        <a:ea typeface="Calibri"/>
-                        <a:cs typeface="Times New Roman"/>
-                      </a:endParaRPr>
-                    </a:p>
-                  </a:txBody>
-                  <a:tcPr marL="44450" marR="44450" marT="0" marB="0" anchor="ctr"/>
-                </a:tc>
-                <a:tc>
-                  <a:txBody>
-                    <a:bodyPr/>
-                    <a:lstStyle/>
-                    <a:p>
-                      <a:pPr marL="0" marR="0" algn="ctr">
-                        <a:lnSpc>
-                          <a:spcPct val="115000"/>
-                        </a:lnSpc>
-                        <a:spcBef>
-                          <a:spcPts val="0"/>
-                        </a:spcBef>
-                        <a:spcAft>
-                          <a:spcPts val="0"/>
-                        </a:spcAft>
-                      </a:pPr>
-                      <a:r>
-                        <a:rPr lang="es-MX" sz="1600" dirty="0">
-                          <a:effectLst/>
-                          <a:latin typeface="Calibri" pitchFamily="34" charset="0"/>
-                        </a:rPr>
-                        <a:t>1,827,000.00</a:t>
-                      </a:r>
-                      <a:endParaRPr lang="es-CO" sz="1600" dirty="0">
-                        <a:effectLst/>
-                        <a:latin typeface="Calibri" pitchFamily="34" charset="0"/>
-                        <a:ea typeface="Calibri"/>
-                        <a:cs typeface="Times New Roman"/>
-                      </a:endParaRPr>
-                    </a:p>
-                  </a:txBody>
-                  <a:tcPr marL="44450" marR="44450" marT="0" marB="0" anchor="ctr"/>
-                </a:tc>
-              </a:tr>
-              <a:tr h="292291">
-                <a:tc>
-                  <a:txBody>
-                    <a:bodyPr/>
-                    <a:lstStyle/>
-                    <a:p>
-                      <a:pPr marL="0" marR="0" algn="ctr">
-                        <a:lnSpc>
-                          <a:spcPct val="115000"/>
-                        </a:lnSpc>
-                        <a:spcBef>
-                          <a:spcPts val="0"/>
-                        </a:spcBef>
-                        <a:spcAft>
-                          <a:spcPts val="0"/>
-                        </a:spcAft>
-                      </a:pPr>
-                      <a:r>
-                        <a:rPr lang="es-MX" sz="1600">
-                          <a:effectLst/>
-                        </a:rPr>
-                        <a:t>PC5</a:t>
-                      </a:r>
-                      <a:endParaRPr lang="es-CO" sz="1600">
-                        <a:effectLst/>
-                        <a:latin typeface="Calibri"/>
-                        <a:ea typeface="Calibri"/>
-                        <a:cs typeface="Times New Roman"/>
-                      </a:endParaRPr>
-                    </a:p>
-                  </a:txBody>
-                  <a:tcPr marL="44450" marR="44450" marT="0" marB="0" anchor="ctr"/>
-                </a:tc>
-                <a:tc>
-                  <a:txBody>
-                    <a:bodyPr/>
-                    <a:lstStyle/>
-                    <a:p>
-                      <a:pPr marL="0" marR="0">
-                        <a:lnSpc>
-                          <a:spcPct val="115000"/>
-                        </a:lnSpc>
-                        <a:spcBef>
-                          <a:spcPts val="0"/>
-                        </a:spcBef>
-                        <a:spcAft>
-                          <a:spcPts val="0"/>
-                        </a:spcAft>
-                      </a:pPr>
-                      <a:r>
-                        <a:rPr lang="es-MX" sz="1600" dirty="0">
-                          <a:effectLst/>
-                        </a:rPr>
-                        <a:t>Evaluación de acuerdos de servicio</a:t>
-                      </a:r>
-                      <a:endParaRPr lang="es-CO" sz="1600" dirty="0">
-                        <a:effectLst/>
-                        <a:latin typeface="Calibri"/>
-                        <a:ea typeface="Calibri"/>
-                        <a:cs typeface="Times New Roman"/>
-                      </a:endParaRPr>
-                    </a:p>
-                  </a:txBody>
-                  <a:tcPr marL="44450" marR="44450" marT="0" marB="0" anchor="ctr"/>
-                </a:tc>
-                <a:tc>
-                  <a:txBody>
-                    <a:bodyPr/>
-                    <a:lstStyle/>
-                    <a:p>
-                      <a:pPr marL="0" marR="0" algn="ctr">
-                        <a:lnSpc>
-                          <a:spcPct val="115000"/>
-                        </a:lnSpc>
-                        <a:spcBef>
-                          <a:spcPts val="0"/>
-                        </a:spcBef>
-                        <a:spcAft>
-                          <a:spcPts val="0"/>
-                        </a:spcAft>
-                      </a:pPr>
-                      <a:r>
-                        <a:rPr lang="es-MX" sz="1600" dirty="0">
-                          <a:effectLst/>
-                          <a:latin typeface="Calibri" pitchFamily="34" charset="0"/>
-                        </a:rPr>
-                        <a:t>60</a:t>
-                      </a:r>
-                      <a:endParaRPr lang="es-CO" sz="1600" dirty="0">
-                        <a:effectLst/>
-                        <a:latin typeface="Calibri" pitchFamily="34" charset="0"/>
-                        <a:ea typeface="Calibri"/>
-                        <a:cs typeface="Times New Roman"/>
-                      </a:endParaRPr>
-                    </a:p>
-                  </a:txBody>
-                  <a:tcPr marL="44450" marR="44450" marT="0" marB="0" anchor="ctr"/>
-                </a:tc>
-                <a:tc>
-                  <a:txBody>
-                    <a:bodyPr/>
-                    <a:lstStyle/>
-                    <a:p>
-                      <a:pPr marL="0" marR="0" algn="ctr">
-                        <a:lnSpc>
-                          <a:spcPct val="115000"/>
-                        </a:lnSpc>
-                        <a:spcBef>
-                          <a:spcPts val="0"/>
-                        </a:spcBef>
-                        <a:spcAft>
-                          <a:spcPts val="0"/>
-                        </a:spcAft>
-                      </a:pPr>
-                      <a:r>
-                        <a:rPr lang="es-MX" sz="1600" dirty="0">
-                          <a:effectLst/>
-                          <a:latin typeface="Calibri" pitchFamily="34" charset="0"/>
-                        </a:rPr>
-                        <a:t>2,610,000.00</a:t>
-                      </a:r>
-                      <a:endParaRPr lang="es-CO" sz="1600" dirty="0">
-                        <a:effectLst/>
-                        <a:latin typeface="Calibri" pitchFamily="34" charset="0"/>
-                        <a:ea typeface="Calibri"/>
-                        <a:cs typeface="Times New Roman"/>
-                      </a:endParaRPr>
-                    </a:p>
-                  </a:txBody>
-                  <a:tcPr marL="44450" marR="44450" marT="0" marB="0" anchor="ctr"/>
-                </a:tc>
-              </a:tr>
-              <a:tr h="401901">
-                <a:tc gridSpan="2">
-                  <a:txBody>
-                    <a:bodyPr/>
-                    <a:lstStyle/>
-                    <a:p>
-                      <a:pPr marL="0" marR="0">
-                        <a:lnSpc>
-                          <a:spcPct val="115000"/>
-                        </a:lnSpc>
-                        <a:spcBef>
-                          <a:spcPts val="0"/>
-                        </a:spcBef>
-                        <a:spcAft>
-                          <a:spcPts val="0"/>
-                        </a:spcAft>
-                      </a:pPr>
-                      <a:r>
-                        <a:rPr lang="es-MX" sz="1600">
-                          <a:effectLst/>
-                        </a:rPr>
-                        <a:t>Total Solución</a:t>
-                      </a:r>
-                      <a:endParaRPr lang="es-CO" sz="1600">
-                        <a:effectLst/>
-                        <a:latin typeface="Calibri"/>
-                        <a:ea typeface="Calibri"/>
-                        <a:cs typeface="Times New Roman"/>
-                      </a:endParaRPr>
-                    </a:p>
-                  </a:txBody>
-                  <a:tcPr marL="44450" marR="44450" marT="0" marB="0" anchor="ctr"/>
-                </a:tc>
-                <a:tc hMerge="1">
-                  <a:txBody>
-                    <a:bodyPr/>
-                    <a:lstStyle/>
-                    <a:p>
-                      <a:endParaRPr lang="es-CO"/>
-                    </a:p>
-                  </a:txBody>
-                  <a:tcPr/>
-                </a:tc>
-                <a:tc>
-                  <a:txBody>
-                    <a:bodyPr/>
-                    <a:lstStyle/>
-                    <a:p>
-                      <a:pPr marL="0" marR="0" algn="ctr">
-                        <a:lnSpc>
-                          <a:spcPct val="115000"/>
-                        </a:lnSpc>
-                        <a:spcBef>
-                          <a:spcPts val="0"/>
-                        </a:spcBef>
-                        <a:spcAft>
-                          <a:spcPts val="0"/>
-                        </a:spcAft>
-                      </a:pPr>
-                      <a:r>
-                        <a:rPr lang="es-MX" sz="1600" dirty="0">
-                          <a:effectLst/>
-                          <a:latin typeface="Calibri" pitchFamily="34" charset="0"/>
-                        </a:rPr>
-                        <a:t>552</a:t>
-                      </a:r>
-                      <a:endParaRPr lang="es-CO" sz="1600" dirty="0">
-                        <a:effectLst/>
-                        <a:latin typeface="Calibri" pitchFamily="34" charset="0"/>
-                        <a:ea typeface="Calibri"/>
-                        <a:cs typeface="Times New Roman"/>
-                      </a:endParaRPr>
-                    </a:p>
-                  </a:txBody>
-                  <a:tcPr marL="44450" marR="44450" marT="0" marB="0" anchor="ctr"/>
-                </a:tc>
-                <a:tc>
-                  <a:txBody>
-                    <a:bodyPr/>
-                    <a:lstStyle/>
-                    <a:p>
-                      <a:pPr marL="0" marR="0" algn="ctr">
-                        <a:lnSpc>
-                          <a:spcPct val="115000"/>
-                        </a:lnSpc>
-                        <a:spcBef>
-                          <a:spcPts val="0"/>
-                        </a:spcBef>
-                        <a:spcAft>
-                          <a:spcPts val="0"/>
-                        </a:spcAft>
-                      </a:pPr>
-                      <a:r>
-                        <a:rPr lang="es-MX" sz="1600" dirty="0">
-                          <a:effectLst/>
-                          <a:latin typeface="Calibri" pitchFamily="34" charset="0"/>
-                        </a:rPr>
-                        <a:t>24,012,000.00</a:t>
-                      </a:r>
-                      <a:endParaRPr lang="es-CO" sz="1600" dirty="0">
-                        <a:effectLst/>
-                        <a:latin typeface="Calibri" pitchFamily="34" charset="0"/>
-                        <a:ea typeface="Calibri"/>
-                        <a:cs typeface="Times New Roman"/>
-                      </a:endParaRPr>
-                    </a:p>
-                  </a:txBody>
-                  <a:tcPr marL="44450" marR="44450" marT="0" marB="0" anchor="ctr"/>
-                </a:tc>
-              </a:tr>
-            </a:tbl>
-          </a:graphicData>
-        </a:graphic>
-      </p:graphicFrame>
       <p:pic>
         <p:nvPicPr>
           <p:cNvPr id="6" name="Imagen 3"/>
@@ -32597,6 +31569,45 @@
           <a:xfrm>
             <a:off x="10043885" y="269034"/>
             <a:ext cx="1915886" cy="1266888"/>
+          </a:xfrm>
+          <a:prstGeom prst="rect">
+            <a:avLst/>
+          </a:prstGeom>
+        </p:spPr>
+      </p:pic>
+      <p:pic>
+        <p:nvPicPr>
+          <p:cNvPr id="8" name="7 Imagen"/>
+          <p:cNvPicPr>
+            <a:picLocks noChangeAspect="1"/>
+          </p:cNvPicPr>
+          <p:nvPr/>
+        </p:nvPicPr>
+        <p:blipFill>
+          <a:blip r:embed="rId5">
+            <a:extLst>
+              <a:ext uri="{BEBA8EAE-BF5A-486C-A8C5-ECC9F3942E4B}">
+                <a14:imgProps xmlns:a14="http://schemas.microsoft.com/office/drawing/2010/main">
+                  <a14:imgLayer r:embed="rId6">
+                    <a14:imgEffect>
+                      <a14:saturation sat="400000"/>
+                    </a14:imgEffect>
+                  </a14:imgLayer>
+                </a14:imgProps>
+              </a:ext>
+              <a:ext uri="{28A0092B-C50C-407E-A947-70E740481C1C}">
+                <a14:useLocalDpi xmlns:a14="http://schemas.microsoft.com/office/drawing/2010/main" val="0"/>
+              </a:ext>
+            </a:extLst>
+          </a:blip>
+          <a:stretch>
+            <a:fillRect/>
+          </a:stretch>
+        </p:blipFill>
+        <p:spPr>
+          <a:xfrm>
+            <a:off x="1271902" y="1304937"/>
+            <a:ext cx="8194070" cy="5115639"/>
           </a:xfrm>
           <a:prstGeom prst="rect">
             <a:avLst/>
@@ -33481,6 +32492,173 @@
           </a:prstGeom>
         </p:spPr>
       </p:pic>
+      <p:sp>
+        <p:nvSpPr>
+          <p:cNvPr id="3" name="2 Rectángulo"/>
+          <p:cNvSpPr/>
+          <p:nvPr/>
+        </p:nvSpPr>
+        <p:spPr>
+          <a:xfrm>
+            <a:off x="9498704" y="1853415"/>
+            <a:ext cx="1308371" cy="369332"/>
+          </a:xfrm>
+          <a:prstGeom prst="rect">
+            <a:avLst/>
+          </a:prstGeom>
+        </p:spPr>
+        <p:txBody>
+          <a:bodyPr wrap="none">
+            <a:spAutoFit/>
+            <a:scene3d>
+              <a:camera prst="orthographicFront"/>
+              <a:lightRig rig="brightRoom" dir="t"/>
+            </a:scene3d>
+            <a:sp3d contourW="6350" prstMaterial="plastic">
+              <a:bevelT w="20320" h="20320" prst="angle"/>
+              <a:contourClr>
+                <a:schemeClr val="accent1">
+                  <a:tint val="100000"/>
+                  <a:shade val="100000"/>
+                  <a:hueMod val="100000"/>
+                  <a:satMod val="100000"/>
+                </a:schemeClr>
+              </a:contourClr>
+            </a:sp3d>
+          </a:bodyPr>
+          <a:lstStyle/>
+          <a:p>
+            <a:r>
+              <a:rPr lang="es-MX" b="1" cap="all" dirty="0">
+                <a:ln/>
+                <a:solidFill>
+                  <a:schemeClr val="accent1"/>
+                </a:solidFill>
+                <a:effectLst>
+                  <a:outerShdw blurRad="19685" dist="12700" dir="5400000" algn="tl" rotWithShape="0">
+                    <a:schemeClr val="accent1">
+                      <a:satMod val="130000"/>
+                      <a:alpha val="60000"/>
+                    </a:schemeClr>
+                  </a:outerShdw>
+                  <a:reflection blurRad="10000" stA="55000" endPos="48000" dist="500" dir="5400000" sy="-100000" algn="bl" rotWithShape="0"/>
+                </a:effectLst>
+                <a:latin typeface="Calibri" pitchFamily="34" charset="0"/>
+              </a:rPr>
+              <a:t>474 </a:t>
+            </a:r>
+            <a:r>
+              <a:rPr lang="es-MX" b="1" cap="all" dirty="0" smtClean="0">
+                <a:ln/>
+                <a:solidFill>
+                  <a:schemeClr val="accent1"/>
+                </a:solidFill>
+                <a:effectLst>
+                  <a:outerShdw blurRad="19685" dist="12700" dir="5400000" algn="tl" rotWithShape="0">
+                    <a:schemeClr val="accent1">
+                      <a:satMod val="130000"/>
+                      <a:alpha val="60000"/>
+                    </a:schemeClr>
+                  </a:outerShdw>
+                  <a:reflection blurRad="10000" stA="55000" endPos="48000" dist="500" dir="5400000" sy="-100000" algn="bl" rotWithShape="0"/>
+                </a:effectLst>
+                <a:latin typeface="Calibri" pitchFamily="34" charset="0"/>
+              </a:rPr>
+              <a:t>horas</a:t>
+            </a:r>
+            <a:endParaRPr lang="es-CO" b="1" cap="all" dirty="0">
+              <a:ln/>
+              <a:solidFill>
+                <a:schemeClr val="accent1"/>
+              </a:solidFill>
+              <a:effectLst>
+                <a:outerShdw blurRad="19685" dist="12700" dir="5400000" algn="tl" rotWithShape="0">
+                  <a:schemeClr val="accent1">
+                    <a:satMod val="130000"/>
+                    <a:alpha val="60000"/>
+                  </a:schemeClr>
+                </a:outerShdw>
+                <a:reflection blurRad="10000" stA="55000" endPos="48000" dist="500" dir="5400000" sy="-100000" algn="bl" rotWithShape="0"/>
+              </a:effectLst>
+              <a:latin typeface="Calibri" pitchFamily="34" charset="0"/>
+            </a:endParaRPr>
+          </a:p>
+        </p:txBody>
+      </p:sp>
+      <p:sp>
+        <p:nvSpPr>
+          <p:cNvPr id="10" name="9 Rectángulo"/>
+          <p:cNvSpPr/>
+          <p:nvPr/>
+        </p:nvSpPr>
+        <p:spPr>
+          <a:xfrm>
+            <a:off x="9389699" y="4158734"/>
+            <a:ext cx="1824538" cy="369332"/>
+          </a:xfrm>
+          <a:prstGeom prst="rect">
+            <a:avLst/>
+          </a:prstGeom>
+        </p:spPr>
+        <p:txBody>
+          <a:bodyPr wrap="none">
+            <a:spAutoFit/>
+            <a:scene3d>
+              <a:camera prst="orthographicFront"/>
+              <a:lightRig rig="brightRoom" dir="t"/>
+            </a:scene3d>
+            <a:sp3d contourW="6350" prstMaterial="plastic">
+              <a:bevelT w="20320" h="20320" prst="angle"/>
+              <a:contourClr>
+                <a:schemeClr val="accent1">
+                  <a:tint val="100000"/>
+                  <a:shade val="100000"/>
+                  <a:hueMod val="100000"/>
+                  <a:satMod val="100000"/>
+                </a:schemeClr>
+              </a:contourClr>
+            </a:sp3d>
+          </a:bodyPr>
+          <a:lstStyle/>
+          <a:p>
+            <a:r>
+              <a:rPr lang="es-MX" b="1" cap="all" dirty="0" smtClean="0">
+                <a:ln/>
+                <a:solidFill>
+                  <a:schemeClr val="accent1"/>
+                </a:solidFill>
+                <a:effectLst>
+                  <a:outerShdw blurRad="19685" dist="12700" dir="5400000" algn="tl" rotWithShape="0">
+                    <a:schemeClr val="accent1">
+                      <a:satMod val="130000"/>
+                      <a:alpha val="60000"/>
+                    </a:schemeClr>
+                  </a:outerShdw>
+                  <a:reflection blurRad="10000" stA="55000" endPos="48000" dist="500" dir="5400000" sy="-100000" algn="bl" rotWithShape="0"/>
+                </a:effectLst>
+                <a:latin typeface="Calibri" pitchFamily="34" charset="0"/>
+              </a:rPr>
+              <a:t>$ 142.200.000.00</a:t>
+            </a:r>
+            <a:endParaRPr lang="es-CO" b="1" cap="all" dirty="0">
+              <a:ln/>
+              <a:solidFill>
+                <a:schemeClr val="accent1"/>
+              </a:solidFill>
+              <a:effectLst>
+                <a:outerShdw blurRad="19685" dist="12700" dir="5400000" algn="tl" rotWithShape="0">
+                  <a:schemeClr val="accent1">
+                    <a:satMod val="130000"/>
+                    <a:alpha val="60000"/>
+                  </a:schemeClr>
+                </a:outerShdw>
+                <a:reflection blurRad="10000" stA="55000" endPos="48000" dist="500" dir="5400000" sy="-100000" algn="bl" rotWithShape="0"/>
+              </a:effectLst>
+              <a:latin typeface="Calibri" pitchFamily="34" charset="0"/>
+            </a:endParaRPr>
+          </a:p>
+        </p:txBody>
+      </p:sp>
     </p:spTree>
     <p:extLst>
       <p:ext uri="{BB962C8B-B14F-4D97-AF65-F5344CB8AC3E}">
@@ -35954,87 +35132,60 @@
         </p:nvSpPr>
         <p:spPr>
           <a:xfrm>
-            <a:off x="1472587" y="2244968"/>
-            <a:ext cx="10018713" cy="3124201"/>
+            <a:off x="1516130" y="2811026"/>
+            <a:ext cx="10018713" cy="1920632"/>
           </a:xfrm>
         </p:spPr>
         <p:txBody>
           <a:bodyPr>
-            <a:normAutofit fontScale="92500"/>
+            <a:normAutofit/>
           </a:bodyPr>
           <a:lstStyle/>
           <a:p>
             <a:r>
-              <a:rPr lang="es-MX" dirty="0" smtClean="0"/>
+              <a:rPr lang="es-MX" dirty="0" smtClean="0">
+                <a:latin typeface="Calibri" pitchFamily="34" charset="0"/>
+              </a:rPr>
               <a:t>Motivador principal: Enfocar </a:t>
             </a:r>
             <a:r>
-              <a:rPr lang="es-MX" dirty="0"/>
+              <a:rPr lang="es-MX" dirty="0">
+                <a:latin typeface="Calibri" pitchFamily="34" charset="0"/>
+              </a:rPr>
               <a:t>la operación de la empresa hacia las necesidades de los clientes</a:t>
             </a:r>
             <a:r>
-              <a:rPr lang="es-MX" dirty="0" smtClean="0"/>
+              <a:rPr lang="es-MX" dirty="0" smtClean="0">
+                <a:latin typeface="Calibri" pitchFamily="34" charset="0"/>
+              </a:rPr>
               <a:t>.</a:t>
             </a:r>
           </a:p>
           <a:p>
             <a:r>
-              <a:rPr lang="es-MX" dirty="0" smtClean="0"/>
+              <a:rPr lang="es-MX" dirty="0" smtClean="0">
+                <a:latin typeface="Calibri" pitchFamily="34" charset="0"/>
+              </a:rPr>
               <a:t>Plan estratégico MPLA 2013: Proveer </a:t>
             </a:r>
             <a:r>
-              <a:rPr lang="es-MX" dirty="0"/>
+              <a:rPr lang="es-MX" dirty="0">
+                <a:latin typeface="Calibri" pitchFamily="34" charset="0"/>
+              </a:rPr>
               <a:t>a los clientes de </a:t>
             </a:r>
             <a:r>
-              <a:rPr lang="es-MX" dirty="0" smtClean="0"/>
+              <a:rPr lang="es-MX" dirty="0" smtClean="0">
+                <a:latin typeface="Calibri" pitchFamily="34" charset="0"/>
+              </a:rPr>
               <a:t>nuevas funcionalidades </a:t>
             </a:r>
             <a:r>
-              <a:rPr lang="es-MX" dirty="0"/>
-              <a:t>que satisfagan sus necesidades e inciten a utilizar más la plataforma </a:t>
+              <a:rPr lang="es-MX" dirty="0" smtClean="0">
+                <a:latin typeface="Calibri" pitchFamily="34" charset="0"/>
+              </a:rPr>
+              <a:t>.</a:t>
             </a:r>
-            <a:r>
-              <a:rPr lang="es-MX" dirty="0" smtClean="0"/>
-              <a:t>que </a:t>
-            </a:r>
-            <a:r>
-              <a:rPr lang="es-MX" dirty="0"/>
-              <a:t>se les </a:t>
-            </a:r>
-            <a:r>
-              <a:rPr lang="es-MX" dirty="0" smtClean="0"/>
-              <a:t>ofrece</a:t>
-            </a:r>
-          </a:p>
-          <a:p>
-            <a:r>
-              <a:rPr lang="es-MX" dirty="0" smtClean="0"/>
-              <a:t>Características de la nuevas funcionalidades:</a:t>
-            </a:r>
-          </a:p>
-          <a:p>
-            <a:pPr lvl="1"/>
-            <a:r>
-              <a:rPr lang="es-MX" dirty="0" smtClean="0"/>
-              <a:t>Brindar </a:t>
-            </a:r>
-            <a:r>
-              <a:rPr lang="es-MX" dirty="0"/>
-              <a:t>nuevos </a:t>
-            </a:r>
-            <a:r>
-              <a:rPr lang="es-MX" dirty="0" smtClean="0"/>
-              <a:t>medios transaccionales a sus clientes</a:t>
-            </a:r>
-          </a:p>
-          <a:p>
-            <a:pPr lvl="1"/>
-            <a:r>
-              <a:rPr lang="es-MX" dirty="0" smtClean="0"/>
-              <a:t>Ofrecer a los clientes mayor control sobre las transacciones </a:t>
-            </a:r>
-            <a:endParaRPr lang="es-MX" dirty="0"/>
           </a:p>
         </p:txBody>
       </p:sp>

--- a/Proyecto I/Presentación/Arquitectura Objetivo MPLA.pptx
+++ b/Proyecto I/Presentación/Arquitectura Objetivo MPLA.pptx
@@ -5,7 +5,7 @@
     <p:sldMasterId id="2147483828" r:id="rId1"/>
   </p:sldMasterIdLst>
   <p:notesMasterIdLst>
-    <p:notesMasterId r:id="rId27"/>
+    <p:notesMasterId r:id="rId25"/>
   </p:notesMasterIdLst>
   <p:sldIdLst>
     <p:sldId id="256" r:id="rId2"/>
@@ -16,23 +16,21 @@
     <p:sldId id="304" r:id="rId7"/>
     <p:sldId id="259" r:id="rId8"/>
     <p:sldId id="305" r:id="rId9"/>
-    <p:sldId id="265" r:id="rId10"/>
-    <p:sldId id="268" r:id="rId11"/>
-    <p:sldId id="306" r:id="rId12"/>
-    <p:sldId id="280" r:id="rId13"/>
-    <p:sldId id="281" r:id="rId14"/>
-    <p:sldId id="307" r:id="rId15"/>
-    <p:sldId id="292" r:id="rId16"/>
-    <p:sldId id="283" r:id="rId17"/>
-    <p:sldId id="284" r:id="rId18"/>
-    <p:sldId id="285" r:id="rId19"/>
-    <p:sldId id="286" r:id="rId20"/>
-    <p:sldId id="287" r:id="rId21"/>
-    <p:sldId id="288" r:id="rId22"/>
-    <p:sldId id="289" r:id="rId23"/>
-    <p:sldId id="308" r:id="rId24"/>
-    <p:sldId id="291" r:id="rId25"/>
-    <p:sldId id="302" r:id="rId26"/>
+    <p:sldId id="268" r:id="rId10"/>
+    <p:sldId id="306" r:id="rId11"/>
+    <p:sldId id="280" r:id="rId12"/>
+    <p:sldId id="281" r:id="rId13"/>
+    <p:sldId id="307" r:id="rId14"/>
+    <p:sldId id="292" r:id="rId15"/>
+    <p:sldId id="283" r:id="rId16"/>
+    <p:sldId id="284" r:id="rId17"/>
+    <p:sldId id="285" r:id="rId18"/>
+    <p:sldId id="286" r:id="rId19"/>
+    <p:sldId id="287" r:id="rId20"/>
+    <p:sldId id="288" r:id="rId21"/>
+    <p:sldId id="308" r:id="rId22"/>
+    <p:sldId id="291" r:id="rId23"/>
+    <p:sldId id="302" r:id="rId24"/>
   </p:sldIdLst>
   <p:sldSz cx="12192000" cy="6858000"/>
   <p:notesSz cx="6858000" cy="9144000"/>
@@ -133,7 +131,7 @@
   </p:defaultTextStyle>
   <p:extLst>
     <p:ext uri="{EFAFB233-063F-42B5-8137-9DF3F51BA10A}">
-      <p15:sldGuideLst xmlns:p15="http://schemas.microsoft.com/office/powerpoint/2012/main" xmlns="">
+      <p15:sldGuideLst xmlns="" xmlns:p15="http://schemas.microsoft.com/office/powerpoint/2012/main">
         <p15:guide id="1" orient="horz" pos="2160">
           <p15:clr>
             <a:srgbClr val="A4A3A4"/>
@@ -147,7 +145,7 @@
       </p15:sldGuideLst>
     </p:ext>
     <p:ext uri="{2D200454-40CA-4A62-9FC3-DE9A4176ACB9}">
-      <p15:notesGuideLst xmlns:p15="http://schemas.microsoft.com/office/powerpoint/2012/main" xmlns="">
+      <p15:notesGuideLst xmlns="" xmlns:p15="http://schemas.microsoft.com/office/powerpoint/2012/main">
         <p15:guide id="1" orient="horz" pos="2880">
           <p15:clr>
             <a:srgbClr val="A4A3A4"/>
@@ -3308,813 +3306,6 @@
 </file>
 
 <file path=ppt/diagrams/colors5.xml><?xml version="1.0" encoding="utf-8"?>
-<dgm:colorsDef xmlns:dgm="http://schemas.openxmlformats.org/drawingml/2006/diagram" xmlns:a="http://schemas.openxmlformats.org/drawingml/2006/main" uniqueId="urn:microsoft.com/office/officeart/2005/8/colors/accent2_1">
-  <dgm:title val=""/>
-  <dgm:desc val=""/>
-  <dgm:catLst>
-    <dgm:cat type="accent2" pri="11100"/>
-  </dgm:catLst>
-  <dgm:styleLbl name="node0">
-    <dgm:fillClrLst meth="repeat">
-      <a:schemeClr val="lt1"/>
-    </dgm:fillClrLst>
-    <dgm:linClrLst meth="repeat">
-      <a:schemeClr val="accent2">
-        <a:shade val="80000"/>
-      </a:schemeClr>
-    </dgm:linClrLst>
-    <dgm:effectClrLst/>
-    <dgm:txLinClrLst/>
-    <dgm:txFillClrLst meth="repeat">
-      <a:schemeClr val="dk1"/>
-    </dgm:txFillClrLst>
-    <dgm:txEffectClrLst/>
-  </dgm:styleLbl>
-  <dgm:styleLbl name="node1">
-    <dgm:fillClrLst meth="repeat">
-      <a:schemeClr val="lt1"/>
-    </dgm:fillClrLst>
-    <dgm:linClrLst meth="repeat">
-      <a:schemeClr val="accent2">
-        <a:shade val="80000"/>
-      </a:schemeClr>
-    </dgm:linClrLst>
-    <dgm:effectClrLst/>
-    <dgm:txLinClrLst/>
-    <dgm:txFillClrLst meth="repeat">
-      <a:schemeClr val="dk1"/>
-    </dgm:txFillClrLst>
-    <dgm:txEffectClrLst/>
-  </dgm:styleLbl>
-  <dgm:styleLbl name="alignNode1">
-    <dgm:fillClrLst meth="repeat">
-      <a:schemeClr val="lt1"/>
-    </dgm:fillClrLst>
-    <dgm:linClrLst meth="repeat">
-      <a:schemeClr val="accent2">
-        <a:shade val="80000"/>
-      </a:schemeClr>
-    </dgm:linClrLst>
-    <dgm:effectClrLst/>
-    <dgm:txLinClrLst/>
-    <dgm:txFillClrLst meth="repeat">
-      <a:schemeClr val="dk1"/>
-    </dgm:txFillClrLst>
-    <dgm:txEffectClrLst/>
-  </dgm:styleLbl>
-  <dgm:styleLbl name="lnNode1">
-    <dgm:fillClrLst meth="repeat">
-      <a:schemeClr val="lt1"/>
-    </dgm:fillClrLst>
-    <dgm:linClrLst meth="repeat">
-      <a:schemeClr val="accent2">
-        <a:shade val="80000"/>
-      </a:schemeClr>
-    </dgm:linClrLst>
-    <dgm:effectClrLst/>
-    <dgm:txLinClrLst/>
-    <dgm:txFillClrLst meth="repeat">
-      <a:schemeClr val="dk1"/>
-    </dgm:txFillClrLst>
-    <dgm:txEffectClrLst/>
-  </dgm:styleLbl>
-  <dgm:styleLbl name="vennNode1">
-    <dgm:fillClrLst meth="repeat">
-      <a:schemeClr val="lt1">
-        <a:alpha val="50000"/>
-      </a:schemeClr>
-    </dgm:fillClrLst>
-    <dgm:linClrLst meth="repeat">
-      <a:schemeClr val="accent2">
-        <a:shade val="80000"/>
-      </a:schemeClr>
-    </dgm:linClrLst>
-    <dgm:effectClrLst/>
-    <dgm:txLinClrLst/>
-    <dgm:txFillClrLst/>
-    <dgm:txEffectClrLst/>
-  </dgm:styleLbl>
-  <dgm:styleLbl name="node2">
-    <dgm:fillClrLst meth="repeat">
-      <a:schemeClr val="lt1"/>
-    </dgm:fillClrLst>
-    <dgm:linClrLst meth="repeat">
-      <a:schemeClr val="accent2">
-        <a:shade val="80000"/>
-      </a:schemeClr>
-    </dgm:linClrLst>
-    <dgm:effectClrLst/>
-    <dgm:txLinClrLst/>
-    <dgm:txFillClrLst meth="repeat">
-      <a:schemeClr val="dk1"/>
-    </dgm:txFillClrLst>
-    <dgm:txEffectClrLst/>
-  </dgm:styleLbl>
-  <dgm:styleLbl name="node3">
-    <dgm:fillClrLst meth="repeat">
-      <a:schemeClr val="lt1"/>
-    </dgm:fillClrLst>
-    <dgm:linClrLst meth="repeat">
-      <a:schemeClr val="accent2">
-        <a:shade val="80000"/>
-      </a:schemeClr>
-    </dgm:linClrLst>
-    <dgm:effectClrLst/>
-    <dgm:txLinClrLst/>
-    <dgm:txFillClrLst meth="repeat">
-      <a:schemeClr val="dk1"/>
-    </dgm:txFillClrLst>
-    <dgm:txEffectClrLst/>
-  </dgm:styleLbl>
-  <dgm:styleLbl name="node4">
-    <dgm:fillClrLst meth="repeat">
-      <a:schemeClr val="lt1"/>
-    </dgm:fillClrLst>
-    <dgm:linClrLst meth="repeat">
-      <a:schemeClr val="accent2">
-        <a:shade val="80000"/>
-      </a:schemeClr>
-    </dgm:linClrLst>
-    <dgm:effectClrLst/>
-    <dgm:txLinClrLst/>
-    <dgm:txFillClrLst meth="repeat">
-      <a:schemeClr val="dk1"/>
-    </dgm:txFillClrLst>
-    <dgm:txEffectClrLst/>
-  </dgm:styleLbl>
-  <dgm:styleLbl name="fgImgPlace1">
-    <dgm:fillClrLst meth="repeat">
-      <a:schemeClr val="accent2">
-        <a:tint val="40000"/>
-      </a:schemeClr>
-    </dgm:fillClrLst>
-    <dgm:linClrLst meth="repeat">
-      <a:schemeClr val="accent2">
-        <a:shade val="80000"/>
-      </a:schemeClr>
-    </dgm:linClrLst>
-    <dgm:effectClrLst/>
-    <dgm:txLinClrLst/>
-    <dgm:txFillClrLst meth="repeat">
-      <a:schemeClr val="lt1"/>
-    </dgm:txFillClrLst>
-    <dgm:txEffectClrLst/>
-  </dgm:styleLbl>
-  <dgm:styleLbl name="alignImgPlace1">
-    <dgm:fillClrLst meth="repeat">
-      <a:schemeClr val="accent2">
-        <a:tint val="40000"/>
-      </a:schemeClr>
-    </dgm:fillClrLst>
-    <dgm:linClrLst meth="repeat">
-      <a:schemeClr val="accent2">
-        <a:shade val="80000"/>
-      </a:schemeClr>
-    </dgm:linClrLst>
-    <dgm:effectClrLst/>
-    <dgm:txLinClrLst/>
-    <dgm:txFillClrLst meth="repeat">
-      <a:schemeClr val="lt1"/>
-    </dgm:txFillClrLst>
-    <dgm:txEffectClrLst/>
-  </dgm:styleLbl>
-  <dgm:styleLbl name="bgImgPlace1">
-    <dgm:fillClrLst meth="repeat">
-      <a:schemeClr val="accent2">
-        <a:tint val="40000"/>
-      </a:schemeClr>
-    </dgm:fillClrLst>
-    <dgm:linClrLst meth="repeat">
-      <a:schemeClr val="accent2">
-        <a:shade val="80000"/>
-      </a:schemeClr>
-    </dgm:linClrLst>
-    <dgm:effectClrLst/>
-    <dgm:txLinClrLst/>
-    <dgm:txFillClrLst meth="repeat">
-      <a:schemeClr val="lt1"/>
-    </dgm:txFillClrLst>
-    <dgm:txEffectClrLst/>
-  </dgm:styleLbl>
-  <dgm:styleLbl name="sibTrans2D1">
-    <dgm:fillClrLst meth="repeat">
-      <a:schemeClr val="accent2">
-        <a:tint val="60000"/>
-      </a:schemeClr>
-    </dgm:fillClrLst>
-    <dgm:linClrLst meth="repeat">
-      <a:schemeClr val="accent2">
-        <a:tint val="60000"/>
-      </a:schemeClr>
-    </dgm:linClrLst>
-    <dgm:effectClrLst/>
-    <dgm:txLinClrLst/>
-    <dgm:txFillClrLst meth="repeat">
-      <a:schemeClr val="dk1"/>
-    </dgm:txFillClrLst>
-    <dgm:txEffectClrLst/>
-  </dgm:styleLbl>
-  <dgm:styleLbl name="fgSibTrans2D1">
-    <dgm:fillClrLst meth="repeat">
-      <a:schemeClr val="accent2">
-        <a:tint val="60000"/>
-      </a:schemeClr>
-    </dgm:fillClrLst>
-    <dgm:linClrLst meth="repeat">
-      <a:schemeClr val="accent2">
-        <a:tint val="60000"/>
-      </a:schemeClr>
-    </dgm:linClrLst>
-    <dgm:effectClrLst/>
-    <dgm:txLinClrLst/>
-    <dgm:txFillClrLst meth="repeat">
-      <a:schemeClr val="dk1"/>
-    </dgm:txFillClrLst>
-    <dgm:txEffectClrLst/>
-  </dgm:styleLbl>
-  <dgm:styleLbl name="bgSibTrans2D1">
-    <dgm:fillClrLst meth="repeat">
-      <a:schemeClr val="accent2">
-        <a:tint val="60000"/>
-      </a:schemeClr>
-    </dgm:fillClrLst>
-    <dgm:linClrLst meth="repeat">
-      <a:schemeClr val="accent2">
-        <a:tint val="60000"/>
-      </a:schemeClr>
-    </dgm:linClrLst>
-    <dgm:effectClrLst/>
-    <dgm:txLinClrLst/>
-    <dgm:txFillClrLst meth="repeat">
-      <a:schemeClr val="dk1"/>
-    </dgm:txFillClrLst>
-    <dgm:txEffectClrLst/>
-  </dgm:styleLbl>
-  <dgm:styleLbl name="sibTrans1D1">
-    <dgm:fillClrLst meth="repeat">
-      <a:schemeClr val="accent2"/>
-    </dgm:fillClrLst>
-    <dgm:linClrLst meth="repeat">
-      <a:schemeClr val="accent2"/>
-    </dgm:linClrLst>
-    <dgm:effectClrLst/>
-    <dgm:txLinClrLst/>
-    <dgm:txFillClrLst meth="repeat">
-      <a:schemeClr val="tx1"/>
-    </dgm:txFillClrLst>
-    <dgm:txEffectClrLst/>
-  </dgm:styleLbl>
-  <dgm:styleLbl name="callout">
-    <dgm:fillClrLst meth="repeat">
-      <a:schemeClr val="accent2"/>
-    </dgm:fillClrLst>
-    <dgm:linClrLst meth="repeat">
-      <a:schemeClr val="accent2"/>
-    </dgm:linClrLst>
-    <dgm:effectClrLst/>
-    <dgm:txLinClrLst/>
-    <dgm:txFillClrLst meth="repeat">
-      <a:schemeClr val="tx1"/>
-    </dgm:txFillClrLst>
-    <dgm:txEffectClrLst/>
-  </dgm:styleLbl>
-  <dgm:styleLbl name="asst0">
-    <dgm:fillClrLst meth="repeat">
-      <a:schemeClr val="lt1"/>
-    </dgm:fillClrLst>
-    <dgm:linClrLst meth="repeat">
-      <a:schemeClr val="accent2">
-        <a:shade val="80000"/>
-      </a:schemeClr>
-    </dgm:linClrLst>
-    <dgm:effectClrLst/>
-    <dgm:txLinClrLst/>
-    <dgm:txFillClrLst meth="repeat">
-      <a:schemeClr val="dk1"/>
-    </dgm:txFillClrLst>
-    <dgm:txEffectClrLst/>
-  </dgm:styleLbl>
-  <dgm:styleLbl name="asst1">
-    <dgm:fillClrLst meth="repeat">
-      <a:schemeClr val="lt1"/>
-    </dgm:fillClrLst>
-    <dgm:linClrLst meth="repeat">
-      <a:schemeClr val="accent2">
-        <a:shade val="80000"/>
-      </a:schemeClr>
-    </dgm:linClrLst>
-    <dgm:effectClrLst/>
-    <dgm:txLinClrLst/>
-    <dgm:txFillClrLst meth="repeat">
-      <a:schemeClr val="dk1"/>
-    </dgm:txFillClrLst>
-    <dgm:txEffectClrLst/>
-  </dgm:styleLbl>
-  <dgm:styleLbl name="asst2">
-    <dgm:fillClrLst meth="repeat">
-      <a:schemeClr val="lt1"/>
-    </dgm:fillClrLst>
-    <dgm:linClrLst meth="repeat">
-      <a:schemeClr val="accent2">
-        <a:shade val="80000"/>
-      </a:schemeClr>
-    </dgm:linClrLst>
-    <dgm:effectClrLst/>
-    <dgm:txLinClrLst/>
-    <dgm:txFillClrLst meth="repeat">
-      <a:schemeClr val="dk1"/>
-    </dgm:txFillClrLst>
-    <dgm:txEffectClrLst/>
-  </dgm:styleLbl>
-  <dgm:styleLbl name="asst3">
-    <dgm:fillClrLst meth="repeat">
-      <a:schemeClr val="lt1"/>
-    </dgm:fillClrLst>
-    <dgm:linClrLst meth="repeat">
-      <a:schemeClr val="accent2">
-        <a:shade val="80000"/>
-      </a:schemeClr>
-    </dgm:linClrLst>
-    <dgm:effectClrLst/>
-    <dgm:txLinClrLst/>
-    <dgm:txFillClrLst meth="repeat">
-      <a:schemeClr val="dk1"/>
-    </dgm:txFillClrLst>
-    <dgm:txEffectClrLst/>
-  </dgm:styleLbl>
-  <dgm:styleLbl name="asst4">
-    <dgm:fillClrLst meth="repeat">
-      <a:schemeClr val="lt1"/>
-    </dgm:fillClrLst>
-    <dgm:linClrLst meth="repeat">
-      <a:schemeClr val="accent2">
-        <a:shade val="80000"/>
-      </a:schemeClr>
-    </dgm:linClrLst>
-    <dgm:effectClrLst/>
-    <dgm:txLinClrLst/>
-    <dgm:txFillClrLst meth="repeat">
-      <a:schemeClr val="dk1"/>
-    </dgm:txFillClrLst>
-    <dgm:txEffectClrLst/>
-  </dgm:styleLbl>
-  <dgm:styleLbl name="parChTrans2D1">
-    <dgm:fillClrLst meth="repeat">
-      <a:schemeClr val="accent2">
-        <a:tint val="60000"/>
-      </a:schemeClr>
-    </dgm:fillClrLst>
-    <dgm:linClrLst meth="repeat">
-      <a:schemeClr val="accent2">
-        <a:tint val="60000"/>
-      </a:schemeClr>
-    </dgm:linClrLst>
-    <dgm:effectClrLst/>
-    <dgm:txLinClrLst/>
-    <dgm:txFillClrLst/>
-    <dgm:txEffectClrLst/>
-  </dgm:styleLbl>
-  <dgm:styleLbl name="parChTrans2D2">
-    <dgm:fillClrLst meth="repeat">
-      <a:schemeClr val="accent2"/>
-    </dgm:fillClrLst>
-    <dgm:linClrLst meth="repeat">
-      <a:schemeClr val="accent2"/>
-    </dgm:linClrLst>
-    <dgm:effectClrLst/>
-    <dgm:txLinClrLst/>
-    <dgm:txFillClrLst/>
-    <dgm:txEffectClrLst/>
-  </dgm:styleLbl>
-  <dgm:styleLbl name="parChTrans2D3">
-    <dgm:fillClrLst meth="repeat">
-      <a:schemeClr val="accent2"/>
-    </dgm:fillClrLst>
-    <dgm:linClrLst meth="repeat">
-      <a:schemeClr val="accent2"/>
-    </dgm:linClrLst>
-    <dgm:effectClrLst/>
-    <dgm:txLinClrLst/>
-    <dgm:txFillClrLst/>
-    <dgm:txEffectClrLst/>
-  </dgm:styleLbl>
-  <dgm:styleLbl name="parChTrans2D4">
-    <dgm:fillClrLst meth="repeat">
-      <a:schemeClr val="accent2"/>
-    </dgm:fillClrLst>
-    <dgm:linClrLst meth="repeat">
-      <a:schemeClr val="accent2"/>
-    </dgm:linClrLst>
-    <dgm:effectClrLst/>
-    <dgm:txLinClrLst/>
-    <dgm:txFillClrLst meth="repeat">
-      <a:schemeClr val="lt1"/>
-    </dgm:txFillClrLst>
-    <dgm:txEffectClrLst/>
-  </dgm:styleLbl>
-  <dgm:styleLbl name="parChTrans1D1">
-    <dgm:fillClrLst meth="repeat">
-      <a:schemeClr val="accent2"/>
-    </dgm:fillClrLst>
-    <dgm:linClrLst meth="repeat">
-      <a:schemeClr val="accent2">
-        <a:shade val="60000"/>
-      </a:schemeClr>
-    </dgm:linClrLst>
-    <dgm:effectClrLst/>
-    <dgm:txLinClrLst/>
-    <dgm:txFillClrLst meth="repeat">
-      <a:schemeClr val="tx1"/>
-    </dgm:txFillClrLst>
-    <dgm:txEffectClrLst/>
-  </dgm:styleLbl>
-  <dgm:styleLbl name="parChTrans1D2">
-    <dgm:fillClrLst meth="repeat">
-      <a:schemeClr val="accent2"/>
-    </dgm:fillClrLst>
-    <dgm:linClrLst meth="repeat">
-      <a:schemeClr val="accent2">
-        <a:shade val="60000"/>
-      </a:schemeClr>
-    </dgm:linClrLst>
-    <dgm:effectClrLst/>
-    <dgm:txLinClrLst/>
-    <dgm:txFillClrLst meth="repeat">
-      <a:schemeClr val="tx1"/>
-    </dgm:txFillClrLst>
-    <dgm:txEffectClrLst/>
-  </dgm:styleLbl>
-  <dgm:styleLbl name="parChTrans1D3">
-    <dgm:fillClrLst meth="repeat">
-      <a:schemeClr val="accent2"/>
-    </dgm:fillClrLst>
-    <dgm:linClrLst meth="repeat">
-      <a:schemeClr val="accent2">
-        <a:shade val="80000"/>
-      </a:schemeClr>
-    </dgm:linClrLst>
-    <dgm:effectClrLst/>
-    <dgm:txLinClrLst/>
-    <dgm:txFillClrLst meth="repeat">
-      <a:schemeClr val="tx1"/>
-    </dgm:txFillClrLst>
-    <dgm:txEffectClrLst/>
-  </dgm:styleLbl>
-  <dgm:styleLbl name="parChTrans1D4">
-    <dgm:fillClrLst meth="repeat">
-      <a:schemeClr val="accent2"/>
-    </dgm:fillClrLst>
-    <dgm:linClrLst meth="repeat">
-      <a:schemeClr val="accent2">
-        <a:shade val="80000"/>
-      </a:schemeClr>
-    </dgm:linClrLst>
-    <dgm:effectClrLst/>
-    <dgm:txLinClrLst/>
-    <dgm:txFillClrLst meth="repeat">
-      <a:schemeClr val="tx1"/>
-    </dgm:txFillClrLst>
-    <dgm:txEffectClrLst/>
-  </dgm:styleLbl>
-  <dgm:styleLbl name="fgAcc1">
-    <dgm:fillClrLst meth="repeat">
-      <a:schemeClr val="accent2">
-        <a:alpha val="90000"/>
-        <a:tint val="40000"/>
-      </a:schemeClr>
-    </dgm:fillClrLst>
-    <dgm:linClrLst meth="repeat">
-      <a:schemeClr val="accent2"/>
-    </dgm:linClrLst>
-    <dgm:effectClrLst/>
-    <dgm:txLinClrLst/>
-    <dgm:txFillClrLst meth="repeat">
-      <a:schemeClr val="dk1"/>
-    </dgm:txFillClrLst>
-    <dgm:txEffectClrLst/>
-  </dgm:styleLbl>
-  <dgm:styleLbl name="conFgAcc1">
-    <dgm:fillClrLst meth="repeat">
-      <a:schemeClr val="accent2">
-        <a:alpha val="90000"/>
-        <a:tint val="40000"/>
-      </a:schemeClr>
-    </dgm:fillClrLst>
-    <dgm:linClrLst meth="repeat">
-      <a:schemeClr val="accent2"/>
-    </dgm:linClrLst>
-    <dgm:effectClrLst/>
-    <dgm:txLinClrLst/>
-    <dgm:txFillClrLst meth="repeat">
-      <a:schemeClr val="dk1"/>
-    </dgm:txFillClrLst>
-    <dgm:txEffectClrLst/>
-  </dgm:styleLbl>
-  <dgm:styleLbl name="alignAcc1">
-    <dgm:fillClrLst meth="repeat">
-      <a:schemeClr val="accent2">
-        <a:alpha val="90000"/>
-        <a:tint val="40000"/>
-      </a:schemeClr>
-    </dgm:fillClrLst>
-    <dgm:linClrLst meth="repeat">
-      <a:schemeClr val="accent2"/>
-    </dgm:linClrLst>
-    <dgm:effectClrLst/>
-    <dgm:txLinClrLst/>
-    <dgm:txFillClrLst meth="repeat">
-      <a:schemeClr val="dk1"/>
-    </dgm:txFillClrLst>
-    <dgm:txEffectClrLst/>
-  </dgm:styleLbl>
-  <dgm:styleLbl name="trAlignAcc1">
-    <dgm:fillClrLst meth="repeat">
-      <a:schemeClr val="accent2">
-        <a:alpha val="40000"/>
-        <a:tint val="40000"/>
-      </a:schemeClr>
-    </dgm:fillClrLst>
-    <dgm:linClrLst meth="repeat">
-      <a:schemeClr val="accent2"/>
-    </dgm:linClrLst>
-    <dgm:effectClrLst/>
-    <dgm:txLinClrLst/>
-    <dgm:txFillClrLst meth="repeat">
-      <a:schemeClr val="dk1"/>
-    </dgm:txFillClrLst>
-    <dgm:txEffectClrLst/>
-  </dgm:styleLbl>
-  <dgm:styleLbl name="bgAcc1">
-    <dgm:fillClrLst meth="repeat">
-      <a:schemeClr val="accent2">
-        <a:alpha val="90000"/>
-        <a:tint val="40000"/>
-      </a:schemeClr>
-    </dgm:fillClrLst>
-    <dgm:linClrLst meth="repeat">
-      <a:schemeClr val="accent2"/>
-    </dgm:linClrLst>
-    <dgm:effectClrLst/>
-    <dgm:txLinClrLst/>
-    <dgm:txFillClrLst meth="repeat">
-      <a:schemeClr val="dk1"/>
-    </dgm:txFillClrLst>
-    <dgm:txEffectClrLst/>
-  </dgm:styleLbl>
-  <dgm:styleLbl name="solidFgAcc1">
-    <dgm:fillClrLst meth="repeat">
-      <a:schemeClr val="lt1"/>
-    </dgm:fillClrLst>
-    <dgm:linClrLst meth="repeat">
-      <a:schemeClr val="accent2"/>
-    </dgm:linClrLst>
-    <dgm:effectClrLst/>
-    <dgm:txLinClrLst/>
-    <dgm:txFillClrLst meth="repeat">
-      <a:schemeClr val="dk1"/>
-    </dgm:txFillClrLst>
-    <dgm:txEffectClrLst/>
-  </dgm:styleLbl>
-  <dgm:styleLbl name="solidAlignAcc1">
-    <dgm:fillClrLst meth="repeat">
-      <a:schemeClr val="lt1"/>
-    </dgm:fillClrLst>
-    <dgm:linClrLst meth="repeat">
-      <a:schemeClr val="accent2"/>
-    </dgm:linClrLst>
-    <dgm:effectClrLst/>
-    <dgm:txLinClrLst/>
-    <dgm:txFillClrLst meth="repeat">
-      <a:schemeClr val="dk1"/>
-    </dgm:txFillClrLst>
-    <dgm:txEffectClrLst/>
-  </dgm:styleLbl>
-  <dgm:styleLbl name="solidBgAcc1">
-    <dgm:fillClrLst meth="repeat">
-      <a:schemeClr val="lt1"/>
-    </dgm:fillClrLst>
-    <dgm:linClrLst meth="repeat">
-      <a:schemeClr val="accent2"/>
-    </dgm:linClrLst>
-    <dgm:effectClrLst/>
-    <dgm:txLinClrLst/>
-    <dgm:txFillClrLst meth="repeat">
-      <a:schemeClr val="dk1"/>
-    </dgm:txFillClrLst>
-    <dgm:txEffectClrLst/>
-  </dgm:styleLbl>
-  <dgm:styleLbl name="fgAccFollowNode1">
-    <dgm:fillClrLst meth="repeat">
-      <a:schemeClr val="lt1">
-        <a:alpha val="90000"/>
-        <a:tint val="40000"/>
-      </a:schemeClr>
-    </dgm:fillClrLst>
-    <dgm:linClrLst meth="repeat">
-      <a:schemeClr val="accent2">
-        <a:alpha val="90000"/>
-      </a:schemeClr>
-    </dgm:linClrLst>
-    <dgm:effectClrLst/>
-    <dgm:txLinClrLst/>
-    <dgm:txFillClrLst meth="repeat">
-      <a:schemeClr val="dk1"/>
-    </dgm:txFillClrLst>
-    <dgm:txEffectClrLst/>
-  </dgm:styleLbl>
-  <dgm:styleLbl name="alignAccFollowNode1">
-    <dgm:fillClrLst meth="repeat">
-      <a:schemeClr val="lt1">
-        <a:alpha val="90000"/>
-        <a:tint val="40000"/>
-      </a:schemeClr>
-    </dgm:fillClrLst>
-    <dgm:linClrLst meth="repeat">
-      <a:schemeClr val="accent2">
-        <a:alpha val="90000"/>
-      </a:schemeClr>
-    </dgm:linClrLst>
-    <dgm:effectClrLst/>
-    <dgm:txLinClrLst/>
-    <dgm:txFillClrLst meth="repeat">
-      <a:schemeClr val="dk1"/>
-    </dgm:txFillClrLst>
-    <dgm:txEffectClrLst/>
-  </dgm:styleLbl>
-  <dgm:styleLbl name="bgAccFollowNode1">
-    <dgm:fillClrLst meth="repeat">
-      <a:schemeClr val="lt1">
-        <a:alpha val="90000"/>
-        <a:tint val="40000"/>
-      </a:schemeClr>
-    </dgm:fillClrLst>
-    <dgm:linClrLst meth="repeat">
-      <a:schemeClr val="accent2">
-        <a:alpha val="90000"/>
-      </a:schemeClr>
-    </dgm:linClrLst>
-    <dgm:effectClrLst/>
-    <dgm:txLinClrLst/>
-    <dgm:txFillClrLst meth="repeat">
-      <a:schemeClr val="dk1"/>
-    </dgm:txFillClrLst>
-    <dgm:txEffectClrLst/>
-  </dgm:styleLbl>
-  <dgm:styleLbl name="fgAcc0">
-    <dgm:fillClrLst meth="repeat">
-      <a:schemeClr val="accent2">
-        <a:alpha val="90000"/>
-        <a:tint val="40000"/>
-      </a:schemeClr>
-    </dgm:fillClrLst>
-    <dgm:linClrLst meth="repeat">
-      <a:schemeClr val="accent2"/>
-    </dgm:linClrLst>
-    <dgm:effectClrLst/>
-    <dgm:txLinClrLst/>
-    <dgm:txFillClrLst meth="repeat">
-      <a:schemeClr val="dk1"/>
-    </dgm:txFillClrLst>
-    <dgm:txEffectClrLst/>
-  </dgm:styleLbl>
-  <dgm:styleLbl name="fgAcc2">
-    <dgm:fillClrLst meth="repeat">
-      <a:schemeClr val="accent2">
-        <a:alpha val="90000"/>
-        <a:tint val="40000"/>
-      </a:schemeClr>
-    </dgm:fillClrLst>
-    <dgm:linClrLst meth="repeat">
-      <a:schemeClr val="accent2"/>
-    </dgm:linClrLst>
-    <dgm:effectClrLst/>
-    <dgm:txLinClrLst/>
-    <dgm:txFillClrLst meth="repeat">
-      <a:schemeClr val="dk1"/>
-    </dgm:txFillClrLst>
-    <dgm:txEffectClrLst/>
-  </dgm:styleLbl>
-  <dgm:styleLbl name="fgAcc3">
-    <dgm:fillClrLst meth="repeat">
-      <a:schemeClr val="accent2">
-        <a:alpha val="90000"/>
-        <a:tint val="40000"/>
-      </a:schemeClr>
-    </dgm:fillClrLst>
-    <dgm:linClrLst meth="repeat">
-      <a:schemeClr val="accent2"/>
-    </dgm:linClrLst>
-    <dgm:effectClrLst/>
-    <dgm:txLinClrLst/>
-    <dgm:txFillClrLst meth="repeat">
-      <a:schemeClr val="dk1"/>
-    </dgm:txFillClrLst>
-    <dgm:txEffectClrLst/>
-  </dgm:styleLbl>
-  <dgm:styleLbl name="fgAcc4">
-    <dgm:fillClrLst meth="repeat">
-      <a:schemeClr val="accent2">
-        <a:alpha val="90000"/>
-        <a:tint val="40000"/>
-      </a:schemeClr>
-    </dgm:fillClrLst>
-    <dgm:linClrLst meth="repeat">
-      <a:schemeClr val="accent2"/>
-    </dgm:linClrLst>
-    <dgm:effectClrLst/>
-    <dgm:txLinClrLst/>
-    <dgm:txFillClrLst meth="repeat">
-      <a:schemeClr val="dk1"/>
-    </dgm:txFillClrLst>
-    <dgm:txEffectClrLst/>
-  </dgm:styleLbl>
-  <dgm:styleLbl name="bgShp">
-    <dgm:fillClrLst meth="repeat">
-      <a:schemeClr val="accent2">
-        <a:tint val="40000"/>
-      </a:schemeClr>
-    </dgm:fillClrLst>
-    <dgm:linClrLst meth="repeat">
-      <a:schemeClr val="accent2"/>
-    </dgm:linClrLst>
-    <dgm:effectClrLst/>
-    <dgm:txLinClrLst/>
-    <dgm:txFillClrLst meth="repeat">
-      <a:schemeClr val="dk1"/>
-    </dgm:txFillClrLst>
-    <dgm:txEffectClrLst/>
-  </dgm:styleLbl>
-  <dgm:styleLbl name="dkBgShp">
-    <dgm:fillClrLst meth="repeat">
-      <a:schemeClr val="accent2">
-        <a:shade val="80000"/>
-      </a:schemeClr>
-    </dgm:fillClrLst>
-    <dgm:linClrLst meth="repeat">
-      <a:schemeClr val="accent2"/>
-    </dgm:linClrLst>
-    <dgm:effectClrLst/>
-    <dgm:txLinClrLst/>
-    <dgm:txFillClrLst meth="repeat">
-      <a:schemeClr val="lt1"/>
-    </dgm:txFillClrLst>
-    <dgm:txEffectClrLst/>
-  </dgm:styleLbl>
-  <dgm:styleLbl name="trBgShp">
-    <dgm:fillClrLst meth="repeat">
-      <a:schemeClr val="accent2">
-        <a:tint val="50000"/>
-        <a:alpha val="40000"/>
-      </a:schemeClr>
-    </dgm:fillClrLst>
-    <dgm:linClrLst meth="repeat">
-      <a:schemeClr val="accent2"/>
-    </dgm:linClrLst>
-    <dgm:effectClrLst/>
-    <dgm:txLinClrLst/>
-    <dgm:txFillClrLst meth="repeat">
-      <a:schemeClr val="lt1"/>
-    </dgm:txFillClrLst>
-    <dgm:txEffectClrLst/>
-  </dgm:styleLbl>
-  <dgm:styleLbl name="fgShp">
-    <dgm:fillClrLst meth="repeat">
-      <a:schemeClr val="accent2">
-        <a:tint val="60000"/>
-      </a:schemeClr>
-    </dgm:fillClrLst>
-    <dgm:linClrLst meth="repeat">
-      <a:schemeClr val="lt1"/>
-    </dgm:linClrLst>
-    <dgm:effectClrLst/>
-    <dgm:txLinClrLst/>
-    <dgm:txFillClrLst meth="repeat">
-      <a:schemeClr val="dk1"/>
-    </dgm:txFillClrLst>
-    <dgm:txEffectClrLst/>
-  </dgm:styleLbl>
-  <dgm:styleLbl name="revTx">
-    <dgm:fillClrLst meth="repeat">
-      <a:schemeClr val="lt1">
-        <a:alpha val="0"/>
-      </a:schemeClr>
-    </dgm:fillClrLst>
-    <dgm:linClrLst meth="repeat">
-      <a:schemeClr val="dk1">
-        <a:alpha val="0"/>
-      </a:schemeClr>
-    </dgm:linClrLst>
-    <dgm:effectClrLst/>
-    <dgm:txLinClrLst/>
-    <dgm:txFillClrLst meth="repeat">
-      <a:schemeClr val="tx1"/>
-    </dgm:txFillClrLst>
-    <dgm:txEffectClrLst/>
-  </dgm:styleLbl>
-</dgm:colorsDef>
-</file>
-
-<file path=ppt/diagrams/colors6.xml><?xml version="1.0" encoding="utf-8"?>
 <dgm:colorsDef xmlns:dgm="http://schemas.openxmlformats.org/drawingml/2006/diagram" xmlns:a="http://schemas.openxmlformats.org/drawingml/2006/main" uniqueId="urn:microsoft.com/office/officeart/2005/8/colors/accent1_2">
   <dgm:title val=""/>
   <dgm:desc val=""/>
@@ -5699,7 +4890,7 @@
         <a:lstStyle/>
         <a:p>
           <a:r>
-            <a:rPr lang="es-MX" sz="1600" b="1" smtClean="0">
+            <a:rPr lang="es-MX" sz="1600" b="1" dirty="0" smtClean="0">
               <a:latin typeface="Calibri" pitchFamily="34" charset="0"/>
             </a:rPr>
             <a:t>Fidelización y atracción de clientes</a:t>
@@ -5781,7 +4972,7 @@
         <a:lstStyle/>
         <a:p>
           <a:r>
-            <a:rPr lang="es-MX" sz="1600" b="1" smtClean="0">
+            <a:rPr lang="es-MX" sz="1600" b="1" dirty="0" smtClean="0">
               <a:latin typeface="Calibri" pitchFamily="34" charset="0"/>
             </a:rPr>
             <a:t>Panel de control de manejo de transacciones activas</a:t>
@@ -7454,15 +6645,15 @@
     </dgm:pt>
   </dgm:ptLst>
   <dgm:cxnLst>
+    <dgm:cxn modelId="{D22F653F-CCD4-4A3D-A2F3-30D35E305745}" srcId="{CF143741-D1EF-4B8F-84B9-4BE4D842BDB4}" destId="{B99F95D8-BE06-44AE-B377-4CB91A382BE2}" srcOrd="1" destOrd="0" parTransId="{B512BB5C-362C-4D38-8405-54F1965DDE98}" sibTransId="{C43F1B5F-BE51-4CA3-9BF6-3B3C2EEBFBEA}"/>
+    <dgm:cxn modelId="{59BE5E77-C5F1-46F7-9F4C-2BBB7F82B7C6}" type="presOf" srcId="{CF143741-D1EF-4B8F-84B9-4BE4D842BDB4}" destId="{A9072A1E-8422-4ABA-9092-8F0FF83EEEDB}" srcOrd="0" destOrd="0" presId="urn:microsoft.com/office/officeart/2009/3/layout/SubStepProcess"/>
     <dgm:cxn modelId="{3C9A8C50-37E9-4938-9A63-97D01E3ADE09}" type="presOf" srcId="{FC05253B-2647-4DE6-8EC9-2FE0F44DB3D8}" destId="{6F4682A5-B8F7-4411-9B73-DACB1C355921}" srcOrd="0" destOrd="0" presId="urn:microsoft.com/office/officeart/2009/3/layout/SubStepProcess"/>
+    <dgm:cxn modelId="{D3E397F9-D3FF-4EAD-9CF6-DAC6DE4BAF75}" type="presOf" srcId="{729D14DA-2EE9-4DC8-8298-E6BABB83FBCF}" destId="{EA358223-F369-434C-8501-B84AF4F8CC4C}" srcOrd="0" destOrd="0" presId="urn:microsoft.com/office/officeart/2009/3/layout/SubStepProcess"/>
+    <dgm:cxn modelId="{2372648F-D1F9-43B1-B078-D2F002A34FE9}" srcId="{CF143741-D1EF-4B8F-84B9-4BE4D842BDB4}" destId="{FC05253B-2647-4DE6-8EC9-2FE0F44DB3D8}" srcOrd="0" destOrd="0" parTransId="{5CEFD719-1801-456D-924F-0ED50BA8BD89}" sibTransId="{47C7625F-C8BA-4624-B850-F58ADCA56D32}"/>
+    <dgm:cxn modelId="{80BEE645-67C7-4A54-AA71-60866C0D8E9E}" type="presOf" srcId="{E6C264B0-03B5-4925-B134-D77C54F0E3BF}" destId="{D62892A0-567F-4EA5-AF0F-2AABDE5C3F6A}" srcOrd="0" destOrd="0" presId="urn:microsoft.com/office/officeart/2009/3/layout/SubStepProcess"/>
     <dgm:cxn modelId="{ED360A38-FFD1-4D31-9951-A532AD2C10D4}" srcId="{FC05253B-2647-4DE6-8EC9-2FE0F44DB3D8}" destId="{E6C264B0-03B5-4925-B134-D77C54F0E3BF}" srcOrd="1" destOrd="0" parTransId="{ABB023C5-EE86-4693-B931-C3424C3F619D}" sibTransId="{8C445827-6237-4C89-8748-8B2ADAE2D3AD}"/>
-    <dgm:cxn modelId="{59BE5E77-C5F1-46F7-9F4C-2BBB7F82B7C6}" type="presOf" srcId="{CF143741-D1EF-4B8F-84B9-4BE4D842BDB4}" destId="{A9072A1E-8422-4ABA-9092-8F0FF83EEEDB}" srcOrd="0" destOrd="0" presId="urn:microsoft.com/office/officeart/2009/3/layout/SubStepProcess"/>
+    <dgm:cxn modelId="{80C598BB-E6B2-4168-99BA-B6726FB58746}" type="presOf" srcId="{B99F95D8-BE06-44AE-B377-4CB91A382BE2}" destId="{67AA979E-5978-49B4-B087-5317CE24E042}" srcOrd="0" destOrd="0" presId="urn:microsoft.com/office/officeart/2009/3/layout/SubStepProcess"/>
     <dgm:cxn modelId="{4193B145-6D77-4799-B9A2-E39F2CF6D8B5}" srcId="{FC05253B-2647-4DE6-8EC9-2FE0F44DB3D8}" destId="{729D14DA-2EE9-4DC8-8298-E6BABB83FBCF}" srcOrd="0" destOrd="0" parTransId="{864EC61C-23F1-4467-8C7C-7956678B6C20}" sibTransId="{C8739C4E-A6BE-4EC5-8D86-E0F002D6943E}"/>
-    <dgm:cxn modelId="{2372648F-D1F9-43B1-B078-D2F002A34FE9}" srcId="{CF143741-D1EF-4B8F-84B9-4BE4D842BDB4}" destId="{FC05253B-2647-4DE6-8EC9-2FE0F44DB3D8}" srcOrd="0" destOrd="0" parTransId="{5CEFD719-1801-456D-924F-0ED50BA8BD89}" sibTransId="{47C7625F-C8BA-4624-B850-F58ADCA56D32}"/>
-    <dgm:cxn modelId="{D22F653F-CCD4-4A3D-A2F3-30D35E305745}" srcId="{CF143741-D1EF-4B8F-84B9-4BE4D842BDB4}" destId="{B99F95D8-BE06-44AE-B377-4CB91A382BE2}" srcOrd="1" destOrd="0" parTransId="{B512BB5C-362C-4D38-8405-54F1965DDE98}" sibTransId="{C43F1B5F-BE51-4CA3-9BF6-3B3C2EEBFBEA}"/>
-    <dgm:cxn modelId="{D3E397F9-D3FF-4EAD-9CF6-DAC6DE4BAF75}" type="presOf" srcId="{729D14DA-2EE9-4DC8-8298-E6BABB83FBCF}" destId="{EA358223-F369-434C-8501-B84AF4F8CC4C}" srcOrd="0" destOrd="0" presId="urn:microsoft.com/office/officeart/2009/3/layout/SubStepProcess"/>
-    <dgm:cxn modelId="{80BEE645-67C7-4A54-AA71-60866C0D8E9E}" type="presOf" srcId="{E6C264B0-03B5-4925-B134-D77C54F0E3BF}" destId="{D62892A0-567F-4EA5-AF0F-2AABDE5C3F6A}" srcOrd="0" destOrd="0" presId="urn:microsoft.com/office/officeart/2009/3/layout/SubStepProcess"/>
-    <dgm:cxn modelId="{80C598BB-E6B2-4168-99BA-B6726FB58746}" type="presOf" srcId="{B99F95D8-BE06-44AE-B377-4CB91A382BE2}" destId="{67AA979E-5978-49B4-B087-5317CE24E042}" srcOrd="0" destOrd="0" presId="urn:microsoft.com/office/officeart/2009/3/layout/SubStepProcess"/>
     <dgm:cxn modelId="{F0EC1905-4C30-4A56-9839-C822B948F6DD}" type="presParOf" srcId="{A9072A1E-8422-4ABA-9092-8F0FF83EEEDB}" destId="{6F4682A5-B8F7-4411-9B73-DACB1C355921}" srcOrd="0" destOrd="0" presId="urn:microsoft.com/office/officeart/2009/3/layout/SubStepProcess"/>
     <dgm:cxn modelId="{FDC6021E-75C6-4C22-B5EB-9550083DB65E}" type="presParOf" srcId="{A9072A1E-8422-4ABA-9092-8F0FF83EEEDB}" destId="{41B76D58-E3DD-480B-AC9F-ED92B89A8944}" srcOrd="1" destOrd="0" presId="urn:microsoft.com/office/officeart/2009/3/layout/SubStepProcess"/>
     <dgm:cxn modelId="{1DF68B66-EF09-4254-9A98-50EF76F8FF0E}" type="presParOf" srcId="{A9072A1E-8422-4ABA-9092-8F0FF83EEEDB}" destId="{B1DE086B-4711-46DA-B267-4E47274548CC}" srcOrd="2" destOrd="0" presId="urn:microsoft.com/office/officeart/2009/3/layout/SubStepProcess"/>
@@ -7496,604 +6687,6 @@
 </file>
 
 <file path=ppt/diagrams/data5.xml><?xml version="1.0" encoding="utf-8"?>
-<dgm:dataModel xmlns:dgm="http://schemas.openxmlformats.org/drawingml/2006/diagram" xmlns:a="http://schemas.openxmlformats.org/drawingml/2006/main">
-  <dgm:ptLst>
-    <dgm:pt modelId="{CF143741-D1EF-4B8F-84B9-4BE4D842BDB4}" type="doc">
-      <dgm:prSet loTypeId="urn:microsoft.com/office/officeart/2009/3/layout/SubStepProcess" loCatId="process" qsTypeId="urn:microsoft.com/office/officeart/2005/8/quickstyle/simple2" qsCatId="simple" csTypeId="urn:microsoft.com/office/officeart/2005/8/colors/accent2_1" csCatId="accent2" phldr="1"/>
-      <dgm:spPr/>
-      <dgm:t>
-        <a:bodyPr/>
-        <a:lstStyle/>
-        <a:p>
-          <a:endParaRPr lang="es-CO"/>
-        </a:p>
-      </dgm:t>
-    </dgm:pt>
-    <dgm:pt modelId="{FC05253B-2647-4DE6-8EC9-2FE0F44DB3D8}">
-      <dgm:prSet phldrT="[Texto]" custT="1"/>
-      <dgm:spPr/>
-      <dgm:t>
-        <a:bodyPr/>
-        <a:lstStyle/>
-        <a:p>
-          <a:r>
-            <a:rPr lang="es-CO" sz="2400" dirty="0" smtClean="0"/>
-            <a:t>26 Julio 2013</a:t>
-          </a:r>
-          <a:endParaRPr lang="es-CO" sz="2400" dirty="0"/>
-        </a:p>
-      </dgm:t>
-    </dgm:pt>
-    <dgm:pt modelId="{5CEFD719-1801-456D-924F-0ED50BA8BD89}" type="parTrans" cxnId="{2372648F-D1F9-43B1-B078-D2F002A34FE9}">
-      <dgm:prSet/>
-      <dgm:spPr/>
-      <dgm:t>
-        <a:bodyPr/>
-        <a:lstStyle/>
-        <a:p>
-          <a:endParaRPr lang="es-CO"/>
-        </a:p>
-      </dgm:t>
-    </dgm:pt>
-    <dgm:pt modelId="{47C7625F-C8BA-4624-B850-F58ADCA56D32}" type="sibTrans" cxnId="{2372648F-D1F9-43B1-B078-D2F002A34FE9}">
-      <dgm:prSet/>
-      <dgm:spPr/>
-      <dgm:t>
-        <a:bodyPr/>
-        <a:lstStyle/>
-        <a:p>
-          <a:endParaRPr lang="es-CO"/>
-        </a:p>
-      </dgm:t>
-    </dgm:pt>
-    <dgm:pt modelId="{729D14DA-2EE9-4DC8-8298-E6BABB83FBCF}">
-      <dgm:prSet phldrT="[Texto]" custT="1"/>
-      <dgm:spPr/>
-      <dgm:t>
-        <a:bodyPr/>
-        <a:lstStyle/>
-        <a:p>
-          <a:r>
-            <a:rPr lang="es-CO" sz="2000" dirty="0" smtClean="0"/>
-            <a:t>Procesos transaccionales</a:t>
-          </a:r>
-        </a:p>
-      </dgm:t>
-    </dgm:pt>
-    <dgm:pt modelId="{864EC61C-23F1-4467-8C7C-7956678B6C20}" type="parTrans" cxnId="{4193B145-6D77-4799-B9A2-E39F2CF6D8B5}">
-      <dgm:prSet/>
-      <dgm:spPr/>
-      <dgm:t>
-        <a:bodyPr/>
-        <a:lstStyle/>
-        <a:p>
-          <a:endParaRPr lang="es-CO"/>
-        </a:p>
-      </dgm:t>
-    </dgm:pt>
-    <dgm:pt modelId="{C8739C4E-A6BE-4EC5-8D86-E0F002D6943E}" type="sibTrans" cxnId="{4193B145-6D77-4799-B9A2-E39F2CF6D8B5}">
-      <dgm:prSet/>
-      <dgm:spPr/>
-      <dgm:t>
-        <a:bodyPr/>
-        <a:lstStyle/>
-        <a:p>
-          <a:endParaRPr lang="es-CO"/>
-        </a:p>
-      </dgm:t>
-    </dgm:pt>
-    <dgm:pt modelId="{B99F95D8-BE06-44AE-B377-4CB91A382BE2}">
-      <dgm:prSet phldrT="[Texto]" custT="1"/>
-      <dgm:spPr/>
-      <dgm:t>
-        <a:bodyPr/>
-        <a:lstStyle/>
-        <a:p>
-          <a:r>
-            <a:rPr lang="es-CO" sz="2400" dirty="0" smtClean="0"/>
-            <a:t>16 Noviembre 2013</a:t>
-          </a:r>
-          <a:endParaRPr lang="es-CO" sz="2400" dirty="0"/>
-        </a:p>
-      </dgm:t>
-    </dgm:pt>
-    <dgm:pt modelId="{B512BB5C-362C-4D38-8405-54F1965DDE98}" type="parTrans" cxnId="{D22F653F-CCD4-4A3D-A2F3-30D35E305745}">
-      <dgm:prSet/>
-      <dgm:spPr/>
-      <dgm:t>
-        <a:bodyPr/>
-        <a:lstStyle/>
-        <a:p>
-          <a:endParaRPr lang="es-CO"/>
-        </a:p>
-      </dgm:t>
-    </dgm:pt>
-    <dgm:pt modelId="{C43F1B5F-BE51-4CA3-9BF6-3B3C2EEBFBEA}" type="sibTrans" cxnId="{D22F653F-CCD4-4A3D-A2F3-30D35E305745}">
-      <dgm:prSet/>
-      <dgm:spPr/>
-      <dgm:t>
-        <a:bodyPr/>
-        <a:lstStyle/>
-        <a:p>
-          <a:endParaRPr lang="es-CO"/>
-        </a:p>
-      </dgm:t>
-    </dgm:pt>
-    <dgm:pt modelId="{1CAF67FB-C389-4C47-9E94-96ADDFA47D8A}">
-      <dgm:prSet phldrT="[Texto]" custT="1"/>
-      <dgm:spPr/>
-      <dgm:t>
-        <a:bodyPr/>
-        <a:lstStyle/>
-        <a:p>
-          <a:r>
-            <a:rPr lang="es-CO" sz="2000" dirty="0" smtClean="0"/>
-            <a:t>Procesos campañas</a:t>
-          </a:r>
-        </a:p>
-      </dgm:t>
-    </dgm:pt>
-    <dgm:pt modelId="{77885CE9-DF5A-4C97-8847-C645CDBC812A}" type="parTrans" cxnId="{D9E849C6-9B60-4FD8-BCE2-761D38876A85}">
-      <dgm:prSet/>
-      <dgm:spPr/>
-      <dgm:t>
-        <a:bodyPr/>
-        <a:lstStyle/>
-        <a:p>
-          <a:endParaRPr lang="es-CO"/>
-        </a:p>
-      </dgm:t>
-    </dgm:pt>
-    <dgm:pt modelId="{A7781F1B-D452-447C-9676-52C632DB47A8}" type="sibTrans" cxnId="{D9E849C6-9B60-4FD8-BCE2-761D38876A85}">
-      <dgm:prSet/>
-      <dgm:spPr/>
-      <dgm:t>
-        <a:bodyPr/>
-        <a:lstStyle/>
-        <a:p>
-          <a:endParaRPr lang="es-CO"/>
-        </a:p>
-      </dgm:t>
-    </dgm:pt>
-    <dgm:pt modelId="{D8D2914F-C121-4D79-86C3-5DA8DB4D1AF3}">
-      <dgm:prSet phldrT="[Texto]" custT="1"/>
-      <dgm:spPr/>
-      <dgm:t>
-        <a:bodyPr/>
-        <a:lstStyle/>
-        <a:p>
-          <a:r>
-            <a:rPr lang="es-CO" sz="2400" dirty="0" smtClean="0"/>
-            <a:t>Monitor transacciones</a:t>
-          </a:r>
-          <a:endParaRPr lang="es-CO" sz="2400" dirty="0"/>
-        </a:p>
-      </dgm:t>
-    </dgm:pt>
-    <dgm:pt modelId="{917ADE7F-5959-4D81-81D7-6E8A3A023503}" type="parTrans" cxnId="{96F35C43-2347-442E-8630-B0786C72E52B}">
-      <dgm:prSet/>
-      <dgm:spPr/>
-      <dgm:t>
-        <a:bodyPr/>
-        <a:lstStyle/>
-        <a:p>
-          <a:endParaRPr lang="es-CO"/>
-        </a:p>
-      </dgm:t>
-    </dgm:pt>
-    <dgm:pt modelId="{E3AFEBBC-7B2D-4D50-A387-41FD5A14618A}" type="sibTrans" cxnId="{96F35C43-2347-442E-8630-B0786C72E52B}">
-      <dgm:prSet/>
-      <dgm:spPr/>
-      <dgm:t>
-        <a:bodyPr/>
-        <a:lstStyle/>
-        <a:p>
-          <a:endParaRPr lang="es-CO"/>
-        </a:p>
-      </dgm:t>
-    </dgm:pt>
-    <dgm:pt modelId="{E6B1D700-8489-495F-81FD-5DCCBCE3B613}" type="pres">
-      <dgm:prSet presAssocID="{CF143741-D1EF-4B8F-84B9-4BE4D842BDB4}" presName="Name0" presStyleCnt="0">
-        <dgm:presLayoutVars>
-          <dgm:chMax val="7"/>
-          <dgm:dir/>
-          <dgm:animOne val="branch"/>
-        </dgm:presLayoutVars>
-      </dgm:prSet>
-      <dgm:spPr/>
-      <dgm:t>
-        <a:bodyPr/>
-        <a:lstStyle/>
-        <a:p>
-          <a:endParaRPr lang="es-CO"/>
-        </a:p>
-      </dgm:t>
-    </dgm:pt>
-    <dgm:pt modelId="{DCB17EC6-F47B-44AF-BBF6-6BEC52E4F402}" type="pres">
-      <dgm:prSet presAssocID="{FC05253B-2647-4DE6-8EC9-2FE0F44DB3D8}" presName="parTx1" presStyleLbl="node1" presStyleIdx="0" presStyleCnt="2"/>
-      <dgm:spPr/>
-      <dgm:t>
-        <a:bodyPr/>
-        <a:lstStyle/>
-        <a:p>
-          <a:endParaRPr lang="es-CO"/>
-        </a:p>
-      </dgm:t>
-    </dgm:pt>
-    <dgm:pt modelId="{7F8BF9A3-75C1-4BAA-936E-74D7F8811AB7}" type="pres">
-      <dgm:prSet presAssocID="{FC05253B-2647-4DE6-8EC9-2FE0F44DB3D8}" presName="spPre1" presStyleCnt="0"/>
-      <dgm:spPr/>
-      <dgm:t>
-        <a:bodyPr/>
-        <a:lstStyle/>
-        <a:p>
-          <a:endParaRPr lang="es-CO"/>
-        </a:p>
-      </dgm:t>
-    </dgm:pt>
-    <dgm:pt modelId="{1952D291-6EE6-4FA9-8785-1FBF44544AF5}" type="pres">
-      <dgm:prSet presAssocID="{FC05253B-2647-4DE6-8EC9-2FE0F44DB3D8}" presName="chLin1" presStyleCnt="0"/>
-      <dgm:spPr/>
-      <dgm:t>
-        <a:bodyPr/>
-        <a:lstStyle/>
-        <a:p>
-          <a:endParaRPr lang="es-CO"/>
-        </a:p>
-      </dgm:t>
-    </dgm:pt>
-    <dgm:pt modelId="{12D111E2-7DD3-4840-A5AD-620EBE19B016}" type="pres">
-      <dgm:prSet presAssocID="{864EC61C-23F1-4467-8C7C-7956678B6C20}" presName="Name11" presStyleLbl="parChTrans1D1" presStyleIdx="0" presStyleCnt="12"/>
-      <dgm:spPr/>
-      <dgm:t>
-        <a:bodyPr/>
-        <a:lstStyle/>
-        <a:p>
-          <a:endParaRPr lang="es-CO"/>
-        </a:p>
-      </dgm:t>
-    </dgm:pt>
-    <dgm:pt modelId="{A1C77215-2132-4815-8F87-5AE20945D81F}" type="pres">
-      <dgm:prSet presAssocID="{864EC61C-23F1-4467-8C7C-7956678B6C20}" presName="Name31" presStyleLbl="parChTrans1D1" presStyleIdx="1" presStyleCnt="12"/>
-      <dgm:spPr/>
-      <dgm:t>
-        <a:bodyPr/>
-        <a:lstStyle/>
-        <a:p>
-          <a:endParaRPr lang="es-CO"/>
-        </a:p>
-      </dgm:t>
-    </dgm:pt>
-    <dgm:pt modelId="{F49022D6-16D1-462A-862B-1355B8A32B5C}" type="pres">
-      <dgm:prSet presAssocID="{729D14DA-2EE9-4DC8-8298-E6BABB83FBCF}" presName="txAndLines1" presStyleCnt="0"/>
-      <dgm:spPr/>
-      <dgm:t>
-        <a:bodyPr/>
-        <a:lstStyle/>
-        <a:p>
-          <a:endParaRPr lang="es-CO"/>
-        </a:p>
-      </dgm:t>
-    </dgm:pt>
-    <dgm:pt modelId="{4D3E5606-E702-4F7E-BC64-4578D60B5AAB}" type="pres">
-      <dgm:prSet presAssocID="{729D14DA-2EE9-4DC8-8298-E6BABB83FBCF}" presName="anchor1" presStyleCnt="0"/>
-      <dgm:spPr/>
-      <dgm:t>
-        <a:bodyPr/>
-        <a:lstStyle/>
-        <a:p>
-          <a:endParaRPr lang="es-CO"/>
-        </a:p>
-      </dgm:t>
-    </dgm:pt>
-    <dgm:pt modelId="{E1EA5820-6B7D-4810-98B3-A1DE10C0DA36}" type="pres">
-      <dgm:prSet presAssocID="{729D14DA-2EE9-4DC8-8298-E6BABB83FBCF}" presName="backup1" presStyleCnt="0"/>
-      <dgm:spPr/>
-      <dgm:t>
-        <a:bodyPr/>
-        <a:lstStyle/>
-        <a:p>
-          <a:endParaRPr lang="es-CO"/>
-        </a:p>
-      </dgm:t>
-    </dgm:pt>
-    <dgm:pt modelId="{8C64F730-B474-4ADE-AD98-0CAAA9FBB82C}" type="pres">
-      <dgm:prSet presAssocID="{729D14DA-2EE9-4DC8-8298-E6BABB83FBCF}" presName="preLine1" presStyleLbl="parChTrans1D1" presStyleIdx="2" presStyleCnt="12"/>
-      <dgm:spPr/>
-      <dgm:t>
-        <a:bodyPr/>
-        <a:lstStyle/>
-        <a:p>
-          <a:endParaRPr lang="es-CO"/>
-        </a:p>
-      </dgm:t>
-    </dgm:pt>
-    <dgm:pt modelId="{4449182C-3381-49CE-A581-48D9E124B99F}" type="pres">
-      <dgm:prSet presAssocID="{729D14DA-2EE9-4DC8-8298-E6BABB83FBCF}" presName="desTx1" presStyleLbl="revTx" presStyleIdx="0" presStyleCnt="0">
-        <dgm:presLayoutVars>
-          <dgm:bulletEnabled val="1"/>
-        </dgm:presLayoutVars>
-      </dgm:prSet>
-      <dgm:spPr/>
-      <dgm:t>
-        <a:bodyPr/>
-        <a:lstStyle/>
-        <a:p>
-          <a:endParaRPr lang="es-CO"/>
-        </a:p>
-      </dgm:t>
-    </dgm:pt>
-    <dgm:pt modelId="{670B45AD-D38A-4522-90FD-AE77C2B2774B}" type="pres">
-      <dgm:prSet presAssocID="{729D14DA-2EE9-4DC8-8298-E6BABB83FBCF}" presName="postLine1" presStyleLbl="parChTrans1D1" presStyleIdx="3" presStyleCnt="12"/>
-      <dgm:spPr/>
-      <dgm:t>
-        <a:bodyPr/>
-        <a:lstStyle/>
-        <a:p>
-          <a:endParaRPr lang="es-CO"/>
-        </a:p>
-      </dgm:t>
-    </dgm:pt>
-    <dgm:pt modelId="{A5DF9707-3501-45DA-8BD4-733A529208DE}" type="pres">
-      <dgm:prSet presAssocID="{77885CE9-DF5A-4C97-8847-C645CDBC812A}" presName="Name11" presStyleLbl="parChTrans1D1" presStyleIdx="4" presStyleCnt="12"/>
-      <dgm:spPr/>
-      <dgm:t>
-        <a:bodyPr/>
-        <a:lstStyle/>
-        <a:p>
-          <a:endParaRPr lang="es-CO"/>
-        </a:p>
-      </dgm:t>
-    </dgm:pt>
-    <dgm:pt modelId="{CA7404E8-4573-4431-9D50-3AD10AC0E6B8}" type="pres">
-      <dgm:prSet presAssocID="{77885CE9-DF5A-4C97-8847-C645CDBC812A}" presName="Name31" presStyleLbl="parChTrans1D1" presStyleIdx="5" presStyleCnt="12"/>
-      <dgm:spPr/>
-      <dgm:t>
-        <a:bodyPr/>
-        <a:lstStyle/>
-        <a:p>
-          <a:endParaRPr lang="es-CO"/>
-        </a:p>
-      </dgm:t>
-    </dgm:pt>
-    <dgm:pt modelId="{082379AA-85BF-4192-B9AB-C0B16CC1C115}" type="pres">
-      <dgm:prSet presAssocID="{1CAF67FB-C389-4C47-9E94-96ADDFA47D8A}" presName="txAndLines1" presStyleCnt="0"/>
-      <dgm:spPr/>
-      <dgm:t>
-        <a:bodyPr/>
-        <a:lstStyle/>
-        <a:p>
-          <a:endParaRPr lang="es-CO"/>
-        </a:p>
-      </dgm:t>
-    </dgm:pt>
-    <dgm:pt modelId="{CAF69216-376F-4305-860F-150E17BDBD4E}" type="pres">
-      <dgm:prSet presAssocID="{1CAF67FB-C389-4C47-9E94-96ADDFA47D8A}" presName="anchor1" presStyleCnt="0"/>
-      <dgm:spPr/>
-      <dgm:t>
-        <a:bodyPr/>
-        <a:lstStyle/>
-        <a:p>
-          <a:endParaRPr lang="es-CO"/>
-        </a:p>
-      </dgm:t>
-    </dgm:pt>
-    <dgm:pt modelId="{8E4419DE-62B3-4042-A880-A52ED1450CA9}" type="pres">
-      <dgm:prSet presAssocID="{1CAF67FB-C389-4C47-9E94-96ADDFA47D8A}" presName="backup1" presStyleCnt="0"/>
-      <dgm:spPr/>
-      <dgm:t>
-        <a:bodyPr/>
-        <a:lstStyle/>
-        <a:p>
-          <a:endParaRPr lang="es-CO"/>
-        </a:p>
-      </dgm:t>
-    </dgm:pt>
-    <dgm:pt modelId="{0319A2DD-DF96-4C90-9D9D-3F794BDB0ACB}" type="pres">
-      <dgm:prSet presAssocID="{1CAF67FB-C389-4C47-9E94-96ADDFA47D8A}" presName="preLine1" presStyleLbl="parChTrans1D1" presStyleIdx="6" presStyleCnt="12"/>
-      <dgm:spPr/>
-      <dgm:t>
-        <a:bodyPr/>
-        <a:lstStyle/>
-        <a:p>
-          <a:endParaRPr lang="es-CO"/>
-        </a:p>
-      </dgm:t>
-    </dgm:pt>
-    <dgm:pt modelId="{F4D0B9B1-1DC4-4BFB-A7CD-AE3DDFF78071}" type="pres">
-      <dgm:prSet presAssocID="{1CAF67FB-C389-4C47-9E94-96ADDFA47D8A}" presName="desTx1" presStyleLbl="revTx" presStyleIdx="0" presStyleCnt="0">
-        <dgm:presLayoutVars>
-          <dgm:bulletEnabled val="1"/>
-        </dgm:presLayoutVars>
-      </dgm:prSet>
-      <dgm:spPr/>
-      <dgm:t>
-        <a:bodyPr/>
-        <a:lstStyle/>
-        <a:p>
-          <a:endParaRPr lang="es-CO"/>
-        </a:p>
-      </dgm:t>
-    </dgm:pt>
-    <dgm:pt modelId="{F5EE5622-431C-4A83-AEE8-3A2A83876B17}" type="pres">
-      <dgm:prSet presAssocID="{1CAF67FB-C389-4C47-9E94-96ADDFA47D8A}" presName="postLine1" presStyleLbl="parChTrans1D1" presStyleIdx="7" presStyleCnt="12"/>
-      <dgm:spPr/>
-      <dgm:t>
-        <a:bodyPr/>
-        <a:lstStyle/>
-        <a:p>
-          <a:endParaRPr lang="es-CO"/>
-        </a:p>
-      </dgm:t>
-    </dgm:pt>
-    <dgm:pt modelId="{6C2EE18D-EF4A-493A-BC1E-35B33DA96A0D}" type="pres">
-      <dgm:prSet presAssocID="{917ADE7F-5959-4D81-81D7-6E8A3A023503}" presName="Name11" presStyleLbl="parChTrans1D1" presStyleIdx="8" presStyleCnt="12"/>
-      <dgm:spPr/>
-      <dgm:t>
-        <a:bodyPr/>
-        <a:lstStyle/>
-        <a:p>
-          <a:endParaRPr lang="es-CO"/>
-        </a:p>
-      </dgm:t>
-    </dgm:pt>
-    <dgm:pt modelId="{65C21F9C-1B75-4589-A761-F9BE68B49FEC}" type="pres">
-      <dgm:prSet presAssocID="{917ADE7F-5959-4D81-81D7-6E8A3A023503}" presName="Name31" presStyleLbl="parChTrans1D1" presStyleIdx="9" presStyleCnt="12"/>
-      <dgm:spPr/>
-      <dgm:t>
-        <a:bodyPr/>
-        <a:lstStyle/>
-        <a:p>
-          <a:endParaRPr lang="es-CO"/>
-        </a:p>
-      </dgm:t>
-    </dgm:pt>
-    <dgm:pt modelId="{24FD0747-6DB6-466B-83B6-9E7B4CBA9FEA}" type="pres">
-      <dgm:prSet presAssocID="{D8D2914F-C121-4D79-86C3-5DA8DB4D1AF3}" presName="txAndLines1" presStyleCnt="0"/>
-      <dgm:spPr/>
-      <dgm:t>
-        <a:bodyPr/>
-        <a:lstStyle/>
-        <a:p>
-          <a:endParaRPr lang="es-CO"/>
-        </a:p>
-      </dgm:t>
-    </dgm:pt>
-    <dgm:pt modelId="{AEBD214B-9104-4DDD-BADE-778F44A083C0}" type="pres">
-      <dgm:prSet presAssocID="{D8D2914F-C121-4D79-86C3-5DA8DB4D1AF3}" presName="anchor1" presStyleCnt="0"/>
-      <dgm:spPr/>
-      <dgm:t>
-        <a:bodyPr/>
-        <a:lstStyle/>
-        <a:p>
-          <a:endParaRPr lang="es-CO"/>
-        </a:p>
-      </dgm:t>
-    </dgm:pt>
-    <dgm:pt modelId="{CD7F5AA2-FE8A-4A0B-B969-436C1434BD1A}" type="pres">
-      <dgm:prSet presAssocID="{D8D2914F-C121-4D79-86C3-5DA8DB4D1AF3}" presName="backup1" presStyleCnt="0"/>
-      <dgm:spPr/>
-      <dgm:t>
-        <a:bodyPr/>
-        <a:lstStyle/>
-        <a:p>
-          <a:endParaRPr lang="es-CO"/>
-        </a:p>
-      </dgm:t>
-    </dgm:pt>
-    <dgm:pt modelId="{DD7B59B1-0567-45AE-9631-1403990EB49D}" type="pres">
-      <dgm:prSet presAssocID="{D8D2914F-C121-4D79-86C3-5DA8DB4D1AF3}" presName="preLine1" presStyleLbl="parChTrans1D1" presStyleIdx="10" presStyleCnt="12"/>
-      <dgm:spPr/>
-      <dgm:t>
-        <a:bodyPr/>
-        <a:lstStyle/>
-        <a:p>
-          <a:endParaRPr lang="es-CO"/>
-        </a:p>
-      </dgm:t>
-    </dgm:pt>
-    <dgm:pt modelId="{86DB8682-38F3-41D9-A8CB-4426FFD83C99}" type="pres">
-      <dgm:prSet presAssocID="{D8D2914F-C121-4D79-86C3-5DA8DB4D1AF3}" presName="desTx1" presStyleLbl="revTx" presStyleIdx="0" presStyleCnt="0">
-        <dgm:presLayoutVars>
-          <dgm:bulletEnabled val="1"/>
-        </dgm:presLayoutVars>
-      </dgm:prSet>
-      <dgm:spPr/>
-      <dgm:t>
-        <a:bodyPr/>
-        <a:lstStyle/>
-        <a:p>
-          <a:endParaRPr lang="es-CO"/>
-        </a:p>
-      </dgm:t>
-    </dgm:pt>
-    <dgm:pt modelId="{8A40608A-F8D1-43BA-B9F2-FB62614A9433}" type="pres">
-      <dgm:prSet presAssocID="{D8D2914F-C121-4D79-86C3-5DA8DB4D1AF3}" presName="postLine1" presStyleLbl="parChTrans1D1" presStyleIdx="11" presStyleCnt="12"/>
-      <dgm:spPr/>
-      <dgm:t>
-        <a:bodyPr/>
-        <a:lstStyle/>
-        <a:p>
-          <a:endParaRPr lang="es-CO"/>
-        </a:p>
-      </dgm:t>
-    </dgm:pt>
-    <dgm:pt modelId="{77CEF5EE-1AC1-410E-AFE5-FC48A99867BF}" type="pres">
-      <dgm:prSet presAssocID="{FC05253B-2647-4DE6-8EC9-2FE0F44DB3D8}" presName="spPost1" presStyleCnt="0"/>
-      <dgm:spPr/>
-      <dgm:t>
-        <a:bodyPr/>
-        <a:lstStyle/>
-        <a:p>
-          <a:endParaRPr lang="es-CO"/>
-        </a:p>
-      </dgm:t>
-    </dgm:pt>
-    <dgm:pt modelId="{4046C136-F60A-4233-9C1C-CD58CE55EF1A}" type="pres">
-      <dgm:prSet presAssocID="{B99F95D8-BE06-44AE-B377-4CB91A382BE2}" presName="parTx2" presStyleLbl="node1" presStyleIdx="1" presStyleCnt="2"/>
-      <dgm:spPr/>
-      <dgm:t>
-        <a:bodyPr/>
-        <a:lstStyle/>
-        <a:p>
-          <a:endParaRPr lang="es-CO"/>
-        </a:p>
-      </dgm:t>
-    </dgm:pt>
-  </dgm:ptLst>
-  <dgm:cxnLst>
-    <dgm:cxn modelId="{6165C9DC-0372-4AFD-A9A4-D501E8A141D8}" type="presOf" srcId="{B99F95D8-BE06-44AE-B377-4CB91A382BE2}" destId="{4046C136-F60A-4233-9C1C-CD58CE55EF1A}" srcOrd="0" destOrd="0" presId="urn:microsoft.com/office/officeart/2009/3/layout/SubStepProcess"/>
-    <dgm:cxn modelId="{813A1464-E66E-4C4B-8AB7-28425F918BE4}" type="presOf" srcId="{FC05253B-2647-4DE6-8EC9-2FE0F44DB3D8}" destId="{DCB17EC6-F47B-44AF-BBF6-6BEC52E4F402}" srcOrd="0" destOrd="0" presId="urn:microsoft.com/office/officeart/2009/3/layout/SubStepProcess"/>
-    <dgm:cxn modelId="{4193B145-6D77-4799-B9A2-E39F2CF6D8B5}" srcId="{FC05253B-2647-4DE6-8EC9-2FE0F44DB3D8}" destId="{729D14DA-2EE9-4DC8-8298-E6BABB83FBCF}" srcOrd="0" destOrd="0" parTransId="{864EC61C-23F1-4467-8C7C-7956678B6C20}" sibTransId="{C8739C4E-A6BE-4EC5-8D86-E0F002D6943E}"/>
-    <dgm:cxn modelId="{D22F653F-CCD4-4A3D-A2F3-30D35E305745}" srcId="{CF143741-D1EF-4B8F-84B9-4BE4D842BDB4}" destId="{B99F95D8-BE06-44AE-B377-4CB91A382BE2}" srcOrd="1" destOrd="0" parTransId="{B512BB5C-362C-4D38-8405-54F1965DDE98}" sibTransId="{C43F1B5F-BE51-4CA3-9BF6-3B3C2EEBFBEA}"/>
-    <dgm:cxn modelId="{19EBF7A3-BED6-4B8E-AB3B-B5F259CAE593}" type="presOf" srcId="{729D14DA-2EE9-4DC8-8298-E6BABB83FBCF}" destId="{4449182C-3381-49CE-A581-48D9E124B99F}" srcOrd="0" destOrd="0" presId="urn:microsoft.com/office/officeart/2009/3/layout/SubStepProcess"/>
-    <dgm:cxn modelId="{B7FCA771-6DE0-41ED-B8B3-9839F26FBE39}" type="presOf" srcId="{D8D2914F-C121-4D79-86C3-5DA8DB4D1AF3}" destId="{86DB8682-38F3-41D9-A8CB-4426FFD83C99}" srcOrd="0" destOrd="0" presId="urn:microsoft.com/office/officeart/2009/3/layout/SubStepProcess"/>
-    <dgm:cxn modelId="{D9E849C6-9B60-4FD8-BCE2-761D38876A85}" srcId="{FC05253B-2647-4DE6-8EC9-2FE0F44DB3D8}" destId="{1CAF67FB-C389-4C47-9E94-96ADDFA47D8A}" srcOrd="1" destOrd="0" parTransId="{77885CE9-DF5A-4C97-8847-C645CDBC812A}" sibTransId="{A7781F1B-D452-447C-9676-52C632DB47A8}"/>
-    <dgm:cxn modelId="{96F35C43-2347-442E-8630-B0786C72E52B}" srcId="{FC05253B-2647-4DE6-8EC9-2FE0F44DB3D8}" destId="{D8D2914F-C121-4D79-86C3-5DA8DB4D1AF3}" srcOrd="2" destOrd="0" parTransId="{917ADE7F-5959-4D81-81D7-6E8A3A023503}" sibTransId="{E3AFEBBC-7B2D-4D50-A387-41FD5A14618A}"/>
-    <dgm:cxn modelId="{2EA3388E-1C81-403E-A537-53F81E3BB0E2}" type="presOf" srcId="{1CAF67FB-C389-4C47-9E94-96ADDFA47D8A}" destId="{F4D0B9B1-1DC4-4BFB-A7CD-AE3DDFF78071}" srcOrd="0" destOrd="0" presId="urn:microsoft.com/office/officeart/2009/3/layout/SubStepProcess"/>
-    <dgm:cxn modelId="{A1F899F2-0CBC-45FA-93E4-4683AFBDB8EE}" type="presOf" srcId="{CF143741-D1EF-4B8F-84B9-4BE4D842BDB4}" destId="{E6B1D700-8489-495F-81FD-5DCCBCE3B613}" srcOrd="0" destOrd="0" presId="urn:microsoft.com/office/officeart/2009/3/layout/SubStepProcess"/>
-    <dgm:cxn modelId="{2372648F-D1F9-43B1-B078-D2F002A34FE9}" srcId="{CF143741-D1EF-4B8F-84B9-4BE4D842BDB4}" destId="{FC05253B-2647-4DE6-8EC9-2FE0F44DB3D8}" srcOrd="0" destOrd="0" parTransId="{5CEFD719-1801-456D-924F-0ED50BA8BD89}" sibTransId="{47C7625F-C8BA-4624-B850-F58ADCA56D32}"/>
-    <dgm:cxn modelId="{BB932B48-FB68-4D51-8503-831552656A55}" type="presParOf" srcId="{E6B1D700-8489-495F-81FD-5DCCBCE3B613}" destId="{DCB17EC6-F47B-44AF-BBF6-6BEC52E4F402}" srcOrd="0" destOrd="0" presId="urn:microsoft.com/office/officeart/2009/3/layout/SubStepProcess"/>
-    <dgm:cxn modelId="{992BFB70-98D5-4F54-9783-9F712252AB4C}" type="presParOf" srcId="{E6B1D700-8489-495F-81FD-5DCCBCE3B613}" destId="{7F8BF9A3-75C1-4BAA-936E-74D7F8811AB7}" srcOrd="1" destOrd="0" presId="urn:microsoft.com/office/officeart/2009/3/layout/SubStepProcess"/>
-    <dgm:cxn modelId="{2E830CA5-2631-46FA-890B-0A0E10FC460F}" type="presParOf" srcId="{E6B1D700-8489-495F-81FD-5DCCBCE3B613}" destId="{1952D291-6EE6-4FA9-8785-1FBF44544AF5}" srcOrd="2" destOrd="0" presId="urn:microsoft.com/office/officeart/2009/3/layout/SubStepProcess"/>
-    <dgm:cxn modelId="{B71D0EE2-57E6-45E8-87C6-6939CCE5CA54}" type="presParOf" srcId="{1952D291-6EE6-4FA9-8785-1FBF44544AF5}" destId="{12D111E2-7DD3-4840-A5AD-620EBE19B016}" srcOrd="0" destOrd="0" presId="urn:microsoft.com/office/officeart/2009/3/layout/SubStepProcess"/>
-    <dgm:cxn modelId="{5C6D3454-E374-49EB-ACF1-76D753BD00F5}" type="presParOf" srcId="{1952D291-6EE6-4FA9-8785-1FBF44544AF5}" destId="{A1C77215-2132-4815-8F87-5AE20945D81F}" srcOrd="1" destOrd="0" presId="urn:microsoft.com/office/officeart/2009/3/layout/SubStepProcess"/>
-    <dgm:cxn modelId="{2732814E-2EB0-4C38-A211-DB361D1E90E2}" type="presParOf" srcId="{1952D291-6EE6-4FA9-8785-1FBF44544AF5}" destId="{F49022D6-16D1-462A-862B-1355B8A32B5C}" srcOrd="2" destOrd="0" presId="urn:microsoft.com/office/officeart/2009/3/layout/SubStepProcess"/>
-    <dgm:cxn modelId="{77D60411-461F-463B-8280-2B4530BAD993}" type="presParOf" srcId="{F49022D6-16D1-462A-862B-1355B8A32B5C}" destId="{4D3E5606-E702-4F7E-BC64-4578D60B5AAB}" srcOrd="0" destOrd="0" presId="urn:microsoft.com/office/officeart/2009/3/layout/SubStepProcess"/>
-    <dgm:cxn modelId="{C248F797-48DE-4902-96A8-C3E0272C9A33}" type="presParOf" srcId="{F49022D6-16D1-462A-862B-1355B8A32B5C}" destId="{E1EA5820-6B7D-4810-98B3-A1DE10C0DA36}" srcOrd="1" destOrd="0" presId="urn:microsoft.com/office/officeart/2009/3/layout/SubStepProcess"/>
-    <dgm:cxn modelId="{1FC73770-07FE-4A6F-A467-997CA3064D5E}" type="presParOf" srcId="{F49022D6-16D1-462A-862B-1355B8A32B5C}" destId="{8C64F730-B474-4ADE-AD98-0CAAA9FBB82C}" srcOrd="2" destOrd="0" presId="urn:microsoft.com/office/officeart/2009/3/layout/SubStepProcess"/>
-    <dgm:cxn modelId="{7A930ED8-0E34-4599-9848-03323B2ADD69}" type="presParOf" srcId="{F49022D6-16D1-462A-862B-1355B8A32B5C}" destId="{4449182C-3381-49CE-A581-48D9E124B99F}" srcOrd="3" destOrd="0" presId="urn:microsoft.com/office/officeart/2009/3/layout/SubStepProcess"/>
-    <dgm:cxn modelId="{9D6CB6A8-9EBC-451C-99E0-F95E33316F36}" type="presParOf" srcId="{F49022D6-16D1-462A-862B-1355B8A32B5C}" destId="{670B45AD-D38A-4522-90FD-AE77C2B2774B}" srcOrd="4" destOrd="0" presId="urn:microsoft.com/office/officeart/2009/3/layout/SubStepProcess"/>
-    <dgm:cxn modelId="{16A2D27A-B772-4CED-9F47-9EE6637E561F}" type="presParOf" srcId="{1952D291-6EE6-4FA9-8785-1FBF44544AF5}" destId="{A5DF9707-3501-45DA-8BD4-733A529208DE}" srcOrd="3" destOrd="0" presId="urn:microsoft.com/office/officeart/2009/3/layout/SubStepProcess"/>
-    <dgm:cxn modelId="{A74748A0-0642-430A-8C50-137AD29AE7F5}" type="presParOf" srcId="{1952D291-6EE6-4FA9-8785-1FBF44544AF5}" destId="{CA7404E8-4573-4431-9D50-3AD10AC0E6B8}" srcOrd="4" destOrd="0" presId="urn:microsoft.com/office/officeart/2009/3/layout/SubStepProcess"/>
-    <dgm:cxn modelId="{E6F64D77-D40A-48D5-A9D6-13305DFFB067}" type="presParOf" srcId="{1952D291-6EE6-4FA9-8785-1FBF44544AF5}" destId="{082379AA-85BF-4192-B9AB-C0B16CC1C115}" srcOrd="5" destOrd="0" presId="urn:microsoft.com/office/officeart/2009/3/layout/SubStepProcess"/>
-    <dgm:cxn modelId="{69E5FC84-BD27-4614-B9D1-EF02C476B348}" type="presParOf" srcId="{082379AA-85BF-4192-B9AB-C0B16CC1C115}" destId="{CAF69216-376F-4305-860F-150E17BDBD4E}" srcOrd="0" destOrd="0" presId="urn:microsoft.com/office/officeart/2009/3/layout/SubStepProcess"/>
-    <dgm:cxn modelId="{43C10080-03E5-4D77-9634-B21192A52881}" type="presParOf" srcId="{082379AA-85BF-4192-B9AB-C0B16CC1C115}" destId="{8E4419DE-62B3-4042-A880-A52ED1450CA9}" srcOrd="1" destOrd="0" presId="urn:microsoft.com/office/officeart/2009/3/layout/SubStepProcess"/>
-    <dgm:cxn modelId="{3113E1FC-B583-4186-B660-262C7DE72FDC}" type="presParOf" srcId="{082379AA-85BF-4192-B9AB-C0B16CC1C115}" destId="{0319A2DD-DF96-4C90-9D9D-3F794BDB0ACB}" srcOrd="2" destOrd="0" presId="urn:microsoft.com/office/officeart/2009/3/layout/SubStepProcess"/>
-    <dgm:cxn modelId="{631273B7-7CD1-4AA9-BACF-DDA67AD5342E}" type="presParOf" srcId="{082379AA-85BF-4192-B9AB-C0B16CC1C115}" destId="{F4D0B9B1-1DC4-4BFB-A7CD-AE3DDFF78071}" srcOrd="3" destOrd="0" presId="urn:microsoft.com/office/officeart/2009/3/layout/SubStepProcess"/>
-    <dgm:cxn modelId="{83DD81BD-BA5F-4B76-BCFA-E9A6B6E86041}" type="presParOf" srcId="{082379AA-85BF-4192-B9AB-C0B16CC1C115}" destId="{F5EE5622-431C-4A83-AEE8-3A2A83876B17}" srcOrd="4" destOrd="0" presId="urn:microsoft.com/office/officeart/2009/3/layout/SubStepProcess"/>
-    <dgm:cxn modelId="{A1844F70-5CC1-4022-B07F-311519497911}" type="presParOf" srcId="{1952D291-6EE6-4FA9-8785-1FBF44544AF5}" destId="{6C2EE18D-EF4A-493A-BC1E-35B33DA96A0D}" srcOrd="6" destOrd="0" presId="urn:microsoft.com/office/officeart/2009/3/layout/SubStepProcess"/>
-    <dgm:cxn modelId="{C1C84632-1697-42D6-BB33-B3CAAE08CFD8}" type="presParOf" srcId="{1952D291-6EE6-4FA9-8785-1FBF44544AF5}" destId="{65C21F9C-1B75-4589-A761-F9BE68B49FEC}" srcOrd="7" destOrd="0" presId="urn:microsoft.com/office/officeart/2009/3/layout/SubStepProcess"/>
-    <dgm:cxn modelId="{09B0030B-C955-4944-9AC4-FBB99749C061}" type="presParOf" srcId="{1952D291-6EE6-4FA9-8785-1FBF44544AF5}" destId="{24FD0747-6DB6-466B-83B6-9E7B4CBA9FEA}" srcOrd="8" destOrd="0" presId="urn:microsoft.com/office/officeart/2009/3/layout/SubStepProcess"/>
-    <dgm:cxn modelId="{57853735-AACC-44EE-9649-5D60B3565BB2}" type="presParOf" srcId="{24FD0747-6DB6-466B-83B6-9E7B4CBA9FEA}" destId="{AEBD214B-9104-4DDD-BADE-778F44A083C0}" srcOrd="0" destOrd="0" presId="urn:microsoft.com/office/officeart/2009/3/layout/SubStepProcess"/>
-    <dgm:cxn modelId="{200138A0-5153-4A87-ABEC-65679AE3CC62}" type="presParOf" srcId="{24FD0747-6DB6-466B-83B6-9E7B4CBA9FEA}" destId="{CD7F5AA2-FE8A-4A0B-B969-436C1434BD1A}" srcOrd="1" destOrd="0" presId="urn:microsoft.com/office/officeart/2009/3/layout/SubStepProcess"/>
-    <dgm:cxn modelId="{C38E361A-7D3E-49EB-A1B9-9B40D0768793}" type="presParOf" srcId="{24FD0747-6DB6-466B-83B6-9E7B4CBA9FEA}" destId="{DD7B59B1-0567-45AE-9631-1403990EB49D}" srcOrd="2" destOrd="0" presId="urn:microsoft.com/office/officeart/2009/3/layout/SubStepProcess"/>
-    <dgm:cxn modelId="{F2711D33-6EF9-44CA-A461-723F8DEFC921}" type="presParOf" srcId="{24FD0747-6DB6-466B-83B6-9E7B4CBA9FEA}" destId="{86DB8682-38F3-41D9-A8CB-4426FFD83C99}" srcOrd="3" destOrd="0" presId="urn:microsoft.com/office/officeart/2009/3/layout/SubStepProcess"/>
-    <dgm:cxn modelId="{01982359-AA82-46F4-A78E-0B7467E31A2D}" type="presParOf" srcId="{24FD0747-6DB6-466B-83B6-9E7B4CBA9FEA}" destId="{8A40608A-F8D1-43BA-B9F2-FB62614A9433}" srcOrd="4" destOrd="0" presId="urn:microsoft.com/office/officeart/2009/3/layout/SubStepProcess"/>
-    <dgm:cxn modelId="{30A38B14-C628-4EDF-9F55-98A8860BD164}" type="presParOf" srcId="{E6B1D700-8489-495F-81FD-5DCCBCE3B613}" destId="{77CEF5EE-1AC1-410E-AFE5-FC48A99867BF}" srcOrd="3" destOrd="0" presId="urn:microsoft.com/office/officeart/2009/3/layout/SubStepProcess"/>
-    <dgm:cxn modelId="{FD54589E-FD68-4DD9-9567-996B13CA871B}" type="presParOf" srcId="{E6B1D700-8489-495F-81FD-5DCCBCE3B613}" destId="{4046C136-F60A-4233-9C1C-CD58CE55EF1A}" srcOrd="4" destOrd="0" presId="urn:microsoft.com/office/officeart/2009/3/layout/SubStepProcess"/>
-  </dgm:cxnLst>
-  <dgm:bg/>
-  <dgm:whole/>
-  <dgm:extLst>
-    <a:ext uri="http://schemas.microsoft.com/office/drawing/2008/diagram">
-      <dsp:dataModelExt xmlns:dsp="http://schemas.microsoft.com/office/drawing/2008/diagram" relId="rId6" minVer="http://schemas.openxmlformats.org/drawingml/2006/diagram"/>
-    </a:ext>
-  </dgm:extLst>
-</dgm:dataModel>
-</file>
-
-<file path=ppt/diagrams/data6.xml><?xml version="1.0" encoding="utf-8"?>
 <dgm:dataModel xmlns:dgm="http://schemas.openxmlformats.org/drawingml/2006/diagram" xmlns:a="http://schemas.openxmlformats.org/drawingml/2006/main">
   <dgm:ptLst>
     <dgm:pt modelId="{751D85E0-453E-49F5-B5ED-A55C9211E86A}" type="doc">
@@ -10036,7 +8629,7 @@
             </a:spcAft>
           </a:pPr>
           <a:r>
-            <a:rPr lang="es-MX" sz="1600" b="1" kern="1200" smtClean="0">
+            <a:rPr lang="es-MX" sz="1600" b="1" kern="1200" dirty="0" smtClean="0">
               <a:latin typeface="Calibri" pitchFamily="34" charset="0"/>
             </a:rPr>
             <a:t>Fidelización y atracción de clientes</a:t>
@@ -10362,7 +8955,7 @@
             </a:spcAft>
           </a:pPr>
           <a:r>
-            <a:rPr lang="es-MX" sz="1600" b="1" kern="1200" smtClean="0">
+            <a:rPr lang="es-MX" sz="1600" b="1" kern="1200" dirty="0" smtClean="0">
               <a:latin typeface="Calibri" pitchFamily="34" charset="0"/>
             </a:rPr>
             <a:t>Panel de control de manejo de transacciones activas</a:t>
@@ -12212,943 +10805,6 @@
       <dsp:cNvGrpSpPr/>
     </dsp:nvGrpSpPr>
     <dsp:grpSpPr/>
-    <dsp:sp modelId="{DCB17EC6-F47B-44AF-BBF6-6BEC52E4F402}">
-      <dsp:nvSpPr>
-        <dsp:cNvPr id="0" name=""/>
-        <dsp:cNvSpPr/>
-      </dsp:nvSpPr>
-      <dsp:spPr>
-        <a:xfrm>
-          <a:off x="3419" y="1582208"/>
-          <a:ext cx="2254249" cy="2254249"/>
-        </a:xfrm>
-        <a:prstGeom prst="ellipse">
-          <a:avLst/>
-        </a:prstGeom>
-        <a:solidFill>
-          <a:schemeClr val="lt1">
-            <a:hueOff val="0"/>
-            <a:satOff val="0"/>
-            <a:lumOff val="0"/>
-            <a:alphaOff val="0"/>
-          </a:schemeClr>
-        </a:solidFill>
-        <a:ln w="38100" cap="flat" cmpd="sng" algn="ctr">
-          <a:solidFill>
-            <a:schemeClr val="accent2">
-              <a:shade val="80000"/>
-              <a:hueOff val="0"/>
-              <a:satOff val="0"/>
-              <a:lumOff val="0"/>
-              <a:alphaOff val="0"/>
-            </a:schemeClr>
-          </a:solidFill>
-          <a:prstDash val="solid"/>
-        </a:ln>
-        <a:effectLst>
-          <a:outerShdw blurRad="38100" dist="25400" dir="5400000" algn="t" rotWithShape="0">
-            <a:srgbClr val="000000">
-              <a:alpha val="50000"/>
-            </a:srgbClr>
-          </a:outerShdw>
-        </a:effectLst>
-      </dsp:spPr>
-      <dsp:style>
-        <a:lnRef idx="3">
-          <a:scrgbClr r="0" g="0" b="0"/>
-        </a:lnRef>
-        <a:fillRef idx="1">
-          <a:scrgbClr r="0" g="0" b="0"/>
-        </a:fillRef>
-        <a:effectRef idx="1">
-          <a:scrgbClr r="0" g="0" b="0"/>
-        </a:effectRef>
-        <a:fontRef idx="minor">
-          <a:schemeClr val="lt1"/>
-        </a:fontRef>
-      </dsp:style>
-      <dsp:txBody>
-        <a:bodyPr spcFirstLastPara="0" vert="horz" wrap="square" lIns="0" tIns="0" rIns="0" bIns="0" numCol="1" spcCol="1270" anchor="ctr" anchorCtr="0">
-          <a:noAutofit/>
-        </a:bodyPr>
-        <a:lstStyle/>
-        <a:p>
-          <a:pPr lvl="0" algn="ctr" defTabSz="1066800">
-            <a:lnSpc>
-              <a:spcPct val="90000"/>
-            </a:lnSpc>
-            <a:spcBef>
-              <a:spcPct val="0"/>
-            </a:spcBef>
-            <a:spcAft>
-              <a:spcPct val="35000"/>
-            </a:spcAft>
-          </a:pPr>
-          <a:r>
-            <a:rPr lang="es-CO" sz="2400" kern="1200" dirty="0" smtClean="0"/>
-            <a:t>26 Julio 2013</a:t>
-          </a:r>
-          <a:endParaRPr lang="es-CO" sz="2400" kern="1200" dirty="0"/>
-        </a:p>
-      </dsp:txBody>
-      <dsp:txXfrm>
-        <a:off x="333546" y="1912335"/>
-        <a:ext cx="1593995" cy="1593995"/>
-      </dsp:txXfrm>
-    </dsp:sp>
-    <dsp:sp modelId="{12D111E2-7DD3-4840-A5AD-620EBE19B016}">
-      <dsp:nvSpPr>
-        <dsp:cNvPr id="0" name=""/>
-        <dsp:cNvSpPr/>
-      </dsp:nvSpPr>
-      <dsp:spPr>
-        <a:xfrm rot="17909946">
-          <a:off x="2027825" y="2087161"/>
-          <a:ext cx="1135286" cy="0"/>
-        </a:xfrm>
-        <a:custGeom>
-          <a:avLst/>
-          <a:gdLst/>
-          <a:ahLst/>
-          <a:cxnLst/>
-          <a:rect l="0" t="0" r="0" b="0"/>
-          <a:pathLst>
-            <a:path>
-              <a:moveTo>
-                <a:pt x="0" y="0"/>
-              </a:moveTo>
-              <a:lnTo>
-                <a:pt x="1135286" y="0"/>
-              </a:lnTo>
-            </a:path>
-          </a:pathLst>
-        </a:custGeom>
-        <a:noFill/>
-        <a:ln w="12700" cap="flat" cmpd="sng" algn="ctr">
-          <a:solidFill>
-            <a:schemeClr val="accent2">
-              <a:shade val="60000"/>
-              <a:hueOff val="0"/>
-              <a:satOff val="0"/>
-              <a:lumOff val="0"/>
-              <a:alphaOff val="0"/>
-            </a:schemeClr>
-          </a:solidFill>
-          <a:prstDash val="solid"/>
-        </a:ln>
-        <a:effectLst/>
-      </dsp:spPr>
-      <dsp:style>
-        <a:lnRef idx="2">
-          <a:scrgbClr r="0" g="0" b="0"/>
-        </a:lnRef>
-        <a:fillRef idx="0">
-          <a:scrgbClr r="0" g="0" b="0"/>
-        </a:fillRef>
-        <a:effectRef idx="0">
-          <a:scrgbClr r="0" g="0" b="0"/>
-        </a:effectRef>
-        <a:fontRef idx="minor"/>
-      </dsp:style>
-    </dsp:sp>
-    <dsp:sp modelId="{A1C77215-2132-4815-8F87-5AE20945D81F}">
-      <dsp:nvSpPr>
-        <dsp:cNvPr id="0" name=""/>
-        <dsp:cNvSpPr/>
-      </dsp:nvSpPr>
-      <dsp:spPr>
-        <a:xfrm rot="14490054">
-          <a:off x="4964887" y="2087161"/>
-          <a:ext cx="1135286" cy="0"/>
-        </a:xfrm>
-        <a:custGeom>
-          <a:avLst/>
-          <a:gdLst/>
-          <a:ahLst/>
-          <a:cxnLst/>
-          <a:rect l="0" t="0" r="0" b="0"/>
-          <a:pathLst>
-            <a:path>
-              <a:moveTo>
-                <a:pt x="0" y="0"/>
-              </a:moveTo>
-              <a:lnTo>
-                <a:pt x="1135286" y="0"/>
-              </a:lnTo>
-            </a:path>
-          </a:pathLst>
-        </a:custGeom>
-        <a:noFill/>
-        <a:ln w="12700" cap="flat" cmpd="sng" algn="ctr">
-          <a:solidFill>
-            <a:schemeClr val="accent2">
-              <a:shade val="60000"/>
-              <a:hueOff val="0"/>
-              <a:satOff val="0"/>
-              <a:lumOff val="0"/>
-              <a:alphaOff val="0"/>
-            </a:schemeClr>
-          </a:solidFill>
-          <a:prstDash val="solid"/>
-        </a:ln>
-        <a:effectLst/>
-      </dsp:spPr>
-      <dsp:style>
-        <a:lnRef idx="2">
-          <a:scrgbClr r="0" g="0" b="0"/>
-        </a:lnRef>
-        <a:fillRef idx="0">
-          <a:scrgbClr r="0" g="0" b="0"/>
-        </a:fillRef>
-        <a:effectRef idx="0">
-          <a:scrgbClr r="0" g="0" b="0"/>
-        </a:effectRef>
-        <a:fontRef idx="minor"/>
-      </dsp:style>
-    </dsp:sp>
-    <dsp:sp modelId="{8C64F730-B474-4ADE-AD98-0CAAA9FBB82C}">
-      <dsp:nvSpPr>
-        <dsp:cNvPr id="0" name=""/>
-        <dsp:cNvSpPr/>
-      </dsp:nvSpPr>
-      <dsp:spPr>
-        <a:xfrm>
-          <a:off x="2866316" y="1588302"/>
-          <a:ext cx="263490" cy="0"/>
-        </a:xfrm>
-        <a:prstGeom prst="line">
-          <a:avLst/>
-        </a:prstGeom>
-        <a:noFill/>
-        <a:ln w="12700" cap="flat" cmpd="sng" algn="ctr">
-          <a:solidFill>
-            <a:schemeClr val="accent2">
-              <a:shade val="60000"/>
-              <a:hueOff val="0"/>
-              <a:satOff val="0"/>
-              <a:lumOff val="0"/>
-              <a:alphaOff val="0"/>
-            </a:schemeClr>
-          </a:solidFill>
-          <a:prstDash val="solid"/>
-        </a:ln>
-        <a:effectLst/>
-      </dsp:spPr>
-      <dsp:style>
-        <a:lnRef idx="2">
-          <a:scrgbClr r="0" g="0" b="0"/>
-        </a:lnRef>
-        <a:fillRef idx="0">
-          <a:scrgbClr r="0" g="0" b="0"/>
-        </a:fillRef>
-        <a:effectRef idx="0">
-          <a:scrgbClr r="0" g="0" b="0"/>
-        </a:effectRef>
-        <a:fontRef idx="minor"/>
-      </dsp:style>
-    </dsp:sp>
-    <dsp:sp modelId="{4449182C-3381-49CE-A581-48D9E124B99F}">
-      <dsp:nvSpPr>
-        <dsp:cNvPr id="0" name=""/>
-        <dsp:cNvSpPr/>
-      </dsp:nvSpPr>
-      <dsp:spPr>
-        <a:xfrm>
-          <a:off x="3129807" y="1027786"/>
-          <a:ext cx="1868385" cy="1121031"/>
-        </a:xfrm>
-        <a:prstGeom prst="rect">
-          <a:avLst/>
-        </a:prstGeom>
-        <a:noFill/>
-        <a:ln>
-          <a:noFill/>
-        </a:ln>
-        <a:effectLst/>
-        <a:sp3d/>
-      </dsp:spPr>
-      <dsp:style>
-        <a:lnRef idx="0">
-          <a:scrgbClr r="0" g="0" b="0"/>
-        </a:lnRef>
-        <a:fillRef idx="0">
-          <a:scrgbClr r="0" g="0" b="0"/>
-        </a:fillRef>
-        <a:effectRef idx="0">
-          <a:scrgbClr r="0" g="0" b="0"/>
-        </a:effectRef>
-        <a:fontRef idx="minor"/>
-      </dsp:style>
-      <dsp:txBody>
-        <a:bodyPr spcFirstLastPara="0" vert="horz" wrap="square" lIns="142240" tIns="142240" rIns="142240" bIns="142240" numCol="1" spcCol="1270" anchor="ctr" anchorCtr="0">
-          <a:noAutofit/>
-        </a:bodyPr>
-        <a:lstStyle/>
-        <a:p>
-          <a:pPr lvl="0" algn="ctr" defTabSz="889000">
-            <a:lnSpc>
-              <a:spcPct val="90000"/>
-            </a:lnSpc>
-            <a:spcBef>
-              <a:spcPct val="0"/>
-            </a:spcBef>
-            <a:spcAft>
-              <a:spcPct val="35000"/>
-            </a:spcAft>
-          </a:pPr>
-          <a:r>
-            <a:rPr lang="es-CO" sz="2000" kern="1200" dirty="0" smtClean="0"/>
-            <a:t>Procesos transaccionales</a:t>
-          </a:r>
-        </a:p>
-      </dsp:txBody>
-      <dsp:txXfrm>
-        <a:off x="3129807" y="1027786"/>
-        <a:ext cx="1868385" cy="1121031"/>
-      </dsp:txXfrm>
-    </dsp:sp>
-    <dsp:sp modelId="{670B45AD-D38A-4522-90FD-AE77C2B2774B}">
-      <dsp:nvSpPr>
-        <dsp:cNvPr id="0" name=""/>
-        <dsp:cNvSpPr/>
-      </dsp:nvSpPr>
-      <dsp:spPr>
-        <a:xfrm>
-          <a:off x="4998192" y="1588302"/>
-          <a:ext cx="263490" cy="0"/>
-        </a:xfrm>
-        <a:prstGeom prst="line">
-          <a:avLst/>
-        </a:prstGeom>
-        <a:noFill/>
-        <a:ln w="12700" cap="flat" cmpd="sng" algn="ctr">
-          <a:solidFill>
-            <a:schemeClr val="accent2">
-              <a:shade val="60000"/>
-              <a:hueOff val="0"/>
-              <a:satOff val="0"/>
-              <a:lumOff val="0"/>
-              <a:alphaOff val="0"/>
-            </a:schemeClr>
-          </a:solidFill>
-          <a:prstDash val="solid"/>
-        </a:ln>
-        <a:effectLst/>
-      </dsp:spPr>
-      <dsp:style>
-        <a:lnRef idx="2">
-          <a:scrgbClr r="0" g="0" b="0"/>
-        </a:lnRef>
-        <a:fillRef idx="0">
-          <a:scrgbClr r="0" g="0" b="0"/>
-        </a:fillRef>
-        <a:effectRef idx="0">
-          <a:scrgbClr r="0" g="0" b="0"/>
-        </a:effectRef>
-        <a:fontRef idx="minor"/>
-      </dsp:style>
-    </dsp:sp>
-    <dsp:sp modelId="{A5DF9707-3501-45DA-8BD4-733A529208DE}">
-      <dsp:nvSpPr>
-        <dsp:cNvPr id="0" name=""/>
-        <dsp:cNvSpPr/>
-      </dsp:nvSpPr>
-      <dsp:spPr>
-        <a:xfrm>
-          <a:off x="2324620" y="2709333"/>
-          <a:ext cx="541696" cy="0"/>
-        </a:xfrm>
-        <a:custGeom>
-          <a:avLst/>
-          <a:gdLst/>
-          <a:ahLst/>
-          <a:cxnLst/>
-          <a:rect l="0" t="0" r="0" b="0"/>
-          <a:pathLst>
-            <a:path>
-              <a:moveTo>
-                <a:pt x="0" y="0"/>
-              </a:moveTo>
-              <a:lnTo>
-                <a:pt x="541696" y="0"/>
-              </a:lnTo>
-            </a:path>
-          </a:pathLst>
-        </a:custGeom>
-        <a:noFill/>
-        <a:ln w="12700" cap="flat" cmpd="sng" algn="ctr">
-          <a:solidFill>
-            <a:schemeClr val="accent2">
-              <a:shade val="60000"/>
-              <a:hueOff val="0"/>
-              <a:satOff val="0"/>
-              <a:lumOff val="0"/>
-              <a:alphaOff val="0"/>
-            </a:schemeClr>
-          </a:solidFill>
-          <a:prstDash val="solid"/>
-        </a:ln>
-        <a:effectLst/>
-      </dsp:spPr>
-      <dsp:style>
-        <a:lnRef idx="2">
-          <a:scrgbClr r="0" g="0" b="0"/>
-        </a:lnRef>
-        <a:fillRef idx="0">
-          <a:scrgbClr r="0" g="0" b="0"/>
-        </a:fillRef>
-        <a:effectRef idx="0">
-          <a:scrgbClr r="0" g="0" b="0"/>
-        </a:effectRef>
-        <a:fontRef idx="minor"/>
-      </dsp:style>
-    </dsp:sp>
-    <dsp:sp modelId="{CA7404E8-4573-4431-9D50-3AD10AC0E6B8}">
-      <dsp:nvSpPr>
-        <dsp:cNvPr id="0" name=""/>
-        <dsp:cNvSpPr/>
-      </dsp:nvSpPr>
-      <dsp:spPr>
-        <a:xfrm rot="10800000">
-          <a:off x="5261683" y="2709333"/>
-          <a:ext cx="541696" cy="0"/>
-        </a:xfrm>
-        <a:custGeom>
-          <a:avLst/>
-          <a:gdLst/>
-          <a:ahLst/>
-          <a:cxnLst/>
-          <a:rect l="0" t="0" r="0" b="0"/>
-          <a:pathLst>
-            <a:path>
-              <a:moveTo>
-                <a:pt x="0" y="0"/>
-              </a:moveTo>
-              <a:lnTo>
-                <a:pt x="541696" y="0"/>
-              </a:lnTo>
-            </a:path>
-          </a:pathLst>
-        </a:custGeom>
-        <a:noFill/>
-        <a:ln w="12700" cap="flat" cmpd="sng" algn="ctr">
-          <a:solidFill>
-            <a:schemeClr val="accent2">
-              <a:shade val="60000"/>
-              <a:hueOff val="0"/>
-              <a:satOff val="0"/>
-              <a:lumOff val="0"/>
-              <a:alphaOff val="0"/>
-            </a:schemeClr>
-          </a:solidFill>
-          <a:prstDash val="solid"/>
-        </a:ln>
-        <a:effectLst/>
-      </dsp:spPr>
-      <dsp:style>
-        <a:lnRef idx="2">
-          <a:scrgbClr r="0" g="0" b="0"/>
-        </a:lnRef>
-        <a:fillRef idx="0">
-          <a:scrgbClr r="0" g="0" b="0"/>
-        </a:fillRef>
-        <a:effectRef idx="0">
-          <a:scrgbClr r="0" g="0" b="0"/>
-        </a:effectRef>
-        <a:fontRef idx="minor"/>
-      </dsp:style>
-    </dsp:sp>
-    <dsp:sp modelId="{0319A2DD-DF96-4C90-9D9D-3F794BDB0ACB}">
-      <dsp:nvSpPr>
-        <dsp:cNvPr id="0" name=""/>
-        <dsp:cNvSpPr/>
-      </dsp:nvSpPr>
-      <dsp:spPr>
-        <a:xfrm>
-          <a:off x="2866316" y="2709333"/>
-          <a:ext cx="263490" cy="0"/>
-        </a:xfrm>
-        <a:prstGeom prst="line">
-          <a:avLst/>
-        </a:prstGeom>
-        <a:noFill/>
-        <a:ln w="12700" cap="flat" cmpd="sng" algn="ctr">
-          <a:solidFill>
-            <a:schemeClr val="accent2">
-              <a:shade val="60000"/>
-              <a:hueOff val="0"/>
-              <a:satOff val="0"/>
-              <a:lumOff val="0"/>
-              <a:alphaOff val="0"/>
-            </a:schemeClr>
-          </a:solidFill>
-          <a:prstDash val="solid"/>
-        </a:ln>
-        <a:effectLst/>
-      </dsp:spPr>
-      <dsp:style>
-        <a:lnRef idx="2">
-          <a:scrgbClr r="0" g="0" b="0"/>
-        </a:lnRef>
-        <a:fillRef idx="0">
-          <a:scrgbClr r="0" g="0" b="0"/>
-        </a:fillRef>
-        <a:effectRef idx="0">
-          <a:scrgbClr r="0" g="0" b="0"/>
-        </a:effectRef>
-        <a:fontRef idx="minor"/>
-      </dsp:style>
-    </dsp:sp>
-    <dsp:sp modelId="{F4D0B9B1-1DC4-4BFB-A7CD-AE3DDFF78071}">
-      <dsp:nvSpPr>
-        <dsp:cNvPr id="0" name=""/>
-        <dsp:cNvSpPr/>
-      </dsp:nvSpPr>
-      <dsp:spPr>
-        <a:xfrm>
-          <a:off x="3129807" y="2148817"/>
-          <a:ext cx="1868385" cy="1121031"/>
-        </a:xfrm>
-        <a:prstGeom prst="rect">
-          <a:avLst/>
-        </a:prstGeom>
-        <a:noFill/>
-        <a:ln>
-          <a:noFill/>
-        </a:ln>
-        <a:effectLst/>
-        <a:sp3d/>
-      </dsp:spPr>
-      <dsp:style>
-        <a:lnRef idx="0">
-          <a:scrgbClr r="0" g="0" b="0"/>
-        </a:lnRef>
-        <a:fillRef idx="0">
-          <a:scrgbClr r="0" g="0" b="0"/>
-        </a:fillRef>
-        <a:effectRef idx="0">
-          <a:scrgbClr r="0" g="0" b="0"/>
-        </a:effectRef>
-        <a:fontRef idx="minor"/>
-      </dsp:style>
-      <dsp:txBody>
-        <a:bodyPr spcFirstLastPara="0" vert="horz" wrap="square" lIns="142240" tIns="142240" rIns="142240" bIns="142240" numCol="1" spcCol="1270" anchor="ctr" anchorCtr="0">
-          <a:noAutofit/>
-        </a:bodyPr>
-        <a:lstStyle/>
-        <a:p>
-          <a:pPr lvl="0" algn="ctr" defTabSz="889000">
-            <a:lnSpc>
-              <a:spcPct val="90000"/>
-            </a:lnSpc>
-            <a:spcBef>
-              <a:spcPct val="0"/>
-            </a:spcBef>
-            <a:spcAft>
-              <a:spcPct val="35000"/>
-            </a:spcAft>
-          </a:pPr>
-          <a:r>
-            <a:rPr lang="es-CO" sz="2000" kern="1200" dirty="0" smtClean="0"/>
-            <a:t>Procesos campañas</a:t>
-          </a:r>
-        </a:p>
-      </dsp:txBody>
-      <dsp:txXfrm>
-        <a:off x="3129807" y="2148817"/>
-        <a:ext cx="1868385" cy="1121031"/>
-      </dsp:txXfrm>
-    </dsp:sp>
-    <dsp:sp modelId="{F5EE5622-431C-4A83-AEE8-3A2A83876B17}">
-      <dsp:nvSpPr>
-        <dsp:cNvPr id="0" name=""/>
-        <dsp:cNvSpPr/>
-      </dsp:nvSpPr>
-      <dsp:spPr>
-        <a:xfrm>
-          <a:off x="4998192" y="2709333"/>
-          <a:ext cx="263490" cy="0"/>
-        </a:xfrm>
-        <a:prstGeom prst="line">
-          <a:avLst/>
-        </a:prstGeom>
-        <a:noFill/>
-        <a:ln w="12700" cap="flat" cmpd="sng" algn="ctr">
-          <a:solidFill>
-            <a:schemeClr val="accent2">
-              <a:shade val="60000"/>
-              <a:hueOff val="0"/>
-              <a:satOff val="0"/>
-              <a:lumOff val="0"/>
-              <a:alphaOff val="0"/>
-            </a:schemeClr>
-          </a:solidFill>
-          <a:prstDash val="solid"/>
-        </a:ln>
-        <a:effectLst/>
-      </dsp:spPr>
-      <dsp:style>
-        <a:lnRef idx="2">
-          <a:scrgbClr r="0" g="0" b="0"/>
-        </a:lnRef>
-        <a:fillRef idx="0">
-          <a:scrgbClr r="0" g="0" b="0"/>
-        </a:fillRef>
-        <a:effectRef idx="0">
-          <a:scrgbClr r="0" g="0" b="0"/>
-        </a:effectRef>
-        <a:fontRef idx="minor"/>
-      </dsp:style>
-    </dsp:sp>
-    <dsp:sp modelId="{6C2EE18D-EF4A-493A-BC1E-35B33DA96A0D}">
-      <dsp:nvSpPr>
-        <dsp:cNvPr id="0" name=""/>
-        <dsp:cNvSpPr/>
-      </dsp:nvSpPr>
-      <dsp:spPr>
-        <a:xfrm rot="3690054">
-          <a:off x="2027825" y="3331505"/>
-          <a:ext cx="1135286" cy="0"/>
-        </a:xfrm>
-        <a:custGeom>
-          <a:avLst/>
-          <a:gdLst/>
-          <a:ahLst/>
-          <a:cxnLst/>
-          <a:rect l="0" t="0" r="0" b="0"/>
-          <a:pathLst>
-            <a:path>
-              <a:moveTo>
-                <a:pt x="0" y="0"/>
-              </a:moveTo>
-              <a:lnTo>
-                <a:pt x="1135286" y="0"/>
-              </a:lnTo>
-            </a:path>
-          </a:pathLst>
-        </a:custGeom>
-        <a:noFill/>
-        <a:ln w="12700" cap="flat" cmpd="sng" algn="ctr">
-          <a:solidFill>
-            <a:schemeClr val="accent2">
-              <a:shade val="60000"/>
-              <a:hueOff val="0"/>
-              <a:satOff val="0"/>
-              <a:lumOff val="0"/>
-              <a:alphaOff val="0"/>
-            </a:schemeClr>
-          </a:solidFill>
-          <a:prstDash val="solid"/>
-        </a:ln>
-        <a:effectLst/>
-      </dsp:spPr>
-      <dsp:style>
-        <a:lnRef idx="2">
-          <a:scrgbClr r="0" g="0" b="0"/>
-        </a:lnRef>
-        <a:fillRef idx="0">
-          <a:scrgbClr r="0" g="0" b="0"/>
-        </a:fillRef>
-        <a:effectRef idx="0">
-          <a:scrgbClr r="0" g="0" b="0"/>
-        </a:effectRef>
-        <a:fontRef idx="minor"/>
-      </dsp:style>
-    </dsp:sp>
-    <dsp:sp modelId="{65C21F9C-1B75-4589-A761-F9BE68B49FEC}">
-      <dsp:nvSpPr>
-        <dsp:cNvPr id="0" name=""/>
-        <dsp:cNvSpPr/>
-      </dsp:nvSpPr>
-      <dsp:spPr>
-        <a:xfrm rot="7109946">
-          <a:off x="4964887" y="3331505"/>
-          <a:ext cx="1135286" cy="0"/>
-        </a:xfrm>
-        <a:custGeom>
-          <a:avLst/>
-          <a:gdLst/>
-          <a:ahLst/>
-          <a:cxnLst/>
-          <a:rect l="0" t="0" r="0" b="0"/>
-          <a:pathLst>
-            <a:path>
-              <a:moveTo>
-                <a:pt x="0" y="0"/>
-              </a:moveTo>
-              <a:lnTo>
-                <a:pt x="1135286" y="0"/>
-              </a:lnTo>
-            </a:path>
-          </a:pathLst>
-        </a:custGeom>
-        <a:noFill/>
-        <a:ln w="12700" cap="flat" cmpd="sng" algn="ctr">
-          <a:solidFill>
-            <a:schemeClr val="accent2">
-              <a:shade val="60000"/>
-              <a:hueOff val="0"/>
-              <a:satOff val="0"/>
-              <a:lumOff val="0"/>
-              <a:alphaOff val="0"/>
-            </a:schemeClr>
-          </a:solidFill>
-          <a:prstDash val="solid"/>
-        </a:ln>
-        <a:effectLst/>
-      </dsp:spPr>
-      <dsp:style>
-        <a:lnRef idx="2">
-          <a:scrgbClr r="0" g="0" b="0"/>
-        </a:lnRef>
-        <a:fillRef idx="0">
-          <a:scrgbClr r="0" g="0" b="0"/>
-        </a:fillRef>
-        <a:effectRef idx="0">
-          <a:scrgbClr r="0" g="0" b="0"/>
-        </a:effectRef>
-        <a:fontRef idx="minor"/>
-      </dsp:style>
-    </dsp:sp>
-    <dsp:sp modelId="{DD7B59B1-0567-45AE-9631-1403990EB49D}">
-      <dsp:nvSpPr>
-        <dsp:cNvPr id="0" name=""/>
-        <dsp:cNvSpPr/>
-      </dsp:nvSpPr>
-      <dsp:spPr>
-        <a:xfrm>
-          <a:off x="2866316" y="3830364"/>
-          <a:ext cx="263490" cy="0"/>
-        </a:xfrm>
-        <a:prstGeom prst="line">
-          <a:avLst/>
-        </a:prstGeom>
-        <a:noFill/>
-        <a:ln w="12700" cap="flat" cmpd="sng" algn="ctr">
-          <a:solidFill>
-            <a:schemeClr val="accent2">
-              <a:shade val="60000"/>
-              <a:hueOff val="0"/>
-              <a:satOff val="0"/>
-              <a:lumOff val="0"/>
-              <a:alphaOff val="0"/>
-            </a:schemeClr>
-          </a:solidFill>
-          <a:prstDash val="solid"/>
-        </a:ln>
-        <a:effectLst/>
-      </dsp:spPr>
-      <dsp:style>
-        <a:lnRef idx="2">
-          <a:scrgbClr r="0" g="0" b="0"/>
-        </a:lnRef>
-        <a:fillRef idx="0">
-          <a:scrgbClr r="0" g="0" b="0"/>
-        </a:fillRef>
-        <a:effectRef idx="0">
-          <a:scrgbClr r="0" g="0" b="0"/>
-        </a:effectRef>
-        <a:fontRef idx="minor"/>
-      </dsp:style>
-    </dsp:sp>
-    <dsp:sp modelId="{86DB8682-38F3-41D9-A8CB-4426FFD83C99}">
-      <dsp:nvSpPr>
-        <dsp:cNvPr id="0" name=""/>
-        <dsp:cNvSpPr/>
-      </dsp:nvSpPr>
-      <dsp:spPr>
-        <a:xfrm>
-          <a:off x="3129807" y="3269849"/>
-          <a:ext cx="1868385" cy="1121031"/>
-        </a:xfrm>
-        <a:prstGeom prst="rect">
-          <a:avLst/>
-        </a:prstGeom>
-        <a:noFill/>
-        <a:ln>
-          <a:noFill/>
-        </a:ln>
-        <a:effectLst/>
-        <a:sp3d/>
-      </dsp:spPr>
-      <dsp:style>
-        <a:lnRef idx="0">
-          <a:scrgbClr r="0" g="0" b="0"/>
-        </a:lnRef>
-        <a:fillRef idx="0">
-          <a:scrgbClr r="0" g="0" b="0"/>
-        </a:fillRef>
-        <a:effectRef idx="0">
-          <a:scrgbClr r="0" g="0" b="0"/>
-        </a:effectRef>
-        <a:fontRef idx="minor"/>
-      </dsp:style>
-      <dsp:txBody>
-        <a:bodyPr spcFirstLastPara="0" vert="horz" wrap="square" lIns="170688" tIns="170688" rIns="170688" bIns="170688" numCol="1" spcCol="1270" anchor="ctr" anchorCtr="0">
-          <a:noAutofit/>
-        </a:bodyPr>
-        <a:lstStyle/>
-        <a:p>
-          <a:pPr lvl="0" algn="ctr" defTabSz="1066800">
-            <a:lnSpc>
-              <a:spcPct val="90000"/>
-            </a:lnSpc>
-            <a:spcBef>
-              <a:spcPct val="0"/>
-            </a:spcBef>
-            <a:spcAft>
-              <a:spcPct val="35000"/>
-            </a:spcAft>
-          </a:pPr>
-          <a:r>
-            <a:rPr lang="es-CO" sz="2400" kern="1200" dirty="0" smtClean="0"/>
-            <a:t>Monitor transacciones</a:t>
-          </a:r>
-          <a:endParaRPr lang="es-CO" sz="2400" kern="1200" dirty="0"/>
-        </a:p>
-      </dsp:txBody>
-      <dsp:txXfrm>
-        <a:off x="3129807" y="3269849"/>
-        <a:ext cx="1868385" cy="1121031"/>
-      </dsp:txXfrm>
-    </dsp:sp>
-    <dsp:sp modelId="{8A40608A-F8D1-43BA-B9F2-FB62614A9433}">
-      <dsp:nvSpPr>
-        <dsp:cNvPr id="0" name=""/>
-        <dsp:cNvSpPr/>
-      </dsp:nvSpPr>
-      <dsp:spPr>
-        <a:xfrm>
-          <a:off x="4998192" y="3830364"/>
-          <a:ext cx="263490" cy="0"/>
-        </a:xfrm>
-        <a:prstGeom prst="line">
-          <a:avLst/>
-        </a:prstGeom>
-        <a:noFill/>
-        <a:ln w="12700" cap="flat" cmpd="sng" algn="ctr">
-          <a:solidFill>
-            <a:schemeClr val="accent2">
-              <a:shade val="60000"/>
-              <a:hueOff val="0"/>
-              <a:satOff val="0"/>
-              <a:lumOff val="0"/>
-              <a:alphaOff val="0"/>
-            </a:schemeClr>
-          </a:solidFill>
-          <a:prstDash val="solid"/>
-        </a:ln>
-        <a:effectLst/>
-      </dsp:spPr>
-      <dsp:style>
-        <a:lnRef idx="2">
-          <a:scrgbClr r="0" g="0" b="0"/>
-        </a:lnRef>
-        <a:fillRef idx="0">
-          <a:scrgbClr r="0" g="0" b="0"/>
-        </a:fillRef>
-        <a:effectRef idx="0">
-          <a:scrgbClr r="0" g="0" b="0"/>
-        </a:effectRef>
-        <a:fontRef idx="minor"/>
-      </dsp:style>
-    </dsp:sp>
-    <dsp:sp modelId="{4046C136-F60A-4233-9C1C-CD58CE55EF1A}">
-      <dsp:nvSpPr>
-        <dsp:cNvPr id="0" name=""/>
-        <dsp:cNvSpPr/>
-      </dsp:nvSpPr>
-      <dsp:spPr>
-        <a:xfrm>
-          <a:off x="5870330" y="1582208"/>
-          <a:ext cx="2254249" cy="2254249"/>
-        </a:xfrm>
-        <a:prstGeom prst="ellipse">
-          <a:avLst/>
-        </a:prstGeom>
-        <a:solidFill>
-          <a:schemeClr val="lt1">
-            <a:hueOff val="0"/>
-            <a:satOff val="0"/>
-            <a:lumOff val="0"/>
-            <a:alphaOff val="0"/>
-          </a:schemeClr>
-        </a:solidFill>
-        <a:ln w="38100" cap="flat" cmpd="sng" algn="ctr">
-          <a:solidFill>
-            <a:schemeClr val="accent2">
-              <a:shade val="80000"/>
-              <a:hueOff val="0"/>
-              <a:satOff val="0"/>
-              <a:lumOff val="0"/>
-              <a:alphaOff val="0"/>
-            </a:schemeClr>
-          </a:solidFill>
-          <a:prstDash val="solid"/>
-        </a:ln>
-        <a:effectLst>
-          <a:outerShdw blurRad="38100" dist="25400" dir="5400000" algn="t" rotWithShape="0">
-            <a:srgbClr val="000000">
-              <a:alpha val="50000"/>
-            </a:srgbClr>
-          </a:outerShdw>
-        </a:effectLst>
-      </dsp:spPr>
-      <dsp:style>
-        <a:lnRef idx="3">
-          <a:scrgbClr r="0" g="0" b="0"/>
-        </a:lnRef>
-        <a:fillRef idx="1">
-          <a:scrgbClr r="0" g="0" b="0"/>
-        </a:fillRef>
-        <a:effectRef idx="1">
-          <a:scrgbClr r="0" g="0" b="0"/>
-        </a:effectRef>
-        <a:fontRef idx="minor">
-          <a:schemeClr val="lt1"/>
-        </a:fontRef>
-      </dsp:style>
-      <dsp:txBody>
-        <a:bodyPr spcFirstLastPara="0" vert="horz" wrap="square" lIns="0" tIns="0" rIns="0" bIns="0" numCol="1" spcCol="1270" anchor="ctr" anchorCtr="0">
-          <a:noAutofit/>
-        </a:bodyPr>
-        <a:lstStyle/>
-        <a:p>
-          <a:pPr lvl="0" algn="ctr" defTabSz="1066800">
-            <a:lnSpc>
-              <a:spcPct val="90000"/>
-            </a:lnSpc>
-            <a:spcBef>
-              <a:spcPct val="0"/>
-            </a:spcBef>
-            <a:spcAft>
-              <a:spcPct val="35000"/>
-            </a:spcAft>
-          </a:pPr>
-          <a:r>
-            <a:rPr lang="es-CO" sz="2400" kern="1200" dirty="0" smtClean="0"/>
-            <a:t>16 Noviembre 2013</a:t>
-          </a:r>
-          <a:endParaRPr lang="es-CO" sz="2400" kern="1200" dirty="0"/>
-        </a:p>
-      </dsp:txBody>
-      <dsp:txXfrm>
-        <a:off x="6200457" y="1912335"/>
-        <a:ext cx="1593995" cy="1593995"/>
-      </dsp:txXfrm>
-    </dsp:sp>
-  </dsp:spTree>
-</dsp:drawing>
-</file>
-
-<file path=ppt/diagrams/drawing6.xml><?xml version="1.0" encoding="utf-8"?>
-<dsp:drawing xmlns:dgm="http://schemas.openxmlformats.org/drawingml/2006/diagram" xmlns:dsp="http://schemas.microsoft.com/office/drawing/2008/diagram" xmlns:a="http://schemas.openxmlformats.org/drawingml/2006/main">
-  <dsp:spTree>
-    <dsp:nvGrpSpPr>
-      <dsp:cNvPr id="0" name=""/>
-      <dsp:cNvGrpSpPr/>
-    </dsp:nvGrpSpPr>
-    <dsp:grpSpPr/>
     <dsp:sp modelId="{550D8F94-AD4C-4CB8-AF48-AC8EA3E28689}">
       <dsp:nvSpPr>
         <dsp:cNvPr id="0" name=""/>
@@ -13157,7 +10813,7 @@
       <dsp:spPr>
         <a:xfrm>
           <a:off x="0" y="2149"/>
-          <a:ext cx="8127999" cy="0"/>
+          <a:ext cx="8128000" cy="0"/>
         </a:xfrm>
         <a:prstGeom prst="line">
           <a:avLst/>
@@ -13289,8 +10945,8 @@
       </dsp:nvSpPr>
       <dsp:spPr>
         <a:xfrm>
-          <a:off x="1747519" y="65848"/>
-          <a:ext cx="6380479" cy="1273968"/>
+          <a:off x="1747520" y="65848"/>
+          <a:ext cx="6380480" cy="1273968"/>
         </a:xfrm>
         <a:prstGeom prst="rect">
           <a:avLst/>
@@ -13342,8 +10998,8 @@
         </a:p>
       </dsp:txBody>
       <dsp:txXfrm>
-        <a:off x="1747519" y="65848"/>
-        <a:ext cx="6380479" cy="1273968"/>
+        <a:off x="1747520" y="65848"/>
+        <a:ext cx="6380480" cy="1273968"/>
       </dsp:txXfrm>
     </dsp:sp>
     <dsp:sp modelId="{280076F7-8D64-44B1-86E3-7FDD590A0E16}">
@@ -13401,8 +11057,8 @@
       </dsp:nvSpPr>
       <dsp:spPr>
         <a:xfrm>
-          <a:off x="1747519" y="1403515"/>
-          <a:ext cx="6380479" cy="1273968"/>
+          <a:off x="1747520" y="1403515"/>
+          <a:ext cx="6380480" cy="1273968"/>
         </a:xfrm>
         <a:prstGeom prst="rect">
           <a:avLst/>
@@ -13454,8 +11110,8 @@
         </a:p>
       </dsp:txBody>
       <dsp:txXfrm>
-        <a:off x="1747519" y="1403515"/>
-        <a:ext cx="6380479" cy="1273968"/>
+        <a:off x="1747520" y="1403515"/>
+        <a:ext cx="6380480" cy="1273968"/>
       </dsp:txXfrm>
     </dsp:sp>
     <dsp:sp modelId="{A693DB3D-B400-4C38-B5FF-0F78B66CE70C}">
@@ -13513,8 +11169,8 @@
       </dsp:nvSpPr>
       <dsp:spPr>
         <a:xfrm>
-          <a:off x="1747519" y="2741182"/>
-          <a:ext cx="6380479" cy="1273968"/>
+          <a:off x="1747520" y="2741182"/>
+          <a:ext cx="6380480" cy="1273968"/>
         </a:xfrm>
         <a:prstGeom prst="rect">
           <a:avLst/>
@@ -13566,8 +11222,8 @@
         </a:p>
       </dsp:txBody>
       <dsp:txXfrm>
-        <a:off x="1747519" y="2741182"/>
-        <a:ext cx="6380479" cy="1273968"/>
+        <a:off x="1747520" y="2741182"/>
+        <a:ext cx="6380480" cy="1273968"/>
       </dsp:txXfrm>
     </dsp:sp>
     <dsp:sp modelId="{3CBBE6F8-7980-4757-A332-9C1CACD54C41}">
@@ -13625,8 +11281,8 @@
       </dsp:nvSpPr>
       <dsp:spPr>
         <a:xfrm>
-          <a:off x="1747519" y="4078849"/>
-          <a:ext cx="6380479" cy="1273968"/>
+          <a:off x="1747520" y="4078849"/>
+          <a:ext cx="6380480" cy="1273968"/>
         </a:xfrm>
         <a:prstGeom prst="rect">
           <a:avLst/>
@@ -13678,8 +11334,8 @@
         </a:p>
       </dsp:txBody>
       <dsp:txXfrm>
-        <a:off x="1747519" y="4078849"/>
-        <a:ext cx="6380479" cy="1273968"/>
+        <a:off x="1747520" y="4078849"/>
+        <a:ext cx="6380480" cy="1273968"/>
       </dsp:txXfrm>
     </dsp:sp>
     <dsp:sp modelId="{E7ADB50D-6924-419F-8B7E-E00FCC7D3750}">
@@ -16147,1702 +13803,6 @@
 </file>
 
 <file path=ppt/diagrams/layout5.xml><?xml version="1.0" encoding="utf-8"?>
-<dgm:layoutDef xmlns:dgm="http://schemas.openxmlformats.org/drawingml/2006/diagram" xmlns:a="http://schemas.openxmlformats.org/drawingml/2006/main" uniqueId="urn:microsoft.com/office/officeart/2009/3/layout/SubStepProcess">
-  <dgm:title val=""/>
-  <dgm:desc val=""/>
-  <dgm:catLst>
-    <dgm:cat type="process" pri="12250"/>
-  </dgm:catLst>
-  <dgm:sampData>
-    <dgm:dataModel>
-      <dgm:ptLst>
-        <dgm:pt modelId="0" type="doc"/>
-        <dgm:pt modelId="1">
-          <dgm:prSet phldr="1"/>
-        </dgm:pt>
-        <dgm:pt modelId="11">
-          <dgm:prSet phldr="1"/>
-        </dgm:pt>
-        <dgm:pt modelId="12">
-          <dgm:prSet phldr="1"/>
-        </dgm:pt>
-        <dgm:pt modelId="2">
-          <dgm:prSet phldr="1"/>
-        </dgm:pt>
-        <dgm:pt modelId="3">
-          <dgm:prSet phldr="1"/>
-        </dgm:pt>
-      </dgm:ptLst>
-      <dgm:cxnLst>
-        <dgm:cxn modelId="6" srcId="0" destId="1" srcOrd="0" destOrd="0"/>
-        <dgm:cxn modelId="61" srcId="1" destId="11" srcOrd="0" destOrd="0"/>
-        <dgm:cxn modelId="62" srcId="1" destId="12" srcOrd="1" destOrd="0"/>
-        <dgm:cxn modelId="7" srcId="0" destId="2" srcOrd="0" destOrd="0"/>
-        <dgm:cxn modelId="8" srcId="0" destId="3" srcOrd="0" destOrd="0"/>
-      </dgm:cxnLst>
-      <dgm:bg/>
-      <dgm:whole/>
-    </dgm:dataModel>
-  </dgm:sampData>
-  <dgm:styleData>
-    <dgm:dataModel>
-      <dgm:ptLst>
-        <dgm:pt modelId="0" type="doc"/>
-        <dgm:pt modelId="1">
-          <dgm:prSet phldr="1"/>
-        </dgm:pt>
-        <dgm:pt modelId="11">
-          <dgm:prSet phldr="1"/>
-        </dgm:pt>
-        <dgm:pt modelId="12">
-          <dgm:prSet phldr="1"/>
-        </dgm:pt>
-        <dgm:pt modelId="2">
-          <dgm:prSet phldr="1"/>
-        </dgm:pt>
-      </dgm:ptLst>
-      <dgm:cxnLst>
-        <dgm:cxn modelId="4" srcId="0" destId="1" srcOrd="0" destOrd="0"/>
-        <dgm:cxn modelId="41" srcId="1" destId="11" srcOrd="0" destOrd="0"/>
-        <dgm:cxn modelId="42" srcId="1" destId="12" srcOrd="1" destOrd="0"/>
-        <dgm:cxn modelId="5" srcId="0" destId="2" srcOrd="0" destOrd="0"/>
-      </dgm:cxnLst>
-      <dgm:bg/>
-      <dgm:whole/>
-    </dgm:dataModel>
-  </dgm:styleData>
-  <dgm:clrData>
-    <dgm:dataModel>
-      <dgm:ptLst>
-        <dgm:pt modelId="0" type="doc"/>
-        <dgm:pt modelId="1">
-          <dgm:prSet phldr="1"/>
-        </dgm:pt>
-        <dgm:pt modelId="11">
-          <dgm:prSet phldr="1"/>
-        </dgm:pt>
-        <dgm:pt modelId="12">
-          <dgm:prSet phldr="1"/>
-        </dgm:pt>
-        <dgm:pt modelId="2">
-          <dgm:prSet phldr="1"/>
-        </dgm:pt>
-        <dgm:pt modelId="3">
-          <dgm:prSet phldr="1"/>
-        </dgm:pt>
-        <dgm:pt modelId="4">
-          <dgm:prSet phldr="1"/>
-        </dgm:pt>
-      </dgm:ptLst>
-      <dgm:cxnLst>
-        <dgm:cxn modelId="8" srcId="0" destId="1" srcOrd="0" destOrd="0"/>
-        <dgm:cxn modelId="81" srcId="1" destId="11" srcOrd="0" destOrd="0"/>
-        <dgm:cxn modelId="82" srcId="1" destId="12" srcOrd="1" destOrd="0"/>
-        <dgm:cxn modelId="9" srcId="0" destId="2" srcOrd="0" destOrd="0"/>
-        <dgm:cxn modelId="10" srcId="0" destId="3" srcOrd="0" destOrd="0"/>
-        <dgm:cxn modelId="11" srcId="0" destId="4" srcOrd="0" destOrd="0"/>
-      </dgm:cxnLst>
-      <dgm:bg/>
-      <dgm:whole/>
-    </dgm:dataModel>
-  </dgm:clrData>
-  <dgm:layoutNode name="Name0">
-    <dgm:varLst>
-      <dgm:chMax val="7"/>
-      <dgm:dir/>
-      <dgm:animOne val="branch"/>
-    </dgm:varLst>
-    <dgm:choose name="Name1">
-      <dgm:if name="Name2" func="var" arg="dir" op="equ" val="norm">
-        <dgm:alg type="lin"/>
-      </dgm:if>
-      <dgm:else name="Name3">
-        <dgm:alg type="lin">
-          <dgm:param type="linDir" val="fromR"/>
-        </dgm:alg>
-      </dgm:else>
-    </dgm:choose>
-    <dgm:shape xmlns:r="http://schemas.openxmlformats.org/officeDocument/2006/relationships" r:blip="">
-      <dgm:adjLst/>
-    </dgm:shape>
-    <dgm:presOf/>
-    <dgm:constrLst>
-      <dgm:constr type="w" for="ch" forName="parTx1" refType="w"/>
-      <dgm:constr type="w" for="ch" forName="chLin1" refType="w" refFor="ch" refForName="parTx1" fact="1.38"/>
-      <dgm:constr type="h" for="ch" forName="chLin1" refType="h"/>
-      <dgm:constr type="w" for="ch" forName="spPre1" refType="w" fact="0.27"/>
-      <dgm:constr type="w" for="ch" forName="spPost1" refType="w" fact="0.27"/>
-      <dgm:constr type="h" for="ch" forName="spPre1" refType="h"/>
-      <dgm:constr type="h" for="ch" forName="spPost1" refType="h"/>
-      <dgm:constr type="primFontSz" for="ch" forName="parTx1" val="65"/>
-      <dgm:constr type="primFontSz" for="des" forName="desTx1" refType="primFontSz" refFor="ch" refForName="parTx1" fact="0.78"/>
-      <dgm:constr type="primFontSz" for="des" forName="desTx1" op="equ"/>
-      <dgm:constr type="w" for="ch" forName="parTx2" refType="w"/>
-      <dgm:constr type="w" for="ch" forName="chLin2" refType="w" refFor="ch" refForName="parTx2" fact="1.38"/>
-      <dgm:constr type="h" for="ch" forName="chLin2" refType="h"/>
-      <dgm:constr type="w" for="ch" forName="spPre2" refType="w" fact="0.54"/>
-      <dgm:constr type="w" for="ch" forName="spPost2" refType="w" fact="0.54"/>
-      <dgm:constr type="h" for="ch" forName="spPre2" refType="h"/>
-      <dgm:constr type="h" for="ch" forName="spPost2" refType="h"/>
-      <dgm:constr type="primFontSz" for="ch" forName="parTx2" refType="primFontSz" refFor="ch" refForName="parTx1" op="equ"/>
-      <dgm:constr type="primFontSz" for="des" forName="desTx2" refType="primFontSz" refFor="des" refForName="desTx1" op="equ"/>
-      <dgm:constr type="w" for="ch" forName="parTx3" refType="w"/>
-      <dgm:constr type="w" for="ch" forName="chLin3" refType="w" refFor="ch" refForName="parTx3" fact="1.38"/>
-      <dgm:constr type="h" for="ch" forName="chLin3" refType="h"/>
-      <dgm:constr type="w" for="ch" forName="spPre3" refType="w" fact="0.54"/>
-      <dgm:constr type="w" for="ch" forName="spPost3" refType="w" fact="0.54"/>
-      <dgm:constr type="h" for="ch" forName="spPre3" refType="h"/>
-      <dgm:constr type="h" for="ch" forName="spPost3" refType="h"/>
-      <dgm:constr type="primFontSz" for="ch" forName="parTx3" refType="primFontSz" refFor="ch" refForName="parTx1" op="equ"/>
-      <dgm:constr type="primFontSz" for="des" forName="desTx3" refType="primFontSz" refFor="des" refForName="desTx1" op="equ"/>
-      <dgm:constr type="w" for="ch" forName="parTx4" refType="w"/>
-      <dgm:constr type="w" for="ch" forName="chLin4" refType="w" refFor="ch" refForName="parTx4" fact="1.38"/>
-      <dgm:constr type="h" for="ch" forName="chLin4" refType="h"/>
-      <dgm:constr type="w" for="ch" forName="spPre4" refType="w" fact="0.54"/>
-      <dgm:constr type="w" for="ch" forName="spPost4" refType="w" fact="0.54"/>
-      <dgm:constr type="h" for="ch" forName="spPre4" refType="h"/>
-      <dgm:constr type="h" for="ch" forName="spPost4" refType="h"/>
-      <dgm:constr type="primFontSz" for="ch" forName="parTx4" refType="primFontSz" refFor="ch" refForName="parTx1" op="equ"/>
-      <dgm:constr type="primFontSz" for="des" forName="desTx4" refType="primFontSz" refFor="des" refForName="desTx1" op="equ"/>
-      <dgm:constr type="w" for="ch" forName="parTx5" refType="w"/>
-      <dgm:constr type="w" for="ch" forName="chLin5" refType="w" refFor="ch" refForName="parTx5" fact="1.38"/>
-      <dgm:constr type="h" for="ch" forName="chLin5" refType="h"/>
-      <dgm:constr type="w" for="ch" forName="spPre5" refType="w" fact="0.54"/>
-      <dgm:constr type="w" for="ch" forName="spPost5" refType="w" fact="0.54"/>
-      <dgm:constr type="h" for="ch" forName="spPre5" refType="h"/>
-      <dgm:constr type="h" for="ch" forName="spPost5" refType="h"/>
-      <dgm:constr type="primFontSz" for="ch" forName="parTx5" refType="primFontSz" refFor="ch" refForName="parTx1" op="equ"/>
-      <dgm:constr type="primFontSz" for="des" forName="desTx5" refType="primFontSz" refFor="des" refForName="desTx1" op="equ"/>
-      <dgm:constr type="w" for="ch" forName="parTx6" refType="w"/>
-      <dgm:constr type="w" for="ch" forName="chLin6" refType="w" refFor="ch" refForName="parTx6" fact="1.38"/>
-      <dgm:constr type="h" for="ch" forName="chLin6" refType="h"/>
-      <dgm:constr type="w" for="ch" forName="spPre6" refType="w" fact="0.54"/>
-      <dgm:constr type="w" for="ch" forName="spPost6" refType="w" fact="0.54"/>
-      <dgm:constr type="h" for="ch" forName="spPre6" refType="h"/>
-      <dgm:constr type="h" for="ch" forName="spPost6" refType="h"/>
-      <dgm:constr type="primFontSz" for="ch" forName="parTx6" refType="primFontSz" refFor="ch" refForName="parTx1" op="equ"/>
-      <dgm:constr type="primFontSz" for="des" forName="desTx6" refType="primFontSz" refFor="des" refForName="desTx1" op="equ"/>
-      <dgm:constr type="w" for="ch" forName="parTx7" refType="w"/>
-      <dgm:constr type="w" for="ch" forName="chLin7" refType="w" refFor="ch" refForName="parTx7" fact="1.38"/>
-      <dgm:constr type="h" for="ch" forName="chLin7" refType="h"/>
-      <dgm:constr type="w" for="ch" forName="spPre7" refType="w" fact="0.54"/>
-      <dgm:constr type="w" for="ch" forName="spPost7" refType="w" fact="0.54"/>
-      <dgm:constr type="h" for="ch" forName="spPre7" refType="h"/>
-      <dgm:constr type="h" for="ch" forName="spPost7" refType="h"/>
-      <dgm:constr type="primFontSz" for="ch" forName="parTx7" refType="primFontSz" refFor="ch" refForName="parTx1" op="equ"/>
-      <dgm:constr type="primFontSz" for="des" forName="desTx7" refType="primFontSz" refFor="des" refForName="desTx1" op="equ"/>
-    </dgm:constrLst>
-    <dgm:forEach name="Name4" axis="ch" ptType="node">
-      <dgm:choose name="Name5">
-        <dgm:if name="Name6" axis="self" ptType="node" func="pos" op="equ" val="1">
-          <dgm:layoutNode name="parTx1" styleLbl="node1">
-            <dgm:alg type="tx"/>
-            <dgm:shape xmlns:r="http://schemas.openxmlformats.org/officeDocument/2006/relationships" type="ellipse" r:blip="">
-              <dgm:adjLst/>
-            </dgm:shape>
-            <dgm:presOf axis="self" ptType="node"/>
-            <dgm:constrLst>
-              <dgm:constr type="h" refType="w"/>
-              <dgm:constr type="w" refType="h" op="lte"/>
-              <dgm:constr type="tMarg"/>
-              <dgm:constr type="bMarg"/>
-              <dgm:constr type="lMarg"/>
-              <dgm:constr type="rMarg"/>
-            </dgm:constrLst>
-            <dgm:ruleLst>
-              <dgm:rule type="primFontSz" val="5" fact="NaN" max="NaN"/>
-            </dgm:ruleLst>
-          </dgm:layoutNode>
-          <dgm:choose name="Name7">
-            <dgm:if name="Name8" axis="ch" ptType="node" func="cnt" op="gte" val="1">
-              <dgm:layoutNode name="spPre1">
-                <dgm:alg type="sp"/>
-                <dgm:shape xmlns:r="http://schemas.openxmlformats.org/officeDocument/2006/relationships" r:blip="">
-                  <dgm:adjLst/>
-                </dgm:shape>
-              </dgm:layoutNode>
-              <dgm:layoutNode name="chLin1">
-                <dgm:alg type="lin">
-                  <dgm:param type="linDir" val="fromT"/>
-                </dgm:alg>
-                <dgm:shape xmlns:r="http://schemas.openxmlformats.org/officeDocument/2006/relationships" r:blip="">
-                  <dgm:adjLst/>
-                </dgm:shape>
-                <dgm:presOf/>
-                <dgm:constrLst>
-                  <dgm:constr type="w" for="ch" forName="txAndLines1" refType="w" fact="0.77"/>
-                  <dgm:constr type="w" for="ch" forName="top1" refType="w" refFor="ch" refForName="txAndLines1" fact="0.78"/>
-                </dgm:constrLst>
-                <dgm:forEach name="Name9" axis="ch">
-                  <dgm:forEach name="Name10" axis="self" ptType="parTrans">
-                    <dgm:layoutNode name="Name11" styleLbl="parChTrans1D1">
-                      <dgm:choose name="Name12">
-                        <dgm:if name="Name13" func="var" arg="dir" op="equ" val="norm">
-                          <dgm:alg type="conn">
-                            <dgm:param type="dim" val="1D"/>
-                            <dgm:param type="begPts" val="midR"/>
-                            <dgm:param type="endSty" val="noArr"/>
-                            <dgm:param type="dstNode" val="anchor1"/>
-                          </dgm:alg>
-                        </dgm:if>
-                        <dgm:else name="Name14">
-                          <dgm:alg type="conn">
-                            <dgm:param type="dim" val="1D"/>
-                            <dgm:param type="begPts" val="midL"/>
-                            <dgm:param type="endSty" val="noArr"/>
-                            <dgm:param type="srcNode" val="parTx1"/>
-                            <dgm:param type="dstNode" val="anchor1"/>
-                          </dgm:alg>
-                        </dgm:else>
-                      </dgm:choose>
-                      <dgm:shape xmlns:r="http://schemas.openxmlformats.org/officeDocument/2006/relationships" type="conn" r:blip="">
-                        <dgm:adjLst/>
-                      </dgm:shape>
-                      <dgm:presOf/>
-                      <dgm:constrLst>
-                        <dgm:constr type="connDist"/>
-                        <dgm:constr type="begPad" refType="connDist" fact="0.11"/>
-                        <dgm:constr type="endPad"/>
-                      </dgm:constrLst>
-                    </dgm:layoutNode>
-                  </dgm:forEach>
-                  <dgm:forEach name="Name15" axis="self" ptType="node">
-                    <dgm:choose name="Name16">
-                      <dgm:if name="Name17" axis="par ch" ptType="node node" func="cnt" op="equ" val="1">
-                        <dgm:layoutNode name="top1">
-                          <dgm:alg type="sp"/>
-                          <dgm:shape xmlns:r="http://schemas.openxmlformats.org/officeDocument/2006/relationships" r:blip="">
-                            <dgm:adjLst/>
-                          </dgm:shape>
-                          <dgm:constrLst>
-                            <dgm:constr type="h" refType="w" fact="0.6"/>
-                          </dgm:constrLst>
-                        </dgm:layoutNode>
-                      </dgm:if>
-                      <dgm:else name="Name18"/>
-                    </dgm:choose>
-                    <dgm:layoutNode name="txAndLines1">
-                      <dgm:choose name="Name19">
-                        <dgm:if name="Name20" func="var" arg="dir" op="equ" val="norm">
-                          <dgm:alg type="lin"/>
-                        </dgm:if>
-                        <dgm:else name="Name21">
-                          <dgm:alg type="lin">
-                            <dgm:param type="linDir" val="fromR"/>
-                          </dgm:alg>
-                        </dgm:else>
-                      </dgm:choose>
-                      <dgm:shape xmlns:r="http://schemas.openxmlformats.org/officeDocument/2006/relationships" r:blip="">
-                        <dgm:adjLst/>
-                      </dgm:shape>
-                      <dgm:presOf/>
-                      <dgm:choose name="Name22">
-                        <dgm:if name="Name23" axis="root ch" ptType="all node" func="cnt" op="gte" val="2">
-                          <dgm:constrLst>
-                            <dgm:constr type="w" for="ch" forName="anchor1" refType="w"/>
-                            <dgm:constr type="w" for="ch" forName="backup1" refType="w" fact="-1"/>
-                            <dgm:constr type="w" for="ch" forName="preLine1" refType="w" fact="0.11"/>
-                            <dgm:constr type="w" for="ch" forName="desTx1" refType="w" fact="0.78"/>
-                            <dgm:constr type="w" for="ch" forName="postLine1" refType="w" fact="0.11"/>
-                          </dgm:constrLst>
-                        </dgm:if>
-                        <dgm:else name="Name24">
-                          <dgm:constrLst>
-                            <dgm:constr type="w" for="ch" forName="anchor1" refType="w" fact="0.89"/>
-                            <dgm:constr type="w" for="ch" forName="backup1" refType="w" fact="-0.89"/>
-                            <dgm:constr type="w" for="ch" forName="preLine1" refType="w" fact="0.11"/>
-                            <dgm:constr type="w" for="ch" forName="desTx1" refType="w" fact="0.78"/>
-                          </dgm:constrLst>
-                        </dgm:else>
-                      </dgm:choose>
-                      <dgm:layoutNode name="anchor1" moveWith="desTx1">
-                        <dgm:alg type="sp"/>
-                        <dgm:shape xmlns:r="http://schemas.openxmlformats.org/officeDocument/2006/relationships" r:blip="">
-                          <dgm:adjLst/>
-                        </dgm:shape>
-                      </dgm:layoutNode>
-                      <dgm:layoutNode name="backup1" moveWith="desTx1">
-                        <dgm:alg type="sp"/>
-                        <dgm:shape xmlns:r="http://schemas.openxmlformats.org/officeDocument/2006/relationships" r:blip="">
-                          <dgm:adjLst/>
-                        </dgm:shape>
-                      </dgm:layoutNode>
-                      <dgm:layoutNode name="preLine1" styleLbl="parChTrans1D1" moveWith="desTx1">
-                        <dgm:alg type="sp"/>
-                        <dgm:shape xmlns:r="http://schemas.openxmlformats.org/officeDocument/2006/relationships" type="line" r:blip="">
-                          <dgm:adjLst/>
-                        </dgm:shape>
-                        <dgm:presOf/>
-                      </dgm:layoutNode>
-                      <dgm:layoutNode name="desTx1" styleLbl="revTx">
-                        <dgm:varLst>
-                          <dgm:bulletEnabled val="1"/>
-                        </dgm:varLst>
-                        <dgm:alg type="tx"/>
-                        <dgm:shape xmlns:r="http://schemas.openxmlformats.org/officeDocument/2006/relationships" type="rect" r:blip="" hideGeom="1">
-                          <dgm:adjLst/>
-                        </dgm:shape>
-                        <dgm:presOf axis="desOrSelf" ptType="node"/>
-                        <dgm:constrLst>
-                          <dgm:constr type="h" refType="w" fact="0.6"/>
-                        </dgm:constrLst>
-                        <dgm:ruleLst>
-                          <dgm:rule type="primFontSz" val="5" fact="NaN" max="NaN"/>
-                        </dgm:ruleLst>
-                      </dgm:layoutNode>
-                      <dgm:choose name="Name25">
-                        <dgm:if name="Name26" axis="root ch" ptType="all node" func="cnt" op="gte" val="2">
-                          <dgm:layoutNode name="postLine1" styleLbl="parChTrans1D1" moveWith="desTx1">
-                            <dgm:alg type="sp"/>
-                            <dgm:shape xmlns:r="http://schemas.openxmlformats.org/officeDocument/2006/relationships" type="line" r:blip="">
-                              <dgm:adjLst/>
-                            </dgm:shape>
-                            <dgm:presOf/>
-                          </dgm:layoutNode>
-                        </dgm:if>
-                        <dgm:else name="Name27"/>
-                      </dgm:choose>
-                    </dgm:layoutNode>
-                  </dgm:forEach>
-                  <dgm:choose name="Name28">
-                    <dgm:if name="Name29" axis="root ch" ptType="all node" func="cnt" op="gte" val="2">
-                      <dgm:forEach name="Name30" axis="self" ptType="parTrans">
-                        <dgm:layoutNode name="Name31" styleLbl="parChTrans1D1">
-                          <dgm:choose name="Name32">
-                            <dgm:if name="Name33" func="var" arg="dir" op="equ" val="norm">
-                              <dgm:alg type="conn">
-                                <dgm:param type="dim" val="1D"/>
-                                <dgm:param type="begPts" val="midL"/>
-                                <dgm:param type="srcNode" val="parTx2"/>
-                                <dgm:param type="endSty" val="noArr"/>
-                                <dgm:param type="dstNode" val="anchor1"/>
-                              </dgm:alg>
-                            </dgm:if>
-                            <dgm:else name="Name34">
-                              <dgm:alg type="conn">
-                                <dgm:param type="dim" val="1D"/>
-                                <dgm:param type="begPts" val="midR"/>
-                                <dgm:param type="endSty" val="noArr"/>
-                                <dgm:param type="srcNode" val="parTx2"/>
-                                <dgm:param type="dstNode" val="anchor1"/>
-                              </dgm:alg>
-                            </dgm:else>
-                          </dgm:choose>
-                          <dgm:shape xmlns:r="http://schemas.openxmlformats.org/officeDocument/2006/relationships" type="conn" r:blip="">
-                            <dgm:adjLst/>
-                          </dgm:shape>
-                          <dgm:presOf/>
-                          <dgm:constrLst>
-                            <dgm:constr type="connDist"/>
-                            <dgm:constr type="begPad" refType="connDist" fact="0.11"/>
-                            <dgm:constr type="endPad"/>
-                          </dgm:constrLst>
-                        </dgm:layoutNode>
-                      </dgm:forEach>
-                    </dgm:if>
-                    <dgm:else name="Name35"/>
-                  </dgm:choose>
-                </dgm:forEach>
-              </dgm:layoutNode>
-              <dgm:choose name="Name36">
-                <dgm:if name="Name37" axis="root ch" ptType="all node" func="cnt" op="gte" val="2">
-                  <dgm:layoutNode name="spPost1">
-                    <dgm:alg type="sp"/>
-                    <dgm:shape xmlns:r="http://schemas.openxmlformats.org/officeDocument/2006/relationships" r:blip="">
-                      <dgm:adjLst/>
-                    </dgm:shape>
-                  </dgm:layoutNode>
-                </dgm:if>
-                <dgm:else name="Name38"/>
-              </dgm:choose>
-            </dgm:if>
-            <dgm:else name="Name39"/>
-          </dgm:choose>
-        </dgm:if>
-        <dgm:if name="Name40" axis="self" ptType="node" func="pos" op="equ" val="2">
-          <dgm:layoutNode name="parTx2" styleLbl="node1">
-            <dgm:alg type="tx"/>
-            <dgm:shape xmlns:r="http://schemas.openxmlformats.org/officeDocument/2006/relationships" type="ellipse" r:blip="">
-              <dgm:adjLst/>
-            </dgm:shape>
-            <dgm:presOf axis="self" ptType="node"/>
-            <dgm:constrLst>
-              <dgm:constr type="h" refType="w"/>
-              <dgm:constr type="w" refType="h" op="lte"/>
-              <dgm:constr type="tMarg"/>
-              <dgm:constr type="bMarg"/>
-              <dgm:constr type="lMarg"/>
-              <dgm:constr type="rMarg"/>
-            </dgm:constrLst>
-            <dgm:ruleLst>
-              <dgm:rule type="primFontSz" val="5" fact="NaN" max="NaN"/>
-            </dgm:ruleLst>
-          </dgm:layoutNode>
-          <dgm:choose name="Name41">
-            <dgm:if name="Name42" axis="ch" ptType="node" func="cnt" op="gte" val="1">
-              <dgm:layoutNode name="spPre2">
-                <dgm:alg type="sp"/>
-                <dgm:shape xmlns:r="http://schemas.openxmlformats.org/officeDocument/2006/relationships" r:blip="">
-                  <dgm:adjLst/>
-                </dgm:shape>
-              </dgm:layoutNode>
-              <dgm:layoutNode name="chLin2">
-                <dgm:alg type="lin">
-                  <dgm:param type="linDir" val="fromT"/>
-                </dgm:alg>
-                <dgm:shape xmlns:r="http://schemas.openxmlformats.org/officeDocument/2006/relationships" r:blip="">
-                  <dgm:adjLst/>
-                </dgm:shape>
-                <dgm:presOf/>
-                <dgm:constrLst>
-                  <dgm:constr type="w" for="ch" forName="txAndLines2" refType="w" fact="0.77"/>
-                  <dgm:constr type="w" for="ch" forName="top2" refType="w" refFor="ch" refForName="txAndLines2" fact="0.78"/>
-                </dgm:constrLst>
-                <dgm:forEach name="Name43" axis="ch">
-                  <dgm:forEach name="Name44" axis="self" ptType="parTrans">
-                    <dgm:layoutNode name="Name45" styleLbl="parChTrans1D1">
-                      <dgm:choose name="Name46">
-                        <dgm:if name="Name47" func="var" arg="dir" op="equ" val="norm">
-                          <dgm:alg type="conn">
-                            <dgm:param type="dim" val="1D"/>
-                            <dgm:param type="begPts" val="midR"/>
-                            <dgm:param type="endSty" val="noArr"/>
-                            <dgm:param type="dstNode" val="anchor2"/>
-                          </dgm:alg>
-                        </dgm:if>
-                        <dgm:else name="Name48">
-                          <dgm:alg type="conn">
-                            <dgm:param type="dim" val="1D"/>
-                            <dgm:param type="begPts" val="midL"/>
-                            <dgm:param type="endSty" val="noArr"/>
-                            <dgm:param type="srcNode" val="parTx2"/>
-                            <dgm:param type="dstNode" val="anchor2"/>
-                          </dgm:alg>
-                        </dgm:else>
-                      </dgm:choose>
-                      <dgm:shape xmlns:r="http://schemas.openxmlformats.org/officeDocument/2006/relationships" type="conn" r:blip="">
-                        <dgm:adjLst/>
-                      </dgm:shape>
-                      <dgm:presOf/>
-                      <dgm:constrLst>
-                        <dgm:constr type="connDist"/>
-                        <dgm:constr type="begPad" refType="connDist" fact="0.11"/>
-                        <dgm:constr type="endPad"/>
-                      </dgm:constrLst>
-                    </dgm:layoutNode>
-                  </dgm:forEach>
-                  <dgm:forEach name="Name49" axis="self" ptType="node">
-                    <dgm:choose name="Name50">
-                      <dgm:if name="Name51" axis="par ch" ptType="node node" func="cnt" op="equ" val="1">
-                        <dgm:layoutNode name="top2">
-                          <dgm:alg type="sp"/>
-                          <dgm:shape xmlns:r="http://schemas.openxmlformats.org/officeDocument/2006/relationships" r:blip="">
-                            <dgm:adjLst/>
-                          </dgm:shape>
-                          <dgm:constrLst>
-                            <dgm:constr type="h" refType="w" fact="0.6"/>
-                          </dgm:constrLst>
-                        </dgm:layoutNode>
-                      </dgm:if>
-                      <dgm:else name="Name52"/>
-                    </dgm:choose>
-                    <dgm:layoutNode name="txAndLines2">
-                      <dgm:choose name="Name53">
-                        <dgm:if name="Name54" func="var" arg="dir" op="equ" val="norm">
-                          <dgm:alg type="lin"/>
-                        </dgm:if>
-                        <dgm:else name="Name55">
-                          <dgm:alg type="lin">
-                            <dgm:param type="linDir" val="fromR"/>
-                          </dgm:alg>
-                        </dgm:else>
-                      </dgm:choose>
-                      <dgm:shape xmlns:r="http://schemas.openxmlformats.org/officeDocument/2006/relationships" r:blip="">
-                        <dgm:adjLst/>
-                      </dgm:shape>
-                      <dgm:presOf/>
-                      <dgm:choose name="Name56">
-                        <dgm:if name="Name57" axis="root ch" ptType="all node" func="cnt" op="gte" val="3">
-                          <dgm:constrLst>
-                            <dgm:constr type="w" for="ch" forName="anchor2" refType="w"/>
-                            <dgm:constr type="w" for="ch" forName="backup2" refType="w" fact="-1"/>
-                            <dgm:constr type="w" for="ch" forName="preLine2" refType="w" fact="0.11"/>
-                            <dgm:constr type="w" for="ch" forName="desTx2" refType="w" fact="0.78"/>
-                            <dgm:constr type="w" for="ch" forName="postLine2" refType="w" fact="0.11"/>
-                          </dgm:constrLst>
-                        </dgm:if>
-                        <dgm:else name="Name58">
-                          <dgm:constrLst>
-                            <dgm:constr type="w" for="ch" forName="anchor2" refType="w" fact="0.89"/>
-                            <dgm:constr type="w" for="ch" forName="backup2" refType="w" fact="-0.89"/>
-                            <dgm:constr type="w" for="ch" forName="preLine2" refType="w" fact="0.11"/>
-                            <dgm:constr type="w" for="ch" forName="desTx2" refType="w" fact="0.78"/>
-                          </dgm:constrLst>
-                        </dgm:else>
-                      </dgm:choose>
-                      <dgm:layoutNode name="anchor2" moveWith="desTx2">
-                        <dgm:alg type="sp"/>
-                        <dgm:shape xmlns:r="http://schemas.openxmlformats.org/officeDocument/2006/relationships" r:blip="">
-                          <dgm:adjLst/>
-                        </dgm:shape>
-                      </dgm:layoutNode>
-                      <dgm:layoutNode name="backup2" moveWith="desTx2">
-                        <dgm:alg type="sp"/>
-                        <dgm:shape xmlns:r="http://schemas.openxmlformats.org/officeDocument/2006/relationships" r:blip="">
-                          <dgm:adjLst/>
-                        </dgm:shape>
-                      </dgm:layoutNode>
-                      <dgm:layoutNode name="preLine2" styleLbl="parChTrans1D1" moveWith="desTx2">
-                        <dgm:alg type="sp"/>
-                        <dgm:shape xmlns:r="http://schemas.openxmlformats.org/officeDocument/2006/relationships" type="line" r:blip="">
-                          <dgm:adjLst/>
-                        </dgm:shape>
-                        <dgm:presOf/>
-                      </dgm:layoutNode>
-                      <dgm:layoutNode name="desTx2" styleLbl="revTx">
-                        <dgm:varLst>
-                          <dgm:bulletEnabled val="1"/>
-                        </dgm:varLst>
-                        <dgm:alg type="tx"/>
-                        <dgm:shape xmlns:r="http://schemas.openxmlformats.org/officeDocument/2006/relationships" type="rect" r:blip="" hideGeom="1">
-                          <dgm:adjLst/>
-                        </dgm:shape>
-                        <dgm:presOf axis="desOrSelf" ptType="node"/>
-                        <dgm:constrLst>
-                          <dgm:constr type="h" refType="w" fact="0.6"/>
-                        </dgm:constrLst>
-                        <dgm:ruleLst>
-                          <dgm:rule type="primFontSz" val="5" fact="NaN" max="NaN"/>
-                        </dgm:ruleLst>
-                      </dgm:layoutNode>
-                      <dgm:choose name="Name59">
-                        <dgm:if name="Name60" axis="root ch" ptType="all node" func="cnt" op="gte" val="3">
-                          <dgm:layoutNode name="postLine2" styleLbl="parChTrans1D1" moveWith="desTx2">
-                            <dgm:alg type="sp"/>
-                            <dgm:shape xmlns:r="http://schemas.openxmlformats.org/officeDocument/2006/relationships" type="line" r:blip="">
-                              <dgm:adjLst/>
-                            </dgm:shape>
-                            <dgm:presOf/>
-                          </dgm:layoutNode>
-                        </dgm:if>
-                        <dgm:else name="Name61"/>
-                      </dgm:choose>
-                    </dgm:layoutNode>
-                  </dgm:forEach>
-                  <dgm:choose name="Name62">
-                    <dgm:if name="Name63" axis="root ch" ptType="all node" func="cnt" op="gte" val="3">
-                      <dgm:forEach name="Name64" axis="self" ptType="parTrans">
-                        <dgm:layoutNode name="Name65" styleLbl="parChTrans1D1">
-                          <dgm:choose name="Name66">
-                            <dgm:if name="Name67" func="var" arg="dir" op="equ" val="norm">
-                              <dgm:alg type="conn">
-                                <dgm:param type="dim" val="1D"/>
-                                <dgm:param type="begPts" val="midL"/>
-                                <dgm:param type="srcNode" val="parTx3"/>
-                                <dgm:param type="endSty" val="noArr"/>
-                                <dgm:param type="dstNode" val="anchor2"/>
-                              </dgm:alg>
-                            </dgm:if>
-                            <dgm:else name="Name68">
-                              <dgm:alg type="conn">
-                                <dgm:param type="dim" val="1D"/>
-                                <dgm:param type="begPts" val="midR"/>
-                                <dgm:param type="endSty" val="noArr"/>
-                                <dgm:param type="srcNode" val="parTx3"/>
-                                <dgm:param type="dstNode" val="anchor2"/>
-                              </dgm:alg>
-                            </dgm:else>
-                          </dgm:choose>
-                          <dgm:shape xmlns:r="http://schemas.openxmlformats.org/officeDocument/2006/relationships" type="conn" r:blip="">
-                            <dgm:adjLst/>
-                          </dgm:shape>
-                          <dgm:presOf/>
-                          <dgm:constrLst>
-                            <dgm:constr type="connDist"/>
-                            <dgm:constr type="begPad" refType="connDist" fact="0.11"/>
-                            <dgm:constr type="endPad"/>
-                          </dgm:constrLst>
-                        </dgm:layoutNode>
-                      </dgm:forEach>
-                    </dgm:if>
-                    <dgm:else name="Name69"/>
-                  </dgm:choose>
-                </dgm:forEach>
-              </dgm:layoutNode>
-              <dgm:choose name="Name70">
-                <dgm:if name="Name71" axis="root ch" ptType="all node" func="cnt" op="gte" val="3">
-                  <dgm:layoutNode name="spPost2">
-                    <dgm:alg type="sp"/>
-                    <dgm:shape xmlns:r="http://schemas.openxmlformats.org/officeDocument/2006/relationships" r:blip="">
-                      <dgm:adjLst/>
-                    </dgm:shape>
-                  </dgm:layoutNode>
-                </dgm:if>
-                <dgm:else name="Name72"/>
-              </dgm:choose>
-            </dgm:if>
-            <dgm:else name="Name73"/>
-          </dgm:choose>
-        </dgm:if>
-        <dgm:if name="Name74" axis="self" ptType="node" func="pos" op="equ" val="3">
-          <dgm:layoutNode name="parTx3" styleLbl="node1">
-            <dgm:alg type="tx"/>
-            <dgm:shape xmlns:r="http://schemas.openxmlformats.org/officeDocument/2006/relationships" type="ellipse" r:blip="">
-              <dgm:adjLst/>
-            </dgm:shape>
-            <dgm:presOf axis="self" ptType="node"/>
-            <dgm:constrLst>
-              <dgm:constr type="h" refType="w"/>
-              <dgm:constr type="w" refType="h" op="lte"/>
-              <dgm:constr type="tMarg"/>
-              <dgm:constr type="bMarg"/>
-              <dgm:constr type="lMarg"/>
-              <dgm:constr type="rMarg"/>
-            </dgm:constrLst>
-            <dgm:ruleLst>
-              <dgm:rule type="primFontSz" val="5" fact="NaN" max="NaN"/>
-            </dgm:ruleLst>
-          </dgm:layoutNode>
-          <dgm:choose name="Name75">
-            <dgm:if name="Name76" axis="ch" ptType="node" func="cnt" op="gte" val="1">
-              <dgm:layoutNode name="spPre3">
-                <dgm:alg type="sp"/>
-                <dgm:shape xmlns:r="http://schemas.openxmlformats.org/officeDocument/2006/relationships" r:blip="">
-                  <dgm:adjLst/>
-                </dgm:shape>
-              </dgm:layoutNode>
-              <dgm:layoutNode name="chLin3">
-                <dgm:alg type="lin">
-                  <dgm:param type="linDir" val="fromT"/>
-                </dgm:alg>
-                <dgm:shape xmlns:r="http://schemas.openxmlformats.org/officeDocument/2006/relationships" r:blip="">
-                  <dgm:adjLst/>
-                </dgm:shape>
-                <dgm:presOf/>
-                <dgm:constrLst>
-                  <dgm:constr type="w" for="ch" forName="txAndLines3" refType="w" fact="0.77"/>
-                  <dgm:constr type="w" for="ch" forName="top3" refType="w" refFor="ch" refForName="txAndLines3" fact="0.78"/>
-                </dgm:constrLst>
-                <dgm:forEach name="Name77" axis="ch">
-                  <dgm:forEach name="Name78" axis="self" ptType="parTrans">
-                    <dgm:layoutNode name="Name79" styleLbl="parChTrans1D1">
-                      <dgm:choose name="Name80">
-                        <dgm:if name="Name81" func="var" arg="dir" op="equ" val="norm">
-                          <dgm:alg type="conn">
-                            <dgm:param type="dim" val="1D"/>
-                            <dgm:param type="begPts" val="midR"/>
-                            <dgm:param type="endSty" val="noArr"/>
-                            <dgm:param type="dstNode" val="anchor3"/>
-                          </dgm:alg>
-                        </dgm:if>
-                        <dgm:else name="Name82">
-                          <dgm:alg type="conn">
-                            <dgm:param type="dim" val="1D"/>
-                            <dgm:param type="begPts" val="midL"/>
-                            <dgm:param type="endSty" val="noArr"/>
-                            <dgm:param type="srcNode" val="parTx3"/>
-                            <dgm:param type="dstNode" val="anchor3"/>
-                          </dgm:alg>
-                        </dgm:else>
-                      </dgm:choose>
-                      <dgm:shape xmlns:r="http://schemas.openxmlformats.org/officeDocument/2006/relationships" type="conn" r:blip="">
-                        <dgm:adjLst/>
-                      </dgm:shape>
-                      <dgm:presOf/>
-                      <dgm:constrLst>
-                        <dgm:constr type="connDist"/>
-                        <dgm:constr type="begPad" refType="connDist" fact="0.11"/>
-                        <dgm:constr type="endPad"/>
-                      </dgm:constrLst>
-                    </dgm:layoutNode>
-                  </dgm:forEach>
-                  <dgm:forEach name="Name83" axis="self" ptType="node">
-                    <dgm:choose name="Name84">
-                      <dgm:if name="Name85" axis="par ch" ptType="node node" func="cnt" op="equ" val="1">
-                        <dgm:layoutNode name="top3">
-                          <dgm:alg type="sp"/>
-                          <dgm:shape xmlns:r="http://schemas.openxmlformats.org/officeDocument/2006/relationships" r:blip="">
-                            <dgm:adjLst/>
-                          </dgm:shape>
-                          <dgm:constrLst>
-                            <dgm:constr type="h" refType="w" fact="0.6"/>
-                          </dgm:constrLst>
-                        </dgm:layoutNode>
-                      </dgm:if>
-                      <dgm:else name="Name86"/>
-                    </dgm:choose>
-                    <dgm:layoutNode name="txAndLines3">
-                      <dgm:choose name="Name87">
-                        <dgm:if name="Name88" func="var" arg="dir" op="equ" val="norm">
-                          <dgm:alg type="lin"/>
-                        </dgm:if>
-                        <dgm:else name="Name89">
-                          <dgm:alg type="lin">
-                            <dgm:param type="linDir" val="fromR"/>
-                          </dgm:alg>
-                        </dgm:else>
-                      </dgm:choose>
-                      <dgm:shape xmlns:r="http://schemas.openxmlformats.org/officeDocument/2006/relationships" r:blip="">
-                        <dgm:adjLst/>
-                      </dgm:shape>
-                      <dgm:presOf/>
-                      <dgm:choose name="Name90">
-                        <dgm:if name="Name91" axis="root ch" ptType="all node" func="cnt" op="gte" val="4">
-                          <dgm:constrLst>
-                            <dgm:constr type="w" for="ch" forName="anchor3" refType="w"/>
-                            <dgm:constr type="w" for="ch" forName="backup3" refType="w" fact="-1"/>
-                            <dgm:constr type="w" for="ch" forName="preLine3" refType="w" fact="0.11"/>
-                            <dgm:constr type="w" for="ch" forName="desTx3" refType="w" fact="0.78"/>
-                            <dgm:constr type="w" for="ch" forName="postLine3" refType="w" fact="0.11"/>
-                          </dgm:constrLst>
-                        </dgm:if>
-                        <dgm:else name="Name92">
-                          <dgm:constrLst>
-                            <dgm:constr type="w" for="ch" forName="anchor3" refType="w" fact="0.89"/>
-                            <dgm:constr type="w" for="ch" forName="backup3" refType="w" fact="-0.89"/>
-                            <dgm:constr type="w" for="ch" forName="preLine3" refType="w" fact="0.11"/>
-                            <dgm:constr type="w" for="ch" forName="desTx3" refType="w" fact="0.78"/>
-                          </dgm:constrLst>
-                        </dgm:else>
-                      </dgm:choose>
-                      <dgm:layoutNode name="anchor3" moveWith="desTx3">
-                        <dgm:alg type="sp"/>
-                        <dgm:shape xmlns:r="http://schemas.openxmlformats.org/officeDocument/2006/relationships" r:blip="">
-                          <dgm:adjLst/>
-                        </dgm:shape>
-                      </dgm:layoutNode>
-                      <dgm:layoutNode name="backup3" moveWith="desTx3">
-                        <dgm:alg type="sp"/>
-                        <dgm:shape xmlns:r="http://schemas.openxmlformats.org/officeDocument/2006/relationships" r:blip="">
-                          <dgm:adjLst/>
-                        </dgm:shape>
-                      </dgm:layoutNode>
-                      <dgm:layoutNode name="preLine3" styleLbl="parChTrans1D1" moveWith="desTx3">
-                        <dgm:alg type="sp"/>
-                        <dgm:shape xmlns:r="http://schemas.openxmlformats.org/officeDocument/2006/relationships" type="line" r:blip="">
-                          <dgm:adjLst/>
-                        </dgm:shape>
-                        <dgm:presOf/>
-                      </dgm:layoutNode>
-                      <dgm:layoutNode name="desTx3" styleLbl="revTx">
-                        <dgm:varLst>
-                          <dgm:bulletEnabled val="1"/>
-                        </dgm:varLst>
-                        <dgm:alg type="tx"/>
-                        <dgm:shape xmlns:r="http://schemas.openxmlformats.org/officeDocument/2006/relationships" type="rect" r:blip="" hideGeom="1">
-                          <dgm:adjLst/>
-                        </dgm:shape>
-                        <dgm:presOf axis="desOrSelf" ptType="node"/>
-                        <dgm:constrLst>
-                          <dgm:constr type="h" refType="w" fact="0.6"/>
-                        </dgm:constrLst>
-                        <dgm:ruleLst>
-                          <dgm:rule type="primFontSz" val="5" fact="NaN" max="NaN"/>
-                        </dgm:ruleLst>
-                      </dgm:layoutNode>
-                      <dgm:choose name="Name93">
-                        <dgm:if name="Name94" axis="root ch" ptType="all node" func="cnt" op="gte" val="4">
-                          <dgm:layoutNode name="postLine3" styleLbl="parChTrans1D1" moveWith="desTx3">
-                            <dgm:alg type="sp"/>
-                            <dgm:shape xmlns:r="http://schemas.openxmlformats.org/officeDocument/2006/relationships" type="line" r:blip="">
-                              <dgm:adjLst/>
-                            </dgm:shape>
-                            <dgm:presOf/>
-                          </dgm:layoutNode>
-                        </dgm:if>
-                        <dgm:else name="Name95"/>
-                      </dgm:choose>
-                    </dgm:layoutNode>
-                  </dgm:forEach>
-                  <dgm:choose name="Name96">
-                    <dgm:if name="Name97" axis="root ch" ptType="all node" func="cnt" op="gte" val="4">
-                      <dgm:forEach name="Name98" axis="self" ptType="parTrans">
-                        <dgm:layoutNode name="Name99" styleLbl="parChTrans1D1">
-                          <dgm:choose name="Name100">
-                            <dgm:if name="Name101" func="var" arg="dir" op="equ" val="norm">
-                              <dgm:alg type="conn">
-                                <dgm:param type="dim" val="1D"/>
-                                <dgm:param type="begPts" val="midL"/>
-                                <dgm:param type="srcNode" val="parTx4"/>
-                                <dgm:param type="endSty" val="noArr"/>
-                                <dgm:param type="dstNode" val="anchor3"/>
-                              </dgm:alg>
-                            </dgm:if>
-                            <dgm:else name="Name102">
-                              <dgm:alg type="conn">
-                                <dgm:param type="dim" val="1D"/>
-                                <dgm:param type="begPts" val="midR"/>
-                                <dgm:param type="endSty" val="noArr"/>
-                                <dgm:param type="srcNode" val="parTx4"/>
-                                <dgm:param type="dstNode" val="anchor3"/>
-                              </dgm:alg>
-                            </dgm:else>
-                          </dgm:choose>
-                          <dgm:shape xmlns:r="http://schemas.openxmlformats.org/officeDocument/2006/relationships" type="conn" r:blip="">
-                            <dgm:adjLst/>
-                          </dgm:shape>
-                          <dgm:presOf/>
-                          <dgm:constrLst>
-                            <dgm:constr type="connDist"/>
-                            <dgm:constr type="begPad" refType="connDist" fact="0.11"/>
-                            <dgm:constr type="endPad"/>
-                          </dgm:constrLst>
-                        </dgm:layoutNode>
-                      </dgm:forEach>
-                    </dgm:if>
-                    <dgm:else name="Name103"/>
-                  </dgm:choose>
-                </dgm:forEach>
-              </dgm:layoutNode>
-              <dgm:choose name="Name104">
-                <dgm:if name="Name105" axis="root ch" ptType="all node" func="cnt" op="gte" val="4">
-                  <dgm:layoutNode name="spPost3">
-                    <dgm:alg type="sp"/>
-                    <dgm:shape xmlns:r="http://schemas.openxmlformats.org/officeDocument/2006/relationships" r:blip="">
-                      <dgm:adjLst/>
-                    </dgm:shape>
-                  </dgm:layoutNode>
-                </dgm:if>
-                <dgm:else name="Name106"/>
-              </dgm:choose>
-            </dgm:if>
-            <dgm:else name="Name107"/>
-          </dgm:choose>
-        </dgm:if>
-        <dgm:if name="Name108" axis="self" ptType="node" func="pos" op="equ" val="4">
-          <dgm:layoutNode name="parTx4" styleLbl="node1">
-            <dgm:alg type="tx"/>
-            <dgm:shape xmlns:r="http://schemas.openxmlformats.org/officeDocument/2006/relationships" type="ellipse" r:blip="">
-              <dgm:adjLst/>
-            </dgm:shape>
-            <dgm:presOf axis="self" ptType="node"/>
-            <dgm:constrLst>
-              <dgm:constr type="h" refType="w"/>
-              <dgm:constr type="w" refType="h" op="lte"/>
-              <dgm:constr type="tMarg"/>
-              <dgm:constr type="bMarg"/>
-              <dgm:constr type="lMarg"/>
-              <dgm:constr type="rMarg"/>
-            </dgm:constrLst>
-            <dgm:ruleLst>
-              <dgm:rule type="primFontSz" val="5" fact="NaN" max="NaN"/>
-            </dgm:ruleLst>
-          </dgm:layoutNode>
-          <dgm:choose name="Name109">
-            <dgm:if name="Name110" axis="ch" ptType="node" func="cnt" op="gte" val="1">
-              <dgm:layoutNode name="spPre4">
-                <dgm:alg type="sp"/>
-                <dgm:shape xmlns:r="http://schemas.openxmlformats.org/officeDocument/2006/relationships" r:blip="">
-                  <dgm:adjLst/>
-                </dgm:shape>
-              </dgm:layoutNode>
-              <dgm:layoutNode name="chLin4">
-                <dgm:alg type="lin">
-                  <dgm:param type="linDir" val="fromT"/>
-                </dgm:alg>
-                <dgm:shape xmlns:r="http://schemas.openxmlformats.org/officeDocument/2006/relationships" r:blip="">
-                  <dgm:adjLst/>
-                </dgm:shape>
-                <dgm:presOf/>
-                <dgm:constrLst>
-                  <dgm:constr type="w" for="ch" forName="txAndLines4" refType="w" fact="0.77"/>
-                  <dgm:constr type="w" for="ch" forName="top4" refType="w" refFor="ch" refForName="txAndLines4" fact="0.78"/>
-                </dgm:constrLst>
-                <dgm:forEach name="Name111" axis="ch">
-                  <dgm:forEach name="Name112" axis="self" ptType="parTrans">
-                    <dgm:layoutNode name="Name113" styleLbl="parChTrans1D1">
-                      <dgm:choose name="Name114">
-                        <dgm:if name="Name115" func="var" arg="dir" op="equ" val="norm">
-                          <dgm:alg type="conn">
-                            <dgm:param type="dim" val="1D"/>
-                            <dgm:param type="begPts" val="midR"/>
-                            <dgm:param type="endSty" val="noArr"/>
-                            <dgm:param type="dstNode" val="anchor4"/>
-                          </dgm:alg>
-                        </dgm:if>
-                        <dgm:else name="Name116">
-                          <dgm:alg type="conn">
-                            <dgm:param type="dim" val="1D"/>
-                            <dgm:param type="begPts" val="midL"/>
-                            <dgm:param type="endSty" val="noArr"/>
-                            <dgm:param type="srcNode" val="parTx4"/>
-                            <dgm:param type="dstNode" val="anchor4"/>
-                          </dgm:alg>
-                        </dgm:else>
-                      </dgm:choose>
-                      <dgm:shape xmlns:r="http://schemas.openxmlformats.org/officeDocument/2006/relationships" type="conn" r:blip="">
-                        <dgm:adjLst/>
-                      </dgm:shape>
-                      <dgm:presOf/>
-                      <dgm:constrLst>
-                        <dgm:constr type="connDist"/>
-                        <dgm:constr type="begPad" refType="connDist" fact="0.11"/>
-                        <dgm:constr type="endPad"/>
-                      </dgm:constrLst>
-                    </dgm:layoutNode>
-                  </dgm:forEach>
-                  <dgm:forEach name="Name117" axis="self" ptType="node">
-                    <dgm:choose name="Name118">
-                      <dgm:if name="Name119" axis="par ch" ptType="node node" func="cnt" op="equ" val="1">
-                        <dgm:layoutNode name="top4">
-                          <dgm:alg type="sp"/>
-                          <dgm:shape xmlns:r="http://schemas.openxmlformats.org/officeDocument/2006/relationships" r:blip="">
-                            <dgm:adjLst/>
-                          </dgm:shape>
-                          <dgm:constrLst>
-                            <dgm:constr type="h" refType="w" fact="0.6"/>
-                          </dgm:constrLst>
-                        </dgm:layoutNode>
-                      </dgm:if>
-                      <dgm:else name="Name120"/>
-                    </dgm:choose>
-                    <dgm:layoutNode name="txAndLines4">
-                      <dgm:choose name="Name121">
-                        <dgm:if name="Name122" func="var" arg="dir" op="equ" val="norm">
-                          <dgm:alg type="lin"/>
-                        </dgm:if>
-                        <dgm:else name="Name123">
-                          <dgm:alg type="lin">
-                            <dgm:param type="linDir" val="fromR"/>
-                          </dgm:alg>
-                        </dgm:else>
-                      </dgm:choose>
-                      <dgm:shape xmlns:r="http://schemas.openxmlformats.org/officeDocument/2006/relationships" r:blip="">
-                        <dgm:adjLst/>
-                      </dgm:shape>
-                      <dgm:presOf/>
-                      <dgm:choose name="Name124">
-                        <dgm:if name="Name125" axis="root ch" ptType="all node" func="cnt" op="gte" val="5">
-                          <dgm:constrLst>
-                            <dgm:constr type="w" for="ch" forName="anchor4" refType="w"/>
-                            <dgm:constr type="w" for="ch" forName="backup4" refType="w" fact="-1"/>
-                            <dgm:constr type="w" for="ch" forName="preLine4" refType="w" fact="0.11"/>
-                            <dgm:constr type="w" for="ch" forName="desTx4" refType="w" fact="0.78"/>
-                            <dgm:constr type="w" for="ch" forName="postLine4" refType="w" fact="0.11"/>
-                          </dgm:constrLst>
-                        </dgm:if>
-                        <dgm:else name="Name126">
-                          <dgm:constrLst>
-                            <dgm:constr type="w" for="ch" forName="anchor4" refType="w" fact="0.89"/>
-                            <dgm:constr type="w" for="ch" forName="backup4" refType="w" fact="-0.89"/>
-                            <dgm:constr type="w" for="ch" forName="preLine4" refType="w" fact="0.11"/>
-                            <dgm:constr type="w" for="ch" forName="desTx4" refType="w" fact="0.78"/>
-                          </dgm:constrLst>
-                        </dgm:else>
-                      </dgm:choose>
-                      <dgm:layoutNode name="anchor4" moveWith="desTx4">
-                        <dgm:alg type="sp"/>
-                        <dgm:shape xmlns:r="http://schemas.openxmlformats.org/officeDocument/2006/relationships" r:blip="">
-                          <dgm:adjLst/>
-                        </dgm:shape>
-                      </dgm:layoutNode>
-                      <dgm:layoutNode name="backup4" moveWith="desTx4">
-                        <dgm:alg type="sp"/>
-                        <dgm:shape xmlns:r="http://schemas.openxmlformats.org/officeDocument/2006/relationships" r:blip="">
-                          <dgm:adjLst/>
-                        </dgm:shape>
-                      </dgm:layoutNode>
-                      <dgm:layoutNode name="preLine4" styleLbl="parChTrans1D1" moveWith="desTx4">
-                        <dgm:alg type="sp"/>
-                        <dgm:shape xmlns:r="http://schemas.openxmlformats.org/officeDocument/2006/relationships" type="line" r:blip="">
-                          <dgm:adjLst/>
-                        </dgm:shape>
-                        <dgm:presOf/>
-                      </dgm:layoutNode>
-                      <dgm:layoutNode name="desTx4" styleLbl="revTx">
-                        <dgm:varLst>
-                          <dgm:bulletEnabled val="1"/>
-                        </dgm:varLst>
-                        <dgm:alg type="tx"/>
-                        <dgm:shape xmlns:r="http://schemas.openxmlformats.org/officeDocument/2006/relationships" type="rect" r:blip="" hideGeom="1">
-                          <dgm:adjLst/>
-                        </dgm:shape>
-                        <dgm:presOf axis="desOrSelf" ptType="node"/>
-                        <dgm:constrLst>
-                          <dgm:constr type="h" refType="w" fact="0.6"/>
-                        </dgm:constrLst>
-                        <dgm:ruleLst>
-                          <dgm:rule type="primFontSz" val="5" fact="NaN" max="NaN"/>
-                        </dgm:ruleLst>
-                      </dgm:layoutNode>
-                      <dgm:choose name="Name127">
-                        <dgm:if name="Name128" axis="root ch" ptType="all node" func="cnt" op="gte" val="5">
-                          <dgm:layoutNode name="postLine4" styleLbl="parChTrans1D1" moveWith="desTx4">
-                            <dgm:alg type="sp"/>
-                            <dgm:shape xmlns:r="http://schemas.openxmlformats.org/officeDocument/2006/relationships" type="line" r:blip="">
-                              <dgm:adjLst/>
-                            </dgm:shape>
-                            <dgm:presOf/>
-                          </dgm:layoutNode>
-                        </dgm:if>
-                        <dgm:else name="Name129"/>
-                      </dgm:choose>
-                    </dgm:layoutNode>
-                  </dgm:forEach>
-                  <dgm:choose name="Name130">
-                    <dgm:if name="Name131" axis="root ch" ptType="all node" func="cnt" op="gte" val="5">
-                      <dgm:forEach name="Name132" axis="self" ptType="parTrans">
-                        <dgm:layoutNode name="Name133" styleLbl="parChTrans1D1">
-                          <dgm:choose name="Name134">
-                            <dgm:if name="Name135" func="var" arg="dir" op="equ" val="norm">
-                              <dgm:alg type="conn">
-                                <dgm:param type="dim" val="1D"/>
-                                <dgm:param type="begPts" val="midL"/>
-                                <dgm:param type="srcNode" val="parTx5"/>
-                                <dgm:param type="endSty" val="noArr"/>
-                                <dgm:param type="dstNode" val="anchor4"/>
-                              </dgm:alg>
-                            </dgm:if>
-                            <dgm:else name="Name136">
-                              <dgm:alg type="conn">
-                                <dgm:param type="dim" val="1D"/>
-                                <dgm:param type="begPts" val="midR"/>
-                                <dgm:param type="endSty" val="noArr"/>
-                                <dgm:param type="srcNode" val="parTx5"/>
-                                <dgm:param type="dstNode" val="anchor4"/>
-                              </dgm:alg>
-                            </dgm:else>
-                          </dgm:choose>
-                          <dgm:shape xmlns:r="http://schemas.openxmlformats.org/officeDocument/2006/relationships" type="conn" r:blip="">
-                            <dgm:adjLst/>
-                          </dgm:shape>
-                          <dgm:presOf/>
-                          <dgm:constrLst>
-                            <dgm:constr type="connDist"/>
-                            <dgm:constr type="begPad" refType="connDist" fact="0.11"/>
-                            <dgm:constr type="endPad"/>
-                          </dgm:constrLst>
-                        </dgm:layoutNode>
-                      </dgm:forEach>
-                    </dgm:if>
-                    <dgm:else name="Name137"/>
-                  </dgm:choose>
-                </dgm:forEach>
-              </dgm:layoutNode>
-              <dgm:choose name="Name138">
-                <dgm:if name="Name139" axis="root ch" ptType="all node" func="cnt" op="gte" val="5">
-                  <dgm:layoutNode name="spPost4">
-                    <dgm:alg type="sp"/>
-                    <dgm:shape xmlns:r="http://schemas.openxmlformats.org/officeDocument/2006/relationships" r:blip="">
-                      <dgm:adjLst/>
-                    </dgm:shape>
-                  </dgm:layoutNode>
-                </dgm:if>
-                <dgm:else name="Name140"/>
-              </dgm:choose>
-            </dgm:if>
-            <dgm:else name="Name141"/>
-          </dgm:choose>
-        </dgm:if>
-        <dgm:if name="Name142" axis="self" ptType="node" func="pos" op="equ" val="5">
-          <dgm:layoutNode name="parTx5" styleLbl="node1">
-            <dgm:alg type="tx"/>
-            <dgm:shape xmlns:r="http://schemas.openxmlformats.org/officeDocument/2006/relationships" type="ellipse" r:blip="">
-              <dgm:adjLst/>
-            </dgm:shape>
-            <dgm:presOf axis="self" ptType="node"/>
-            <dgm:constrLst>
-              <dgm:constr type="h" refType="w"/>
-              <dgm:constr type="w" refType="h" op="lte"/>
-              <dgm:constr type="tMarg"/>
-              <dgm:constr type="bMarg"/>
-              <dgm:constr type="lMarg"/>
-              <dgm:constr type="rMarg"/>
-            </dgm:constrLst>
-            <dgm:ruleLst>
-              <dgm:rule type="primFontSz" val="5" fact="NaN" max="NaN"/>
-            </dgm:ruleLst>
-          </dgm:layoutNode>
-          <dgm:choose name="Name143">
-            <dgm:if name="Name144" axis="ch" ptType="node" func="cnt" op="gte" val="1">
-              <dgm:layoutNode name="spPre5">
-                <dgm:alg type="sp"/>
-                <dgm:shape xmlns:r="http://schemas.openxmlformats.org/officeDocument/2006/relationships" r:blip="">
-                  <dgm:adjLst/>
-                </dgm:shape>
-              </dgm:layoutNode>
-              <dgm:layoutNode name="chLin5">
-                <dgm:alg type="lin">
-                  <dgm:param type="linDir" val="fromT"/>
-                </dgm:alg>
-                <dgm:shape xmlns:r="http://schemas.openxmlformats.org/officeDocument/2006/relationships" r:blip="">
-                  <dgm:adjLst/>
-                </dgm:shape>
-                <dgm:presOf/>
-                <dgm:constrLst>
-                  <dgm:constr type="w" for="ch" forName="txAndLines5" refType="w" fact="0.77"/>
-                  <dgm:constr type="w" for="ch" forName="top5" refType="w" refFor="ch" refForName="txAndLines5" fact="0.78"/>
-                </dgm:constrLst>
-                <dgm:forEach name="Name145" axis="ch">
-                  <dgm:forEach name="Name146" axis="self" ptType="parTrans">
-                    <dgm:layoutNode name="Name147" styleLbl="parChTrans1D1">
-                      <dgm:choose name="Name148">
-                        <dgm:if name="Name149" func="var" arg="dir" op="equ" val="norm">
-                          <dgm:alg type="conn">
-                            <dgm:param type="dim" val="1D"/>
-                            <dgm:param type="begPts" val="midR"/>
-                            <dgm:param type="endSty" val="noArr"/>
-                            <dgm:param type="dstNode" val="anchor5"/>
-                          </dgm:alg>
-                        </dgm:if>
-                        <dgm:else name="Name150">
-                          <dgm:alg type="conn">
-                            <dgm:param type="dim" val="1D"/>
-                            <dgm:param type="begPts" val="midL"/>
-                            <dgm:param type="endSty" val="noArr"/>
-                            <dgm:param type="srcNode" val="parTx5"/>
-                            <dgm:param type="dstNode" val="anchor5"/>
-                          </dgm:alg>
-                        </dgm:else>
-                      </dgm:choose>
-                      <dgm:shape xmlns:r="http://schemas.openxmlformats.org/officeDocument/2006/relationships" type="conn" r:blip="">
-                        <dgm:adjLst/>
-                      </dgm:shape>
-                      <dgm:presOf/>
-                      <dgm:constrLst>
-                        <dgm:constr type="connDist"/>
-                        <dgm:constr type="begPad" refType="connDist" fact="0.11"/>
-                        <dgm:constr type="endPad"/>
-                      </dgm:constrLst>
-                    </dgm:layoutNode>
-                  </dgm:forEach>
-                  <dgm:forEach name="Name151" axis="self" ptType="node">
-                    <dgm:choose name="Name152">
-                      <dgm:if name="Name153" axis="par ch" ptType="node node" func="cnt" op="equ" val="1">
-                        <dgm:layoutNode name="top5">
-                          <dgm:alg type="sp"/>
-                          <dgm:shape xmlns:r="http://schemas.openxmlformats.org/officeDocument/2006/relationships" r:blip="">
-                            <dgm:adjLst/>
-                          </dgm:shape>
-                          <dgm:constrLst>
-                            <dgm:constr type="h" refType="w" fact="0.6"/>
-                          </dgm:constrLst>
-                        </dgm:layoutNode>
-                      </dgm:if>
-                      <dgm:else name="Name154"/>
-                    </dgm:choose>
-                    <dgm:layoutNode name="txAndLines5">
-                      <dgm:choose name="Name155">
-                        <dgm:if name="Name156" func="var" arg="dir" op="equ" val="norm">
-                          <dgm:alg type="lin"/>
-                        </dgm:if>
-                        <dgm:else name="Name157">
-                          <dgm:alg type="lin">
-                            <dgm:param type="linDir" val="fromR"/>
-                          </dgm:alg>
-                        </dgm:else>
-                      </dgm:choose>
-                      <dgm:shape xmlns:r="http://schemas.openxmlformats.org/officeDocument/2006/relationships" r:blip="">
-                        <dgm:adjLst/>
-                      </dgm:shape>
-                      <dgm:presOf/>
-                      <dgm:choose name="Name158">
-                        <dgm:if name="Name159" axis="root ch" ptType="all node" func="cnt" op="gte" val="6">
-                          <dgm:constrLst>
-                            <dgm:constr type="w" for="ch" forName="anchor5" refType="w"/>
-                            <dgm:constr type="w" for="ch" forName="backup5" refType="w" fact="-1"/>
-                            <dgm:constr type="w" for="ch" forName="preLine5" refType="w" fact="0.11"/>
-                            <dgm:constr type="w" for="ch" forName="desTx5" refType="w" fact="0.78"/>
-                            <dgm:constr type="w" for="ch" forName="postLine5" refType="w" fact="0.11"/>
-                          </dgm:constrLst>
-                        </dgm:if>
-                        <dgm:else name="Name160">
-                          <dgm:constrLst>
-                            <dgm:constr type="w" for="ch" forName="anchor5" refType="w" fact="0.89"/>
-                            <dgm:constr type="w" for="ch" forName="backup5" refType="w" fact="-0.89"/>
-                            <dgm:constr type="w" for="ch" forName="preLine5" refType="w" fact="0.11"/>
-                            <dgm:constr type="w" for="ch" forName="desTx5" refType="w" fact="0.78"/>
-                          </dgm:constrLst>
-                        </dgm:else>
-                      </dgm:choose>
-                      <dgm:layoutNode name="anchor5" moveWith="desTx5">
-                        <dgm:alg type="sp"/>
-                        <dgm:shape xmlns:r="http://schemas.openxmlformats.org/officeDocument/2006/relationships" r:blip="">
-                          <dgm:adjLst/>
-                        </dgm:shape>
-                      </dgm:layoutNode>
-                      <dgm:layoutNode name="backup5" moveWith="desTx5">
-                        <dgm:alg type="sp"/>
-                        <dgm:shape xmlns:r="http://schemas.openxmlformats.org/officeDocument/2006/relationships" r:blip="">
-                          <dgm:adjLst/>
-                        </dgm:shape>
-                      </dgm:layoutNode>
-                      <dgm:layoutNode name="preLine5" styleLbl="parChTrans1D1" moveWith="desTx5">
-                        <dgm:alg type="sp"/>
-                        <dgm:shape xmlns:r="http://schemas.openxmlformats.org/officeDocument/2006/relationships" type="line" r:blip="">
-                          <dgm:adjLst/>
-                        </dgm:shape>
-                        <dgm:presOf/>
-                      </dgm:layoutNode>
-                      <dgm:layoutNode name="desTx5" styleLbl="revTx">
-                        <dgm:varLst>
-                          <dgm:bulletEnabled val="1"/>
-                        </dgm:varLst>
-                        <dgm:alg type="tx"/>
-                        <dgm:shape xmlns:r="http://schemas.openxmlformats.org/officeDocument/2006/relationships" type="rect" r:blip="" hideGeom="1">
-                          <dgm:adjLst/>
-                        </dgm:shape>
-                        <dgm:presOf axis="desOrSelf" ptType="node"/>
-                        <dgm:constrLst>
-                          <dgm:constr type="h" refType="w" fact="0.6"/>
-                        </dgm:constrLst>
-                        <dgm:ruleLst>
-                          <dgm:rule type="primFontSz" val="5" fact="NaN" max="NaN"/>
-                        </dgm:ruleLst>
-                      </dgm:layoutNode>
-                      <dgm:choose name="Name161">
-                        <dgm:if name="Name162" axis="root ch" ptType="all node" func="cnt" op="gte" val="6">
-                          <dgm:layoutNode name="postLine5" styleLbl="parChTrans1D1" moveWith="desTx5">
-                            <dgm:alg type="sp"/>
-                            <dgm:shape xmlns:r="http://schemas.openxmlformats.org/officeDocument/2006/relationships" type="line" r:blip="">
-                              <dgm:adjLst/>
-                            </dgm:shape>
-                            <dgm:presOf/>
-                          </dgm:layoutNode>
-                        </dgm:if>
-                        <dgm:else name="Name163"/>
-                      </dgm:choose>
-                    </dgm:layoutNode>
-                  </dgm:forEach>
-                  <dgm:choose name="Name164">
-                    <dgm:if name="Name165" axis="root ch" ptType="all node" func="cnt" op="gte" val="6">
-                      <dgm:forEach name="Name166" axis="self" ptType="parTrans">
-                        <dgm:layoutNode name="Name167" styleLbl="parChTrans1D1">
-                          <dgm:choose name="Name168">
-                            <dgm:if name="Name169" func="var" arg="dir" op="equ" val="norm">
-                              <dgm:alg type="conn">
-                                <dgm:param type="dim" val="1D"/>
-                                <dgm:param type="begPts" val="midL"/>
-                                <dgm:param type="srcNode" val="parTx6"/>
-                                <dgm:param type="endSty" val="noArr"/>
-                                <dgm:param type="dstNode" val="anchor5"/>
-                              </dgm:alg>
-                            </dgm:if>
-                            <dgm:else name="Name170">
-                              <dgm:alg type="conn">
-                                <dgm:param type="dim" val="1D"/>
-                                <dgm:param type="begPts" val="midR"/>
-                                <dgm:param type="endSty" val="noArr"/>
-                                <dgm:param type="srcNode" val="parTx6"/>
-                                <dgm:param type="dstNode" val="anchor5"/>
-                              </dgm:alg>
-                            </dgm:else>
-                          </dgm:choose>
-                          <dgm:shape xmlns:r="http://schemas.openxmlformats.org/officeDocument/2006/relationships" type="conn" r:blip="">
-                            <dgm:adjLst/>
-                          </dgm:shape>
-                          <dgm:presOf/>
-                          <dgm:constrLst>
-                            <dgm:constr type="connDist"/>
-                            <dgm:constr type="begPad" refType="connDist" fact="0.11"/>
-                            <dgm:constr type="endPad"/>
-                          </dgm:constrLst>
-                        </dgm:layoutNode>
-                      </dgm:forEach>
-                    </dgm:if>
-                    <dgm:else name="Name171"/>
-                  </dgm:choose>
-                </dgm:forEach>
-              </dgm:layoutNode>
-              <dgm:choose name="Name172">
-                <dgm:if name="Name173" axis="root ch" ptType="all node" func="cnt" op="gte" val="6">
-                  <dgm:layoutNode name="spPost5">
-                    <dgm:alg type="sp"/>
-                    <dgm:shape xmlns:r="http://schemas.openxmlformats.org/officeDocument/2006/relationships" r:blip="">
-                      <dgm:adjLst/>
-                    </dgm:shape>
-                  </dgm:layoutNode>
-                </dgm:if>
-                <dgm:else name="Name174"/>
-              </dgm:choose>
-            </dgm:if>
-            <dgm:else name="Name175"/>
-          </dgm:choose>
-        </dgm:if>
-        <dgm:if name="Name176" axis="self" ptType="node" func="pos" op="equ" val="6">
-          <dgm:layoutNode name="parTx6" styleLbl="node1">
-            <dgm:alg type="tx"/>
-            <dgm:shape xmlns:r="http://schemas.openxmlformats.org/officeDocument/2006/relationships" type="ellipse" r:blip="">
-              <dgm:adjLst/>
-            </dgm:shape>
-            <dgm:presOf axis="self" ptType="node"/>
-            <dgm:constrLst>
-              <dgm:constr type="h" refType="w"/>
-              <dgm:constr type="w" refType="h" op="lte"/>
-              <dgm:constr type="tMarg"/>
-              <dgm:constr type="bMarg"/>
-              <dgm:constr type="lMarg"/>
-              <dgm:constr type="rMarg"/>
-            </dgm:constrLst>
-            <dgm:ruleLst>
-              <dgm:rule type="primFontSz" val="5" fact="NaN" max="NaN"/>
-            </dgm:ruleLst>
-          </dgm:layoutNode>
-          <dgm:choose name="Name177">
-            <dgm:if name="Name178" axis="ch" ptType="node" func="cnt" op="gte" val="1">
-              <dgm:layoutNode name="spPre6">
-                <dgm:alg type="sp"/>
-                <dgm:shape xmlns:r="http://schemas.openxmlformats.org/officeDocument/2006/relationships" r:blip="">
-                  <dgm:adjLst/>
-                </dgm:shape>
-              </dgm:layoutNode>
-              <dgm:layoutNode name="chLin6">
-                <dgm:alg type="lin">
-                  <dgm:param type="linDir" val="fromT"/>
-                </dgm:alg>
-                <dgm:shape xmlns:r="http://schemas.openxmlformats.org/officeDocument/2006/relationships" r:blip="">
-                  <dgm:adjLst/>
-                </dgm:shape>
-                <dgm:presOf/>
-                <dgm:constrLst>
-                  <dgm:constr type="w" for="ch" forName="txAndLines6" refType="w" fact="0.77"/>
-                  <dgm:constr type="w" for="ch" forName="top6" refType="w" refFor="ch" refForName="txAndLines6" fact="0.78"/>
-                </dgm:constrLst>
-                <dgm:forEach name="Name179" axis="ch">
-                  <dgm:forEach name="Name180" axis="self" ptType="parTrans">
-                    <dgm:layoutNode name="Name181" styleLbl="parChTrans1D1">
-                      <dgm:choose name="Name182">
-                        <dgm:if name="Name183" func="var" arg="dir" op="equ" val="norm">
-                          <dgm:alg type="conn">
-                            <dgm:param type="dim" val="1D"/>
-                            <dgm:param type="begPts" val="midR"/>
-                            <dgm:param type="endSty" val="noArr"/>
-                            <dgm:param type="dstNode" val="anchor6"/>
-                          </dgm:alg>
-                        </dgm:if>
-                        <dgm:else name="Name184">
-                          <dgm:alg type="conn">
-                            <dgm:param type="dim" val="1D"/>
-                            <dgm:param type="begPts" val="midL"/>
-                            <dgm:param type="endSty" val="noArr"/>
-                            <dgm:param type="srcNode" val="parTx6"/>
-                            <dgm:param type="dstNode" val="anchor6"/>
-                          </dgm:alg>
-                        </dgm:else>
-                      </dgm:choose>
-                      <dgm:shape xmlns:r="http://schemas.openxmlformats.org/officeDocument/2006/relationships" type="conn" r:blip="">
-                        <dgm:adjLst/>
-                      </dgm:shape>
-                      <dgm:presOf/>
-                      <dgm:constrLst>
-                        <dgm:constr type="connDist"/>
-                        <dgm:constr type="begPad" refType="connDist" fact="0.11"/>
-                        <dgm:constr type="endPad"/>
-                      </dgm:constrLst>
-                    </dgm:layoutNode>
-                  </dgm:forEach>
-                  <dgm:forEach name="Name185" axis="self" ptType="node">
-                    <dgm:choose name="Name186">
-                      <dgm:if name="Name187" axis="par ch" ptType="node node" func="cnt" op="equ" val="1">
-                        <dgm:layoutNode name="top6">
-                          <dgm:alg type="sp"/>
-                          <dgm:shape xmlns:r="http://schemas.openxmlformats.org/officeDocument/2006/relationships" r:blip="">
-                            <dgm:adjLst/>
-                          </dgm:shape>
-                          <dgm:constrLst>
-                            <dgm:constr type="h" refType="w" fact="0.6"/>
-                          </dgm:constrLst>
-                        </dgm:layoutNode>
-                      </dgm:if>
-                      <dgm:else name="Name188"/>
-                    </dgm:choose>
-                    <dgm:layoutNode name="txAndLines6">
-                      <dgm:choose name="Name189">
-                        <dgm:if name="Name190" func="var" arg="dir" op="equ" val="norm">
-                          <dgm:alg type="lin"/>
-                        </dgm:if>
-                        <dgm:else name="Name191">
-                          <dgm:alg type="lin">
-                            <dgm:param type="linDir" val="fromR"/>
-                          </dgm:alg>
-                        </dgm:else>
-                      </dgm:choose>
-                      <dgm:shape xmlns:r="http://schemas.openxmlformats.org/officeDocument/2006/relationships" r:blip="">
-                        <dgm:adjLst/>
-                      </dgm:shape>
-                      <dgm:presOf/>
-                      <dgm:choose name="Name192">
-                        <dgm:if name="Name193" axis="root ch" ptType="all node" func="cnt" op="gte" val="7">
-                          <dgm:constrLst>
-                            <dgm:constr type="w" for="ch" forName="anchor6" refType="w"/>
-                            <dgm:constr type="w" for="ch" forName="backup6" refType="w" fact="-1"/>
-                            <dgm:constr type="w" for="ch" forName="preLine6" refType="w" fact="0.11"/>
-                            <dgm:constr type="w" for="ch" forName="desTx6" refType="w" fact="0.78"/>
-                            <dgm:constr type="w" for="ch" forName="postLine6" refType="w" fact="0.11"/>
-                          </dgm:constrLst>
-                        </dgm:if>
-                        <dgm:else name="Name194">
-                          <dgm:constrLst>
-                            <dgm:constr type="w" for="ch" forName="anchor6" refType="w" fact="0.89"/>
-                            <dgm:constr type="w" for="ch" forName="backup6" refType="w" fact="-0.89"/>
-                            <dgm:constr type="w" for="ch" forName="preLine6" refType="w" fact="0.11"/>
-                            <dgm:constr type="w" for="ch" forName="desTx6" refType="w" fact="0.78"/>
-                          </dgm:constrLst>
-                        </dgm:else>
-                      </dgm:choose>
-                      <dgm:layoutNode name="anchor6" moveWith="desTx6">
-                        <dgm:alg type="sp"/>
-                        <dgm:shape xmlns:r="http://schemas.openxmlformats.org/officeDocument/2006/relationships" r:blip="">
-                          <dgm:adjLst/>
-                        </dgm:shape>
-                      </dgm:layoutNode>
-                      <dgm:layoutNode name="backup6" moveWith="desTx6">
-                        <dgm:alg type="sp"/>
-                        <dgm:shape xmlns:r="http://schemas.openxmlformats.org/officeDocument/2006/relationships" r:blip="">
-                          <dgm:adjLst/>
-                        </dgm:shape>
-                      </dgm:layoutNode>
-                      <dgm:layoutNode name="preLine6" styleLbl="parChTrans1D1" moveWith="desTx6">
-                        <dgm:alg type="sp"/>
-                        <dgm:shape xmlns:r="http://schemas.openxmlformats.org/officeDocument/2006/relationships" type="line" r:blip="">
-                          <dgm:adjLst/>
-                        </dgm:shape>
-                        <dgm:presOf/>
-                      </dgm:layoutNode>
-                      <dgm:layoutNode name="desTx6" styleLbl="revTx">
-                        <dgm:varLst>
-                          <dgm:bulletEnabled val="1"/>
-                        </dgm:varLst>
-                        <dgm:alg type="tx"/>
-                        <dgm:shape xmlns:r="http://schemas.openxmlformats.org/officeDocument/2006/relationships" type="rect" r:blip="" hideGeom="1">
-                          <dgm:adjLst/>
-                        </dgm:shape>
-                        <dgm:presOf axis="desOrSelf" ptType="node"/>
-                        <dgm:constrLst>
-                          <dgm:constr type="h" refType="w" fact="0.6"/>
-                        </dgm:constrLst>
-                        <dgm:ruleLst>
-                          <dgm:rule type="primFontSz" val="5" fact="NaN" max="NaN"/>
-                        </dgm:ruleLst>
-                      </dgm:layoutNode>
-                      <dgm:choose name="Name195">
-                        <dgm:if name="Name196" axis="root ch" ptType="all node" func="cnt" op="gte" val="7">
-                          <dgm:layoutNode name="postLine6" styleLbl="parChTrans1D1" moveWith="desTx6">
-                            <dgm:alg type="sp"/>
-                            <dgm:shape xmlns:r="http://schemas.openxmlformats.org/officeDocument/2006/relationships" type="line" r:blip="">
-                              <dgm:adjLst/>
-                            </dgm:shape>
-                            <dgm:presOf/>
-                          </dgm:layoutNode>
-                        </dgm:if>
-                        <dgm:else name="Name197"/>
-                      </dgm:choose>
-                    </dgm:layoutNode>
-                  </dgm:forEach>
-                  <dgm:choose name="Name198">
-                    <dgm:if name="Name199" axis="root ch" ptType="all node" func="cnt" op="gte" val="7">
-                      <dgm:forEach name="Name200" axis="self" ptType="parTrans">
-                        <dgm:layoutNode name="Name201" styleLbl="parChTrans1D1">
-                          <dgm:choose name="Name202">
-                            <dgm:if name="Name203" func="var" arg="dir" op="equ" val="norm">
-                              <dgm:alg type="conn">
-                                <dgm:param type="dim" val="1D"/>
-                                <dgm:param type="begPts" val="midL"/>
-                                <dgm:param type="srcNode" val="parTx7"/>
-                                <dgm:param type="endSty" val="noArr"/>
-                                <dgm:param type="dstNode" val="anchor6"/>
-                              </dgm:alg>
-                            </dgm:if>
-                            <dgm:else name="Name204">
-                              <dgm:alg type="conn">
-                                <dgm:param type="dim" val="1D"/>
-                                <dgm:param type="begPts" val="midR"/>
-                                <dgm:param type="endSty" val="noArr"/>
-                                <dgm:param type="srcNode" val="parTx7"/>
-                                <dgm:param type="dstNode" val="anchor6"/>
-                              </dgm:alg>
-                            </dgm:else>
-                          </dgm:choose>
-                          <dgm:shape xmlns:r="http://schemas.openxmlformats.org/officeDocument/2006/relationships" type="conn" r:blip="">
-                            <dgm:adjLst/>
-                          </dgm:shape>
-                          <dgm:presOf/>
-                          <dgm:constrLst>
-                            <dgm:constr type="connDist"/>
-                            <dgm:constr type="begPad" refType="connDist" fact="0.11"/>
-                            <dgm:constr type="endPad"/>
-                          </dgm:constrLst>
-                        </dgm:layoutNode>
-                      </dgm:forEach>
-                    </dgm:if>
-                    <dgm:else name="Name205"/>
-                  </dgm:choose>
-                </dgm:forEach>
-              </dgm:layoutNode>
-              <dgm:choose name="Name206">
-                <dgm:if name="Name207" axis="root ch" ptType="all node" func="cnt" op="gte" val="7">
-                  <dgm:layoutNode name="spPost6">
-                    <dgm:alg type="sp"/>
-                    <dgm:shape xmlns:r="http://schemas.openxmlformats.org/officeDocument/2006/relationships" r:blip="">
-                      <dgm:adjLst/>
-                    </dgm:shape>
-                  </dgm:layoutNode>
-                </dgm:if>
-                <dgm:else name="Name208"/>
-              </dgm:choose>
-            </dgm:if>
-            <dgm:else name="Name209"/>
-          </dgm:choose>
-        </dgm:if>
-        <dgm:if name="Name210" axis="self" ptType="node" func="pos" op="equ" val="7">
-          <dgm:layoutNode name="parTx7" styleLbl="node1">
-            <dgm:alg type="tx"/>
-            <dgm:shape xmlns:r="http://schemas.openxmlformats.org/officeDocument/2006/relationships" type="ellipse" r:blip="">
-              <dgm:adjLst/>
-            </dgm:shape>
-            <dgm:presOf axis="self" ptType="node"/>
-            <dgm:constrLst>
-              <dgm:constr type="h" refType="w"/>
-              <dgm:constr type="w" refType="h" op="lte"/>
-              <dgm:constr type="tMarg"/>
-              <dgm:constr type="bMarg"/>
-              <dgm:constr type="lMarg"/>
-              <dgm:constr type="rMarg"/>
-            </dgm:constrLst>
-            <dgm:ruleLst>
-              <dgm:rule type="primFontSz" val="5" fact="NaN" max="NaN"/>
-            </dgm:ruleLst>
-          </dgm:layoutNode>
-          <dgm:choose name="Name211">
-            <dgm:if name="Name212" axis="ch" ptType="node" func="cnt" op="gte" val="1">
-              <dgm:layoutNode name="spPre7">
-                <dgm:alg type="sp"/>
-                <dgm:shape xmlns:r="http://schemas.openxmlformats.org/officeDocument/2006/relationships" r:blip="">
-                  <dgm:adjLst/>
-                </dgm:shape>
-              </dgm:layoutNode>
-              <dgm:layoutNode name="chLin7">
-                <dgm:alg type="lin">
-                  <dgm:param type="linDir" val="fromT"/>
-                </dgm:alg>
-                <dgm:shape xmlns:r="http://schemas.openxmlformats.org/officeDocument/2006/relationships" r:blip="">
-                  <dgm:adjLst/>
-                </dgm:shape>
-                <dgm:presOf/>
-                <dgm:constrLst>
-                  <dgm:constr type="w" for="ch" forName="txAndLines7" refType="w" fact="0.77"/>
-                  <dgm:constr type="w" for="ch" forName="top7" refType="w" refFor="ch" refForName="txAndLines7" fact="0.78"/>
-                </dgm:constrLst>
-                <dgm:forEach name="Name213" axis="ch">
-                  <dgm:forEach name="Name214" axis="self" ptType="parTrans">
-                    <dgm:layoutNode name="Name215" styleLbl="parChTrans1D1">
-                      <dgm:choose name="Name216">
-                        <dgm:if name="Name217" func="var" arg="dir" op="equ" val="norm">
-                          <dgm:alg type="conn">
-                            <dgm:param type="dim" val="1D"/>
-                            <dgm:param type="begPts" val="midR"/>
-                            <dgm:param type="endSty" val="noArr"/>
-                            <dgm:param type="dstNode" val="anchor7"/>
-                          </dgm:alg>
-                        </dgm:if>
-                        <dgm:else name="Name218">
-                          <dgm:alg type="conn">
-                            <dgm:param type="dim" val="1D"/>
-                            <dgm:param type="begPts" val="midL"/>
-                            <dgm:param type="endSty" val="noArr"/>
-                            <dgm:param type="srcNode" val="parTx7"/>
-                            <dgm:param type="dstNode" val="anchor7"/>
-                          </dgm:alg>
-                        </dgm:else>
-                      </dgm:choose>
-                      <dgm:shape xmlns:r="http://schemas.openxmlformats.org/officeDocument/2006/relationships" type="conn" r:blip="">
-                        <dgm:adjLst/>
-                      </dgm:shape>
-                      <dgm:presOf/>
-                      <dgm:constrLst>
-                        <dgm:constr type="connDist"/>
-                        <dgm:constr type="begPad" refType="connDist" fact="0.11"/>
-                        <dgm:constr type="endPad"/>
-                      </dgm:constrLst>
-                    </dgm:layoutNode>
-                  </dgm:forEach>
-                  <dgm:forEach name="Name219" axis="self" ptType="node">
-                    <dgm:choose name="Name220">
-                      <dgm:if name="Name221" axis="par ch" ptType="node node" func="cnt" op="equ" val="1">
-                        <dgm:layoutNode name="top7">
-                          <dgm:alg type="sp"/>
-                          <dgm:shape xmlns:r="http://schemas.openxmlformats.org/officeDocument/2006/relationships" r:blip="">
-                            <dgm:adjLst/>
-                          </dgm:shape>
-                          <dgm:constrLst>
-                            <dgm:constr type="h" refType="w" fact="0.6"/>
-                          </dgm:constrLst>
-                        </dgm:layoutNode>
-                      </dgm:if>
-                      <dgm:else name="Name222"/>
-                    </dgm:choose>
-                    <dgm:layoutNode name="txAndLines7">
-                      <dgm:choose name="Name223">
-                        <dgm:if name="Name224" func="var" arg="dir" op="equ" val="norm">
-                          <dgm:alg type="lin"/>
-                        </dgm:if>
-                        <dgm:else name="Name225">
-                          <dgm:alg type="lin">
-                            <dgm:param type="linDir" val="fromR"/>
-                          </dgm:alg>
-                        </dgm:else>
-                      </dgm:choose>
-                      <dgm:shape xmlns:r="http://schemas.openxmlformats.org/officeDocument/2006/relationships" r:blip="">
-                        <dgm:adjLst/>
-                      </dgm:shape>
-                      <dgm:presOf/>
-                      <dgm:constrLst>
-                        <dgm:constr type="w" for="ch" forName="anchor7" refType="w" fact="0.89"/>
-                        <dgm:constr type="w" for="ch" forName="backup7" refType="w" fact="-0.89"/>
-                        <dgm:constr type="w" for="ch" forName="preLine7" refType="w" fact="0.11"/>
-                        <dgm:constr type="w" for="ch" forName="desTx7" refType="w" fact="0.78"/>
-                      </dgm:constrLst>
-                      <dgm:layoutNode name="anchor7" moveWith="desTx7">
-                        <dgm:alg type="sp"/>
-                        <dgm:shape xmlns:r="http://schemas.openxmlformats.org/officeDocument/2006/relationships" r:blip="">
-                          <dgm:adjLst/>
-                        </dgm:shape>
-                      </dgm:layoutNode>
-                      <dgm:layoutNode name="backup7" moveWith="desTx7">
-                        <dgm:alg type="sp"/>
-                        <dgm:shape xmlns:r="http://schemas.openxmlformats.org/officeDocument/2006/relationships" r:blip="">
-                          <dgm:adjLst/>
-                        </dgm:shape>
-                      </dgm:layoutNode>
-                      <dgm:layoutNode name="preLine7" styleLbl="parChTrans1D1" moveWith="desTx7">
-                        <dgm:alg type="sp"/>
-                        <dgm:shape xmlns:r="http://schemas.openxmlformats.org/officeDocument/2006/relationships" type="line" r:blip="">
-                          <dgm:adjLst/>
-                        </dgm:shape>
-                        <dgm:presOf/>
-                      </dgm:layoutNode>
-                      <dgm:layoutNode name="desTx7" styleLbl="revTx">
-                        <dgm:varLst>
-                          <dgm:bulletEnabled val="1"/>
-                        </dgm:varLst>
-                        <dgm:alg type="tx"/>
-                        <dgm:shape xmlns:r="http://schemas.openxmlformats.org/officeDocument/2006/relationships" type="rect" r:blip="" hideGeom="1">
-                          <dgm:adjLst/>
-                        </dgm:shape>
-                        <dgm:presOf axis="desOrSelf" ptType="node"/>
-                        <dgm:constrLst>
-                          <dgm:constr type="h" refType="w" fact="0.6"/>
-                        </dgm:constrLst>
-                        <dgm:ruleLst>
-                          <dgm:rule type="primFontSz" val="5" fact="NaN" max="NaN"/>
-                        </dgm:ruleLst>
-                      </dgm:layoutNode>
-                    </dgm:layoutNode>
-                  </dgm:forEach>
-                </dgm:forEach>
-              </dgm:layoutNode>
-            </dgm:if>
-            <dgm:else name="Name226"/>
-          </dgm:choose>
-        </dgm:if>
-        <dgm:else name="Name227"/>
-      </dgm:choose>
-    </dgm:forEach>
-  </dgm:layoutNode>
-</dgm:layoutDef>
-</file>
-
-<file path=ppt/diagrams/layout6.xml><?xml version="1.0" encoding="utf-8"?>
 <dgm:layoutDef xmlns:dgm="http://schemas.openxmlformats.org/drawingml/2006/diagram" xmlns:a="http://schemas.openxmlformats.org/drawingml/2006/main" uniqueId="urn:microsoft.com/office/officeart/2008/layout/LinedList">
   <dgm:title val=""/>
   <dgm:desc val=""/>
@@ -22741,1040 +18701,6 @@
 </file>
 
 <file path=ppt/diagrams/quickStyle5.xml><?xml version="1.0" encoding="utf-8"?>
-<dgm:styleDef xmlns:dgm="http://schemas.openxmlformats.org/drawingml/2006/diagram" xmlns:a="http://schemas.openxmlformats.org/drawingml/2006/main" uniqueId="urn:microsoft.com/office/officeart/2005/8/quickstyle/simple2">
-  <dgm:title val=""/>
-  <dgm:desc val=""/>
-  <dgm:catLst>
-    <dgm:cat type="simple" pri="10200"/>
-  </dgm:catLst>
-  <dgm:scene3d>
-    <a:camera prst="orthographicFront"/>
-    <a:lightRig rig="threePt" dir="t"/>
-  </dgm:scene3d>
-  <dgm:styleLbl name="node0">
-    <dgm:scene3d>
-      <a:camera prst="orthographicFront"/>
-      <a:lightRig rig="threePt" dir="t"/>
-    </dgm:scene3d>
-    <dgm:sp3d/>
-    <dgm:txPr/>
-    <dgm:style>
-      <a:lnRef idx="3">
-        <a:scrgbClr r="0" g="0" b="0"/>
-      </a:lnRef>
-      <a:fillRef idx="1">
-        <a:scrgbClr r="0" g="0" b="0"/>
-      </a:fillRef>
-      <a:effectRef idx="1">
-        <a:scrgbClr r="0" g="0" b="0"/>
-      </a:effectRef>
-      <a:fontRef idx="minor">
-        <a:schemeClr val="lt1"/>
-      </a:fontRef>
-    </dgm:style>
-  </dgm:styleLbl>
-  <dgm:styleLbl name="lnNode1">
-    <dgm:scene3d>
-      <a:camera prst="orthographicFront"/>
-      <a:lightRig rig="threePt" dir="t"/>
-    </dgm:scene3d>
-    <dgm:sp3d/>
-    <dgm:txPr/>
-    <dgm:style>
-      <a:lnRef idx="3">
-        <a:scrgbClr r="0" g="0" b="0"/>
-      </a:lnRef>
-      <a:fillRef idx="1">
-        <a:scrgbClr r="0" g="0" b="0"/>
-      </a:fillRef>
-      <a:effectRef idx="1">
-        <a:scrgbClr r="0" g="0" b="0"/>
-      </a:effectRef>
-      <a:fontRef idx="minor">
-        <a:schemeClr val="lt1"/>
-      </a:fontRef>
-    </dgm:style>
-  </dgm:styleLbl>
-  <dgm:styleLbl name="vennNode1">
-    <dgm:scene3d>
-      <a:camera prst="orthographicFront"/>
-      <a:lightRig rig="threePt" dir="t"/>
-    </dgm:scene3d>
-    <dgm:sp3d/>
-    <dgm:txPr/>
-    <dgm:style>
-      <a:lnRef idx="3">
-        <a:scrgbClr r="0" g="0" b="0"/>
-      </a:lnRef>
-      <a:fillRef idx="1">
-        <a:scrgbClr r="0" g="0" b="0"/>
-      </a:fillRef>
-      <a:effectRef idx="0">
-        <a:scrgbClr r="0" g="0" b="0"/>
-      </a:effectRef>
-      <a:fontRef idx="minor">
-        <a:schemeClr val="tx1"/>
-      </a:fontRef>
-    </dgm:style>
-  </dgm:styleLbl>
-  <dgm:styleLbl name="alignNode1">
-    <dgm:scene3d>
-      <a:camera prst="orthographicFront"/>
-      <a:lightRig rig="threePt" dir="t"/>
-    </dgm:scene3d>
-    <dgm:sp3d/>
-    <dgm:txPr/>
-    <dgm:style>
-      <a:lnRef idx="2">
-        <a:scrgbClr r="0" g="0" b="0"/>
-      </a:lnRef>
-      <a:fillRef idx="1">
-        <a:scrgbClr r="0" g="0" b="0"/>
-      </a:fillRef>
-      <a:effectRef idx="1">
-        <a:scrgbClr r="0" g="0" b="0"/>
-      </a:effectRef>
-      <a:fontRef idx="minor">
-        <a:schemeClr val="lt1"/>
-      </a:fontRef>
-    </dgm:style>
-  </dgm:styleLbl>
-  <dgm:styleLbl name="node1">
-    <dgm:scene3d>
-      <a:camera prst="orthographicFront"/>
-      <a:lightRig rig="threePt" dir="t"/>
-    </dgm:scene3d>
-    <dgm:sp3d/>
-    <dgm:txPr/>
-    <dgm:style>
-      <a:lnRef idx="3">
-        <a:scrgbClr r="0" g="0" b="0"/>
-      </a:lnRef>
-      <a:fillRef idx="1">
-        <a:scrgbClr r="0" g="0" b="0"/>
-      </a:fillRef>
-      <a:effectRef idx="1">
-        <a:scrgbClr r="0" g="0" b="0"/>
-      </a:effectRef>
-      <a:fontRef idx="minor">
-        <a:schemeClr val="lt1"/>
-      </a:fontRef>
-    </dgm:style>
-  </dgm:styleLbl>
-  <dgm:styleLbl name="node2">
-    <dgm:scene3d>
-      <a:camera prst="orthographicFront"/>
-      <a:lightRig rig="threePt" dir="t"/>
-    </dgm:scene3d>
-    <dgm:sp3d/>
-    <dgm:txPr/>
-    <dgm:style>
-      <a:lnRef idx="3">
-        <a:scrgbClr r="0" g="0" b="0"/>
-      </a:lnRef>
-      <a:fillRef idx="1">
-        <a:scrgbClr r="0" g="0" b="0"/>
-      </a:fillRef>
-      <a:effectRef idx="1">
-        <a:scrgbClr r="0" g="0" b="0"/>
-      </a:effectRef>
-      <a:fontRef idx="minor">
-        <a:schemeClr val="lt1"/>
-      </a:fontRef>
-    </dgm:style>
-  </dgm:styleLbl>
-  <dgm:styleLbl name="node3">
-    <dgm:scene3d>
-      <a:camera prst="orthographicFront"/>
-      <a:lightRig rig="threePt" dir="t"/>
-    </dgm:scene3d>
-    <dgm:sp3d/>
-    <dgm:txPr/>
-    <dgm:style>
-      <a:lnRef idx="3">
-        <a:scrgbClr r="0" g="0" b="0"/>
-      </a:lnRef>
-      <a:fillRef idx="1">
-        <a:scrgbClr r="0" g="0" b="0"/>
-      </a:fillRef>
-      <a:effectRef idx="1">
-        <a:scrgbClr r="0" g="0" b="0"/>
-      </a:effectRef>
-      <a:fontRef idx="minor">
-        <a:schemeClr val="lt1"/>
-      </a:fontRef>
-    </dgm:style>
-  </dgm:styleLbl>
-  <dgm:styleLbl name="node4">
-    <dgm:scene3d>
-      <a:camera prst="orthographicFront"/>
-      <a:lightRig rig="threePt" dir="t"/>
-    </dgm:scene3d>
-    <dgm:sp3d/>
-    <dgm:txPr/>
-    <dgm:style>
-      <a:lnRef idx="3">
-        <a:scrgbClr r="0" g="0" b="0"/>
-      </a:lnRef>
-      <a:fillRef idx="1">
-        <a:scrgbClr r="0" g="0" b="0"/>
-      </a:fillRef>
-      <a:effectRef idx="1">
-        <a:scrgbClr r="0" g="0" b="0"/>
-      </a:effectRef>
-      <a:fontRef idx="minor">
-        <a:schemeClr val="lt1"/>
-      </a:fontRef>
-    </dgm:style>
-  </dgm:styleLbl>
-  <dgm:styleLbl name="fgImgPlace1">
-    <dgm:scene3d>
-      <a:camera prst="orthographicFront"/>
-      <a:lightRig rig="threePt" dir="t"/>
-    </dgm:scene3d>
-    <dgm:sp3d/>
-    <dgm:txPr/>
-    <dgm:style>
-      <a:lnRef idx="3">
-        <a:scrgbClr r="0" g="0" b="0"/>
-      </a:lnRef>
-      <a:fillRef idx="1">
-        <a:scrgbClr r="0" g="0" b="0"/>
-      </a:fillRef>
-      <a:effectRef idx="1">
-        <a:scrgbClr r="0" g="0" b="0"/>
-      </a:effectRef>
-      <a:fontRef idx="minor"/>
-    </dgm:style>
-  </dgm:styleLbl>
-  <dgm:styleLbl name="alignImgPlace1">
-    <dgm:scene3d>
-      <a:camera prst="orthographicFront"/>
-      <a:lightRig rig="threePt" dir="t"/>
-    </dgm:scene3d>
-    <dgm:sp3d/>
-    <dgm:txPr/>
-    <dgm:style>
-      <a:lnRef idx="3">
-        <a:scrgbClr r="0" g="0" b="0"/>
-      </a:lnRef>
-      <a:fillRef idx="1">
-        <a:scrgbClr r="0" g="0" b="0"/>
-      </a:fillRef>
-      <a:effectRef idx="1">
-        <a:scrgbClr r="0" g="0" b="0"/>
-      </a:effectRef>
-      <a:fontRef idx="minor"/>
-    </dgm:style>
-  </dgm:styleLbl>
-  <dgm:styleLbl name="bgImgPlace1">
-    <dgm:scene3d>
-      <a:camera prst="orthographicFront"/>
-      <a:lightRig rig="threePt" dir="t"/>
-    </dgm:scene3d>
-    <dgm:sp3d/>
-    <dgm:txPr/>
-    <dgm:style>
-      <a:lnRef idx="3">
-        <a:scrgbClr r="0" g="0" b="0"/>
-      </a:lnRef>
-      <a:fillRef idx="1">
-        <a:scrgbClr r="0" g="0" b="0"/>
-      </a:fillRef>
-      <a:effectRef idx="1">
-        <a:scrgbClr r="0" g="0" b="0"/>
-      </a:effectRef>
-      <a:fontRef idx="minor"/>
-    </dgm:style>
-  </dgm:styleLbl>
-  <dgm:styleLbl name="sibTrans2D1">
-    <dgm:scene3d>
-      <a:camera prst="orthographicFront"/>
-      <a:lightRig rig="threePt" dir="t"/>
-    </dgm:scene3d>
-    <dgm:sp3d/>
-    <dgm:txPr/>
-    <dgm:style>
-      <a:lnRef idx="0">
-        <a:scrgbClr r="0" g="0" b="0"/>
-      </a:lnRef>
-      <a:fillRef idx="1">
-        <a:scrgbClr r="0" g="0" b="0"/>
-      </a:fillRef>
-      <a:effectRef idx="1">
-        <a:scrgbClr r="0" g="0" b="0"/>
-      </a:effectRef>
-      <a:fontRef idx="minor">
-        <a:schemeClr val="lt1"/>
-      </a:fontRef>
-    </dgm:style>
-  </dgm:styleLbl>
-  <dgm:styleLbl name="fgSibTrans2D1">
-    <dgm:scene3d>
-      <a:camera prst="orthographicFront"/>
-      <a:lightRig rig="threePt" dir="t"/>
-    </dgm:scene3d>
-    <dgm:sp3d/>
-    <dgm:txPr/>
-    <dgm:style>
-      <a:lnRef idx="0">
-        <a:scrgbClr r="0" g="0" b="0"/>
-      </a:lnRef>
-      <a:fillRef idx="1">
-        <a:scrgbClr r="0" g="0" b="0"/>
-      </a:fillRef>
-      <a:effectRef idx="1">
-        <a:scrgbClr r="0" g="0" b="0"/>
-      </a:effectRef>
-      <a:fontRef idx="minor">
-        <a:schemeClr val="lt1"/>
-      </a:fontRef>
-    </dgm:style>
-  </dgm:styleLbl>
-  <dgm:styleLbl name="bgSibTrans2D1">
-    <dgm:scene3d>
-      <a:camera prst="orthographicFront"/>
-      <a:lightRig rig="threePt" dir="t"/>
-    </dgm:scene3d>
-    <dgm:sp3d/>
-    <dgm:txPr/>
-    <dgm:style>
-      <a:lnRef idx="0">
-        <a:scrgbClr r="0" g="0" b="0"/>
-      </a:lnRef>
-      <a:fillRef idx="1">
-        <a:scrgbClr r="0" g="0" b="0"/>
-      </a:fillRef>
-      <a:effectRef idx="1">
-        <a:scrgbClr r="0" g="0" b="0"/>
-      </a:effectRef>
-      <a:fontRef idx="minor">
-        <a:schemeClr val="lt1"/>
-      </a:fontRef>
-    </dgm:style>
-  </dgm:styleLbl>
-  <dgm:styleLbl name="sibTrans1D1">
-    <dgm:scene3d>
-      <a:camera prst="orthographicFront"/>
-      <a:lightRig rig="threePt" dir="t"/>
-    </dgm:scene3d>
-    <dgm:sp3d/>
-    <dgm:txPr/>
-    <dgm:style>
-      <a:lnRef idx="1">
-        <a:scrgbClr r="0" g="0" b="0"/>
-      </a:lnRef>
-      <a:fillRef idx="0">
-        <a:scrgbClr r="0" g="0" b="0"/>
-      </a:fillRef>
-      <a:effectRef idx="0">
-        <a:scrgbClr r="0" g="0" b="0"/>
-      </a:effectRef>
-      <a:fontRef idx="minor"/>
-    </dgm:style>
-  </dgm:styleLbl>
-  <dgm:styleLbl name="callout">
-    <dgm:scene3d>
-      <a:camera prst="orthographicFront"/>
-      <a:lightRig rig="threePt" dir="t"/>
-    </dgm:scene3d>
-    <dgm:sp3d/>
-    <dgm:txPr/>
-    <dgm:style>
-      <a:lnRef idx="2">
-        <a:scrgbClr r="0" g="0" b="0"/>
-      </a:lnRef>
-      <a:fillRef idx="1">
-        <a:scrgbClr r="0" g="0" b="0"/>
-      </a:fillRef>
-      <a:effectRef idx="1">
-        <a:scrgbClr r="0" g="0" b="0"/>
-      </a:effectRef>
-      <a:fontRef idx="minor"/>
-    </dgm:style>
-  </dgm:styleLbl>
-  <dgm:styleLbl name="asst0">
-    <dgm:scene3d>
-      <a:camera prst="orthographicFront"/>
-      <a:lightRig rig="threePt" dir="t"/>
-    </dgm:scene3d>
-    <dgm:sp3d/>
-    <dgm:txPr/>
-    <dgm:style>
-      <a:lnRef idx="3">
-        <a:scrgbClr r="0" g="0" b="0"/>
-      </a:lnRef>
-      <a:fillRef idx="1">
-        <a:scrgbClr r="0" g="0" b="0"/>
-      </a:fillRef>
-      <a:effectRef idx="1">
-        <a:scrgbClr r="0" g="0" b="0"/>
-      </a:effectRef>
-      <a:fontRef idx="minor">
-        <a:schemeClr val="lt1"/>
-      </a:fontRef>
-    </dgm:style>
-  </dgm:styleLbl>
-  <dgm:styleLbl name="asst1">
-    <dgm:scene3d>
-      <a:camera prst="orthographicFront"/>
-      <a:lightRig rig="threePt" dir="t"/>
-    </dgm:scene3d>
-    <dgm:sp3d/>
-    <dgm:txPr/>
-    <dgm:style>
-      <a:lnRef idx="3">
-        <a:scrgbClr r="0" g="0" b="0"/>
-      </a:lnRef>
-      <a:fillRef idx="1">
-        <a:scrgbClr r="0" g="0" b="0"/>
-      </a:fillRef>
-      <a:effectRef idx="1">
-        <a:scrgbClr r="0" g="0" b="0"/>
-      </a:effectRef>
-      <a:fontRef idx="minor">
-        <a:schemeClr val="lt1"/>
-      </a:fontRef>
-    </dgm:style>
-  </dgm:styleLbl>
-  <dgm:styleLbl name="asst2">
-    <dgm:scene3d>
-      <a:camera prst="orthographicFront"/>
-      <a:lightRig rig="threePt" dir="t"/>
-    </dgm:scene3d>
-    <dgm:sp3d/>
-    <dgm:txPr/>
-    <dgm:style>
-      <a:lnRef idx="3">
-        <a:scrgbClr r="0" g="0" b="0"/>
-      </a:lnRef>
-      <a:fillRef idx="1">
-        <a:scrgbClr r="0" g="0" b="0"/>
-      </a:fillRef>
-      <a:effectRef idx="1">
-        <a:scrgbClr r="0" g="0" b="0"/>
-      </a:effectRef>
-      <a:fontRef idx="minor">
-        <a:schemeClr val="lt1"/>
-      </a:fontRef>
-    </dgm:style>
-  </dgm:styleLbl>
-  <dgm:styleLbl name="asst3">
-    <dgm:scene3d>
-      <a:camera prst="orthographicFront"/>
-      <a:lightRig rig="threePt" dir="t"/>
-    </dgm:scene3d>
-    <dgm:sp3d/>
-    <dgm:txPr/>
-    <dgm:style>
-      <a:lnRef idx="3">
-        <a:scrgbClr r="0" g="0" b="0"/>
-      </a:lnRef>
-      <a:fillRef idx="1">
-        <a:scrgbClr r="0" g="0" b="0"/>
-      </a:fillRef>
-      <a:effectRef idx="1">
-        <a:scrgbClr r="0" g="0" b="0"/>
-      </a:effectRef>
-      <a:fontRef idx="minor">
-        <a:schemeClr val="lt1"/>
-      </a:fontRef>
-    </dgm:style>
-  </dgm:styleLbl>
-  <dgm:styleLbl name="asst4">
-    <dgm:scene3d>
-      <a:camera prst="orthographicFront"/>
-      <a:lightRig rig="threePt" dir="t"/>
-    </dgm:scene3d>
-    <dgm:sp3d/>
-    <dgm:txPr/>
-    <dgm:style>
-      <a:lnRef idx="3">
-        <a:scrgbClr r="0" g="0" b="0"/>
-      </a:lnRef>
-      <a:fillRef idx="1">
-        <a:scrgbClr r="0" g="0" b="0"/>
-      </a:fillRef>
-      <a:effectRef idx="1">
-        <a:scrgbClr r="0" g="0" b="0"/>
-      </a:effectRef>
-      <a:fontRef idx="minor">
-        <a:schemeClr val="lt1"/>
-      </a:fontRef>
-    </dgm:style>
-  </dgm:styleLbl>
-  <dgm:styleLbl name="parChTrans2D1">
-    <dgm:scene3d>
-      <a:camera prst="orthographicFront"/>
-      <a:lightRig rig="threePt" dir="t"/>
-    </dgm:scene3d>
-    <dgm:sp3d/>
-    <dgm:txPr/>
-    <dgm:style>
-      <a:lnRef idx="3">
-        <a:scrgbClr r="0" g="0" b="0"/>
-      </a:lnRef>
-      <a:fillRef idx="1">
-        <a:scrgbClr r="0" g="0" b="0"/>
-      </a:fillRef>
-      <a:effectRef idx="1">
-        <a:scrgbClr r="0" g="0" b="0"/>
-      </a:effectRef>
-      <a:fontRef idx="minor">
-        <a:schemeClr val="lt1"/>
-      </a:fontRef>
-    </dgm:style>
-  </dgm:styleLbl>
-  <dgm:styleLbl name="parChTrans2D2">
-    <dgm:scene3d>
-      <a:camera prst="orthographicFront"/>
-      <a:lightRig rig="threePt" dir="t"/>
-    </dgm:scene3d>
-    <dgm:sp3d/>
-    <dgm:txPr/>
-    <dgm:style>
-      <a:lnRef idx="3">
-        <a:scrgbClr r="0" g="0" b="0"/>
-      </a:lnRef>
-      <a:fillRef idx="1">
-        <a:scrgbClr r="0" g="0" b="0"/>
-      </a:fillRef>
-      <a:effectRef idx="1">
-        <a:scrgbClr r="0" g="0" b="0"/>
-      </a:effectRef>
-      <a:fontRef idx="minor">
-        <a:schemeClr val="lt1"/>
-      </a:fontRef>
-    </dgm:style>
-  </dgm:styleLbl>
-  <dgm:styleLbl name="parChTrans2D3">
-    <dgm:scene3d>
-      <a:camera prst="orthographicFront"/>
-      <a:lightRig rig="threePt" dir="t"/>
-    </dgm:scene3d>
-    <dgm:sp3d/>
-    <dgm:txPr/>
-    <dgm:style>
-      <a:lnRef idx="3">
-        <a:scrgbClr r="0" g="0" b="0"/>
-      </a:lnRef>
-      <a:fillRef idx="1">
-        <a:scrgbClr r="0" g="0" b="0"/>
-      </a:fillRef>
-      <a:effectRef idx="1">
-        <a:scrgbClr r="0" g="0" b="0"/>
-      </a:effectRef>
-      <a:fontRef idx="minor">
-        <a:schemeClr val="lt1"/>
-      </a:fontRef>
-    </dgm:style>
-  </dgm:styleLbl>
-  <dgm:styleLbl name="parChTrans2D4">
-    <dgm:scene3d>
-      <a:camera prst="orthographicFront"/>
-      <a:lightRig rig="threePt" dir="t"/>
-    </dgm:scene3d>
-    <dgm:sp3d/>
-    <dgm:txPr/>
-    <dgm:style>
-      <a:lnRef idx="3">
-        <a:scrgbClr r="0" g="0" b="0"/>
-      </a:lnRef>
-      <a:fillRef idx="1">
-        <a:scrgbClr r="0" g="0" b="0"/>
-      </a:fillRef>
-      <a:effectRef idx="1">
-        <a:scrgbClr r="0" g="0" b="0"/>
-      </a:effectRef>
-      <a:fontRef idx="minor">
-        <a:schemeClr val="lt1"/>
-      </a:fontRef>
-    </dgm:style>
-  </dgm:styleLbl>
-  <dgm:styleLbl name="parChTrans1D1">
-    <dgm:scene3d>
-      <a:camera prst="orthographicFront"/>
-      <a:lightRig rig="threePt" dir="t"/>
-    </dgm:scene3d>
-    <dgm:sp3d/>
-    <dgm:txPr/>
-    <dgm:style>
-      <a:lnRef idx="2">
-        <a:scrgbClr r="0" g="0" b="0"/>
-      </a:lnRef>
-      <a:fillRef idx="0">
-        <a:scrgbClr r="0" g="0" b="0"/>
-      </a:fillRef>
-      <a:effectRef idx="0">
-        <a:scrgbClr r="0" g="0" b="0"/>
-      </a:effectRef>
-      <a:fontRef idx="minor"/>
-    </dgm:style>
-  </dgm:styleLbl>
-  <dgm:styleLbl name="parChTrans1D2">
-    <dgm:scene3d>
-      <a:camera prst="orthographicFront"/>
-      <a:lightRig rig="threePt" dir="t"/>
-    </dgm:scene3d>
-    <dgm:sp3d/>
-    <dgm:txPr/>
-    <dgm:style>
-      <a:lnRef idx="2">
-        <a:scrgbClr r="0" g="0" b="0"/>
-      </a:lnRef>
-      <a:fillRef idx="0">
-        <a:scrgbClr r="0" g="0" b="0"/>
-      </a:fillRef>
-      <a:effectRef idx="0">
-        <a:scrgbClr r="0" g="0" b="0"/>
-      </a:effectRef>
-      <a:fontRef idx="minor"/>
-    </dgm:style>
-  </dgm:styleLbl>
-  <dgm:styleLbl name="parChTrans1D3">
-    <dgm:scene3d>
-      <a:camera prst="orthographicFront"/>
-      <a:lightRig rig="threePt" dir="t"/>
-    </dgm:scene3d>
-    <dgm:sp3d/>
-    <dgm:txPr/>
-    <dgm:style>
-      <a:lnRef idx="2">
-        <a:scrgbClr r="0" g="0" b="0"/>
-      </a:lnRef>
-      <a:fillRef idx="0">
-        <a:scrgbClr r="0" g="0" b="0"/>
-      </a:fillRef>
-      <a:effectRef idx="0">
-        <a:scrgbClr r="0" g="0" b="0"/>
-      </a:effectRef>
-      <a:fontRef idx="minor"/>
-    </dgm:style>
-  </dgm:styleLbl>
-  <dgm:styleLbl name="parChTrans1D4">
-    <dgm:scene3d>
-      <a:camera prst="orthographicFront"/>
-      <a:lightRig rig="threePt" dir="t"/>
-    </dgm:scene3d>
-    <dgm:sp3d/>
-    <dgm:txPr/>
-    <dgm:style>
-      <a:lnRef idx="2">
-        <a:scrgbClr r="0" g="0" b="0"/>
-      </a:lnRef>
-      <a:fillRef idx="0">
-        <a:scrgbClr r="0" g="0" b="0"/>
-      </a:fillRef>
-      <a:effectRef idx="0">
-        <a:scrgbClr r="0" g="0" b="0"/>
-      </a:effectRef>
-      <a:fontRef idx="minor"/>
-    </dgm:style>
-  </dgm:styleLbl>
-  <dgm:styleLbl name="fgAcc1">
-    <dgm:scene3d>
-      <a:camera prst="orthographicFront"/>
-      <a:lightRig rig="threePt" dir="t"/>
-    </dgm:scene3d>
-    <dgm:sp3d/>
-    <dgm:txPr/>
-    <dgm:style>
-      <a:lnRef idx="2">
-        <a:scrgbClr r="0" g="0" b="0"/>
-      </a:lnRef>
-      <a:fillRef idx="1">
-        <a:scrgbClr r="0" g="0" b="0"/>
-      </a:fillRef>
-      <a:effectRef idx="0">
-        <a:scrgbClr r="0" g="0" b="0"/>
-      </a:effectRef>
-      <a:fontRef idx="minor"/>
-    </dgm:style>
-  </dgm:styleLbl>
-  <dgm:styleLbl name="conFgAcc1">
-    <dgm:scene3d>
-      <a:camera prst="orthographicFront"/>
-      <a:lightRig rig="threePt" dir="t"/>
-    </dgm:scene3d>
-    <dgm:sp3d/>
-    <dgm:txPr/>
-    <dgm:style>
-      <a:lnRef idx="2">
-        <a:scrgbClr r="0" g="0" b="0"/>
-      </a:lnRef>
-      <a:fillRef idx="1">
-        <a:scrgbClr r="0" g="0" b="0"/>
-      </a:fillRef>
-      <a:effectRef idx="0">
-        <a:scrgbClr r="0" g="0" b="0"/>
-      </a:effectRef>
-      <a:fontRef idx="minor"/>
-    </dgm:style>
-  </dgm:styleLbl>
-  <dgm:styleLbl name="alignAcc1">
-    <dgm:scene3d>
-      <a:camera prst="orthographicFront"/>
-      <a:lightRig rig="threePt" dir="t"/>
-    </dgm:scene3d>
-    <dgm:sp3d/>
-    <dgm:txPr/>
-    <dgm:style>
-      <a:lnRef idx="2">
-        <a:scrgbClr r="0" g="0" b="0"/>
-      </a:lnRef>
-      <a:fillRef idx="1">
-        <a:scrgbClr r="0" g="0" b="0"/>
-      </a:fillRef>
-      <a:effectRef idx="0">
-        <a:scrgbClr r="0" g="0" b="0"/>
-      </a:effectRef>
-      <a:fontRef idx="minor"/>
-    </dgm:style>
-  </dgm:styleLbl>
-  <dgm:styleLbl name="trAlignAcc1">
-    <dgm:scene3d>
-      <a:camera prst="orthographicFront"/>
-      <a:lightRig rig="threePt" dir="t"/>
-    </dgm:scene3d>
-    <dgm:sp3d/>
-    <dgm:txPr/>
-    <dgm:style>
-      <a:lnRef idx="1">
-        <a:scrgbClr r="0" g="0" b="0"/>
-      </a:lnRef>
-      <a:fillRef idx="1">
-        <a:scrgbClr r="0" g="0" b="0"/>
-      </a:fillRef>
-      <a:effectRef idx="0">
-        <a:scrgbClr r="0" g="0" b="0"/>
-      </a:effectRef>
-      <a:fontRef idx="minor"/>
-    </dgm:style>
-  </dgm:styleLbl>
-  <dgm:styleLbl name="bgAcc1">
-    <dgm:scene3d>
-      <a:camera prst="orthographicFront"/>
-      <a:lightRig rig="threePt" dir="t"/>
-    </dgm:scene3d>
-    <dgm:sp3d/>
-    <dgm:txPr/>
-    <dgm:style>
-      <a:lnRef idx="2">
-        <a:scrgbClr r="0" g="0" b="0"/>
-      </a:lnRef>
-      <a:fillRef idx="1">
-        <a:scrgbClr r="0" g="0" b="0"/>
-      </a:fillRef>
-      <a:effectRef idx="0">
-        <a:scrgbClr r="0" g="0" b="0"/>
-      </a:effectRef>
-      <a:fontRef idx="minor"/>
-    </dgm:style>
-  </dgm:styleLbl>
-  <dgm:styleLbl name="solidFgAcc1">
-    <dgm:scene3d>
-      <a:camera prst="orthographicFront"/>
-      <a:lightRig rig="threePt" dir="t"/>
-    </dgm:scene3d>
-    <dgm:sp3d/>
-    <dgm:txPr/>
-    <dgm:style>
-      <a:lnRef idx="2">
-        <a:scrgbClr r="0" g="0" b="0"/>
-      </a:lnRef>
-      <a:fillRef idx="1">
-        <a:scrgbClr r="0" g="0" b="0"/>
-      </a:fillRef>
-      <a:effectRef idx="0">
-        <a:scrgbClr r="0" g="0" b="0"/>
-      </a:effectRef>
-      <a:fontRef idx="minor"/>
-    </dgm:style>
-  </dgm:styleLbl>
-  <dgm:styleLbl name="solidAlignAcc1">
-    <dgm:scene3d>
-      <a:camera prst="orthographicFront"/>
-      <a:lightRig rig="threePt" dir="t"/>
-    </dgm:scene3d>
-    <dgm:sp3d/>
-    <dgm:txPr/>
-    <dgm:style>
-      <a:lnRef idx="2">
-        <a:scrgbClr r="0" g="0" b="0"/>
-      </a:lnRef>
-      <a:fillRef idx="1">
-        <a:scrgbClr r="0" g="0" b="0"/>
-      </a:fillRef>
-      <a:effectRef idx="0">
-        <a:scrgbClr r="0" g="0" b="0"/>
-      </a:effectRef>
-      <a:fontRef idx="minor"/>
-    </dgm:style>
-  </dgm:styleLbl>
-  <dgm:styleLbl name="solidBgAcc1">
-    <dgm:scene3d>
-      <a:camera prst="orthographicFront"/>
-      <a:lightRig rig="threePt" dir="t"/>
-    </dgm:scene3d>
-    <dgm:sp3d/>
-    <dgm:txPr/>
-    <dgm:style>
-      <a:lnRef idx="2">
-        <a:scrgbClr r="0" g="0" b="0"/>
-      </a:lnRef>
-      <a:fillRef idx="1">
-        <a:scrgbClr r="0" g="0" b="0"/>
-      </a:fillRef>
-      <a:effectRef idx="0">
-        <a:scrgbClr r="0" g="0" b="0"/>
-      </a:effectRef>
-      <a:fontRef idx="minor"/>
-    </dgm:style>
-  </dgm:styleLbl>
-  <dgm:styleLbl name="fgAccFollowNode1">
-    <dgm:scene3d>
-      <a:camera prst="orthographicFront"/>
-      <a:lightRig rig="threePt" dir="t"/>
-    </dgm:scene3d>
-    <dgm:sp3d/>
-    <dgm:txPr/>
-    <dgm:style>
-      <a:lnRef idx="2">
-        <a:scrgbClr r="0" g="0" b="0"/>
-      </a:lnRef>
-      <a:fillRef idx="1">
-        <a:scrgbClr r="0" g="0" b="0"/>
-      </a:fillRef>
-      <a:effectRef idx="0">
-        <a:scrgbClr r="0" g="0" b="0"/>
-      </a:effectRef>
-      <a:fontRef idx="minor"/>
-    </dgm:style>
-  </dgm:styleLbl>
-  <dgm:styleLbl name="alignAccFollowNode1">
-    <dgm:scene3d>
-      <a:camera prst="orthographicFront"/>
-      <a:lightRig rig="threePt" dir="t"/>
-    </dgm:scene3d>
-    <dgm:sp3d/>
-    <dgm:txPr/>
-    <dgm:style>
-      <a:lnRef idx="2">
-        <a:scrgbClr r="0" g="0" b="0"/>
-      </a:lnRef>
-      <a:fillRef idx="1">
-        <a:scrgbClr r="0" g="0" b="0"/>
-      </a:fillRef>
-      <a:effectRef idx="0">
-        <a:scrgbClr r="0" g="0" b="0"/>
-      </a:effectRef>
-      <a:fontRef idx="minor"/>
-    </dgm:style>
-  </dgm:styleLbl>
-  <dgm:styleLbl name="bgAccFollowNode1">
-    <dgm:scene3d>
-      <a:camera prst="orthographicFront"/>
-      <a:lightRig rig="threePt" dir="t"/>
-    </dgm:scene3d>
-    <dgm:sp3d/>
-    <dgm:txPr/>
-    <dgm:style>
-      <a:lnRef idx="2">
-        <a:scrgbClr r="0" g="0" b="0"/>
-      </a:lnRef>
-      <a:fillRef idx="1">
-        <a:scrgbClr r="0" g="0" b="0"/>
-      </a:fillRef>
-      <a:effectRef idx="0">
-        <a:scrgbClr r="0" g="0" b="0"/>
-      </a:effectRef>
-      <a:fontRef idx="minor"/>
-    </dgm:style>
-  </dgm:styleLbl>
-  <dgm:styleLbl name="fgAcc0">
-    <dgm:scene3d>
-      <a:camera prst="orthographicFront"/>
-      <a:lightRig rig="threePt" dir="t"/>
-    </dgm:scene3d>
-    <dgm:sp3d/>
-    <dgm:txPr/>
-    <dgm:style>
-      <a:lnRef idx="2">
-        <a:scrgbClr r="0" g="0" b="0"/>
-      </a:lnRef>
-      <a:fillRef idx="1">
-        <a:scrgbClr r="0" g="0" b="0"/>
-      </a:fillRef>
-      <a:effectRef idx="0">
-        <a:scrgbClr r="0" g="0" b="0"/>
-      </a:effectRef>
-      <a:fontRef idx="minor"/>
-    </dgm:style>
-  </dgm:styleLbl>
-  <dgm:styleLbl name="fgAcc2">
-    <dgm:scene3d>
-      <a:camera prst="orthographicFront"/>
-      <a:lightRig rig="threePt" dir="t"/>
-    </dgm:scene3d>
-    <dgm:sp3d/>
-    <dgm:txPr/>
-    <dgm:style>
-      <a:lnRef idx="2">
-        <a:scrgbClr r="0" g="0" b="0"/>
-      </a:lnRef>
-      <a:fillRef idx="1">
-        <a:scrgbClr r="0" g="0" b="0"/>
-      </a:fillRef>
-      <a:effectRef idx="0">
-        <a:scrgbClr r="0" g="0" b="0"/>
-      </a:effectRef>
-      <a:fontRef idx="minor"/>
-    </dgm:style>
-  </dgm:styleLbl>
-  <dgm:styleLbl name="fgAcc3">
-    <dgm:scene3d>
-      <a:camera prst="orthographicFront"/>
-      <a:lightRig rig="threePt" dir="t"/>
-    </dgm:scene3d>
-    <dgm:sp3d/>
-    <dgm:txPr/>
-    <dgm:style>
-      <a:lnRef idx="2">
-        <a:scrgbClr r="0" g="0" b="0"/>
-      </a:lnRef>
-      <a:fillRef idx="1">
-        <a:scrgbClr r="0" g="0" b="0"/>
-      </a:fillRef>
-      <a:effectRef idx="0">
-        <a:scrgbClr r="0" g="0" b="0"/>
-      </a:effectRef>
-      <a:fontRef idx="minor"/>
-    </dgm:style>
-  </dgm:styleLbl>
-  <dgm:styleLbl name="fgAcc4">
-    <dgm:scene3d>
-      <a:camera prst="orthographicFront"/>
-      <a:lightRig rig="threePt" dir="t"/>
-    </dgm:scene3d>
-    <dgm:sp3d/>
-    <dgm:txPr/>
-    <dgm:style>
-      <a:lnRef idx="2">
-        <a:scrgbClr r="0" g="0" b="0"/>
-      </a:lnRef>
-      <a:fillRef idx="1">
-        <a:scrgbClr r="0" g="0" b="0"/>
-      </a:fillRef>
-      <a:effectRef idx="0">
-        <a:scrgbClr r="0" g="0" b="0"/>
-      </a:effectRef>
-      <a:fontRef idx="minor"/>
-    </dgm:style>
-  </dgm:styleLbl>
-  <dgm:styleLbl name="bgShp">
-    <dgm:scene3d>
-      <a:camera prst="orthographicFront"/>
-      <a:lightRig rig="threePt" dir="t"/>
-    </dgm:scene3d>
-    <dgm:sp3d/>
-    <dgm:txPr/>
-    <dgm:style>
-      <a:lnRef idx="0">
-        <a:scrgbClr r="0" g="0" b="0"/>
-      </a:lnRef>
-      <a:fillRef idx="1">
-        <a:scrgbClr r="0" g="0" b="0"/>
-      </a:fillRef>
-      <a:effectRef idx="0">
-        <a:scrgbClr r="0" g="0" b="0"/>
-      </a:effectRef>
-      <a:fontRef idx="minor"/>
-    </dgm:style>
-  </dgm:styleLbl>
-  <dgm:styleLbl name="dkBgShp">
-    <dgm:scene3d>
-      <a:camera prst="orthographicFront"/>
-      <a:lightRig rig="threePt" dir="t"/>
-    </dgm:scene3d>
-    <dgm:sp3d/>
-    <dgm:txPr/>
-    <dgm:style>
-      <a:lnRef idx="0">
-        <a:scrgbClr r="0" g="0" b="0"/>
-      </a:lnRef>
-      <a:fillRef idx="1">
-        <a:scrgbClr r="0" g="0" b="0"/>
-      </a:fillRef>
-      <a:effectRef idx="0">
-        <a:scrgbClr r="0" g="0" b="0"/>
-      </a:effectRef>
-      <a:fontRef idx="minor"/>
-    </dgm:style>
-  </dgm:styleLbl>
-  <dgm:styleLbl name="trBgShp">
-    <dgm:scene3d>
-      <a:camera prst="orthographicFront"/>
-      <a:lightRig rig="threePt" dir="t"/>
-    </dgm:scene3d>
-    <dgm:sp3d/>
-    <dgm:txPr/>
-    <dgm:style>
-      <a:lnRef idx="0">
-        <a:scrgbClr r="0" g="0" b="0"/>
-      </a:lnRef>
-      <a:fillRef idx="1">
-        <a:scrgbClr r="0" g="0" b="0"/>
-      </a:fillRef>
-      <a:effectRef idx="0">
-        <a:scrgbClr r="0" g="0" b="0"/>
-      </a:effectRef>
-      <a:fontRef idx="minor"/>
-    </dgm:style>
-  </dgm:styleLbl>
-  <dgm:styleLbl name="fgShp">
-    <dgm:scene3d>
-      <a:camera prst="orthographicFront"/>
-      <a:lightRig rig="threePt" dir="t"/>
-    </dgm:scene3d>
-    <dgm:sp3d/>
-    <dgm:txPr/>
-    <dgm:style>
-      <a:lnRef idx="3">
-        <a:scrgbClr r="0" g="0" b="0"/>
-      </a:lnRef>
-      <a:fillRef idx="1">
-        <a:scrgbClr r="0" g="0" b="0"/>
-      </a:fillRef>
-      <a:effectRef idx="1">
-        <a:scrgbClr r="0" g="0" b="0"/>
-      </a:effectRef>
-      <a:fontRef idx="minor"/>
-    </dgm:style>
-  </dgm:styleLbl>
-  <dgm:styleLbl name="revTx">
-    <dgm:scene3d>
-      <a:camera prst="orthographicFront"/>
-      <a:lightRig rig="threePt" dir="t"/>
-    </dgm:scene3d>
-    <dgm:sp3d/>
-    <dgm:txPr/>
-    <dgm:style>
-      <a:lnRef idx="0">
-        <a:scrgbClr r="0" g="0" b="0"/>
-      </a:lnRef>
-      <a:fillRef idx="0">
-        <a:scrgbClr r="0" g="0" b="0"/>
-      </a:fillRef>
-      <a:effectRef idx="0">
-        <a:scrgbClr r="0" g="0" b="0"/>
-      </a:effectRef>
-      <a:fontRef idx="minor"/>
-    </dgm:style>
-  </dgm:styleLbl>
-</dgm:styleDef>
-</file>
-
-<file path=ppt/diagrams/quickStyle6.xml><?xml version="1.0" encoding="utf-8"?>
 <dgm:styleDef xmlns:dgm="http://schemas.openxmlformats.org/drawingml/2006/diagram" xmlns:a="http://schemas.openxmlformats.org/drawingml/2006/main" uniqueId="urn:microsoft.com/office/officeart/2005/8/quickstyle/simple1">
   <dgm:title val=""/>
   <dgm:desc val=""/>
@@ -25049,7 +19975,7 @@
           <a:p>
             <a:fld id="{FEF02337-93B6-43D1-A633-DCAFC5ABEAF6}" type="slidenum">
               <a:rPr lang="es-CO" smtClean="0"/>
-              <a:t>‹Nº›</a:t>
+              <a:t>‹#›</a:t>
             </a:fld>
             <a:endParaRPr lang="es-CO"/>
           </a:p>
@@ -25643,7 +20569,7 @@
           <a:p>
             <a:fld id="{FEF02337-93B6-43D1-A633-DCAFC5ABEAF6}" type="slidenum">
               <a:rPr lang="es-CO" smtClean="0"/>
-              <a:t>11</a:t>
+              <a:t>10</a:t>
             </a:fld>
             <a:endParaRPr lang="es-CO"/>
           </a:p>
@@ -25727,7 +20653,7 @@
           <a:p>
             <a:fld id="{FEF02337-93B6-43D1-A633-DCAFC5ABEAF6}" type="slidenum">
               <a:rPr lang="es-CO" smtClean="0"/>
-              <a:t>14</a:t>
+              <a:t>13</a:t>
             </a:fld>
             <a:endParaRPr lang="es-CO"/>
           </a:p>
@@ -25811,7 +20737,7 @@
           <a:p>
             <a:fld id="{FEF02337-93B6-43D1-A633-DCAFC5ABEAF6}" type="slidenum">
               <a:rPr lang="es-CO" smtClean="0"/>
-              <a:t>23</a:t>
+              <a:t>21</a:t>
             </a:fld>
             <a:endParaRPr lang="es-CO"/>
           </a:p>
@@ -26076,7 +21002,7 @@
           <a:p>
             <a:fld id="{F79A0AC0-E633-477D-8F20-2C034F2AC778}" type="slidenum">
               <a:rPr lang="es-MX" smtClean="0"/>
-              <a:t>‹Nº›</a:t>
+              <a:t>‹#›</a:t>
             </a:fld>
             <a:endParaRPr lang="es-MX"/>
           </a:p>
@@ -26419,7 +21345,7 @@
           <a:p>
             <a:fld id="{F79A0AC0-E633-477D-8F20-2C034F2AC778}" type="slidenum">
               <a:rPr lang="es-MX" smtClean="0"/>
-              <a:t>‹Nº›</a:t>
+              <a:t>‹#›</a:t>
             </a:fld>
             <a:endParaRPr lang="es-MX"/>
           </a:p>
@@ -26594,7 +21520,7 @@
           <a:p>
             <a:fld id="{F79A0AC0-E633-477D-8F20-2C034F2AC778}" type="slidenum">
               <a:rPr lang="es-MX" smtClean="0"/>
-              <a:t>‹Nº›</a:t>
+              <a:t>‹#›</a:t>
             </a:fld>
             <a:endParaRPr lang="es-MX"/>
           </a:p>
@@ -26707,7 +21633,7 @@
           <a:p>
             <a:fld id="{F79A0AC0-E633-477D-8F20-2C034F2AC778}" type="slidenum">
               <a:rPr lang="es-MX" smtClean="0"/>
-              <a:t>‹Nº›</a:t>
+              <a:t>‹#›</a:t>
             </a:fld>
             <a:endParaRPr lang="es-MX"/>
           </a:p>
@@ -27217,7 +22143,7 @@
           <a:p>
             <a:fld id="{F79A0AC0-E633-477D-8F20-2C034F2AC778}" type="slidenum">
               <a:rPr lang="es-MX" smtClean="0"/>
-              <a:t>‹Nº›</a:t>
+              <a:t>‹#›</a:t>
             </a:fld>
             <a:endParaRPr lang="es-MX"/>
           </a:p>
@@ -27330,7 +22256,7 @@
           <a:p>
             <a:fld id="{F79A0AC0-E633-477D-8F20-2C034F2AC778}" type="slidenum">
               <a:rPr lang="es-MX" smtClean="0"/>
-              <a:t>‹Nº›</a:t>
+              <a:t>‹#›</a:t>
             </a:fld>
             <a:endParaRPr lang="es-MX"/>
           </a:p>
@@ -27692,7 +22618,7 @@
           <a:p>
             <a:fld id="{F79A0AC0-E633-477D-8F20-2C034F2AC778}" type="slidenum">
               <a:rPr lang="es-MX" smtClean="0"/>
-              <a:t>‹Nº›</a:t>
+              <a:t>‹#›</a:t>
             </a:fld>
             <a:endParaRPr lang="es-MX"/>
           </a:p>
@@ -27919,7 +22845,7 @@
           <a:p>
             <a:fld id="{F79A0AC0-E633-477D-8F20-2C034F2AC778}" type="slidenum">
               <a:rPr lang="es-MX" smtClean="0"/>
-              <a:t>‹Nº›</a:t>
+              <a:t>‹#›</a:t>
             </a:fld>
             <a:endParaRPr lang="es-MX"/>
           </a:p>
@@ -28009,7 +22935,7 @@
           <a:p>
             <a:fld id="{F79A0AC0-E633-477D-8F20-2C034F2AC778}" type="slidenum">
               <a:rPr lang="es-MX" smtClean="0"/>
-              <a:t>‹Nº›</a:t>
+              <a:t>‹#›</a:t>
             </a:fld>
             <a:endParaRPr lang="es-MX"/>
           </a:p>
@@ -28276,7 +23202,7 @@
           <a:p>
             <a:fld id="{F79A0AC0-E633-477D-8F20-2C034F2AC778}" type="slidenum">
               <a:rPr lang="es-MX" smtClean="0"/>
-              <a:t>‹Nº›</a:t>
+              <a:t>‹#›</a:t>
             </a:fld>
             <a:endParaRPr lang="es-MX"/>
           </a:p>
@@ -28514,7 +23440,7 @@
           <a:p>
             <a:fld id="{F79A0AC0-E633-477D-8F20-2C034F2AC778}" type="slidenum">
               <a:rPr lang="es-MX" smtClean="0"/>
-              <a:t>‹Nº›</a:t>
+              <a:t>‹#›</a:t>
             </a:fld>
             <a:endParaRPr lang="es-MX"/>
           </a:p>
@@ -29043,7 +23969,7 @@
           <a:p>
             <a:fld id="{F79A0AC0-E633-477D-8F20-2C034F2AC778}" type="slidenum">
               <a:rPr lang="es-MX" smtClean="0"/>
-              <a:t>‹Nº›</a:t>
+              <a:t>‹#›</a:t>
             </a:fld>
             <a:endParaRPr lang="es-MX"/>
           </a:p>
@@ -29523,267 +24449,6 @@
           <a:chExt cx="0" cy="0"/>
         </a:xfrm>
       </p:grpSpPr>
-      <p:grpSp>
-        <p:nvGrpSpPr>
-          <p:cNvPr id="13" name="12 Grupo"/>
-          <p:cNvGrpSpPr/>
-          <p:nvPr/>
-        </p:nvGrpSpPr>
-        <p:grpSpPr>
-          <a:xfrm>
-            <a:off x="487901" y="217714"/>
-            <a:ext cx="11428328" cy="6400800"/>
-            <a:chOff x="487902" y="621321"/>
-            <a:chExt cx="9906002" cy="5709140"/>
-          </a:xfrm>
-        </p:grpSpPr>
-        <p:pic>
-          <p:nvPicPr>
-            <p:cNvPr id="4" name="3 Imagen"/>
-            <p:cNvPicPr>
-              <a:picLocks noChangeAspect="1"/>
-            </p:cNvPicPr>
-            <p:nvPr/>
-          </p:nvPicPr>
-          <p:blipFill rotWithShape="1">
-            <a:blip r:embed="rId2">
-              <a:extLst>
-                <a:ext uri="{28A0092B-C50C-407E-A947-70E740481C1C}">
-                  <a14:useLocalDpi xmlns:a14="http://schemas.microsoft.com/office/drawing/2010/main" val="0"/>
-                </a:ext>
-              </a:extLst>
-            </a:blip>
-            <a:srcRect l="2406" t="4800" r="2227" b="4484"/>
-            <a:stretch/>
-          </p:blipFill>
-          <p:spPr>
-            <a:xfrm>
-              <a:off x="487902" y="621321"/>
-              <a:ext cx="9906001" cy="5709140"/>
-            </a:xfrm>
-            <a:prstGeom prst="rect">
-              <a:avLst/>
-            </a:prstGeom>
-            <a:ln>
-              <a:noFill/>
-            </a:ln>
-            <a:effectLst>
-              <a:outerShdw blurRad="292100" dist="139700" dir="2700000" algn="tl" rotWithShape="0">
-                <a:srgbClr val="333333">
-                  <a:alpha val="65000"/>
-                </a:srgbClr>
-              </a:outerShdw>
-            </a:effectLst>
-          </p:spPr>
-        </p:pic>
-        <p:sp>
-          <p:nvSpPr>
-            <p:cNvPr id="2" name="1 Rectángulo">
-              <a:hlinkClick r:id="rId3" action="ppaction://hlinksldjump"/>
-            </p:cNvPr>
-            <p:cNvSpPr/>
-            <p:nvPr/>
-          </p:nvSpPr>
-          <p:spPr>
-            <a:xfrm>
-              <a:off x="487902" y="621321"/>
-              <a:ext cx="9906001" cy="2203940"/>
-            </a:xfrm>
-            <a:prstGeom prst="rect">
-              <a:avLst/>
-            </a:prstGeom>
-            <a:noFill/>
-            <a:ln w="57150"/>
-          </p:spPr>
-          <p:style>
-            <a:lnRef idx="2">
-              <a:schemeClr val="accent1">
-                <a:shade val="50000"/>
-              </a:schemeClr>
-            </a:lnRef>
-            <a:fillRef idx="1">
-              <a:schemeClr val="accent1"/>
-            </a:fillRef>
-            <a:effectRef idx="0">
-              <a:schemeClr val="accent1"/>
-            </a:effectRef>
-            <a:fontRef idx="minor">
-              <a:schemeClr val="lt1"/>
-            </a:fontRef>
-          </p:style>
-          <p:txBody>
-            <a:bodyPr rtlCol="0" anchor="ctr"/>
-            <a:lstStyle/>
-            <a:p>
-              <a:pPr algn="ctr"/>
-              <a:endParaRPr lang="es-CO"/>
-            </a:p>
-          </p:txBody>
-        </p:sp>
-        <p:sp>
-          <p:nvSpPr>
-            <p:cNvPr id="5" name="4 Rectángulo"/>
-            <p:cNvSpPr/>
-            <p:nvPr/>
-          </p:nvSpPr>
-          <p:spPr>
-            <a:xfrm>
-              <a:off x="487902" y="2825261"/>
-              <a:ext cx="6506309" cy="2649415"/>
-            </a:xfrm>
-            <a:prstGeom prst="rect">
-              <a:avLst/>
-            </a:prstGeom>
-            <a:noFill/>
-            <a:ln w="57150"/>
-          </p:spPr>
-          <p:style>
-            <a:lnRef idx="2">
-              <a:schemeClr val="accent1">
-                <a:shade val="50000"/>
-              </a:schemeClr>
-            </a:lnRef>
-            <a:fillRef idx="1">
-              <a:schemeClr val="accent1"/>
-            </a:fillRef>
-            <a:effectRef idx="0">
-              <a:schemeClr val="accent1"/>
-            </a:effectRef>
-            <a:fontRef idx="minor">
-              <a:schemeClr val="lt1"/>
-            </a:fontRef>
-          </p:style>
-          <p:txBody>
-            <a:bodyPr rtlCol="0" anchor="ctr"/>
-            <a:lstStyle/>
-            <a:p>
-              <a:pPr algn="ctr"/>
-              <a:endParaRPr lang="es-CO"/>
-            </a:p>
-          </p:txBody>
-        </p:sp>
-        <p:sp>
-          <p:nvSpPr>
-            <p:cNvPr id="6" name="5 Rectángulo"/>
-            <p:cNvSpPr/>
-            <p:nvPr/>
-          </p:nvSpPr>
-          <p:spPr>
-            <a:xfrm>
-              <a:off x="7005934" y="2825260"/>
-              <a:ext cx="3387969" cy="2664069"/>
-            </a:xfrm>
-            <a:prstGeom prst="rect">
-              <a:avLst/>
-            </a:prstGeom>
-            <a:noFill/>
-            <a:ln w="57150"/>
-          </p:spPr>
-          <p:style>
-            <a:lnRef idx="2">
-              <a:schemeClr val="accent1">
-                <a:shade val="50000"/>
-              </a:schemeClr>
-            </a:lnRef>
-            <a:fillRef idx="1">
-              <a:schemeClr val="accent1"/>
-            </a:fillRef>
-            <a:effectRef idx="0">
-              <a:schemeClr val="accent1"/>
-            </a:effectRef>
-            <a:fontRef idx="minor">
-              <a:schemeClr val="lt1"/>
-            </a:fontRef>
-          </p:style>
-          <p:txBody>
-            <a:bodyPr rtlCol="0" anchor="ctr"/>
-            <a:lstStyle/>
-            <a:p>
-              <a:pPr algn="ctr"/>
-              <a:endParaRPr lang="es-CO"/>
-            </a:p>
-          </p:txBody>
-        </p:sp>
-        <p:sp>
-          <p:nvSpPr>
-            <p:cNvPr id="7" name="6 Rectángulo"/>
-            <p:cNvSpPr/>
-            <p:nvPr/>
-          </p:nvSpPr>
-          <p:spPr>
-            <a:xfrm>
-              <a:off x="487903" y="5498122"/>
-              <a:ext cx="9906001" cy="820594"/>
-            </a:xfrm>
-            <a:prstGeom prst="rect">
-              <a:avLst/>
-            </a:prstGeom>
-            <a:noFill/>
-            <a:ln w="57150"/>
-          </p:spPr>
-          <p:style>
-            <a:lnRef idx="2">
-              <a:schemeClr val="accent1">
-                <a:shade val="50000"/>
-              </a:schemeClr>
-            </a:lnRef>
-            <a:fillRef idx="1">
-              <a:schemeClr val="accent1"/>
-            </a:fillRef>
-            <a:effectRef idx="0">
-              <a:schemeClr val="accent1"/>
-            </a:effectRef>
-            <a:fontRef idx="minor">
-              <a:schemeClr val="lt1"/>
-            </a:fontRef>
-          </p:style>
-          <p:txBody>
-            <a:bodyPr rtlCol="0" anchor="ctr"/>
-            <a:lstStyle/>
-            <a:p>
-              <a:pPr algn="ctr"/>
-              <a:endParaRPr lang="es-CO"/>
-            </a:p>
-          </p:txBody>
-        </p:sp>
-      </p:grpSp>
-    </p:spTree>
-    <p:extLst>
-      <p:ext uri="{BB962C8B-B14F-4D97-AF65-F5344CB8AC3E}">
-        <p14:creationId xmlns:p14="http://schemas.microsoft.com/office/powerpoint/2010/main" val="38120694"/>
-      </p:ext>
-    </p:extLst>
-  </p:cSld>
-  <p:clrMapOvr>
-    <a:masterClrMapping/>
-  </p:clrMapOvr>
-  <p:timing>
-    <p:tnLst>
-      <p:par>
-        <p:cTn id="1" dur="indefinite" restart="never" nodeType="tmRoot"/>
-      </p:par>
-    </p:tnLst>
-  </p:timing>
-</p:sld>
-</file>
-
-<file path=ppt/slides/slide11.xml><?xml version="1.0" encoding="utf-8"?>
-<p:sld xmlns:a="http://schemas.openxmlformats.org/drawingml/2006/main" xmlns:r="http://schemas.openxmlformats.org/officeDocument/2006/relationships" xmlns:p="http://schemas.openxmlformats.org/presentationml/2006/main">
-  <p:cSld>
-    <p:spTree>
-      <p:nvGrpSpPr>
-        <p:cNvPr id="1" name=""/>
-        <p:cNvGrpSpPr/>
-        <p:nvPr/>
-      </p:nvGrpSpPr>
-      <p:grpSpPr>
-        <a:xfrm>
-          <a:off x="0" y="0"/>
-          <a:ext cx="0" cy="0"/>
-          <a:chOff x="0" y="0"/>
-          <a:chExt cx="0" cy="0"/>
-        </a:xfrm>
-      </p:grpSpPr>
       <p:sp>
         <p:nvSpPr>
           <p:cNvPr id="2" name="1 Título"/>
@@ -29884,17 +24549,8 @@
               <a:rPr lang="es-MX" sz="2900" dirty="0" smtClean="0">
                 <a:latin typeface="Calibri" pitchFamily="34" charset="0"/>
               </a:rPr>
-              <a:t>Contexto </a:t>
+              <a:t>Contexto estrategias</a:t>
             </a:r>
-            <a:r>
-              <a:rPr lang="es-MX" sz="2900" dirty="0" smtClean="0">
-                <a:latin typeface="Calibri" pitchFamily="34" charset="0"/>
-              </a:rPr>
-              <a:t>estrategias</a:t>
-            </a:r>
-            <a:endParaRPr lang="es-MX" sz="2900" dirty="0" smtClean="0">
-              <a:latin typeface="Calibri" pitchFamily="34" charset="0"/>
-            </a:endParaRPr>
           </a:p>
           <a:p>
             <a:r>
@@ -30033,7 +24689,7 @@
 </p:sld>
 </file>
 
-<file path=ppt/slides/slide12.xml><?xml version="1.0" encoding="utf-8"?>
+<file path=ppt/slides/slide11.xml><?xml version="1.0" encoding="utf-8"?>
 <p:sld xmlns:a="http://schemas.openxmlformats.org/drawingml/2006/main" xmlns:r="http://schemas.openxmlformats.org/officeDocument/2006/relationships" xmlns:p="http://schemas.openxmlformats.org/presentationml/2006/main">
   <p:cSld>
     <p:spTree>
@@ -30335,7 +24991,7 @@
 </p:sld>
 </file>
 
-<file path=ppt/slides/slide13.xml><?xml version="1.0" encoding="utf-8"?>
+<file path=ppt/slides/slide12.xml><?xml version="1.0" encoding="utf-8"?>
 <p:sld xmlns:a="http://schemas.openxmlformats.org/drawingml/2006/main" xmlns:r="http://schemas.openxmlformats.org/officeDocument/2006/relationships" xmlns:p="http://schemas.openxmlformats.org/presentationml/2006/main">
   <p:cSld>
     <p:spTree>
@@ -30433,7 +25089,18 @@
           <p:nvPr/>
         </p:nvPicPr>
         <p:blipFill>
-          <a:blip r:embed="rId7" cstate="print"/>
+          <a:blip r:embed="rId7" cstate="print">
+            <a:clrChange>
+              <a:clrFrom>
+                <a:srgbClr val="FFFFFF"/>
+              </a:clrFrom>
+              <a:clrTo>
+                <a:srgbClr val="FFFFFF">
+                  <a:alpha val="0"/>
+                </a:srgbClr>
+              </a:clrTo>
+            </a:clrChange>
+          </a:blip>
           <a:srcRect/>
           <a:stretch>
             <a:fillRect/>
@@ -30466,6 +25133,16 @@
         </p:nvPicPr>
         <p:blipFill rotWithShape="1">
           <a:blip r:embed="rId8" cstate="print">
+            <a:clrChange>
+              <a:clrFrom>
+                <a:srgbClr val="FFFFFF"/>
+              </a:clrFrom>
+              <a:clrTo>
+                <a:srgbClr val="FFFFFF">
+                  <a:alpha val="0"/>
+                </a:srgbClr>
+              </a:clrTo>
+            </a:clrChange>
             <a:extLst>
               <a:ext uri="{BEBA8EAE-BF5A-486C-A8C5-ECC9F3942E4B}">
                 <a14:imgProps xmlns:a14="http://schemas.microsoft.com/office/drawing/2010/main">
@@ -30514,7 +25191,7 @@
 </p:sld>
 </file>
 
-<file path=ppt/slides/slide14.xml><?xml version="1.0" encoding="utf-8"?>
+<file path=ppt/slides/slide13.xml><?xml version="1.0" encoding="utf-8"?>
 <p:sld xmlns:a="http://schemas.openxmlformats.org/drawingml/2006/main" xmlns:r="http://schemas.openxmlformats.org/officeDocument/2006/relationships" xmlns:p="http://schemas.openxmlformats.org/presentationml/2006/main">
   <p:cSld>
     <p:spTree>
@@ -30631,17 +25308,8 @@
               <a:rPr lang="es-MX" sz="2900" dirty="0" smtClean="0">
                 <a:latin typeface="Calibri" pitchFamily="34" charset="0"/>
               </a:rPr>
-              <a:t>Contexto </a:t>
+              <a:t>Contexto estrategias</a:t>
             </a:r>
-            <a:r>
-              <a:rPr lang="es-MX" sz="2900" dirty="0" smtClean="0">
-                <a:latin typeface="Calibri" pitchFamily="34" charset="0"/>
-              </a:rPr>
-              <a:t>estrategias</a:t>
-            </a:r>
-            <a:endParaRPr lang="es-MX" sz="2900" dirty="0" smtClean="0">
-              <a:latin typeface="Calibri" pitchFamily="34" charset="0"/>
-            </a:endParaRPr>
           </a:p>
           <a:p>
             <a:r>
@@ -30780,7 +25448,7 @@
 </p:sld>
 </file>
 
-<file path=ppt/slides/slide15.xml><?xml version="1.0" encoding="utf-8"?>
+<file path=ppt/slides/slide14.xml><?xml version="1.0" encoding="utf-8"?>
 <p:sld xmlns:a="http://schemas.openxmlformats.org/drawingml/2006/main" xmlns:r="http://schemas.openxmlformats.org/officeDocument/2006/relationships" xmlns:p="http://schemas.openxmlformats.org/presentationml/2006/main">
   <p:cSld>
     <p:spTree>
@@ -30932,7 +25600,7 @@
 </p:sld>
 </file>
 
-<file path=ppt/slides/slide16.xml><?xml version="1.0" encoding="utf-8"?>
+<file path=ppt/slides/slide15.xml><?xml version="1.0" encoding="utf-8"?>
 <p:sld xmlns:a="http://schemas.openxmlformats.org/drawingml/2006/main" xmlns:r="http://schemas.openxmlformats.org/officeDocument/2006/relationships" xmlns:p="http://schemas.openxmlformats.org/presentationml/2006/main">
   <p:cSld>
     <p:spTree>
@@ -31119,7 +25787,7 @@
 </p:sld>
 </file>
 
-<file path=ppt/slides/slide17.xml><?xml version="1.0" encoding="utf-8"?>
+<file path=ppt/slides/slide16.xml><?xml version="1.0" encoding="utf-8"?>
 <p:sld xmlns:a="http://schemas.openxmlformats.org/drawingml/2006/main" xmlns:r="http://schemas.openxmlformats.org/officeDocument/2006/relationships" xmlns:p="http://schemas.openxmlformats.org/presentationml/2006/main">
   <p:cSld>
     <p:spTree>
@@ -31438,7 +26106,7 @@
 </p:sld>
 </file>
 
-<file path=ppt/slides/slide18.xml><?xml version="1.0" encoding="utf-8"?>
+<file path=ppt/slides/slide17.xml><?xml version="1.0" encoding="utf-8"?>
 <p:sld xmlns:a="http://schemas.openxmlformats.org/drawingml/2006/main" xmlns:r="http://schemas.openxmlformats.org/officeDocument/2006/relationships" xmlns:p="http://schemas.openxmlformats.org/presentationml/2006/main">
   <p:cSld>
     <p:spTree>
@@ -31634,7 +26302,7 @@
 </p:sld>
 </file>
 
-<file path=ppt/slides/slide19.xml><?xml version="1.0" encoding="utf-8"?>
+<file path=ppt/slides/slide18.xml><?xml version="1.0" encoding="utf-8"?>
 <p:sld xmlns:a="http://schemas.openxmlformats.org/drawingml/2006/main" xmlns:r="http://schemas.openxmlformats.org/officeDocument/2006/relationships" xmlns:p="http://schemas.openxmlformats.org/presentationml/2006/main">
   <p:cSld>
     <p:spTree>
@@ -31832,273 +26500,7 @@
 </p:sld>
 </file>
 
-<file path=ppt/slides/slide2.xml><?xml version="1.0" encoding="utf-8"?>
-<p:sld xmlns:a="http://schemas.openxmlformats.org/drawingml/2006/main" xmlns:r="http://schemas.openxmlformats.org/officeDocument/2006/relationships" xmlns:p="http://schemas.openxmlformats.org/presentationml/2006/main">
-  <p:cSld>
-    <p:spTree>
-      <p:nvGrpSpPr>
-        <p:cNvPr id="1" name=""/>
-        <p:cNvGrpSpPr/>
-        <p:nvPr/>
-      </p:nvGrpSpPr>
-      <p:grpSpPr>
-        <a:xfrm>
-          <a:off x="0" y="0"/>
-          <a:ext cx="0" cy="0"/>
-          <a:chOff x="0" y="0"/>
-          <a:chExt cx="0" cy="0"/>
-        </a:xfrm>
-      </p:grpSpPr>
-      <p:sp>
-        <p:nvSpPr>
-          <p:cNvPr id="2" name="1 Título"/>
-          <p:cNvSpPr>
-            <a:spLocks noGrp="1"/>
-          </p:cNvSpPr>
-          <p:nvPr>
-            <p:ph type="title"/>
-          </p:nvPr>
-        </p:nvSpPr>
-        <p:spPr>
-          <a:xfrm>
-            <a:off x="1484311" y="99647"/>
-            <a:ext cx="10018713" cy="1752599"/>
-          </a:xfrm>
-        </p:spPr>
-        <p:txBody>
-          <a:bodyPr/>
-          <a:lstStyle/>
-          <a:p>
-            <a:r>
-              <a:rPr lang="es-CO" b="1" dirty="0" smtClean="0">
-                <a:solidFill>
-                  <a:srgbClr val="C00000"/>
-                </a:solidFill>
-                <a:effectLst>
-                  <a:outerShdw blurRad="38100" dist="38100" dir="2700000" algn="tl">
-                    <a:srgbClr val="000000">
-                      <a:alpha val="43137"/>
-                    </a:srgbClr>
-                  </a:outerShdw>
-                </a:effectLst>
-                <a:latin typeface="Calibri" pitchFamily="34" charset="0"/>
-              </a:rPr>
-              <a:t>Agenda</a:t>
-            </a:r>
-            <a:endParaRPr lang="es-CO" b="1" dirty="0">
-              <a:solidFill>
-                <a:srgbClr val="C00000"/>
-              </a:solidFill>
-              <a:effectLst>
-                <a:outerShdw blurRad="38100" dist="38100" dir="2700000" algn="tl">
-                  <a:srgbClr val="000000">
-                    <a:alpha val="43137"/>
-                  </a:srgbClr>
-                </a:outerShdw>
-              </a:effectLst>
-              <a:latin typeface="Calibri" pitchFamily="34" charset="0"/>
-            </a:endParaRPr>
-          </a:p>
-        </p:txBody>
-      </p:sp>
-      <p:sp>
-        <p:nvSpPr>
-          <p:cNvPr id="5" name="Marcador de contenido 2"/>
-          <p:cNvSpPr>
-            <a:spLocks noGrp="1"/>
-          </p:cNvSpPr>
-          <p:nvPr>
-            <p:ph sz="quarter" idx="1"/>
-          </p:nvPr>
-        </p:nvSpPr>
-        <p:spPr>
-          <a:xfrm>
-            <a:off x="2867633" y="2332893"/>
-            <a:ext cx="10018713" cy="3810000"/>
-          </a:xfrm>
-        </p:spPr>
-        <p:txBody>
-          <a:bodyPr>
-            <a:normAutofit/>
-          </a:bodyPr>
-          <a:lstStyle/>
-          <a:p>
-            <a:r>
-              <a:rPr lang="es-MX" sz="2900" b="1" dirty="0">
-                <a:latin typeface="Calibri" pitchFamily="34" charset="0"/>
-              </a:rPr>
-              <a:t>Marco </a:t>
-            </a:r>
-            <a:r>
-              <a:rPr lang="es-MX" sz="2900" b="1" dirty="0" smtClean="0">
-                <a:latin typeface="Calibri" pitchFamily="34" charset="0"/>
-              </a:rPr>
-              <a:t>metodológico</a:t>
-            </a:r>
-          </a:p>
-          <a:p>
-            <a:r>
-              <a:rPr lang="es-MX" sz="2900" dirty="0" smtClean="0">
-                <a:latin typeface="Calibri" pitchFamily="34" charset="0"/>
-              </a:rPr>
-              <a:t>¿Por qué cambiar?</a:t>
-            </a:r>
-          </a:p>
-          <a:p>
-            <a:r>
-              <a:rPr lang="es-MX" sz="2900" dirty="0" smtClean="0">
-                <a:latin typeface="Calibri" pitchFamily="34" charset="0"/>
-              </a:rPr>
-              <a:t>Contexto </a:t>
-            </a:r>
-            <a:r>
-              <a:rPr lang="es-MX" sz="2900" dirty="0" smtClean="0">
-                <a:latin typeface="Calibri" pitchFamily="34" charset="0"/>
-              </a:rPr>
-              <a:t>estrategias</a:t>
-            </a:r>
-            <a:endParaRPr lang="es-MX" sz="2900" dirty="0" smtClean="0">
-              <a:latin typeface="Calibri" pitchFamily="34" charset="0"/>
-            </a:endParaRPr>
-          </a:p>
-          <a:p>
-            <a:r>
-              <a:rPr lang="es-MX" sz="2900" dirty="0" smtClean="0">
-                <a:latin typeface="Calibri" pitchFamily="34" charset="0"/>
-              </a:rPr>
-              <a:t>Resumen impacto de la brecha</a:t>
-            </a:r>
-          </a:p>
-          <a:p>
-            <a:r>
-              <a:rPr lang="es-MX" sz="2900" dirty="0" smtClean="0">
-                <a:latin typeface="Calibri" pitchFamily="34" charset="0"/>
-              </a:rPr>
-              <a:t>Arquitectura </a:t>
-            </a:r>
-            <a:r>
-              <a:rPr lang="es-MX" sz="2900" dirty="0">
-                <a:latin typeface="Calibri" pitchFamily="34" charset="0"/>
-              </a:rPr>
-              <a:t>de solución</a:t>
-            </a:r>
-          </a:p>
-          <a:p>
-            <a:r>
-              <a:rPr lang="es-MX" sz="2900" dirty="0" smtClean="0">
-                <a:latin typeface="Calibri" pitchFamily="34" charset="0"/>
-              </a:rPr>
-              <a:t>Proyectos</a:t>
-            </a:r>
-          </a:p>
-          <a:p>
-            <a:r>
-              <a:rPr lang="es-MX" sz="2900" dirty="0" smtClean="0">
-                <a:latin typeface="Calibri" pitchFamily="34" charset="0"/>
-              </a:rPr>
-              <a:t>Impacto y Riesgos</a:t>
-            </a:r>
-          </a:p>
-          <a:p>
-            <a:endParaRPr lang="es-MX" dirty="0" smtClean="0"/>
-          </a:p>
-          <a:p>
-            <a:endParaRPr lang="es-MX" dirty="0" smtClean="0"/>
-          </a:p>
-          <a:p>
-            <a:endParaRPr lang="es-MX" dirty="0"/>
-          </a:p>
-        </p:txBody>
-      </p:sp>
-      <p:pic>
-        <p:nvPicPr>
-          <p:cNvPr id="8" name="Imagen 3"/>
-          <p:cNvPicPr/>
-          <p:nvPr/>
-        </p:nvPicPr>
-        <p:blipFill>
-          <a:blip r:embed="rId3" cstate="print"/>
-          <a:srcRect/>
-          <a:stretch>
-            <a:fillRect/>
-          </a:stretch>
-        </p:blipFill>
-        <p:spPr bwMode="auto">
-          <a:xfrm>
-            <a:off x="10106160" y="5743666"/>
-            <a:ext cx="1791335" cy="676910"/>
-          </a:xfrm>
-          <a:prstGeom prst="rect">
-            <a:avLst/>
-          </a:prstGeom>
-          <a:noFill/>
-          <a:ln w="9525">
-            <a:noFill/>
-            <a:miter lim="800000"/>
-            <a:headEnd/>
-            <a:tailEnd/>
-          </a:ln>
-        </p:spPr>
-      </p:pic>
-      <p:pic>
-        <p:nvPicPr>
-          <p:cNvPr id="9" name="8 Imagen"/>
-          <p:cNvPicPr>
-            <a:picLocks noChangeAspect="1"/>
-          </p:cNvPicPr>
-          <p:nvPr/>
-        </p:nvPicPr>
-        <p:blipFill rotWithShape="1">
-          <a:blip r:embed="rId4" cstate="print">
-            <a:extLst>
-              <a:ext uri="{BEBA8EAE-BF5A-486C-A8C5-ECC9F3942E4B}">
-                <a14:imgProps xmlns:a14="http://schemas.microsoft.com/office/drawing/2010/main">
-                  <a14:imgLayer r:embed="rId5">
-                    <a14:imgEffect>
-                      <a14:saturation sat="400000"/>
-                    </a14:imgEffect>
-                  </a14:imgLayer>
-                </a14:imgProps>
-              </a:ext>
-              <a:ext uri="{28A0092B-C50C-407E-A947-70E740481C1C}">
-                <a14:useLocalDpi xmlns:a14="http://schemas.microsoft.com/office/drawing/2010/main" val="0"/>
-              </a:ext>
-            </a:extLst>
-          </a:blip>
-          <a:srcRect t="11640" b="37778"/>
-          <a:stretch/>
-        </p:blipFill>
-        <p:spPr>
-          <a:xfrm>
-            <a:off x="10043885" y="269034"/>
-            <a:ext cx="1915886" cy="1266888"/>
-          </a:xfrm>
-          <a:prstGeom prst="rect">
-            <a:avLst/>
-          </a:prstGeom>
-        </p:spPr>
-      </p:pic>
-    </p:spTree>
-    <p:extLst>
-      <p:ext uri="{BB962C8B-B14F-4D97-AF65-F5344CB8AC3E}">
-        <p14:creationId xmlns:p14="http://schemas.microsoft.com/office/powerpoint/2010/main" val="3639613036"/>
-      </p:ext>
-    </p:extLst>
-  </p:cSld>
-  <p:clrMapOvr>
-    <a:masterClrMapping/>
-  </p:clrMapOvr>
-  <p:timing>
-    <p:tnLst>
-      <p:par>
-        <p:cTn id="1" dur="indefinite" restart="never" nodeType="tmRoot"/>
-      </p:par>
-    </p:tnLst>
-  </p:timing>
-</p:sld>
-</file>
-
-<file path=ppt/slides/slide20.xml><?xml version="1.0" encoding="utf-8"?>
+<file path=ppt/slides/slide19.xml><?xml version="1.0" encoding="utf-8"?>
 <p:sld xmlns:a="http://schemas.openxmlformats.org/drawingml/2006/main" xmlns:r="http://schemas.openxmlformats.org/officeDocument/2006/relationships" xmlns:p="http://schemas.openxmlformats.org/presentationml/2006/main">
   <p:cSld>
     <p:spTree>
@@ -32316,7 +26718,264 @@
 </p:sld>
 </file>
 
-<file path=ppt/slides/slide21.xml><?xml version="1.0" encoding="utf-8"?>
+<file path=ppt/slides/slide2.xml><?xml version="1.0" encoding="utf-8"?>
+<p:sld xmlns:a="http://schemas.openxmlformats.org/drawingml/2006/main" xmlns:r="http://schemas.openxmlformats.org/officeDocument/2006/relationships" xmlns:p="http://schemas.openxmlformats.org/presentationml/2006/main">
+  <p:cSld>
+    <p:spTree>
+      <p:nvGrpSpPr>
+        <p:cNvPr id="1" name=""/>
+        <p:cNvGrpSpPr/>
+        <p:nvPr/>
+      </p:nvGrpSpPr>
+      <p:grpSpPr>
+        <a:xfrm>
+          <a:off x="0" y="0"/>
+          <a:ext cx="0" cy="0"/>
+          <a:chOff x="0" y="0"/>
+          <a:chExt cx="0" cy="0"/>
+        </a:xfrm>
+      </p:grpSpPr>
+      <p:sp>
+        <p:nvSpPr>
+          <p:cNvPr id="2" name="1 Título"/>
+          <p:cNvSpPr>
+            <a:spLocks noGrp="1"/>
+          </p:cNvSpPr>
+          <p:nvPr>
+            <p:ph type="title"/>
+          </p:nvPr>
+        </p:nvSpPr>
+        <p:spPr>
+          <a:xfrm>
+            <a:off x="1484311" y="99647"/>
+            <a:ext cx="10018713" cy="1752599"/>
+          </a:xfrm>
+        </p:spPr>
+        <p:txBody>
+          <a:bodyPr/>
+          <a:lstStyle/>
+          <a:p>
+            <a:r>
+              <a:rPr lang="es-CO" b="1" dirty="0" smtClean="0">
+                <a:solidFill>
+                  <a:srgbClr val="C00000"/>
+                </a:solidFill>
+                <a:effectLst>
+                  <a:outerShdw blurRad="38100" dist="38100" dir="2700000" algn="tl">
+                    <a:srgbClr val="000000">
+                      <a:alpha val="43137"/>
+                    </a:srgbClr>
+                  </a:outerShdw>
+                </a:effectLst>
+                <a:latin typeface="Calibri" pitchFamily="34" charset="0"/>
+              </a:rPr>
+              <a:t>Agenda</a:t>
+            </a:r>
+            <a:endParaRPr lang="es-CO" b="1" dirty="0">
+              <a:solidFill>
+                <a:srgbClr val="C00000"/>
+              </a:solidFill>
+              <a:effectLst>
+                <a:outerShdw blurRad="38100" dist="38100" dir="2700000" algn="tl">
+                  <a:srgbClr val="000000">
+                    <a:alpha val="43137"/>
+                  </a:srgbClr>
+                </a:outerShdw>
+              </a:effectLst>
+              <a:latin typeface="Calibri" pitchFamily="34" charset="0"/>
+            </a:endParaRPr>
+          </a:p>
+        </p:txBody>
+      </p:sp>
+      <p:sp>
+        <p:nvSpPr>
+          <p:cNvPr id="5" name="Marcador de contenido 2"/>
+          <p:cNvSpPr>
+            <a:spLocks noGrp="1"/>
+          </p:cNvSpPr>
+          <p:nvPr>
+            <p:ph sz="quarter" idx="1"/>
+          </p:nvPr>
+        </p:nvSpPr>
+        <p:spPr>
+          <a:xfrm>
+            <a:off x="2867633" y="2332893"/>
+            <a:ext cx="10018713" cy="3810000"/>
+          </a:xfrm>
+        </p:spPr>
+        <p:txBody>
+          <a:bodyPr>
+            <a:normAutofit/>
+          </a:bodyPr>
+          <a:lstStyle/>
+          <a:p>
+            <a:r>
+              <a:rPr lang="es-MX" sz="2900" b="1" dirty="0">
+                <a:latin typeface="Calibri" pitchFamily="34" charset="0"/>
+              </a:rPr>
+              <a:t>Marco </a:t>
+            </a:r>
+            <a:r>
+              <a:rPr lang="es-MX" sz="2900" b="1" dirty="0" smtClean="0">
+                <a:latin typeface="Calibri" pitchFamily="34" charset="0"/>
+              </a:rPr>
+              <a:t>metodológico</a:t>
+            </a:r>
+          </a:p>
+          <a:p>
+            <a:r>
+              <a:rPr lang="es-MX" sz="2900" dirty="0" smtClean="0">
+                <a:latin typeface="Calibri" pitchFamily="34" charset="0"/>
+              </a:rPr>
+              <a:t>¿Por qué cambiar?</a:t>
+            </a:r>
+          </a:p>
+          <a:p>
+            <a:r>
+              <a:rPr lang="es-MX" sz="2900" dirty="0" smtClean="0">
+                <a:latin typeface="Calibri" pitchFamily="34" charset="0"/>
+              </a:rPr>
+              <a:t>Contexto estrategias</a:t>
+            </a:r>
+          </a:p>
+          <a:p>
+            <a:r>
+              <a:rPr lang="es-MX" sz="2900" dirty="0" smtClean="0">
+                <a:latin typeface="Calibri" pitchFamily="34" charset="0"/>
+              </a:rPr>
+              <a:t>Resumen impacto de la brecha</a:t>
+            </a:r>
+          </a:p>
+          <a:p>
+            <a:r>
+              <a:rPr lang="es-MX" sz="2900" dirty="0" smtClean="0">
+                <a:latin typeface="Calibri" pitchFamily="34" charset="0"/>
+              </a:rPr>
+              <a:t>Arquitectura </a:t>
+            </a:r>
+            <a:r>
+              <a:rPr lang="es-MX" sz="2900" dirty="0">
+                <a:latin typeface="Calibri" pitchFamily="34" charset="0"/>
+              </a:rPr>
+              <a:t>de solución</a:t>
+            </a:r>
+          </a:p>
+          <a:p>
+            <a:r>
+              <a:rPr lang="es-MX" sz="2900" dirty="0" smtClean="0">
+                <a:latin typeface="Calibri" pitchFamily="34" charset="0"/>
+              </a:rPr>
+              <a:t>Proyectos</a:t>
+            </a:r>
+          </a:p>
+          <a:p>
+            <a:r>
+              <a:rPr lang="es-MX" sz="2900" dirty="0" smtClean="0">
+                <a:latin typeface="Calibri" pitchFamily="34" charset="0"/>
+              </a:rPr>
+              <a:t>Impacto y Riesgos</a:t>
+            </a:r>
+          </a:p>
+          <a:p>
+            <a:endParaRPr lang="es-MX" dirty="0" smtClean="0"/>
+          </a:p>
+          <a:p>
+            <a:endParaRPr lang="es-MX" dirty="0" smtClean="0"/>
+          </a:p>
+          <a:p>
+            <a:endParaRPr lang="es-MX" dirty="0"/>
+          </a:p>
+        </p:txBody>
+      </p:sp>
+      <p:pic>
+        <p:nvPicPr>
+          <p:cNvPr id="8" name="Imagen 3"/>
+          <p:cNvPicPr/>
+          <p:nvPr/>
+        </p:nvPicPr>
+        <p:blipFill>
+          <a:blip r:embed="rId3" cstate="print"/>
+          <a:srcRect/>
+          <a:stretch>
+            <a:fillRect/>
+          </a:stretch>
+        </p:blipFill>
+        <p:spPr bwMode="auto">
+          <a:xfrm>
+            <a:off x="10106160" y="5743666"/>
+            <a:ext cx="1791335" cy="676910"/>
+          </a:xfrm>
+          <a:prstGeom prst="rect">
+            <a:avLst/>
+          </a:prstGeom>
+          <a:noFill/>
+          <a:ln w="9525">
+            <a:noFill/>
+            <a:miter lim="800000"/>
+            <a:headEnd/>
+            <a:tailEnd/>
+          </a:ln>
+        </p:spPr>
+      </p:pic>
+      <p:pic>
+        <p:nvPicPr>
+          <p:cNvPr id="9" name="8 Imagen"/>
+          <p:cNvPicPr>
+            <a:picLocks noChangeAspect="1"/>
+          </p:cNvPicPr>
+          <p:nvPr/>
+        </p:nvPicPr>
+        <p:blipFill rotWithShape="1">
+          <a:blip r:embed="rId4" cstate="print">
+            <a:extLst>
+              <a:ext uri="{BEBA8EAE-BF5A-486C-A8C5-ECC9F3942E4B}">
+                <a14:imgProps xmlns:a14="http://schemas.microsoft.com/office/drawing/2010/main">
+                  <a14:imgLayer r:embed="rId5">
+                    <a14:imgEffect>
+                      <a14:saturation sat="400000"/>
+                    </a14:imgEffect>
+                  </a14:imgLayer>
+                </a14:imgProps>
+              </a:ext>
+              <a:ext uri="{28A0092B-C50C-407E-A947-70E740481C1C}">
+                <a14:useLocalDpi xmlns:a14="http://schemas.microsoft.com/office/drawing/2010/main" val="0"/>
+              </a:ext>
+            </a:extLst>
+          </a:blip>
+          <a:srcRect t="11640" b="37778"/>
+          <a:stretch/>
+        </p:blipFill>
+        <p:spPr>
+          <a:xfrm>
+            <a:off x="10043885" y="269034"/>
+            <a:ext cx="1915886" cy="1266888"/>
+          </a:xfrm>
+          <a:prstGeom prst="rect">
+            <a:avLst/>
+          </a:prstGeom>
+        </p:spPr>
+      </p:pic>
+    </p:spTree>
+    <p:extLst>
+      <p:ext uri="{BB962C8B-B14F-4D97-AF65-F5344CB8AC3E}">
+        <p14:creationId xmlns:p14="http://schemas.microsoft.com/office/powerpoint/2010/main" val="3639613036"/>
+      </p:ext>
+    </p:extLst>
+  </p:cSld>
+  <p:clrMapOvr>
+    <a:masterClrMapping/>
+  </p:clrMapOvr>
+  <p:timing>
+    <p:tnLst>
+      <p:par>
+        <p:cTn id="1" dur="indefinite" restart="never" nodeType="tmRoot"/>
+      </p:par>
+    </p:tnLst>
+  </p:timing>
+</p:sld>
+</file>
+
+<file path=ppt/slides/slide20.xml><?xml version="1.0" encoding="utf-8"?>
 <p:sld xmlns:a="http://schemas.openxmlformats.org/drawingml/2006/main" xmlns:r="http://schemas.openxmlformats.org/officeDocument/2006/relationships" xmlns:p="http://schemas.openxmlformats.org/presentationml/2006/main">
   <p:cSld>
     <p:spTree>
@@ -32679,186 +27338,7 @@
 </p:sld>
 </file>
 
-<file path=ppt/slides/slide22.xml><?xml version="1.0" encoding="utf-8"?>
-<p:sld xmlns:a="http://schemas.openxmlformats.org/drawingml/2006/main" xmlns:r="http://schemas.openxmlformats.org/officeDocument/2006/relationships" xmlns:p="http://schemas.openxmlformats.org/presentationml/2006/main">
-  <p:cSld>
-    <p:spTree>
-      <p:nvGrpSpPr>
-        <p:cNvPr id="1" name=""/>
-        <p:cNvGrpSpPr/>
-        <p:nvPr/>
-      </p:nvGrpSpPr>
-      <p:grpSpPr>
-        <a:xfrm>
-          <a:off x="0" y="0"/>
-          <a:ext cx="0" cy="0"/>
-          <a:chOff x="0" y="0"/>
-          <a:chExt cx="0" cy="0"/>
-        </a:xfrm>
-      </p:grpSpPr>
-      <p:sp>
-        <p:nvSpPr>
-          <p:cNvPr id="2" name="Title 1"/>
-          <p:cNvSpPr>
-            <a:spLocks noGrp="1"/>
-          </p:cNvSpPr>
-          <p:nvPr>
-            <p:ph type="title"/>
-          </p:nvPr>
-        </p:nvSpPr>
-        <p:spPr>
-          <a:xfrm>
-            <a:off x="1484311" y="0"/>
-            <a:ext cx="10018713" cy="1752599"/>
-          </a:xfrm>
-        </p:spPr>
-        <p:txBody>
-          <a:bodyPr/>
-          <a:lstStyle/>
-          <a:p>
-            <a:r>
-              <a:rPr lang="es-CO" b="1" dirty="0" smtClean="0">
-                <a:solidFill>
-                  <a:srgbClr val="C00000"/>
-                </a:solidFill>
-                <a:effectLst>
-                  <a:outerShdw blurRad="38100" dist="38100" dir="2700000" algn="tl">
-                    <a:srgbClr val="000000">
-                      <a:alpha val="43137"/>
-                    </a:srgbClr>
-                  </a:outerShdw>
-                </a:effectLst>
-                <a:latin typeface="Calibri" pitchFamily="34" charset="0"/>
-              </a:rPr>
-              <a:t>Alcance</a:t>
-            </a:r>
-            <a:endParaRPr lang="es-CO" b="1" dirty="0">
-              <a:solidFill>
-                <a:srgbClr val="C00000"/>
-              </a:solidFill>
-              <a:effectLst>
-                <a:outerShdw blurRad="38100" dist="38100" dir="2700000" algn="tl">
-                  <a:srgbClr val="000000">
-                    <a:alpha val="43137"/>
-                  </a:srgbClr>
-                </a:outerShdw>
-              </a:effectLst>
-              <a:latin typeface="Calibri" pitchFamily="34" charset="0"/>
-            </a:endParaRPr>
-          </a:p>
-        </p:txBody>
-      </p:sp>
-      <p:graphicFrame>
-        <p:nvGraphicFramePr>
-          <p:cNvPr id="3" name="16 Diagrama"/>
-          <p:cNvGraphicFramePr/>
-          <p:nvPr>
-            <p:extLst>
-              <p:ext uri="{D42A27DB-BD31-4B8C-83A1-F6EECF244321}">
-                <p14:modId xmlns:p14="http://schemas.microsoft.com/office/powerpoint/2010/main" val="2553578733"/>
-              </p:ext>
-            </p:extLst>
-          </p:nvPr>
-        </p:nvGraphicFramePr>
-        <p:xfrm>
-          <a:off x="1915885" y="1001909"/>
-          <a:ext cx="8128000" cy="5418667"/>
-        </p:xfrm>
-        <a:graphic>
-          <a:graphicData uri="http://schemas.openxmlformats.org/drawingml/2006/diagram">
-            <dgm:relIds xmlns:dgm="http://schemas.openxmlformats.org/drawingml/2006/diagram" xmlns:r="http://schemas.openxmlformats.org/officeDocument/2006/relationships" r:dm="rId2" r:lo="rId3" r:qs="rId4" r:cs="rId5"/>
-          </a:graphicData>
-        </a:graphic>
-      </p:graphicFrame>
-      <p:pic>
-        <p:nvPicPr>
-          <p:cNvPr id="7" name="Imagen 3"/>
-          <p:cNvPicPr/>
-          <p:nvPr/>
-        </p:nvPicPr>
-        <p:blipFill>
-          <a:blip r:embed="rId7" cstate="print"/>
-          <a:srcRect/>
-          <a:stretch>
-            <a:fillRect/>
-          </a:stretch>
-        </p:blipFill>
-        <p:spPr bwMode="auto">
-          <a:xfrm>
-            <a:off x="10106160" y="5743666"/>
-            <a:ext cx="1791335" cy="676910"/>
-          </a:xfrm>
-          <a:prstGeom prst="rect">
-            <a:avLst/>
-          </a:prstGeom>
-          <a:noFill/>
-          <a:ln w="9525">
-            <a:noFill/>
-            <a:miter lim="800000"/>
-            <a:headEnd/>
-            <a:tailEnd/>
-          </a:ln>
-        </p:spPr>
-      </p:pic>
-      <p:pic>
-        <p:nvPicPr>
-          <p:cNvPr id="8" name="7 Imagen"/>
-          <p:cNvPicPr>
-            <a:picLocks noChangeAspect="1"/>
-          </p:cNvPicPr>
-          <p:nvPr/>
-        </p:nvPicPr>
-        <p:blipFill rotWithShape="1">
-          <a:blip r:embed="rId8" cstate="print">
-            <a:extLst>
-              <a:ext uri="{BEBA8EAE-BF5A-486C-A8C5-ECC9F3942E4B}">
-                <a14:imgProps xmlns:a14="http://schemas.microsoft.com/office/drawing/2010/main">
-                  <a14:imgLayer r:embed="rId9">
-                    <a14:imgEffect>
-                      <a14:saturation sat="400000"/>
-                    </a14:imgEffect>
-                  </a14:imgLayer>
-                </a14:imgProps>
-              </a:ext>
-              <a:ext uri="{28A0092B-C50C-407E-A947-70E740481C1C}">
-                <a14:useLocalDpi xmlns:a14="http://schemas.microsoft.com/office/drawing/2010/main" val="0"/>
-              </a:ext>
-            </a:extLst>
-          </a:blip>
-          <a:srcRect t="11640" b="37778"/>
-          <a:stretch/>
-        </p:blipFill>
-        <p:spPr>
-          <a:xfrm>
-            <a:off x="10043885" y="269034"/>
-            <a:ext cx="1915886" cy="1266888"/>
-          </a:xfrm>
-          <a:prstGeom prst="rect">
-            <a:avLst/>
-          </a:prstGeom>
-        </p:spPr>
-      </p:pic>
-    </p:spTree>
-    <p:extLst>
-      <p:ext uri="{BB962C8B-B14F-4D97-AF65-F5344CB8AC3E}">
-        <p14:creationId xmlns:p14="http://schemas.microsoft.com/office/powerpoint/2010/main" val="1223640696"/>
-      </p:ext>
-    </p:extLst>
-  </p:cSld>
-  <p:clrMapOvr>
-    <a:masterClrMapping/>
-  </p:clrMapOvr>
-  <p:timing>
-    <p:tnLst>
-      <p:par>
-        <p:cTn id="1" dur="indefinite" restart="never" nodeType="tmRoot"/>
-      </p:par>
-    </p:tnLst>
-  </p:timing>
-</p:sld>
-</file>
-
-<file path=ppt/slides/slide23.xml><?xml version="1.0" encoding="utf-8"?>
+<file path=ppt/slides/slide21.xml><?xml version="1.0" encoding="utf-8"?>
 <p:sld xmlns:a="http://schemas.openxmlformats.org/drawingml/2006/main" xmlns:r="http://schemas.openxmlformats.org/officeDocument/2006/relationships" xmlns:p="http://schemas.openxmlformats.org/presentationml/2006/main">
   <p:cSld>
     <p:spTree>
@@ -32975,17 +27455,8 @@
               <a:rPr lang="es-MX" sz="2900" dirty="0" smtClean="0">
                 <a:latin typeface="Calibri" pitchFamily="34" charset="0"/>
               </a:rPr>
-              <a:t>Contexto </a:t>
+              <a:t>Contexto estrategias</a:t>
             </a:r>
-            <a:r>
-              <a:rPr lang="es-MX" sz="2900" dirty="0" smtClean="0">
-                <a:latin typeface="Calibri" pitchFamily="34" charset="0"/>
-              </a:rPr>
-              <a:t>estrategias</a:t>
-            </a:r>
-            <a:endParaRPr lang="es-MX" sz="2900" dirty="0" smtClean="0">
-              <a:latin typeface="Calibri" pitchFamily="34" charset="0"/>
-            </a:endParaRPr>
           </a:p>
           <a:p>
             <a:r>
@@ -33124,7 +27595,7 @@
 </p:sld>
 </file>
 
-<file path=ppt/slides/slide24.xml><?xml version="1.0" encoding="utf-8"?>
+<file path=ppt/slides/slide22.xml><?xml version="1.0" encoding="utf-8"?>
 <p:sld xmlns:a="http://schemas.openxmlformats.org/drawingml/2006/main" xmlns:r="http://schemas.openxmlformats.org/officeDocument/2006/relationships" xmlns:p="http://schemas.openxmlformats.org/presentationml/2006/main">
   <p:cSld>
     <p:spTree>
@@ -33741,7 +28212,7 @@
 </p:sld>
 </file>
 
-<file path=ppt/slides/slide25.xml><?xml version="1.0" encoding="utf-8"?>
+<file path=ppt/slides/slide23.xml><?xml version="1.0" encoding="utf-8"?>
 <p:sld xmlns:a="http://schemas.openxmlformats.org/drawingml/2006/main" xmlns:r="http://schemas.openxmlformats.org/officeDocument/2006/relationships" xmlns:p="http://schemas.openxmlformats.org/presentationml/2006/main">
   <p:cSld>
     <p:spTree>
@@ -34902,17 +29373,8 @@
               <a:rPr lang="es-MX" sz="2900" dirty="0" smtClean="0">
                 <a:latin typeface="Calibri" pitchFamily="34" charset="0"/>
               </a:rPr>
-              <a:t>Contexto </a:t>
+              <a:t>Contexto estrategias</a:t>
             </a:r>
-            <a:r>
-              <a:rPr lang="es-MX" sz="2900" dirty="0" smtClean="0">
-                <a:latin typeface="Calibri" pitchFamily="34" charset="0"/>
-              </a:rPr>
-              <a:t>estrategias</a:t>
-            </a:r>
-            <a:endParaRPr lang="es-MX" sz="2900" dirty="0" smtClean="0">
-              <a:latin typeface="Calibri" pitchFamily="34" charset="0"/>
-            </a:endParaRPr>
           </a:p>
           <a:p>
             <a:r>
@@ -35178,14 +29640,17 @@
               <a:rPr lang="es-MX" dirty="0" smtClean="0">
                 <a:latin typeface="Calibri" pitchFamily="34" charset="0"/>
               </a:rPr>
-              <a:t>nuevas funcionalidades </a:t>
+              <a:t>nuevas </a:t>
             </a:r>
             <a:r>
               <a:rPr lang="es-MX" dirty="0" smtClean="0">
                 <a:latin typeface="Calibri" pitchFamily="34" charset="0"/>
               </a:rPr>
-              <a:t>.</a:t>
+              <a:t>funcionalidades.</a:t>
             </a:r>
+            <a:endParaRPr lang="es-MX" dirty="0" smtClean="0">
+              <a:latin typeface="Calibri" pitchFamily="34" charset="0"/>
+            </a:endParaRPr>
           </a:p>
         </p:txBody>
       </p:sp>
@@ -35394,17 +29859,8 @@
               <a:rPr lang="es-MX" sz="2900" b="1" dirty="0" smtClean="0">
                 <a:latin typeface="Calibri" pitchFamily="34" charset="0"/>
               </a:rPr>
-              <a:t>Contexto </a:t>
+              <a:t>Contexto estrategias</a:t>
             </a:r>
-            <a:r>
-              <a:rPr lang="es-MX" sz="2900" b="1" dirty="0" smtClean="0">
-                <a:latin typeface="Calibri" pitchFamily="34" charset="0"/>
-              </a:rPr>
-              <a:t>estrategias</a:t>
-            </a:r>
-            <a:endParaRPr lang="es-MX" sz="2900" b="1" dirty="0" smtClean="0">
-              <a:latin typeface="Calibri" pitchFamily="34" charset="0"/>
-            </a:endParaRPr>
           </a:p>
           <a:p>
             <a:r>
@@ -35853,17 +30309,8 @@
               <a:rPr lang="es-MX" sz="2900" dirty="0" smtClean="0">
                 <a:latin typeface="Calibri" pitchFamily="34" charset="0"/>
               </a:rPr>
-              <a:t>Contexto </a:t>
+              <a:t>Contexto estrategias</a:t>
             </a:r>
-            <a:r>
-              <a:rPr lang="es-MX" sz="2900" dirty="0" smtClean="0">
-                <a:latin typeface="Calibri" pitchFamily="34" charset="0"/>
-              </a:rPr>
-              <a:t>estrategias</a:t>
-            </a:r>
-            <a:endParaRPr lang="es-MX" sz="2900" dirty="0" smtClean="0">
-              <a:latin typeface="Calibri" pitchFamily="34" charset="0"/>
-            </a:endParaRPr>
           </a:p>
           <a:p>
             <a:r>
@@ -36019,101 +30466,55 @@
           <a:chExt cx="0" cy="0"/>
         </a:xfrm>
       </p:grpSpPr>
-      <p:sp>
-        <p:nvSpPr>
-          <p:cNvPr id="2" name="1 Título"/>
-          <p:cNvSpPr>
-            <a:spLocks noGrp="1"/>
-          </p:cNvSpPr>
-          <p:nvPr>
-            <p:ph type="title"/>
-          </p:nvPr>
-        </p:nvSpPr>
-        <p:spPr>
-          <a:xfrm>
-            <a:off x="1343634" y="0"/>
-            <a:ext cx="10018713" cy="1752599"/>
-          </a:xfrm>
-        </p:spPr>
-        <p:txBody>
-          <a:bodyPr/>
-          <a:lstStyle/>
-          <a:p>
-            <a:r>
-              <a:rPr lang="es-CO" b="1" dirty="0" smtClean="0">
-                <a:solidFill>
-                  <a:srgbClr val="C00000"/>
-                </a:solidFill>
-                <a:effectLst>
-                  <a:outerShdw blurRad="38100" dist="38100" dir="2700000" algn="tl">
-                    <a:srgbClr val="000000">
-                      <a:alpha val="43137"/>
-                    </a:srgbClr>
-                  </a:outerShdw>
-                </a:effectLst>
-                <a:latin typeface="Calibri" pitchFamily="34" charset="0"/>
-              </a:rPr>
-              <a:t>Impacto cadena de valor</a:t>
-            </a:r>
-            <a:endParaRPr lang="es-CO" b="1" dirty="0">
-              <a:solidFill>
-                <a:srgbClr val="C00000"/>
-              </a:solidFill>
-              <a:effectLst>
-                <a:outerShdw blurRad="38100" dist="38100" dir="2700000" algn="tl">
-                  <a:srgbClr val="000000">
-                    <a:alpha val="43137"/>
-                  </a:srgbClr>
-                </a:outerShdw>
-              </a:effectLst>
-              <a:latin typeface="Calibri" pitchFamily="34" charset="0"/>
-            </a:endParaRPr>
-          </a:p>
-        </p:txBody>
-      </p:sp>
       <p:pic>
         <p:nvPicPr>
-          <p:cNvPr id="8" name="7 Imagen"/>
+          <p:cNvPr id="1026" name="Picture 2" descr="C:\Users\Felipe\Google Drive\Andes ECOS\git\Proyecto I\04  -Archivar\Macroarquitectura.jpg"/>
+          <p:cNvPicPr>
+            <a:picLocks noChangeAspect="1" noChangeArrowheads="1"/>
+          </p:cNvPicPr>
+          <p:nvPr/>
+        </p:nvPicPr>
+        <p:blipFill>
+          <a:blip r:embed="rId2">
+            <a:extLst>
+              <a:ext uri="{28A0092B-C50C-407E-A947-70E740481C1C}">
+                <a14:useLocalDpi xmlns:a14="http://schemas.microsoft.com/office/drawing/2010/main" val="0"/>
+              </a:ext>
+            </a:extLst>
+          </a:blip>
+          <a:srcRect/>
+          <a:stretch>
+            <a:fillRect/>
+          </a:stretch>
+        </p:blipFill>
+        <p:spPr bwMode="auto">
+          <a:xfrm>
+            <a:off x="1952090" y="277900"/>
+            <a:ext cx="8441162" cy="6273287"/>
+          </a:xfrm>
+          <a:prstGeom prst="rect">
+            <a:avLst/>
+          </a:prstGeom>
+          <a:noFill/>
+          <a:extLst>
+            <a:ext uri="{909E8E84-426E-40DD-AFC4-6F175D3DCCD1}">
+              <a14:hiddenFill xmlns:a14="http://schemas.microsoft.com/office/drawing/2010/main">
+                <a:solidFill>
+                  <a:srgbClr val="FFFFFF"/>
+                </a:solidFill>
+              </a14:hiddenFill>
+            </a:ext>
+          </a:extLst>
+        </p:spPr>
+      </p:pic>
+      <p:pic>
+        <p:nvPicPr>
+          <p:cNvPr id="9" name="Imagen 3"/>
           <p:cNvPicPr/>
           <p:nvPr/>
         </p:nvPicPr>
         <p:blipFill>
-          <a:blip r:embed="rId2">
-            <a:grayscl/>
-            <a:extLst>
-              <a:ext uri="{BEBA8EAE-BF5A-486C-A8C5-ECC9F3942E4B}">
-                <a14:imgProps xmlns:a14="http://schemas.microsoft.com/office/drawing/2010/main">
-                  <a14:imgLayer r:embed="rId3">
-                    <a14:imgEffect>
-                      <a14:backgroundRemoval t="3254" b="95858" l="890" r="97998"/>
-                    </a14:imgEffect>
-                  </a14:imgLayer>
-                </a14:imgProps>
-              </a:ext>
-            </a:extLst>
-          </a:blip>
-          <a:stretch>
-            <a:fillRect/>
-          </a:stretch>
-        </p:blipFill>
-        <p:spPr>
-          <a:xfrm>
-            <a:off x="1843314" y="2158675"/>
-            <a:ext cx="8882743" cy="3923446"/>
-          </a:xfrm>
-          <a:prstGeom prst="rect">
-            <a:avLst/>
-          </a:prstGeom>
-        </p:spPr>
-      </p:pic>
-      <p:pic>
-        <p:nvPicPr>
-          <p:cNvPr id="10" name="Imagen 3"/>
-          <p:cNvPicPr/>
-          <p:nvPr/>
-        </p:nvPicPr>
-        <p:blipFill>
-          <a:blip r:embed="rId4" cstate="print"/>
+          <a:blip r:embed="rId3" cstate="print"/>
           <a:srcRect/>
           <a:stretch>
             <a:fillRect/>
@@ -36138,18 +30539,28 @@
       </p:pic>
       <p:pic>
         <p:nvPicPr>
-          <p:cNvPr id="11" name="10 Imagen"/>
+          <p:cNvPr id="10" name="8 Imagen"/>
           <p:cNvPicPr>
             <a:picLocks noChangeAspect="1"/>
           </p:cNvPicPr>
           <p:nvPr/>
         </p:nvPicPr>
         <p:blipFill rotWithShape="1">
-          <a:blip r:embed="rId5" cstate="print">
+          <a:blip r:embed="rId4" cstate="print">
+            <a:clrChange>
+              <a:clrFrom>
+                <a:srgbClr val="FFFFFF"/>
+              </a:clrFrom>
+              <a:clrTo>
+                <a:srgbClr val="FFFFFF">
+                  <a:alpha val="0"/>
+                </a:srgbClr>
+              </a:clrTo>
+            </a:clrChange>
             <a:extLst>
               <a:ext uri="{BEBA8EAE-BF5A-486C-A8C5-ECC9F3942E4B}">
                 <a14:imgProps xmlns:a14="http://schemas.microsoft.com/office/drawing/2010/main">
-                  <a14:imgLayer r:embed="rId6">
+                  <a14:imgLayer r:embed="rId5">
                     <a14:imgEffect>
                       <a14:saturation sat="400000"/>
                     </a14:imgEffect>
@@ -36177,7 +30588,7 @@
     </p:spTree>
     <p:extLst>
       <p:ext uri="{BB962C8B-B14F-4D97-AF65-F5344CB8AC3E}">
-        <p14:creationId xmlns:p14="http://schemas.microsoft.com/office/powerpoint/2010/main" val="3787615867"/>
+        <p14:creationId xmlns:p14="http://schemas.microsoft.com/office/powerpoint/2010/main" val="38120694"/>
       </p:ext>
     </p:extLst>
   </p:cSld>

--- a/Proyecto I/Presentación/Arquitectura Objetivo MPLA.pptx
+++ b/Proyecto I/Presentación/Arquitectura Objetivo MPLA.pptx
@@ -5,7 +5,7 @@
     <p:sldMasterId id="2147483828" r:id="rId1"/>
   </p:sldMasterIdLst>
   <p:notesMasterIdLst>
-    <p:notesMasterId r:id="rId25"/>
+    <p:notesMasterId r:id="rId27"/>
   </p:notesMasterIdLst>
   <p:sldIdLst>
     <p:sldId id="256" r:id="rId2"/>
@@ -18,19 +18,21 @@
     <p:sldId id="305" r:id="rId9"/>
     <p:sldId id="268" r:id="rId10"/>
     <p:sldId id="306" r:id="rId11"/>
-    <p:sldId id="280" r:id="rId12"/>
-    <p:sldId id="281" r:id="rId13"/>
-    <p:sldId id="307" r:id="rId14"/>
-    <p:sldId id="292" r:id="rId15"/>
-    <p:sldId id="283" r:id="rId16"/>
-    <p:sldId id="284" r:id="rId17"/>
-    <p:sldId id="285" r:id="rId18"/>
-    <p:sldId id="286" r:id="rId19"/>
-    <p:sldId id="287" r:id="rId20"/>
-    <p:sldId id="288" r:id="rId21"/>
-    <p:sldId id="308" r:id="rId22"/>
-    <p:sldId id="291" r:id="rId23"/>
-    <p:sldId id="302" r:id="rId24"/>
+    <p:sldId id="310" r:id="rId12"/>
+    <p:sldId id="309" r:id="rId13"/>
+    <p:sldId id="280" r:id="rId14"/>
+    <p:sldId id="281" r:id="rId15"/>
+    <p:sldId id="307" r:id="rId16"/>
+    <p:sldId id="292" r:id="rId17"/>
+    <p:sldId id="283" r:id="rId18"/>
+    <p:sldId id="284" r:id="rId19"/>
+    <p:sldId id="285" r:id="rId20"/>
+    <p:sldId id="286" r:id="rId21"/>
+    <p:sldId id="287" r:id="rId22"/>
+    <p:sldId id="288" r:id="rId23"/>
+    <p:sldId id="308" r:id="rId24"/>
+    <p:sldId id="291" r:id="rId25"/>
+    <p:sldId id="302" r:id="rId26"/>
   </p:sldIdLst>
   <p:sldSz cx="12192000" cy="6858000"/>
   <p:notesSz cx="6858000" cy="9144000"/>
@@ -1752,6 +1754,813 @@
 </file>
 
 <file path=ppt/diagrams/colors3.xml><?xml version="1.0" encoding="utf-8"?>
+<dgm:colorsDef xmlns:dgm="http://schemas.openxmlformats.org/drawingml/2006/diagram" xmlns:a="http://schemas.openxmlformats.org/drawingml/2006/main" uniqueId="urn:microsoft.com/office/officeart/2005/8/colors/accent2_1">
+  <dgm:title val=""/>
+  <dgm:desc val=""/>
+  <dgm:catLst>
+    <dgm:cat type="accent2" pri="11100"/>
+  </dgm:catLst>
+  <dgm:styleLbl name="node0">
+    <dgm:fillClrLst meth="repeat">
+      <a:schemeClr val="lt1"/>
+    </dgm:fillClrLst>
+    <dgm:linClrLst meth="repeat">
+      <a:schemeClr val="accent2">
+        <a:shade val="80000"/>
+      </a:schemeClr>
+    </dgm:linClrLst>
+    <dgm:effectClrLst/>
+    <dgm:txLinClrLst/>
+    <dgm:txFillClrLst meth="repeat">
+      <a:schemeClr val="dk1"/>
+    </dgm:txFillClrLst>
+    <dgm:txEffectClrLst/>
+  </dgm:styleLbl>
+  <dgm:styleLbl name="node1">
+    <dgm:fillClrLst meth="repeat">
+      <a:schemeClr val="lt1"/>
+    </dgm:fillClrLst>
+    <dgm:linClrLst meth="repeat">
+      <a:schemeClr val="accent2">
+        <a:shade val="80000"/>
+      </a:schemeClr>
+    </dgm:linClrLst>
+    <dgm:effectClrLst/>
+    <dgm:txLinClrLst/>
+    <dgm:txFillClrLst meth="repeat">
+      <a:schemeClr val="dk1"/>
+    </dgm:txFillClrLst>
+    <dgm:txEffectClrLst/>
+  </dgm:styleLbl>
+  <dgm:styleLbl name="alignNode1">
+    <dgm:fillClrLst meth="repeat">
+      <a:schemeClr val="lt1"/>
+    </dgm:fillClrLst>
+    <dgm:linClrLst meth="repeat">
+      <a:schemeClr val="accent2">
+        <a:shade val="80000"/>
+      </a:schemeClr>
+    </dgm:linClrLst>
+    <dgm:effectClrLst/>
+    <dgm:txLinClrLst/>
+    <dgm:txFillClrLst meth="repeat">
+      <a:schemeClr val="dk1"/>
+    </dgm:txFillClrLst>
+    <dgm:txEffectClrLst/>
+  </dgm:styleLbl>
+  <dgm:styleLbl name="lnNode1">
+    <dgm:fillClrLst meth="repeat">
+      <a:schemeClr val="lt1"/>
+    </dgm:fillClrLst>
+    <dgm:linClrLst meth="repeat">
+      <a:schemeClr val="accent2">
+        <a:shade val="80000"/>
+      </a:schemeClr>
+    </dgm:linClrLst>
+    <dgm:effectClrLst/>
+    <dgm:txLinClrLst/>
+    <dgm:txFillClrLst meth="repeat">
+      <a:schemeClr val="dk1"/>
+    </dgm:txFillClrLst>
+    <dgm:txEffectClrLst/>
+  </dgm:styleLbl>
+  <dgm:styleLbl name="vennNode1">
+    <dgm:fillClrLst meth="repeat">
+      <a:schemeClr val="lt1">
+        <a:alpha val="50000"/>
+      </a:schemeClr>
+    </dgm:fillClrLst>
+    <dgm:linClrLst meth="repeat">
+      <a:schemeClr val="accent2">
+        <a:shade val="80000"/>
+      </a:schemeClr>
+    </dgm:linClrLst>
+    <dgm:effectClrLst/>
+    <dgm:txLinClrLst/>
+    <dgm:txFillClrLst/>
+    <dgm:txEffectClrLst/>
+  </dgm:styleLbl>
+  <dgm:styleLbl name="node2">
+    <dgm:fillClrLst meth="repeat">
+      <a:schemeClr val="lt1"/>
+    </dgm:fillClrLst>
+    <dgm:linClrLst meth="repeat">
+      <a:schemeClr val="accent2">
+        <a:shade val="80000"/>
+      </a:schemeClr>
+    </dgm:linClrLst>
+    <dgm:effectClrLst/>
+    <dgm:txLinClrLst/>
+    <dgm:txFillClrLst meth="repeat">
+      <a:schemeClr val="dk1"/>
+    </dgm:txFillClrLst>
+    <dgm:txEffectClrLst/>
+  </dgm:styleLbl>
+  <dgm:styleLbl name="node3">
+    <dgm:fillClrLst meth="repeat">
+      <a:schemeClr val="lt1"/>
+    </dgm:fillClrLst>
+    <dgm:linClrLst meth="repeat">
+      <a:schemeClr val="accent2">
+        <a:shade val="80000"/>
+      </a:schemeClr>
+    </dgm:linClrLst>
+    <dgm:effectClrLst/>
+    <dgm:txLinClrLst/>
+    <dgm:txFillClrLst meth="repeat">
+      <a:schemeClr val="dk1"/>
+    </dgm:txFillClrLst>
+    <dgm:txEffectClrLst/>
+  </dgm:styleLbl>
+  <dgm:styleLbl name="node4">
+    <dgm:fillClrLst meth="repeat">
+      <a:schemeClr val="lt1"/>
+    </dgm:fillClrLst>
+    <dgm:linClrLst meth="repeat">
+      <a:schemeClr val="accent2">
+        <a:shade val="80000"/>
+      </a:schemeClr>
+    </dgm:linClrLst>
+    <dgm:effectClrLst/>
+    <dgm:txLinClrLst/>
+    <dgm:txFillClrLst meth="repeat">
+      <a:schemeClr val="dk1"/>
+    </dgm:txFillClrLst>
+    <dgm:txEffectClrLst/>
+  </dgm:styleLbl>
+  <dgm:styleLbl name="fgImgPlace1">
+    <dgm:fillClrLst meth="repeat">
+      <a:schemeClr val="accent2">
+        <a:tint val="40000"/>
+      </a:schemeClr>
+    </dgm:fillClrLst>
+    <dgm:linClrLst meth="repeat">
+      <a:schemeClr val="accent2">
+        <a:shade val="80000"/>
+      </a:schemeClr>
+    </dgm:linClrLst>
+    <dgm:effectClrLst/>
+    <dgm:txLinClrLst/>
+    <dgm:txFillClrLst meth="repeat">
+      <a:schemeClr val="lt1"/>
+    </dgm:txFillClrLst>
+    <dgm:txEffectClrLst/>
+  </dgm:styleLbl>
+  <dgm:styleLbl name="alignImgPlace1">
+    <dgm:fillClrLst meth="repeat">
+      <a:schemeClr val="accent2">
+        <a:tint val="40000"/>
+      </a:schemeClr>
+    </dgm:fillClrLst>
+    <dgm:linClrLst meth="repeat">
+      <a:schemeClr val="accent2">
+        <a:shade val="80000"/>
+      </a:schemeClr>
+    </dgm:linClrLst>
+    <dgm:effectClrLst/>
+    <dgm:txLinClrLst/>
+    <dgm:txFillClrLst meth="repeat">
+      <a:schemeClr val="lt1"/>
+    </dgm:txFillClrLst>
+    <dgm:txEffectClrLst/>
+  </dgm:styleLbl>
+  <dgm:styleLbl name="bgImgPlace1">
+    <dgm:fillClrLst meth="repeat">
+      <a:schemeClr val="accent2">
+        <a:tint val="40000"/>
+      </a:schemeClr>
+    </dgm:fillClrLst>
+    <dgm:linClrLst meth="repeat">
+      <a:schemeClr val="accent2">
+        <a:shade val="80000"/>
+      </a:schemeClr>
+    </dgm:linClrLst>
+    <dgm:effectClrLst/>
+    <dgm:txLinClrLst/>
+    <dgm:txFillClrLst meth="repeat">
+      <a:schemeClr val="lt1"/>
+    </dgm:txFillClrLst>
+    <dgm:txEffectClrLst/>
+  </dgm:styleLbl>
+  <dgm:styleLbl name="sibTrans2D1">
+    <dgm:fillClrLst meth="repeat">
+      <a:schemeClr val="accent2">
+        <a:tint val="60000"/>
+      </a:schemeClr>
+    </dgm:fillClrLst>
+    <dgm:linClrLst meth="repeat">
+      <a:schemeClr val="accent2">
+        <a:tint val="60000"/>
+      </a:schemeClr>
+    </dgm:linClrLst>
+    <dgm:effectClrLst/>
+    <dgm:txLinClrLst/>
+    <dgm:txFillClrLst meth="repeat">
+      <a:schemeClr val="dk1"/>
+    </dgm:txFillClrLst>
+    <dgm:txEffectClrLst/>
+  </dgm:styleLbl>
+  <dgm:styleLbl name="fgSibTrans2D1">
+    <dgm:fillClrLst meth="repeat">
+      <a:schemeClr val="accent2">
+        <a:tint val="60000"/>
+      </a:schemeClr>
+    </dgm:fillClrLst>
+    <dgm:linClrLst meth="repeat">
+      <a:schemeClr val="accent2">
+        <a:tint val="60000"/>
+      </a:schemeClr>
+    </dgm:linClrLst>
+    <dgm:effectClrLst/>
+    <dgm:txLinClrLst/>
+    <dgm:txFillClrLst meth="repeat">
+      <a:schemeClr val="dk1"/>
+    </dgm:txFillClrLst>
+    <dgm:txEffectClrLst/>
+  </dgm:styleLbl>
+  <dgm:styleLbl name="bgSibTrans2D1">
+    <dgm:fillClrLst meth="repeat">
+      <a:schemeClr val="accent2">
+        <a:tint val="60000"/>
+      </a:schemeClr>
+    </dgm:fillClrLst>
+    <dgm:linClrLst meth="repeat">
+      <a:schemeClr val="accent2">
+        <a:tint val="60000"/>
+      </a:schemeClr>
+    </dgm:linClrLst>
+    <dgm:effectClrLst/>
+    <dgm:txLinClrLst/>
+    <dgm:txFillClrLst meth="repeat">
+      <a:schemeClr val="dk1"/>
+    </dgm:txFillClrLst>
+    <dgm:txEffectClrLst/>
+  </dgm:styleLbl>
+  <dgm:styleLbl name="sibTrans1D1">
+    <dgm:fillClrLst meth="repeat">
+      <a:schemeClr val="accent2"/>
+    </dgm:fillClrLst>
+    <dgm:linClrLst meth="repeat">
+      <a:schemeClr val="accent2"/>
+    </dgm:linClrLst>
+    <dgm:effectClrLst/>
+    <dgm:txLinClrLst/>
+    <dgm:txFillClrLst meth="repeat">
+      <a:schemeClr val="tx1"/>
+    </dgm:txFillClrLst>
+    <dgm:txEffectClrLst/>
+  </dgm:styleLbl>
+  <dgm:styleLbl name="callout">
+    <dgm:fillClrLst meth="repeat">
+      <a:schemeClr val="accent2"/>
+    </dgm:fillClrLst>
+    <dgm:linClrLst meth="repeat">
+      <a:schemeClr val="accent2"/>
+    </dgm:linClrLst>
+    <dgm:effectClrLst/>
+    <dgm:txLinClrLst/>
+    <dgm:txFillClrLst meth="repeat">
+      <a:schemeClr val="tx1"/>
+    </dgm:txFillClrLst>
+    <dgm:txEffectClrLst/>
+  </dgm:styleLbl>
+  <dgm:styleLbl name="asst0">
+    <dgm:fillClrLst meth="repeat">
+      <a:schemeClr val="lt1"/>
+    </dgm:fillClrLst>
+    <dgm:linClrLst meth="repeat">
+      <a:schemeClr val="accent2">
+        <a:shade val="80000"/>
+      </a:schemeClr>
+    </dgm:linClrLst>
+    <dgm:effectClrLst/>
+    <dgm:txLinClrLst/>
+    <dgm:txFillClrLst meth="repeat">
+      <a:schemeClr val="dk1"/>
+    </dgm:txFillClrLst>
+    <dgm:txEffectClrLst/>
+  </dgm:styleLbl>
+  <dgm:styleLbl name="asst1">
+    <dgm:fillClrLst meth="repeat">
+      <a:schemeClr val="lt1"/>
+    </dgm:fillClrLst>
+    <dgm:linClrLst meth="repeat">
+      <a:schemeClr val="accent2">
+        <a:shade val="80000"/>
+      </a:schemeClr>
+    </dgm:linClrLst>
+    <dgm:effectClrLst/>
+    <dgm:txLinClrLst/>
+    <dgm:txFillClrLst meth="repeat">
+      <a:schemeClr val="dk1"/>
+    </dgm:txFillClrLst>
+    <dgm:txEffectClrLst/>
+  </dgm:styleLbl>
+  <dgm:styleLbl name="asst2">
+    <dgm:fillClrLst meth="repeat">
+      <a:schemeClr val="lt1"/>
+    </dgm:fillClrLst>
+    <dgm:linClrLst meth="repeat">
+      <a:schemeClr val="accent2">
+        <a:shade val="80000"/>
+      </a:schemeClr>
+    </dgm:linClrLst>
+    <dgm:effectClrLst/>
+    <dgm:txLinClrLst/>
+    <dgm:txFillClrLst meth="repeat">
+      <a:schemeClr val="dk1"/>
+    </dgm:txFillClrLst>
+    <dgm:txEffectClrLst/>
+  </dgm:styleLbl>
+  <dgm:styleLbl name="asst3">
+    <dgm:fillClrLst meth="repeat">
+      <a:schemeClr val="lt1"/>
+    </dgm:fillClrLst>
+    <dgm:linClrLst meth="repeat">
+      <a:schemeClr val="accent2">
+        <a:shade val="80000"/>
+      </a:schemeClr>
+    </dgm:linClrLst>
+    <dgm:effectClrLst/>
+    <dgm:txLinClrLst/>
+    <dgm:txFillClrLst meth="repeat">
+      <a:schemeClr val="dk1"/>
+    </dgm:txFillClrLst>
+    <dgm:txEffectClrLst/>
+  </dgm:styleLbl>
+  <dgm:styleLbl name="asst4">
+    <dgm:fillClrLst meth="repeat">
+      <a:schemeClr val="lt1"/>
+    </dgm:fillClrLst>
+    <dgm:linClrLst meth="repeat">
+      <a:schemeClr val="accent2">
+        <a:shade val="80000"/>
+      </a:schemeClr>
+    </dgm:linClrLst>
+    <dgm:effectClrLst/>
+    <dgm:txLinClrLst/>
+    <dgm:txFillClrLst meth="repeat">
+      <a:schemeClr val="dk1"/>
+    </dgm:txFillClrLst>
+    <dgm:txEffectClrLst/>
+  </dgm:styleLbl>
+  <dgm:styleLbl name="parChTrans2D1">
+    <dgm:fillClrLst meth="repeat">
+      <a:schemeClr val="accent2">
+        <a:tint val="60000"/>
+      </a:schemeClr>
+    </dgm:fillClrLst>
+    <dgm:linClrLst meth="repeat">
+      <a:schemeClr val="accent2">
+        <a:tint val="60000"/>
+      </a:schemeClr>
+    </dgm:linClrLst>
+    <dgm:effectClrLst/>
+    <dgm:txLinClrLst/>
+    <dgm:txFillClrLst/>
+    <dgm:txEffectClrLst/>
+  </dgm:styleLbl>
+  <dgm:styleLbl name="parChTrans2D2">
+    <dgm:fillClrLst meth="repeat">
+      <a:schemeClr val="accent2"/>
+    </dgm:fillClrLst>
+    <dgm:linClrLst meth="repeat">
+      <a:schemeClr val="accent2"/>
+    </dgm:linClrLst>
+    <dgm:effectClrLst/>
+    <dgm:txLinClrLst/>
+    <dgm:txFillClrLst/>
+    <dgm:txEffectClrLst/>
+  </dgm:styleLbl>
+  <dgm:styleLbl name="parChTrans2D3">
+    <dgm:fillClrLst meth="repeat">
+      <a:schemeClr val="accent2"/>
+    </dgm:fillClrLst>
+    <dgm:linClrLst meth="repeat">
+      <a:schemeClr val="accent2"/>
+    </dgm:linClrLst>
+    <dgm:effectClrLst/>
+    <dgm:txLinClrLst/>
+    <dgm:txFillClrLst/>
+    <dgm:txEffectClrLst/>
+  </dgm:styleLbl>
+  <dgm:styleLbl name="parChTrans2D4">
+    <dgm:fillClrLst meth="repeat">
+      <a:schemeClr val="accent2"/>
+    </dgm:fillClrLst>
+    <dgm:linClrLst meth="repeat">
+      <a:schemeClr val="accent2"/>
+    </dgm:linClrLst>
+    <dgm:effectClrLst/>
+    <dgm:txLinClrLst/>
+    <dgm:txFillClrLst meth="repeat">
+      <a:schemeClr val="lt1"/>
+    </dgm:txFillClrLst>
+    <dgm:txEffectClrLst/>
+  </dgm:styleLbl>
+  <dgm:styleLbl name="parChTrans1D1">
+    <dgm:fillClrLst meth="repeat">
+      <a:schemeClr val="accent2"/>
+    </dgm:fillClrLst>
+    <dgm:linClrLst meth="repeat">
+      <a:schemeClr val="accent2">
+        <a:shade val="60000"/>
+      </a:schemeClr>
+    </dgm:linClrLst>
+    <dgm:effectClrLst/>
+    <dgm:txLinClrLst/>
+    <dgm:txFillClrLst meth="repeat">
+      <a:schemeClr val="tx1"/>
+    </dgm:txFillClrLst>
+    <dgm:txEffectClrLst/>
+  </dgm:styleLbl>
+  <dgm:styleLbl name="parChTrans1D2">
+    <dgm:fillClrLst meth="repeat">
+      <a:schemeClr val="accent2"/>
+    </dgm:fillClrLst>
+    <dgm:linClrLst meth="repeat">
+      <a:schemeClr val="accent2">
+        <a:shade val="60000"/>
+      </a:schemeClr>
+    </dgm:linClrLst>
+    <dgm:effectClrLst/>
+    <dgm:txLinClrLst/>
+    <dgm:txFillClrLst meth="repeat">
+      <a:schemeClr val="tx1"/>
+    </dgm:txFillClrLst>
+    <dgm:txEffectClrLst/>
+  </dgm:styleLbl>
+  <dgm:styleLbl name="parChTrans1D3">
+    <dgm:fillClrLst meth="repeat">
+      <a:schemeClr val="accent2"/>
+    </dgm:fillClrLst>
+    <dgm:linClrLst meth="repeat">
+      <a:schemeClr val="accent2">
+        <a:shade val="80000"/>
+      </a:schemeClr>
+    </dgm:linClrLst>
+    <dgm:effectClrLst/>
+    <dgm:txLinClrLst/>
+    <dgm:txFillClrLst meth="repeat">
+      <a:schemeClr val="tx1"/>
+    </dgm:txFillClrLst>
+    <dgm:txEffectClrLst/>
+  </dgm:styleLbl>
+  <dgm:styleLbl name="parChTrans1D4">
+    <dgm:fillClrLst meth="repeat">
+      <a:schemeClr val="accent2"/>
+    </dgm:fillClrLst>
+    <dgm:linClrLst meth="repeat">
+      <a:schemeClr val="accent2">
+        <a:shade val="80000"/>
+      </a:schemeClr>
+    </dgm:linClrLst>
+    <dgm:effectClrLst/>
+    <dgm:txLinClrLst/>
+    <dgm:txFillClrLst meth="repeat">
+      <a:schemeClr val="tx1"/>
+    </dgm:txFillClrLst>
+    <dgm:txEffectClrLst/>
+  </dgm:styleLbl>
+  <dgm:styleLbl name="fgAcc1">
+    <dgm:fillClrLst meth="repeat">
+      <a:schemeClr val="accent2">
+        <a:alpha val="90000"/>
+        <a:tint val="40000"/>
+      </a:schemeClr>
+    </dgm:fillClrLst>
+    <dgm:linClrLst meth="repeat">
+      <a:schemeClr val="accent2"/>
+    </dgm:linClrLst>
+    <dgm:effectClrLst/>
+    <dgm:txLinClrLst/>
+    <dgm:txFillClrLst meth="repeat">
+      <a:schemeClr val="dk1"/>
+    </dgm:txFillClrLst>
+    <dgm:txEffectClrLst/>
+  </dgm:styleLbl>
+  <dgm:styleLbl name="conFgAcc1">
+    <dgm:fillClrLst meth="repeat">
+      <a:schemeClr val="accent2">
+        <a:alpha val="90000"/>
+        <a:tint val="40000"/>
+      </a:schemeClr>
+    </dgm:fillClrLst>
+    <dgm:linClrLst meth="repeat">
+      <a:schemeClr val="accent2"/>
+    </dgm:linClrLst>
+    <dgm:effectClrLst/>
+    <dgm:txLinClrLst/>
+    <dgm:txFillClrLst meth="repeat">
+      <a:schemeClr val="dk1"/>
+    </dgm:txFillClrLst>
+    <dgm:txEffectClrLst/>
+  </dgm:styleLbl>
+  <dgm:styleLbl name="alignAcc1">
+    <dgm:fillClrLst meth="repeat">
+      <a:schemeClr val="accent2">
+        <a:alpha val="90000"/>
+        <a:tint val="40000"/>
+      </a:schemeClr>
+    </dgm:fillClrLst>
+    <dgm:linClrLst meth="repeat">
+      <a:schemeClr val="accent2"/>
+    </dgm:linClrLst>
+    <dgm:effectClrLst/>
+    <dgm:txLinClrLst/>
+    <dgm:txFillClrLst meth="repeat">
+      <a:schemeClr val="dk1"/>
+    </dgm:txFillClrLst>
+    <dgm:txEffectClrLst/>
+  </dgm:styleLbl>
+  <dgm:styleLbl name="trAlignAcc1">
+    <dgm:fillClrLst meth="repeat">
+      <a:schemeClr val="accent2">
+        <a:alpha val="40000"/>
+        <a:tint val="40000"/>
+      </a:schemeClr>
+    </dgm:fillClrLst>
+    <dgm:linClrLst meth="repeat">
+      <a:schemeClr val="accent2"/>
+    </dgm:linClrLst>
+    <dgm:effectClrLst/>
+    <dgm:txLinClrLst/>
+    <dgm:txFillClrLst meth="repeat">
+      <a:schemeClr val="dk1"/>
+    </dgm:txFillClrLst>
+    <dgm:txEffectClrLst/>
+  </dgm:styleLbl>
+  <dgm:styleLbl name="bgAcc1">
+    <dgm:fillClrLst meth="repeat">
+      <a:schemeClr val="accent2">
+        <a:alpha val="90000"/>
+        <a:tint val="40000"/>
+      </a:schemeClr>
+    </dgm:fillClrLst>
+    <dgm:linClrLst meth="repeat">
+      <a:schemeClr val="accent2"/>
+    </dgm:linClrLst>
+    <dgm:effectClrLst/>
+    <dgm:txLinClrLst/>
+    <dgm:txFillClrLst meth="repeat">
+      <a:schemeClr val="dk1"/>
+    </dgm:txFillClrLst>
+    <dgm:txEffectClrLst/>
+  </dgm:styleLbl>
+  <dgm:styleLbl name="solidFgAcc1">
+    <dgm:fillClrLst meth="repeat">
+      <a:schemeClr val="lt1"/>
+    </dgm:fillClrLst>
+    <dgm:linClrLst meth="repeat">
+      <a:schemeClr val="accent2"/>
+    </dgm:linClrLst>
+    <dgm:effectClrLst/>
+    <dgm:txLinClrLst/>
+    <dgm:txFillClrLst meth="repeat">
+      <a:schemeClr val="dk1"/>
+    </dgm:txFillClrLst>
+    <dgm:txEffectClrLst/>
+  </dgm:styleLbl>
+  <dgm:styleLbl name="solidAlignAcc1">
+    <dgm:fillClrLst meth="repeat">
+      <a:schemeClr val="lt1"/>
+    </dgm:fillClrLst>
+    <dgm:linClrLst meth="repeat">
+      <a:schemeClr val="accent2"/>
+    </dgm:linClrLst>
+    <dgm:effectClrLst/>
+    <dgm:txLinClrLst/>
+    <dgm:txFillClrLst meth="repeat">
+      <a:schemeClr val="dk1"/>
+    </dgm:txFillClrLst>
+    <dgm:txEffectClrLst/>
+  </dgm:styleLbl>
+  <dgm:styleLbl name="solidBgAcc1">
+    <dgm:fillClrLst meth="repeat">
+      <a:schemeClr val="lt1"/>
+    </dgm:fillClrLst>
+    <dgm:linClrLst meth="repeat">
+      <a:schemeClr val="accent2"/>
+    </dgm:linClrLst>
+    <dgm:effectClrLst/>
+    <dgm:txLinClrLst/>
+    <dgm:txFillClrLst meth="repeat">
+      <a:schemeClr val="dk1"/>
+    </dgm:txFillClrLst>
+    <dgm:txEffectClrLst/>
+  </dgm:styleLbl>
+  <dgm:styleLbl name="fgAccFollowNode1">
+    <dgm:fillClrLst meth="repeat">
+      <a:schemeClr val="lt1">
+        <a:alpha val="90000"/>
+        <a:tint val="40000"/>
+      </a:schemeClr>
+    </dgm:fillClrLst>
+    <dgm:linClrLst meth="repeat">
+      <a:schemeClr val="accent2">
+        <a:alpha val="90000"/>
+      </a:schemeClr>
+    </dgm:linClrLst>
+    <dgm:effectClrLst/>
+    <dgm:txLinClrLst/>
+    <dgm:txFillClrLst meth="repeat">
+      <a:schemeClr val="dk1"/>
+    </dgm:txFillClrLst>
+    <dgm:txEffectClrLst/>
+  </dgm:styleLbl>
+  <dgm:styleLbl name="alignAccFollowNode1">
+    <dgm:fillClrLst meth="repeat">
+      <a:schemeClr val="lt1">
+        <a:alpha val="90000"/>
+        <a:tint val="40000"/>
+      </a:schemeClr>
+    </dgm:fillClrLst>
+    <dgm:linClrLst meth="repeat">
+      <a:schemeClr val="accent2">
+        <a:alpha val="90000"/>
+      </a:schemeClr>
+    </dgm:linClrLst>
+    <dgm:effectClrLst/>
+    <dgm:txLinClrLst/>
+    <dgm:txFillClrLst meth="repeat">
+      <a:schemeClr val="dk1"/>
+    </dgm:txFillClrLst>
+    <dgm:txEffectClrLst/>
+  </dgm:styleLbl>
+  <dgm:styleLbl name="bgAccFollowNode1">
+    <dgm:fillClrLst meth="repeat">
+      <a:schemeClr val="lt1">
+        <a:alpha val="90000"/>
+        <a:tint val="40000"/>
+      </a:schemeClr>
+    </dgm:fillClrLst>
+    <dgm:linClrLst meth="repeat">
+      <a:schemeClr val="accent2">
+        <a:alpha val="90000"/>
+      </a:schemeClr>
+    </dgm:linClrLst>
+    <dgm:effectClrLst/>
+    <dgm:txLinClrLst/>
+    <dgm:txFillClrLst meth="repeat">
+      <a:schemeClr val="dk1"/>
+    </dgm:txFillClrLst>
+    <dgm:txEffectClrLst/>
+  </dgm:styleLbl>
+  <dgm:styleLbl name="fgAcc0">
+    <dgm:fillClrLst meth="repeat">
+      <a:schemeClr val="accent2">
+        <a:alpha val="90000"/>
+        <a:tint val="40000"/>
+      </a:schemeClr>
+    </dgm:fillClrLst>
+    <dgm:linClrLst meth="repeat">
+      <a:schemeClr val="accent2"/>
+    </dgm:linClrLst>
+    <dgm:effectClrLst/>
+    <dgm:txLinClrLst/>
+    <dgm:txFillClrLst meth="repeat">
+      <a:schemeClr val="dk1"/>
+    </dgm:txFillClrLst>
+    <dgm:txEffectClrLst/>
+  </dgm:styleLbl>
+  <dgm:styleLbl name="fgAcc2">
+    <dgm:fillClrLst meth="repeat">
+      <a:schemeClr val="accent2">
+        <a:alpha val="90000"/>
+        <a:tint val="40000"/>
+      </a:schemeClr>
+    </dgm:fillClrLst>
+    <dgm:linClrLst meth="repeat">
+      <a:schemeClr val="accent2"/>
+    </dgm:linClrLst>
+    <dgm:effectClrLst/>
+    <dgm:txLinClrLst/>
+    <dgm:txFillClrLst meth="repeat">
+      <a:schemeClr val="dk1"/>
+    </dgm:txFillClrLst>
+    <dgm:txEffectClrLst/>
+  </dgm:styleLbl>
+  <dgm:styleLbl name="fgAcc3">
+    <dgm:fillClrLst meth="repeat">
+      <a:schemeClr val="accent2">
+        <a:alpha val="90000"/>
+        <a:tint val="40000"/>
+      </a:schemeClr>
+    </dgm:fillClrLst>
+    <dgm:linClrLst meth="repeat">
+      <a:schemeClr val="accent2"/>
+    </dgm:linClrLst>
+    <dgm:effectClrLst/>
+    <dgm:txLinClrLst/>
+    <dgm:txFillClrLst meth="repeat">
+      <a:schemeClr val="dk1"/>
+    </dgm:txFillClrLst>
+    <dgm:txEffectClrLst/>
+  </dgm:styleLbl>
+  <dgm:styleLbl name="fgAcc4">
+    <dgm:fillClrLst meth="repeat">
+      <a:schemeClr val="accent2">
+        <a:alpha val="90000"/>
+        <a:tint val="40000"/>
+      </a:schemeClr>
+    </dgm:fillClrLst>
+    <dgm:linClrLst meth="repeat">
+      <a:schemeClr val="accent2"/>
+    </dgm:linClrLst>
+    <dgm:effectClrLst/>
+    <dgm:txLinClrLst/>
+    <dgm:txFillClrLst meth="repeat">
+      <a:schemeClr val="dk1"/>
+    </dgm:txFillClrLst>
+    <dgm:txEffectClrLst/>
+  </dgm:styleLbl>
+  <dgm:styleLbl name="bgShp">
+    <dgm:fillClrLst meth="repeat">
+      <a:schemeClr val="accent2">
+        <a:tint val="40000"/>
+      </a:schemeClr>
+    </dgm:fillClrLst>
+    <dgm:linClrLst meth="repeat">
+      <a:schemeClr val="accent2"/>
+    </dgm:linClrLst>
+    <dgm:effectClrLst/>
+    <dgm:txLinClrLst/>
+    <dgm:txFillClrLst meth="repeat">
+      <a:schemeClr val="dk1"/>
+    </dgm:txFillClrLst>
+    <dgm:txEffectClrLst/>
+  </dgm:styleLbl>
+  <dgm:styleLbl name="dkBgShp">
+    <dgm:fillClrLst meth="repeat">
+      <a:schemeClr val="accent2">
+        <a:shade val="80000"/>
+      </a:schemeClr>
+    </dgm:fillClrLst>
+    <dgm:linClrLst meth="repeat">
+      <a:schemeClr val="accent2"/>
+    </dgm:linClrLst>
+    <dgm:effectClrLst/>
+    <dgm:txLinClrLst/>
+    <dgm:txFillClrLst meth="repeat">
+      <a:schemeClr val="lt1"/>
+    </dgm:txFillClrLst>
+    <dgm:txEffectClrLst/>
+  </dgm:styleLbl>
+  <dgm:styleLbl name="trBgShp">
+    <dgm:fillClrLst meth="repeat">
+      <a:schemeClr val="accent2">
+        <a:tint val="50000"/>
+        <a:alpha val="40000"/>
+      </a:schemeClr>
+    </dgm:fillClrLst>
+    <dgm:linClrLst meth="repeat">
+      <a:schemeClr val="accent2"/>
+    </dgm:linClrLst>
+    <dgm:effectClrLst/>
+    <dgm:txLinClrLst/>
+    <dgm:txFillClrLst meth="repeat">
+      <a:schemeClr val="lt1"/>
+    </dgm:txFillClrLst>
+    <dgm:txEffectClrLst/>
+  </dgm:styleLbl>
+  <dgm:styleLbl name="fgShp">
+    <dgm:fillClrLst meth="repeat">
+      <a:schemeClr val="accent2">
+        <a:tint val="60000"/>
+      </a:schemeClr>
+    </dgm:fillClrLst>
+    <dgm:linClrLst meth="repeat">
+      <a:schemeClr val="lt1"/>
+    </dgm:linClrLst>
+    <dgm:effectClrLst/>
+    <dgm:txLinClrLst/>
+    <dgm:txFillClrLst meth="repeat">
+      <a:schemeClr val="dk1"/>
+    </dgm:txFillClrLst>
+    <dgm:txEffectClrLst/>
+  </dgm:styleLbl>
+  <dgm:styleLbl name="revTx">
+    <dgm:fillClrLst meth="repeat">
+      <a:schemeClr val="lt1">
+        <a:alpha val="0"/>
+      </a:schemeClr>
+    </dgm:fillClrLst>
+    <dgm:linClrLst meth="repeat">
+      <a:schemeClr val="dk1">
+        <a:alpha val="0"/>
+      </a:schemeClr>
+    </dgm:linClrLst>
+    <dgm:effectClrLst/>
+    <dgm:txLinClrLst/>
+    <dgm:txFillClrLst meth="repeat">
+      <a:schemeClr val="tx1"/>
+    </dgm:txFillClrLst>
+    <dgm:txEffectClrLst/>
+  </dgm:styleLbl>
+</dgm:colorsDef>
+</file>
+
+<file path=ppt/diagrams/colors4.xml><?xml version="1.0" encoding="utf-8"?>
 <dgm:colorsDef xmlns:dgm="http://schemas.openxmlformats.org/drawingml/2006/diagram" xmlns:a="http://schemas.openxmlformats.org/drawingml/2006/main" uniqueId="urn:microsoft.com/office/officeart/2005/8/colors/accent1_2">
   <dgm:title val=""/>
   <dgm:desc val=""/>
@@ -2498,7 +3307,7 @@
 </dgm:colorsDef>
 </file>
 
-<file path=ppt/diagrams/colors4.xml><?xml version="1.0" encoding="utf-8"?>
+<file path=ppt/diagrams/colors5.xml><?xml version="1.0" encoding="utf-8"?>
 <dgm:colorsDef xmlns:dgm="http://schemas.openxmlformats.org/drawingml/2006/diagram" xmlns:a="http://schemas.openxmlformats.org/drawingml/2006/main" uniqueId="urn:microsoft.com/office/officeart/2005/8/colors/accent1_1">
   <dgm:title val=""/>
   <dgm:desc val=""/>
@@ -3305,7 +4114,7 @@
 </dgm:colorsDef>
 </file>
 
-<file path=ppt/diagrams/colors5.xml><?xml version="1.0" encoding="utf-8"?>
+<file path=ppt/diagrams/colors6.xml><?xml version="1.0" encoding="utf-8"?>
 <dgm:colorsDef xmlns:dgm="http://schemas.openxmlformats.org/drawingml/2006/diagram" xmlns:a="http://schemas.openxmlformats.org/drawingml/2006/main" uniqueId="urn:microsoft.com/office/officeart/2005/8/colors/accent1_2">
   <dgm:title val=""/>
   <dgm:desc val=""/>
@@ -5318,6 +6127,619 @@
 <file path=ppt/diagrams/data3.xml><?xml version="1.0" encoding="utf-8"?>
 <dgm:dataModel xmlns:dgm="http://schemas.openxmlformats.org/drawingml/2006/diagram" xmlns:a="http://schemas.openxmlformats.org/drawingml/2006/main">
   <dgm:ptLst>
+    <dgm:pt modelId="{2B173404-3200-4D89-8602-3D079F2196B5}" type="doc">
+      <dgm:prSet loTypeId="urn:microsoft.com/office/officeart/2005/8/layout/bProcess3" loCatId="process" qsTypeId="urn:microsoft.com/office/officeart/2005/8/quickstyle/simple2" qsCatId="simple" csTypeId="urn:microsoft.com/office/officeart/2005/8/colors/accent2_1" csCatId="accent2" phldr="1"/>
+      <dgm:spPr/>
+      <dgm:t>
+        <a:bodyPr/>
+        <a:lstStyle/>
+        <a:p>
+          <a:endParaRPr lang="es-CO"/>
+        </a:p>
+      </dgm:t>
+    </dgm:pt>
+    <dgm:pt modelId="{980DC417-4553-4D8F-81D8-0AECAE4AA72A}">
+      <dgm:prSet phldrT="[Texto]"/>
+      <dgm:spPr/>
+      <dgm:t>
+        <a:bodyPr/>
+        <a:lstStyle/>
+        <a:p>
+          <a:r>
+            <a:rPr lang="es-ES" b="1" dirty="0" smtClean="0">
+              <a:latin typeface="Calibri" pitchFamily="34" charset="0"/>
+            </a:rPr>
+            <a:t>Solicitudes Cotización</a:t>
+          </a:r>
+          <a:endParaRPr lang="es-CO" b="1" dirty="0">
+            <a:latin typeface="Calibri" pitchFamily="34" charset="0"/>
+          </a:endParaRPr>
+        </a:p>
+      </dgm:t>
+    </dgm:pt>
+    <dgm:pt modelId="{03E1EE82-ABBE-4F22-878D-448ACF1347CD}" type="parTrans" cxnId="{FDBDA4EA-D0B4-48CD-96BE-16DE1721971C}">
+      <dgm:prSet/>
+      <dgm:spPr/>
+      <dgm:t>
+        <a:bodyPr/>
+        <a:lstStyle/>
+        <a:p>
+          <a:endParaRPr lang="es-CO"/>
+        </a:p>
+      </dgm:t>
+    </dgm:pt>
+    <dgm:pt modelId="{64DB8AC4-F2F4-4964-BF1E-149839778CA0}" type="sibTrans" cxnId="{FDBDA4EA-D0B4-48CD-96BE-16DE1721971C}">
+      <dgm:prSet/>
+      <dgm:spPr/>
+      <dgm:t>
+        <a:bodyPr/>
+        <a:lstStyle/>
+        <a:p>
+          <a:endParaRPr lang="es-CO"/>
+        </a:p>
+      </dgm:t>
+    </dgm:pt>
+    <dgm:pt modelId="{F8E06C02-B1A5-4CFF-90EF-6BA89D884257}">
+      <dgm:prSet/>
+      <dgm:spPr/>
+      <dgm:t>
+        <a:bodyPr/>
+        <a:lstStyle/>
+        <a:p>
+          <a:r>
+            <a:rPr lang="es-ES" b="1" dirty="0" smtClean="0">
+              <a:latin typeface="Calibri" pitchFamily="34" charset="0"/>
+            </a:rPr>
+            <a:t>Cantidad Compra vs venta</a:t>
+          </a:r>
+          <a:endParaRPr lang="es-CO" b="1" dirty="0">
+            <a:latin typeface="Calibri" pitchFamily="34" charset="0"/>
+          </a:endParaRPr>
+        </a:p>
+      </dgm:t>
+    </dgm:pt>
+    <dgm:pt modelId="{5073FE76-ABF0-4E70-8FC4-0A940C48CBAD}" type="parTrans" cxnId="{D6EE37D8-B95F-4CF2-9B41-FDA7DCF69134}">
+      <dgm:prSet/>
+      <dgm:spPr/>
+      <dgm:t>
+        <a:bodyPr/>
+        <a:lstStyle/>
+        <a:p>
+          <a:endParaRPr lang="es-CO"/>
+        </a:p>
+      </dgm:t>
+    </dgm:pt>
+    <dgm:pt modelId="{E9F45098-5506-4658-83C6-65A28C831342}" type="sibTrans" cxnId="{D6EE37D8-B95F-4CF2-9B41-FDA7DCF69134}">
+      <dgm:prSet/>
+      <dgm:spPr/>
+      <dgm:t>
+        <a:bodyPr/>
+        <a:lstStyle/>
+        <a:p>
+          <a:endParaRPr lang="es-CO"/>
+        </a:p>
+      </dgm:t>
+    </dgm:pt>
+    <dgm:pt modelId="{48175AEE-E69A-4932-BC73-1AF53B88F8C9}">
+      <dgm:prSet/>
+      <dgm:spPr/>
+      <dgm:t>
+        <a:bodyPr/>
+        <a:lstStyle/>
+        <a:p>
+          <a:r>
+            <a:rPr lang="es-ES" b="1" dirty="0" smtClean="0">
+              <a:latin typeface="Calibri" pitchFamily="34" charset="0"/>
+            </a:rPr>
+            <a:t>Subastas</a:t>
+          </a:r>
+          <a:endParaRPr lang="es-CO" b="1" dirty="0">
+            <a:latin typeface="Calibri" pitchFamily="34" charset="0"/>
+          </a:endParaRPr>
+        </a:p>
+      </dgm:t>
+    </dgm:pt>
+    <dgm:pt modelId="{51CDC069-DE6E-41D3-92EC-C767F5D004CB}" type="parTrans" cxnId="{BE2C040C-89DA-4693-ADB4-16B787E77FE3}">
+      <dgm:prSet/>
+      <dgm:spPr/>
+      <dgm:t>
+        <a:bodyPr/>
+        <a:lstStyle/>
+        <a:p>
+          <a:endParaRPr lang="es-CO"/>
+        </a:p>
+      </dgm:t>
+    </dgm:pt>
+    <dgm:pt modelId="{B1305F0A-8AFD-4480-A1DF-A35B73593359}" type="sibTrans" cxnId="{BE2C040C-89DA-4693-ADB4-16B787E77FE3}">
+      <dgm:prSet/>
+      <dgm:spPr/>
+      <dgm:t>
+        <a:bodyPr/>
+        <a:lstStyle/>
+        <a:p>
+          <a:endParaRPr lang="es-CO"/>
+        </a:p>
+      </dgm:t>
+    </dgm:pt>
+    <dgm:pt modelId="{780F0993-D991-4253-A7CA-5A7A41F8ED35}">
+      <dgm:prSet/>
+      <dgm:spPr/>
+      <dgm:t>
+        <a:bodyPr/>
+        <a:lstStyle/>
+        <a:p>
+          <a:r>
+            <a:rPr lang="es-MX" b="1" dirty="0" smtClean="0">
+              <a:latin typeface="Calibri" pitchFamily="34" charset="0"/>
+            </a:rPr>
+            <a:t>Porcentaje transacciones campaña</a:t>
+          </a:r>
+          <a:endParaRPr lang="es-CO" b="1" dirty="0">
+            <a:latin typeface="Calibri" pitchFamily="34" charset="0"/>
+          </a:endParaRPr>
+        </a:p>
+      </dgm:t>
+    </dgm:pt>
+    <dgm:pt modelId="{D2DA1105-CF77-4432-8E4E-1E8D72000953}" type="parTrans" cxnId="{1AB6A270-FB1B-4B50-9344-327370F1A6A3}">
+      <dgm:prSet/>
+      <dgm:spPr/>
+      <dgm:t>
+        <a:bodyPr/>
+        <a:lstStyle/>
+        <a:p>
+          <a:endParaRPr lang="es-CO"/>
+        </a:p>
+      </dgm:t>
+    </dgm:pt>
+    <dgm:pt modelId="{B3DC507C-FA25-41A3-9CDE-B5324AF1FCEC}" type="sibTrans" cxnId="{1AB6A270-FB1B-4B50-9344-327370F1A6A3}">
+      <dgm:prSet/>
+      <dgm:spPr/>
+      <dgm:t>
+        <a:bodyPr/>
+        <a:lstStyle/>
+        <a:p>
+          <a:endParaRPr lang="es-CO"/>
+        </a:p>
+      </dgm:t>
+    </dgm:pt>
+    <dgm:pt modelId="{00EB21A1-4A4C-4164-AB10-8A595E8360CD}">
+      <dgm:prSet/>
+      <dgm:spPr/>
+      <dgm:t>
+        <a:bodyPr/>
+        <a:lstStyle/>
+        <a:p>
+          <a:r>
+            <a:rPr lang="es-ES" b="1" dirty="0" smtClean="0">
+              <a:latin typeface="Calibri" pitchFamily="34" charset="0"/>
+            </a:rPr>
+            <a:t>Retroalimentaciones</a:t>
+          </a:r>
+          <a:endParaRPr lang="es-CO" b="1" dirty="0">
+            <a:latin typeface="Calibri" pitchFamily="34" charset="0"/>
+          </a:endParaRPr>
+        </a:p>
+      </dgm:t>
+    </dgm:pt>
+    <dgm:pt modelId="{106F80F9-AC2F-4519-AB45-980B9FEBC047}" type="parTrans" cxnId="{14FF06CF-9A88-49E7-9A78-B7A6F6953115}">
+      <dgm:prSet/>
+      <dgm:spPr/>
+      <dgm:t>
+        <a:bodyPr/>
+        <a:lstStyle/>
+        <a:p>
+          <a:endParaRPr lang="es-CO"/>
+        </a:p>
+      </dgm:t>
+    </dgm:pt>
+    <dgm:pt modelId="{4EFDCCC3-3BA0-4C8B-AE9A-0112CCBC8C46}" type="sibTrans" cxnId="{14FF06CF-9A88-49E7-9A78-B7A6F6953115}">
+      <dgm:prSet/>
+      <dgm:spPr/>
+      <dgm:t>
+        <a:bodyPr/>
+        <a:lstStyle/>
+        <a:p>
+          <a:endParaRPr lang="es-CO"/>
+        </a:p>
+      </dgm:t>
+    </dgm:pt>
+    <dgm:pt modelId="{051B04D5-5C47-42EE-9A81-2C15EFB8EDBC}">
+      <dgm:prSet/>
+      <dgm:spPr/>
+      <dgm:t>
+        <a:bodyPr/>
+        <a:lstStyle/>
+        <a:p>
+          <a:r>
+            <a:rPr lang="es-ES" b="1" dirty="0" smtClean="0">
+              <a:latin typeface="Calibri" pitchFamily="34" charset="0"/>
+            </a:rPr>
+            <a:t>Evaluaciones Negativas</a:t>
+          </a:r>
+          <a:endParaRPr lang="es-CO" b="1" dirty="0">
+            <a:latin typeface="Calibri" pitchFamily="34" charset="0"/>
+          </a:endParaRPr>
+        </a:p>
+      </dgm:t>
+    </dgm:pt>
+    <dgm:pt modelId="{AB40A33C-46A3-467C-889A-464D433FBB2C}" type="parTrans" cxnId="{BCDFCF5B-91A6-4812-8196-A9E008682FDF}">
+      <dgm:prSet/>
+      <dgm:spPr/>
+      <dgm:t>
+        <a:bodyPr/>
+        <a:lstStyle/>
+        <a:p>
+          <a:endParaRPr lang="es-CO"/>
+        </a:p>
+      </dgm:t>
+    </dgm:pt>
+    <dgm:pt modelId="{A0247901-337B-45E9-ABDF-FFA9A8099429}" type="sibTrans" cxnId="{BCDFCF5B-91A6-4812-8196-A9E008682FDF}">
+      <dgm:prSet/>
+      <dgm:spPr/>
+      <dgm:t>
+        <a:bodyPr/>
+        <a:lstStyle/>
+        <a:p>
+          <a:endParaRPr lang="es-CO"/>
+        </a:p>
+      </dgm:t>
+    </dgm:pt>
+    <dgm:pt modelId="{E5C79A8F-16D9-4406-BF3B-CB05FFFCEC50}">
+      <dgm:prSet/>
+      <dgm:spPr/>
+      <dgm:t>
+        <a:bodyPr/>
+        <a:lstStyle/>
+        <a:p>
+          <a:r>
+            <a:rPr lang="es-ES" b="1" dirty="0" smtClean="0">
+              <a:latin typeface="Calibri" pitchFamily="34" charset="0"/>
+            </a:rPr>
+            <a:t>Productos Evaluados</a:t>
+          </a:r>
+          <a:endParaRPr lang="es-CO" b="1" dirty="0">
+            <a:latin typeface="Calibri" pitchFamily="34" charset="0"/>
+          </a:endParaRPr>
+        </a:p>
+      </dgm:t>
+    </dgm:pt>
+    <dgm:pt modelId="{2105947B-5BC5-4007-A50F-AA65C5664328}" type="parTrans" cxnId="{05BDCAC0-492A-4B9F-A53B-7F74F48CD560}">
+      <dgm:prSet/>
+      <dgm:spPr/>
+      <dgm:t>
+        <a:bodyPr/>
+        <a:lstStyle/>
+        <a:p>
+          <a:endParaRPr lang="es-CO"/>
+        </a:p>
+      </dgm:t>
+    </dgm:pt>
+    <dgm:pt modelId="{36753BED-1225-47A3-A898-F01C4C1D4B82}" type="sibTrans" cxnId="{05BDCAC0-492A-4B9F-A53B-7F74F48CD560}">
+      <dgm:prSet/>
+      <dgm:spPr/>
+      <dgm:t>
+        <a:bodyPr/>
+        <a:lstStyle/>
+        <a:p>
+          <a:endParaRPr lang="es-CO"/>
+        </a:p>
+      </dgm:t>
+    </dgm:pt>
+    <dgm:pt modelId="{B9DC1DF4-4AF4-4915-9B21-36C4795CC9FF}" type="pres">
+      <dgm:prSet presAssocID="{2B173404-3200-4D89-8602-3D079F2196B5}" presName="Name0" presStyleCnt="0">
+        <dgm:presLayoutVars>
+          <dgm:dir/>
+          <dgm:resizeHandles val="exact"/>
+        </dgm:presLayoutVars>
+      </dgm:prSet>
+      <dgm:spPr/>
+      <dgm:t>
+        <a:bodyPr/>
+        <a:lstStyle/>
+        <a:p>
+          <a:endParaRPr lang="es-CO"/>
+        </a:p>
+      </dgm:t>
+    </dgm:pt>
+    <dgm:pt modelId="{6510398C-C384-41F1-8E35-B4AE0AA2E5FB}" type="pres">
+      <dgm:prSet presAssocID="{980DC417-4553-4D8F-81D8-0AECAE4AA72A}" presName="node" presStyleLbl="node1" presStyleIdx="0" presStyleCnt="7">
+        <dgm:presLayoutVars>
+          <dgm:bulletEnabled val="1"/>
+        </dgm:presLayoutVars>
+      </dgm:prSet>
+      <dgm:spPr/>
+      <dgm:t>
+        <a:bodyPr/>
+        <a:lstStyle/>
+        <a:p>
+          <a:endParaRPr lang="es-CO"/>
+        </a:p>
+      </dgm:t>
+    </dgm:pt>
+    <dgm:pt modelId="{C78CAC3E-1F3D-4CFD-AE65-69267EC55DE4}" type="pres">
+      <dgm:prSet presAssocID="{64DB8AC4-F2F4-4964-BF1E-149839778CA0}" presName="sibTrans" presStyleLbl="sibTrans1D1" presStyleIdx="0" presStyleCnt="6"/>
+      <dgm:spPr/>
+      <dgm:t>
+        <a:bodyPr/>
+        <a:lstStyle/>
+        <a:p>
+          <a:endParaRPr lang="es-CO"/>
+        </a:p>
+      </dgm:t>
+    </dgm:pt>
+    <dgm:pt modelId="{E8E6B5FF-5FE7-41F3-9076-D189B92FD604}" type="pres">
+      <dgm:prSet presAssocID="{64DB8AC4-F2F4-4964-BF1E-149839778CA0}" presName="connectorText" presStyleLbl="sibTrans1D1" presStyleIdx="0" presStyleCnt="6"/>
+      <dgm:spPr/>
+      <dgm:t>
+        <a:bodyPr/>
+        <a:lstStyle/>
+        <a:p>
+          <a:endParaRPr lang="es-CO"/>
+        </a:p>
+      </dgm:t>
+    </dgm:pt>
+    <dgm:pt modelId="{EEFBDDCB-84E5-4FBD-B22D-7780DBBD4CD6}" type="pres">
+      <dgm:prSet presAssocID="{F8E06C02-B1A5-4CFF-90EF-6BA89D884257}" presName="node" presStyleLbl="node1" presStyleIdx="1" presStyleCnt="7">
+        <dgm:presLayoutVars>
+          <dgm:bulletEnabled val="1"/>
+        </dgm:presLayoutVars>
+      </dgm:prSet>
+      <dgm:spPr/>
+      <dgm:t>
+        <a:bodyPr/>
+        <a:lstStyle/>
+        <a:p>
+          <a:endParaRPr lang="es-CO"/>
+        </a:p>
+      </dgm:t>
+    </dgm:pt>
+    <dgm:pt modelId="{6E878B84-F675-4EDE-9DFE-BA4B62A371CA}" type="pres">
+      <dgm:prSet presAssocID="{E9F45098-5506-4658-83C6-65A28C831342}" presName="sibTrans" presStyleLbl="sibTrans1D1" presStyleIdx="1" presStyleCnt="6"/>
+      <dgm:spPr/>
+      <dgm:t>
+        <a:bodyPr/>
+        <a:lstStyle/>
+        <a:p>
+          <a:endParaRPr lang="es-CO"/>
+        </a:p>
+      </dgm:t>
+    </dgm:pt>
+    <dgm:pt modelId="{CBB6F11F-A1AD-457A-A19C-9FE625F51D09}" type="pres">
+      <dgm:prSet presAssocID="{E9F45098-5506-4658-83C6-65A28C831342}" presName="connectorText" presStyleLbl="sibTrans1D1" presStyleIdx="1" presStyleCnt="6"/>
+      <dgm:spPr/>
+      <dgm:t>
+        <a:bodyPr/>
+        <a:lstStyle/>
+        <a:p>
+          <a:endParaRPr lang="es-CO"/>
+        </a:p>
+      </dgm:t>
+    </dgm:pt>
+    <dgm:pt modelId="{4F25B712-9FF1-4AA8-9D65-ACAF7A4A0BD4}" type="pres">
+      <dgm:prSet presAssocID="{48175AEE-E69A-4932-BC73-1AF53B88F8C9}" presName="node" presStyleLbl="node1" presStyleIdx="2" presStyleCnt="7">
+        <dgm:presLayoutVars>
+          <dgm:bulletEnabled val="1"/>
+        </dgm:presLayoutVars>
+      </dgm:prSet>
+      <dgm:spPr/>
+      <dgm:t>
+        <a:bodyPr/>
+        <a:lstStyle/>
+        <a:p>
+          <a:endParaRPr lang="es-CO"/>
+        </a:p>
+      </dgm:t>
+    </dgm:pt>
+    <dgm:pt modelId="{7FD54B9D-EECF-40B6-834D-14DD75190266}" type="pres">
+      <dgm:prSet presAssocID="{B1305F0A-8AFD-4480-A1DF-A35B73593359}" presName="sibTrans" presStyleLbl="sibTrans1D1" presStyleIdx="2" presStyleCnt="6"/>
+      <dgm:spPr/>
+      <dgm:t>
+        <a:bodyPr/>
+        <a:lstStyle/>
+        <a:p>
+          <a:endParaRPr lang="es-CO"/>
+        </a:p>
+      </dgm:t>
+    </dgm:pt>
+    <dgm:pt modelId="{55262A6A-5675-45CD-8C60-E4F712AE2EC7}" type="pres">
+      <dgm:prSet presAssocID="{B1305F0A-8AFD-4480-A1DF-A35B73593359}" presName="connectorText" presStyleLbl="sibTrans1D1" presStyleIdx="2" presStyleCnt="6"/>
+      <dgm:spPr/>
+      <dgm:t>
+        <a:bodyPr/>
+        <a:lstStyle/>
+        <a:p>
+          <a:endParaRPr lang="es-CO"/>
+        </a:p>
+      </dgm:t>
+    </dgm:pt>
+    <dgm:pt modelId="{1D7B041B-7312-4C26-A071-90B8BC3C6D16}" type="pres">
+      <dgm:prSet presAssocID="{780F0993-D991-4253-A7CA-5A7A41F8ED35}" presName="node" presStyleLbl="node1" presStyleIdx="3" presStyleCnt="7">
+        <dgm:presLayoutVars>
+          <dgm:bulletEnabled val="1"/>
+        </dgm:presLayoutVars>
+      </dgm:prSet>
+      <dgm:spPr/>
+      <dgm:t>
+        <a:bodyPr/>
+        <a:lstStyle/>
+        <a:p>
+          <a:endParaRPr lang="es-CO"/>
+        </a:p>
+      </dgm:t>
+    </dgm:pt>
+    <dgm:pt modelId="{79E4E270-E07A-43F8-B201-16B17F1C14B7}" type="pres">
+      <dgm:prSet presAssocID="{B3DC507C-FA25-41A3-9CDE-B5324AF1FCEC}" presName="sibTrans" presStyleLbl="sibTrans1D1" presStyleIdx="3" presStyleCnt="6"/>
+      <dgm:spPr/>
+      <dgm:t>
+        <a:bodyPr/>
+        <a:lstStyle/>
+        <a:p>
+          <a:endParaRPr lang="es-CO"/>
+        </a:p>
+      </dgm:t>
+    </dgm:pt>
+    <dgm:pt modelId="{CB976A60-9BB7-42A6-AED1-293B8AA2125C}" type="pres">
+      <dgm:prSet presAssocID="{B3DC507C-FA25-41A3-9CDE-B5324AF1FCEC}" presName="connectorText" presStyleLbl="sibTrans1D1" presStyleIdx="3" presStyleCnt="6"/>
+      <dgm:spPr/>
+      <dgm:t>
+        <a:bodyPr/>
+        <a:lstStyle/>
+        <a:p>
+          <a:endParaRPr lang="es-CO"/>
+        </a:p>
+      </dgm:t>
+    </dgm:pt>
+    <dgm:pt modelId="{5767C035-9960-45CF-A940-00CA50CF6755}" type="pres">
+      <dgm:prSet presAssocID="{00EB21A1-4A4C-4164-AB10-8A595E8360CD}" presName="node" presStyleLbl="node1" presStyleIdx="4" presStyleCnt="7">
+        <dgm:presLayoutVars>
+          <dgm:bulletEnabled val="1"/>
+        </dgm:presLayoutVars>
+      </dgm:prSet>
+      <dgm:spPr/>
+      <dgm:t>
+        <a:bodyPr/>
+        <a:lstStyle/>
+        <a:p>
+          <a:endParaRPr lang="es-CO"/>
+        </a:p>
+      </dgm:t>
+    </dgm:pt>
+    <dgm:pt modelId="{D3AEAEAE-0D7F-4FDD-BEF0-43BF61945376}" type="pres">
+      <dgm:prSet presAssocID="{4EFDCCC3-3BA0-4C8B-AE9A-0112CCBC8C46}" presName="sibTrans" presStyleLbl="sibTrans1D1" presStyleIdx="4" presStyleCnt="6"/>
+      <dgm:spPr/>
+      <dgm:t>
+        <a:bodyPr/>
+        <a:lstStyle/>
+        <a:p>
+          <a:endParaRPr lang="es-CO"/>
+        </a:p>
+      </dgm:t>
+    </dgm:pt>
+    <dgm:pt modelId="{6374216F-1716-49A4-A887-26D34E91D91C}" type="pres">
+      <dgm:prSet presAssocID="{4EFDCCC3-3BA0-4C8B-AE9A-0112CCBC8C46}" presName="connectorText" presStyleLbl="sibTrans1D1" presStyleIdx="4" presStyleCnt="6"/>
+      <dgm:spPr/>
+      <dgm:t>
+        <a:bodyPr/>
+        <a:lstStyle/>
+        <a:p>
+          <a:endParaRPr lang="es-CO"/>
+        </a:p>
+      </dgm:t>
+    </dgm:pt>
+    <dgm:pt modelId="{AFDDBB38-DEAE-4076-BAEA-3A748BDC47DE}" type="pres">
+      <dgm:prSet presAssocID="{051B04D5-5C47-42EE-9A81-2C15EFB8EDBC}" presName="node" presStyleLbl="node1" presStyleIdx="5" presStyleCnt="7">
+        <dgm:presLayoutVars>
+          <dgm:bulletEnabled val="1"/>
+        </dgm:presLayoutVars>
+      </dgm:prSet>
+      <dgm:spPr/>
+      <dgm:t>
+        <a:bodyPr/>
+        <a:lstStyle/>
+        <a:p>
+          <a:endParaRPr lang="es-CO"/>
+        </a:p>
+      </dgm:t>
+    </dgm:pt>
+    <dgm:pt modelId="{E4BB81D2-E9A0-42DF-B1F3-202D999B6F4E}" type="pres">
+      <dgm:prSet presAssocID="{A0247901-337B-45E9-ABDF-FFA9A8099429}" presName="sibTrans" presStyleLbl="sibTrans1D1" presStyleIdx="5" presStyleCnt="6"/>
+      <dgm:spPr/>
+      <dgm:t>
+        <a:bodyPr/>
+        <a:lstStyle/>
+        <a:p>
+          <a:endParaRPr lang="es-CO"/>
+        </a:p>
+      </dgm:t>
+    </dgm:pt>
+    <dgm:pt modelId="{FD611060-D09B-43BB-A294-C7F6D352B856}" type="pres">
+      <dgm:prSet presAssocID="{A0247901-337B-45E9-ABDF-FFA9A8099429}" presName="connectorText" presStyleLbl="sibTrans1D1" presStyleIdx="5" presStyleCnt="6"/>
+      <dgm:spPr/>
+      <dgm:t>
+        <a:bodyPr/>
+        <a:lstStyle/>
+        <a:p>
+          <a:endParaRPr lang="es-CO"/>
+        </a:p>
+      </dgm:t>
+    </dgm:pt>
+    <dgm:pt modelId="{B99A191C-93EF-4F28-9E5B-AE47570B95FA}" type="pres">
+      <dgm:prSet presAssocID="{E5C79A8F-16D9-4406-BF3B-CB05FFFCEC50}" presName="node" presStyleLbl="node1" presStyleIdx="6" presStyleCnt="7">
+        <dgm:presLayoutVars>
+          <dgm:bulletEnabled val="1"/>
+        </dgm:presLayoutVars>
+      </dgm:prSet>
+      <dgm:spPr/>
+      <dgm:t>
+        <a:bodyPr/>
+        <a:lstStyle/>
+        <a:p>
+          <a:endParaRPr lang="es-CO"/>
+        </a:p>
+      </dgm:t>
+    </dgm:pt>
+  </dgm:ptLst>
+  <dgm:cxnLst>
+    <dgm:cxn modelId="{54F9BD36-18F0-4BEF-9FEB-6F0D8EFB4372}" type="presOf" srcId="{64DB8AC4-F2F4-4964-BF1E-149839778CA0}" destId="{C78CAC3E-1F3D-4CFD-AE65-69267EC55DE4}" srcOrd="0" destOrd="0" presId="urn:microsoft.com/office/officeart/2005/8/layout/bProcess3"/>
+    <dgm:cxn modelId="{4D194FD0-AE54-407A-AB79-47749C759A9F}" type="presOf" srcId="{E9F45098-5506-4658-83C6-65A28C831342}" destId="{6E878B84-F675-4EDE-9DFE-BA4B62A371CA}" srcOrd="0" destOrd="0" presId="urn:microsoft.com/office/officeart/2005/8/layout/bProcess3"/>
+    <dgm:cxn modelId="{FDBDA4EA-D0B4-48CD-96BE-16DE1721971C}" srcId="{2B173404-3200-4D89-8602-3D079F2196B5}" destId="{980DC417-4553-4D8F-81D8-0AECAE4AA72A}" srcOrd="0" destOrd="0" parTransId="{03E1EE82-ABBE-4F22-878D-448ACF1347CD}" sibTransId="{64DB8AC4-F2F4-4964-BF1E-149839778CA0}"/>
+    <dgm:cxn modelId="{8D87FCD7-9779-4156-A5D5-C334B0F8B93C}" type="presOf" srcId="{F8E06C02-B1A5-4CFF-90EF-6BA89D884257}" destId="{EEFBDDCB-84E5-4FBD-B22D-7780DBBD4CD6}" srcOrd="0" destOrd="0" presId="urn:microsoft.com/office/officeart/2005/8/layout/bProcess3"/>
+    <dgm:cxn modelId="{69F963B2-0F8A-4A4E-BE8C-D74CFA6BEE2F}" type="presOf" srcId="{A0247901-337B-45E9-ABDF-FFA9A8099429}" destId="{FD611060-D09B-43BB-A294-C7F6D352B856}" srcOrd="1" destOrd="0" presId="urn:microsoft.com/office/officeart/2005/8/layout/bProcess3"/>
+    <dgm:cxn modelId="{22472F31-FAC3-49EB-889C-AC16123D9EDF}" type="presOf" srcId="{4EFDCCC3-3BA0-4C8B-AE9A-0112CCBC8C46}" destId="{D3AEAEAE-0D7F-4FDD-BEF0-43BF61945376}" srcOrd="0" destOrd="0" presId="urn:microsoft.com/office/officeart/2005/8/layout/bProcess3"/>
+    <dgm:cxn modelId="{6D91E19B-1008-4FFF-BB79-DD998AD2B0FD}" type="presOf" srcId="{E5C79A8F-16D9-4406-BF3B-CB05FFFCEC50}" destId="{B99A191C-93EF-4F28-9E5B-AE47570B95FA}" srcOrd="0" destOrd="0" presId="urn:microsoft.com/office/officeart/2005/8/layout/bProcess3"/>
+    <dgm:cxn modelId="{C9C79541-4C56-4B21-B735-249FA85AD672}" type="presOf" srcId="{B3DC507C-FA25-41A3-9CDE-B5324AF1FCEC}" destId="{CB976A60-9BB7-42A6-AED1-293B8AA2125C}" srcOrd="1" destOrd="0" presId="urn:microsoft.com/office/officeart/2005/8/layout/bProcess3"/>
+    <dgm:cxn modelId="{18E7E72A-ADCB-4A82-BB4C-0E11607C7BBE}" type="presOf" srcId="{48175AEE-E69A-4932-BC73-1AF53B88F8C9}" destId="{4F25B712-9FF1-4AA8-9D65-ACAF7A4A0BD4}" srcOrd="0" destOrd="0" presId="urn:microsoft.com/office/officeart/2005/8/layout/bProcess3"/>
+    <dgm:cxn modelId="{A067AB9C-3269-4C36-A828-D181622B4CED}" type="presOf" srcId="{00EB21A1-4A4C-4164-AB10-8A595E8360CD}" destId="{5767C035-9960-45CF-A940-00CA50CF6755}" srcOrd="0" destOrd="0" presId="urn:microsoft.com/office/officeart/2005/8/layout/bProcess3"/>
+    <dgm:cxn modelId="{1AB6A270-FB1B-4B50-9344-327370F1A6A3}" srcId="{2B173404-3200-4D89-8602-3D079F2196B5}" destId="{780F0993-D991-4253-A7CA-5A7A41F8ED35}" srcOrd="3" destOrd="0" parTransId="{D2DA1105-CF77-4432-8E4E-1E8D72000953}" sibTransId="{B3DC507C-FA25-41A3-9CDE-B5324AF1FCEC}"/>
+    <dgm:cxn modelId="{BE2C040C-89DA-4693-ADB4-16B787E77FE3}" srcId="{2B173404-3200-4D89-8602-3D079F2196B5}" destId="{48175AEE-E69A-4932-BC73-1AF53B88F8C9}" srcOrd="2" destOrd="0" parTransId="{51CDC069-DE6E-41D3-92EC-C767F5D004CB}" sibTransId="{B1305F0A-8AFD-4480-A1DF-A35B73593359}"/>
+    <dgm:cxn modelId="{12846AA2-4902-4312-9F85-FE98B066557E}" type="presOf" srcId="{051B04D5-5C47-42EE-9A81-2C15EFB8EDBC}" destId="{AFDDBB38-DEAE-4076-BAEA-3A748BDC47DE}" srcOrd="0" destOrd="0" presId="urn:microsoft.com/office/officeart/2005/8/layout/bProcess3"/>
+    <dgm:cxn modelId="{133C6124-A91A-4DE3-83BF-EDB9ED052C5A}" type="presOf" srcId="{A0247901-337B-45E9-ABDF-FFA9A8099429}" destId="{E4BB81D2-E9A0-42DF-B1F3-202D999B6F4E}" srcOrd="0" destOrd="0" presId="urn:microsoft.com/office/officeart/2005/8/layout/bProcess3"/>
+    <dgm:cxn modelId="{D6EE37D8-B95F-4CF2-9B41-FDA7DCF69134}" srcId="{2B173404-3200-4D89-8602-3D079F2196B5}" destId="{F8E06C02-B1A5-4CFF-90EF-6BA89D884257}" srcOrd="1" destOrd="0" parTransId="{5073FE76-ABF0-4E70-8FC4-0A940C48CBAD}" sibTransId="{E9F45098-5506-4658-83C6-65A28C831342}"/>
+    <dgm:cxn modelId="{7F01E124-1A2D-4F85-86E0-15AFCA7806E3}" type="presOf" srcId="{B1305F0A-8AFD-4480-A1DF-A35B73593359}" destId="{55262A6A-5675-45CD-8C60-E4F712AE2EC7}" srcOrd="1" destOrd="0" presId="urn:microsoft.com/office/officeart/2005/8/layout/bProcess3"/>
+    <dgm:cxn modelId="{C1D0FF52-F8C6-4D7D-BF1B-C6E3D183A893}" type="presOf" srcId="{64DB8AC4-F2F4-4964-BF1E-149839778CA0}" destId="{E8E6B5FF-5FE7-41F3-9076-D189B92FD604}" srcOrd="1" destOrd="0" presId="urn:microsoft.com/office/officeart/2005/8/layout/bProcess3"/>
+    <dgm:cxn modelId="{BCDFCF5B-91A6-4812-8196-A9E008682FDF}" srcId="{2B173404-3200-4D89-8602-3D079F2196B5}" destId="{051B04D5-5C47-42EE-9A81-2C15EFB8EDBC}" srcOrd="5" destOrd="0" parTransId="{AB40A33C-46A3-467C-889A-464D433FBB2C}" sibTransId="{A0247901-337B-45E9-ABDF-FFA9A8099429}"/>
+    <dgm:cxn modelId="{37289E82-39E6-40A0-903C-050E09379CFB}" type="presOf" srcId="{B1305F0A-8AFD-4480-A1DF-A35B73593359}" destId="{7FD54B9D-EECF-40B6-834D-14DD75190266}" srcOrd="0" destOrd="0" presId="urn:microsoft.com/office/officeart/2005/8/layout/bProcess3"/>
+    <dgm:cxn modelId="{D13C624F-B64A-4490-92C9-6B6B377142FD}" type="presOf" srcId="{2B173404-3200-4D89-8602-3D079F2196B5}" destId="{B9DC1DF4-4AF4-4915-9B21-36C4795CC9FF}" srcOrd="0" destOrd="0" presId="urn:microsoft.com/office/officeart/2005/8/layout/bProcess3"/>
+    <dgm:cxn modelId="{965F81AD-9440-47FA-A7D9-D477C051ADE4}" type="presOf" srcId="{980DC417-4553-4D8F-81D8-0AECAE4AA72A}" destId="{6510398C-C384-41F1-8E35-B4AE0AA2E5FB}" srcOrd="0" destOrd="0" presId="urn:microsoft.com/office/officeart/2005/8/layout/bProcess3"/>
+    <dgm:cxn modelId="{AC6216F7-7EA5-4CF4-90A5-F936F34CDA5C}" type="presOf" srcId="{B3DC507C-FA25-41A3-9CDE-B5324AF1FCEC}" destId="{79E4E270-E07A-43F8-B201-16B17F1C14B7}" srcOrd="0" destOrd="0" presId="urn:microsoft.com/office/officeart/2005/8/layout/bProcess3"/>
+    <dgm:cxn modelId="{14FF06CF-9A88-49E7-9A78-B7A6F6953115}" srcId="{2B173404-3200-4D89-8602-3D079F2196B5}" destId="{00EB21A1-4A4C-4164-AB10-8A595E8360CD}" srcOrd="4" destOrd="0" parTransId="{106F80F9-AC2F-4519-AB45-980B9FEBC047}" sibTransId="{4EFDCCC3-3BA0-4C8B-AE9A-0112CCBC8C46}"/>
+    <dgm:cxn modelId="{05BDCAC0-492A-4B9F-A53B-7F74F48CD560}" srcId="{2B173404-3200-4D89-8602-3D079F2196B5}" destId="{E5C79A8F-16D9-4406-BF3B-CB05FFFCEC50}" srcOrd="6" destOrd="0" parTransId="{2105947B-5BC5-4007-A50F-AA65C5664328}" sibTransId="{36753BED-1225-47A3-A898-F01C4C1D4B82}"/>
+    <dgm:cxn modelId="{C185CA85-7370-4E21-BC75-2811D6927DA2}" type="presOf" srcId="{4EFDCCC3-3BA0-4C8B-AE9A-0112CCBC8C46}" destId="{6374216F-1716-49A4-A887-26D34E91D91C}" srcOrd="1" destOrd="0" presId="urn:microsoft.com/office/officeart/2005/8/layout/bProcess3"/>
+    <dgm:cxn modelId="{CFC4ACCE-D9E6-48C4-B01B-759681831DF8}" type="presOf" srcId="{780F0993-D991-4253-A7CA-5A7A41F8ED35}" destId="{1D7B041B-7312-4C26-A071-90B8BC3C6D16}" srcOrd="0" destOrd="0" presId="urn:microsoft.com/office/officeart/2005/8/layout/bProcess3"/>
+    <dgm:cxn modelId="{3790B50B-A978-4ABC-9A30-0C54DFBCBE75}" type="presOf" srcId="{E9F45098-5506-4658-83C6-65A28C831342}" destId="{CBB6F11F-A1AD-457A-A19C-9FE625F51D09}" srcOrd="1" destOrd="0" presId="urn:microsoft.com/office/officeart/2005/8/layout/bProcess3"/>
+    <dgm:cxn modelId="{A6DC13DE-C516-409B-AA05-69A36CAD83BE}" type="presParOf" srcId="{B9DC1DF4-4AF4-4915-9B21-36C4795CC9FF}" destId="{6510398C-C384-41F1-8E35-B4AE0AA2E5FB}" srcOrd="0" destOrd="0" presId="urn:microsoft.com/office/officeart/2005/8/layout/bProcess3"/>
+    <dgm:cxn modelId="{B6E6ECDC-CE0F-48B5-8FF3-E9607E59467B}" type="presParOf" srcId="{B9DC1DF4-4AF4-4915-9B21-36C4795CC9FF}" destId="{C78CAC3E-1F3D-4CFD-AE65-69267EC55DE4}" srcOrd="1" destOrd="0" presId="urn:microsoft.com/office/officeart/2005/8/layout/bProcess3"/>
+    <dgm:cxn modelId="{A98B0C8E-3474-435D-86A4-6BC1E1C6E0FD}" type="presParOf" srcId="{C78CAC3E-1F3D-4CFD-AE65-69267EC55DE4}" destId="{E8E6B5FF-5FE7-41F3-9076-D189B92FD604}" srcOrd="0" destOrd="0" presId="urn:microsoft.com/office/officeart/2005/8/layout/bProcess3"/>
+    <dgm:cxn modelId="{B65FFB69-4F64-4A23-932A-F57A3514B6DA}" type="presParOf" srcId="{B9DC1DF4-4AF4-4915-9B21-36C4795CC9FF}" destId="{EEFBDDCB-84E5-4FBD-B22D-7780DBBD4CD6}" srcOrd="2" destOrd="0" presId="urn:microsoft.com/office/officeart/2005/8/layout/bProcess3"/>
+    <dgm:cxn modelId="{C15B95A3-AF9B-4DAA-A283-0730F573268C}" type="presParOf" srcId="{B9DC1DF4-4AF4-4915-9B21-36C4795CC9FF}" destId="{6E878B84-F675-4EDE-9DFE-BA4B62A371CA}" srcOrd="3" destOrd="0" presId="urn:microsoft.com/office/officeart/2005/8/layout/bProcess3"/>
+    <dgm:cxn modelId="{2F411867-B068-4F63-9504-2E96E8983011}" type="presParOf" srcId="{6E878B84-F675-4EDE-9DFE-BA4B62A371CA}" destId="{CBB6F11F-A1AD-457A-A19C-9FE625F51D09}" srcOrd="0" destOrd="0" presId="urn:microsoft.com/office/officeart/2005/8/layout/bProcess3"/>
+    <dgm:cxn modelId="{B918B902-3479-4CF5-A5D4-A750BD20CE31}" type="presParOf" srcId="{B9DC1DF4-4AF4-4915-9B21-36C4795CC9FF}" destId="{4F25B712-9FF1-4AA8-9D65-ACAF7A4A0BD4}" srcOrd="4" destOrd="0" presId="urn:microsoft.com/office/officeart/2005/8/layout/bProcess3"/>
+    <dgm:cxn modelId="{D7F1F517-461A-46BA-9AEE-A1B295D9F2CF}" type="presParOf" srcId="{B9DC1DF4-4AF4-4915-9B21-36C4795CC9FF}" destId="{7FD54B9D-EECF-40B6-834D-14DD75190266}" srcOrd="5" destOrd="0" presId="urn:microsoft.com/office/officeart/2005/8/layout/bProcess3"/>
+    <dgm:cxn modelId="{5D6DF736-B486-43C5-BAAA-7919F484F566}" type="presParOf" srcId="{7FD54B9D-EECF-40B6-834D-14DD75190266}" destId="{55262A6A-5675-45CD-8C60-E4F712AE2EC7}" srcOrd="0" destOrd="0" presId="urn:microsoft.com/office/officeart/2005/8/layout/bProcess3"/>
+    <dgm:cxn modelId="{50F0A6DB-5B0D-4BE0-BAB8-58B4676BA517}" type="presParOf" srcId="{B9DC1DF4-4AF4-4915-9B21-36C4795CC9FF}" destId="{1D7B041B-7312-4C26-A071-90B8BC3C6D16}" srcOrd="6" destOrd="0" presId="urn:microsoft.com/office/officeart/2005/8/layout/bProcess3"/>
+    <dgm:cxn modelId="{2A629292-4E08-4974-A5D3-8D31A24C0F1D}" type="presParOf" srcId="{B9DC1DF4-4AF4-4915-9B21-36C4795CC9FF}" destId="{79E4E270-E07A-43F8-B201-16B17F1C14B7}" srcOrd="7" destOrd="0" presId="urn:microsoft.com/office/officeart/2005/8/layout/bProcess3"/>
+    <dgm:cxn modelId="{DD172F9C-4C87-4A04-9927-80F1870AD233}" type="presParOf" srcId="{79E4E270-E07A-43F8-B201-16B17F1C14B7}" destId="{CB976A60-9BB7-42A6-AED1-293B8AA2125C}" srcOrd="0" destOrd="0" presId="urn:microsoft.com/office/officeart/2005/8/layout/bProcess3"/>
+    <dgm:cxn modelId="{AD7F53DC-E280-4586-BCBF-209EF18FA75C}" type="presParOf" srcId="{B9DC1DF4-4AF4-4915-9B21-36C4795CC9FF}" destId="{5767C035-9960-45CF-A940-00CA50CF6755}" srcOrd="8" destOrd="0" presId="urn:microsoft.com/office/officeart/2005/8/layout/bProcess3"/>
+    <dgm:cxn modelId="{32937AD3-5E4A-4CEB-A91A-008AAEAE04A9}" type="presParOf" srcId="{B9DC1DF4-4AF4-4915-9B21-36C4795CC9FF}" destId="{D3AEAEAE-0D7F-4FDD-BEF0-43BF61945376}" srcOrd="9" destOrd="0" presId="urn:microsoft.com/office/officeart/2005/8/layout/bProcess3"/>
+    <dgm:cxn modelId="{568049CB-79CB-447C-A0BE-F754B221E74E}" type="presParOf" srcId="{D3AEAEAE-0D7F-4FDD-BEF0-43BF61945376}" destId="{6374216F-1716-49A4-A887-26D34E91D91C}" srcOrd="0" destOrd="0" presId="urn:microsoft.com/office/officeart/2005/8/layout/bProcess3"/>
+    <dgm:cxn modelId="{98BB04B4-17CF-40B7-B846-C2C4FB6FF6F2}" type="presParOf" srcId="{B9DC1DF4-4AF4-4915-9B21-36C4795CC9FF}" destId="{AFDDBB38-DEAE-4076-BAEA-3A748BDC47DE}" srcOrd="10" destOrd="0" presId="urn:microsoft.com/office/officeart/2005/8/layout/bProcess3"/>
+    <dgm:cxn modelId="{5A5AF589-9440-4B42-88AB-BD973F9CA67A}" type="presParOf" srcId="{B9DC1DF4-4AF4-4915-9B21-36C4795CC9FF}" destId="{E4BB81D2-E9A0-42DF-B1F3-202D999B6F4E}" srcOrd="11" destOrd="0" presId="urn:microsoft.com/office/officeart/2005/8/layout/bProcess3"/>
+    <dgm:cxn modelId="{A207498B-AA60-4E1B-9282-CB6D1960C2FE}" type="presParOf" srcId="{E4BB81D2-E9A0-42DF-B1F3-202D999B6F4E}" destId="{FD611060-D09B-43BB-A294-C7F6D352B856}" srcOrd="0" destOrd="0" presId="urn:microsoft.com/office/officeart/2005/8/layout/bProcess3"/>
+    <dgm:cxn modelId="{C57ADA60-8427-4CEA-B3C5-79401C93F6C6}" type="presParOf" srcId="{B9DC1DF4-4AF4-4915-9B21-36C4795CC9FF}" destId="{B99A191C-93EF-4F28-9E5B-AE47570B95FA}" srcOrd="12" destOrd="0" presId="urn:microsoft.com/office/officeart/2005/8/layout/bProcess3"/>
+  </dgm:cxnLst>
+  <dgm:bg/>
+  <dgm:whole/>
+  <dgm:extLst>
+    <a:ext uri="http://schemas.microsoft.com/office/drawing/2008/diagram">
+      <dsp:dataModelExt xmlns:dsp="http://schemas.microsoft.com/office/drawing/2008/diagram" relId="rId6" minVer="http://schemas.openxmlformats.org/drawingml/2006/diagram"/>
+    </a:ext>
+  </dgm:extLst>
+</dgm:dataModel>
+</file>
+
+<file path=ppt/diagrams/data4.xml><?xml version="1.0" encoding="utf-8"?>
+<dgm:dataModel xmlns:dgm="http://schemas.openxmlformats.org/drawingml/2006/diagram" xmlns:a="http://schemas.openxmlformats.org/drawingml/2006/main">
+  <dgm:ptLst>
     <dgm:pt modelId="{E721073D-E966-4543-8A79-CD3EA5089D64}" type="doc">
       <dgm:prSet loTypeId="urn:microsoft.com/office/officeart/2005/8/layout/list1" loCatId="list" qsTypeId="urn:microsoft.com/office/officeart/2005/8/quickstyle/simple4" qsCatId="simple" csTypeId="urn:microsoft.com/office/officeart/2005/8/colors/accent1_2" csCatId="accent1" phldr="1"/>
       <dgm:spPr/>
@@ -6225,7 +7647,7 @@
 </dgm:dataModel>
 </file>
 
-<file path=ppt/diagrams/data4.xml><?xml version="1.0" encoding="utf-8"?>
+<file path=ppt/diagrams/data5.xml><?xml version="1.0" encoding="utf-8"?>
 <dgm:dataModel xmlns:dgm="http://schemas.openxmlformats.org/drawingml/2006/diagram" xmlns:a="http://schemas.openxmlformats.org/drawingml/2006/main">
   <dgm:ptLst>
     <dgm:pt modelId="{CF143741-D1EF-4B8F-84B9-4BE4D842BDB4}" type="doc">
@@ -6686,7 +8108,7 @@
 </dgm:dataModel>
 </file>
 
-<file path=ppt/diagrams/data5.xml><?xml version="1.0" encoding="utf-8"?>
+<file path=ppt/diagrams/data6.xml><?xml version="1.0" encoding="utf-8"?>
 <dgm:dataModel xmlns:dgm="http://schemas.openxmlformats.org/drawingml/2006/diagram" xmlns:a="http://schemas.openxmlformats.org/drawingml/2006/main">
   <dgm:ptLst>
     <dgm:pt modelId="{751D85E0-453E-49F5-B5ED-A55C9211E86A}" type="doc">
@@ -6815,7 +8237,7 @@
             <a:rPr lang="es-ES" sz="2400" dirty="0" smtClean="0">
               <a:latin typeface="Calibri" pitchFamily="34" charset="0"/>
             </a:rPr>
-            <a:t>Después de que el proyecto fue "completado" , muchos cambios fueron requeridos antes de la aprobación del cliente</a:t>
+            <a:t>Se requirieron muchos cambios antes de recibir la aprobación del cliente aún cuando el proyecto se había “completado”</a:t>
           </a:r>
           <a:endParaRPr lang="es-CO" sz="2400" dirty="0">
             <a:latin typeface="Calibri" pitchFamily="34" charset="0"/>
@@ -6896,10 +8318,22 @@
         <a:p>
           <a:pPr algn="just"/>
           <a:r>
-            <a:rPr lang="es-ES" sz="2400" dirty="0" smtClean="0">
+            <a:rPr lang="es-CO" sz="2400" dirty="0" smtClean="0">
               <a:latin typeface="Calibri" pitchFamily="34" charset="0"/>
             </a:rPr>
-            <a:t>El sistema complejo fue diseñado en partes, cuando la integración falló fue necesario rediseñar todo</a:t>
+            <a:t>La integración de un sistema complejo falla pues sus partes no fueron diseñadas </a:t>
+          </a:r>
+          <a:r>
+            <a:rPr lang="es-CO" sz="2400" dirty="0" smtClean="0">
+              <a:latin typeface="Calibri" pitchFamily="34" charset="0"/>
+            </a:rPr>
+            <a:t>adecuadamente</a:t>
+          </a:r>
+          <a:r>
+            <a:rPr lang="es-CO" sz="2400" dirty="0" smtClean="0">
+              <a:latin typeface="Calibri" pitchFamily="34" charset="0"/>
+            </a:rPr>
+            <a:t>.</a:t>
           </a:r>
           <a:endParaRPr lang="es-CO" sz="2400" dirty="0">
             <a:latin typeface="Calibri" pitchFamily="34" charset="0"/>
@@ -9145,973 +10579,23 @@
       <dsp:cNvGrpSpPr/>
     </dsp:nvGrpSpPr>
     <dsp:grpSpPr/>
-    <dsp:sp modelId="{08657ECF-32BD-4118-827D-ABDD07145D23}">
-      <dsp:nvSpPr>
-        <dsp:cNvPr id="0" name=""/>
-        <dsp:cNvSpPr/>
-      </dsp:nvSpPr>
-      <dsp:spPr>
-        <a:xfrm>
-          <a:off x="0" y="0"/>
-          <a:ext cx="8128000" cy="428400"/>
-        </a:xfrm>
-        <a:prstGeom prst="rect">
-          <a:avLst/>
-        </a:prstGeom>
-        <a:solidFill>
-          <a:schemeClr val="lt1">
-            <a:alpha val="90000"/>
-            <a:hueOff val="0"/>
-            <a:satOff val="0"/>
-            <a:lumOff val="0"/>
-            <a:alphaOff val="0"/>
-          </a:schemeClr>
-        </a:solidFill>
-        <a:ln w="9525" cap="flat" cmpd="sng" algn="ctr">
-          <a:solidFill>
-            <a:schemeClr val="accent1">
-              <a:hueOff val="0"/>
-              <a:satOff val="0"/>
-              <a:lumOff val="0"/>
-              <a:alphaOff val="0"/>
-            </a:schemeClr>
-          </a:solidFill>
-          <a:prstDash val="solid"/>
-        </a:ln>
-        <a:effectLst/>
-      </dsp:spPr>
-      <dsp:style>
-        <a:lnRef idx="1">
-          <a:scrgbClr r="0" g="0" b="0"/>
-        </a:lnRef>
-        <a:fillRef idx="1">
-          <a:scrgbClr r="0" g="0" b="0"/>
-        </a:fillRef>
-        <a:effectRef idx="0">
-          <a:scrgbClr r="0" g="0" b="0"/>
-        </a:effectRef>
-        <a:fontRef idx="minor"/>
-      </dsp:style>
-    </dsp:sp>
-    <dsp:sp modelId="{4D2FF85C-8DE1-4A3B-A3AD-31E2F2B01967}">
-      <dsp:nvSpPr>
-        <dsp:cNvPr id="0" name=""/>
-        <dsp:cNvSpPr/>
-      </dsp:nvSpPr>
-      <dsp:spPr>
-        <a:xfrm>
-          <a:off x="406400" y="56313"/>
-          <a:ext cx="5689600" cy="501840"/>
-        </a:xfrm>
-        <a:prstGeom prst="roundRect">
-          <a:avLst/>
-        </a:prstGeom>
-        <a:blipFill rotWithShape="0">
-          <a:blip xmlns:r="http://schemas.openxmlformats.org/officeDocument/2006/relationships" r:embed="rId1">
-            <a:duotone>
-              <a:schemeClr val="accent1">
-                <a:hueOff val="0"/>
-                <a:satOff val="0"/>
-                <a:lumOff val="0"/>
-                <a:alphaOff val="0"/>
-                <a:shade val="22000"/>
-                <a:satMod val="160000"/>
-              </a:schemeClr>
-              <a:schemeClr val="accent1">
-                <a:hueOff val="0"/>
-                <a:satOff val="0"/>
-                <a:lumOff val="0"/>
-                <a:alphaOff val="0"/>
-                <a:shade val="45000"/>
-                <a:satMod val="100000"/>
-              </a:schemeClr>
-            </a:duotone>
-          </a:blip>
-          <a:tile tx="0" ty="0" sx="65000" sy="65000" flip="none" algn="ctr"/>
-        </a:blipFill>
-        <a:ln>
-          <a:noFill/>
-        </a:ln>
-        <a:effectLst>
-          <a:outerShdw blurRad="38100" dist="25400" dir="5400000" algn="t" rotWithShape="0">
-            <a:srgbClr val="000000">
-              <a:alpha val="50000"/>
-            </a:srgbClr>
-          </a:outerShdw>
-        </a:effectLst>
-      </dsp:spPr>
-      <dsp:style>
-        <a:lnRef idx="0">
-          <a:scrgbClr r="0" g="0" b="0"/>
-        </a:lnRef>
-        <a:fillRef idx="3">
-          <a:scrgbClr r="0" g="0" b="0"/>
-        </a:fillRef>
-        <a:effectRef idx="2">
-          <a:scrgbClr r="0" g="0" b="0"/>
-        </a:effectRef>
-        <a:fontRef idx="minor">
-          <a:schemeClr val="lt1"/>
-        </a:fontRef>
-      </dsp:style>
-      <dsp:txBody>
-        <a:bodyPr spcFirstLastPara="0" vert="horz" wrap="square" lIns="215053" tIns="0" rIns="215053" bIns="0" numCol="1" spcCol="1270" anchor="ctr" anchorCtr="0">
-          <a:noAutofit/>
-        </a:bodyPr>
-        <a:lstStyle/>
-        <a:p>
-          <a:pPr lvl="0" algn="l" defTabSz="755650">
-            <a:lnSpc>
-              <a:spcPct val="90000"/>
-            </a:lnSpc>
-            <a:spcBef>
-              <a:spcPct val="0"/>
-            </a:spcBef>
-            <a:spcAft>
-              <a:spcPct val="35000"/>
-            </a:spcAft>
-          </a:pPr>
-          <a:r>
-            <a:rPr lang="es-CO" sz="1700" b="1" kern="1200" dirty="0" smtClean="0"/>
-            <a:t>Seguridad</a:t>
-          </a:r>
-          <a:endParaRPr lang="es-CO" sz="1700" kern="1200" dirty="0"/>
-        </a:p>
-      </dsp:txBody>
-      <dsp:txXfrm>
-        <a:off x="430898" y="80811"/>
-        <a:ext cx="5640604" cy="452844"/>
-      </dsp:txXfrm>
-    </dsp:sp>
-    <dsp:sp modelId="{759E7ABB-BAD6-44FA-9F03-2A62CA9C6F20}">
-      <dsp:nvSpPr>
-        <dsp:cNvPr id="0" name=""/>
-        <dsp:cNvSpPr/>
-      </dsp:nvSpPr>
-      <dsp:spPr>
-        <a:xfrm>
-          <a:off x="0" y="1078353"/>
-          <a:ext cx="8128000" cy="428400"/>
-        </a:xfrm>
-        <a:prstGeom prst="rect">
-          <a:avLst/>
-        </a:prstGeom>
-        <a:solidFill>
-          <a:schemeClr val="lt1">
-            <a:alpha val="90000"/>
-            <a:hueOff val="0"/>
-            <a:satOff val="0"/>
-            <a:lumOff val="0"/>
-            <a:alphaOff val="0"/>
-          </a:schemeClr>
-        </a:solidFill>
-        <a:ln w="9525" cap="flat" cmpd="sng" algn="ctr">
-          <a:solidFill>
-            <a:schemeClr val="accent1">
-              <a:hueOff val="0"/>
-              <a:satOff val="0"/>
-              <a:lumOff val="0"/>
-              <a:alphaOff val="0"/>
-            </a:schemeClr>
-          </a:solidFill>
-          <a:prstDash val="solid"/>
-        </a:ln>
-        <a:effectLst/>
-      </dsp:spPr>
-      <dsp:style>
-        <a:lnRef idx="1">
-          <a:scrgbClr r="0" g="0" b="0"/>
-        </a:lnRef>
-        <a:fillRef idx="1">
-          <a:scrgbClr r="0" g="0" b="0"/>
-        </a:fillRef>
-        <a:effectRef idx="0">
-          <a:scrgbClr r="0" g="0" b="0"/>
-        </a:effectRef>
-        <a:fontRef idx="minor"/>
-      </dsp:style>
-    </dsp:sp>
-    <dsp:sp modelId="{763EE1E1-BEC5-4157-80AE-AD36AC09F505}">
-      <dsp:nvSpPr>
-        <dsp:cNvPr id="0" name=""/>
-        <dsp:cNvSpPr/>
-      </dsp:nvSpPr>
-      <dsp:spPr>
-        <a:xfrm>
-          <a:off x="406400" y="827433"/>
-          <a:ext cx="5689600" cy="501840"/>
-        </a:xfrm>
-        <a:prstGeom prst="roundRect">
-          <a:avLst/>
-        </a:prstGeom>
-        <a:blipFill rotWithShape="0">
-          <a:blip xmlns:r="http://schemas.openxmlformats.org/officeDocument/2006/relationships" r:embed="rId1">
-            <a:duotone>
-              <a:schemeClr val="accent1">
-                <a:hueOff val="0"/>
-                <a:satOff val="0"/>
-                <a:lumOff val="0"/>
-                <a:alphaOff val="0"/>
-                <a:shade val="22000"/>
-                <a:satMod val="160000"/>
-              </a:schemeClr>
-              <a:schemeClr val="accent1">
-                <a:hueOff val="0"/>
-                <a:satOff val="0"/>
-                <a:lumOff val="0"/>
-                <a:alphaOff val="0"/>
-                <a:shade val="45000"/>
-                <a:satMod val="100000"/>
-              </a:schemeClr>
-            </a:duotone>
-          </a:blip>
-          <a:tile tx="0" ty="0" sx="65000" sy="65000" flip="none" algn="ctr"/>
-        </a:blipFill>
-        <a:ln>
-          <a:noFill/>
-        </a:ln>
-        <a:effectLst>
-          <a:outerShdw blurRad="38100" dist="25400" dir="5400000" algn="t" rotWithShape="0">
-            <a:srgbClr val="000000">
-              <a:alpha val="50000"/>
-            </a:srgbClr>
-          </a:outerShdw>
-        </a:effectLst>
-      </dsp:spPr>
-      <dsp:style>
-        <a:lnRef idx="0">
-          <a:scrgbClr r="0" g="0" b="0"/>
-        </a:lnRef>
-        <a:fillRef idx="3">
-          <a:scrgbClr r="0" g="0" b="0"/>
-        </a:fillRef>
-        <a:effectRef idx="2">
-          <a:scrgbClr r="0" g="0" b="0"/>
-        </a:effectRef>
-        <a:fontRef idx="minor">
-          <a:schemeClr val="lt1"/>
-        </a:fontRef>
-      </dsp:style>
-      <dsp:txBody>
-        <a:bodyPr spcFirstLastPara="0" vert="horz" wrap="square" lIns="215053" tIns="0" rIns="215053" bIns="0" numCol="1" spcCol="1270" anchor="ctr" anchorCtr="0">
-          <a:noAutofit/>
-        </a:bodyPr>
-        <a:lstStyle/>
-        <a:p>
-          <a:pPr lvl="0" algn="l" defTabSz="755650">
-            <a:lnSpc>
-              <a:spcPct val="90000"/>
-            </a:lnSpc>
-            <a:spcBef>
-              <a:spcPct val="0"/>
-            </a:spcBef>
-            <a:spcAft>
-              <a:spcPct val="35000"/>
-            </a:spcAft>
-          </a:pPr>
-          <a:r>
-            <a:rPr lang="es-CO" sz="1700" b="1" kern="1200" dirty="0" smtClean="0"/>
-            <a:t>Confiabilidad</a:t>
-          </a:r>
-          <a:endParaRPr lang="es-CO" sz="1700" kern="1200" dirty="0"/>
-        </a:p>
-      </dsp:txBody>
-      <dsp:txXfrm>
-        <a:off x="430898" y="851931"/>
-        <a:ext cx="5640604" cy="452844"/>
-      </dsp:txXfrm>
-    </dsp:sp>
-    <dsp:sp modelId="{DFCDB830-5FC4-42C3-B6BC-4B8A05DF873A}">
-      <dsp:nvSpPr>
-        <dsp:cNvPr id="0" name=""/>
-        <dsp:cNvSpPr/>
-      </dsp:nvSpPr>
-      <dsp:spPr>
-        <a:xfrm>
-          <a:off x="0" y="1849473"/>
-          <a:ext cx="8128000" cy="428400"/>
-        </a:xfrm>
-        <a:prstGeom prst="rect">
-          <a:avLst/>
-        </a:prstGeom>
-        <a:solidFill>
-          <a:schemeClr val="lt1">
-            <a:alpha val="90000"/>
-            <a:hueOff val="0"/>
-            <a:satOff val="0"/>
-            <a:lumOff val="0"/>
-            <a:alphaOff val="0"/>
-          </a:schemeClr>
-        </a:solidFill>
-        <a:ln w="9525" cap="flat" cmpd="sng" algn="ctr">
-          <a:solidFill>
-            <a:schemeClr val="accent1">
-              <a:hueOff val="0"/>
-              <a:satOff val="0"/>
-              <a:lumOff val="0"/>
-              <a:alphaOff val="0"/>
-            </a:schemeClr>
-          </a:solidFill>
-          <a:prstDash val="solid"/>
-        </a:ln>
-        <a:effectLst/>
-      </dsp:spPr>
-      <dsp:style>
-        <a:lnRef idx="1">
-          <a:scrgbClr r="0" g="0" b="0"/>
-        </a:lnRef>
-        <a:fillRef idx="1">
-          <a:scrgbClr r="0" g="0" b="0"/>
-        </a:fillRef>
-        <a:effectRef idx="0">
-          <a:scrgbClr r="0" g="0" b="0"/>
-        </a:effectRef>
-        <a:fontRef idx="minor"/>
-      </dsp:style>
-    </dsp:sp>
-    <dsp:sp modelId="{835C4722-8584-4D6D-BD50-8F93B76390C0}">
-      <dsp:nvSpPr>
-        <dsp:cNvPr id="0" name=""/>
-        <dsp:cNvSpPr/>
-      </dsp:nvSpPr>
-      <dsp:spPr>
-        <a:xfrm>
-          <a:off x="406400" y="1598553"/>
-          <a:ext cx="5689600" cy="501840"/>
-        </a:xfrm>
-        <a:prstGeom prst="roundRect">
-          <a:avLst/>
-        </a:prstGeom>
-        <a:blipFill rotWithShape="0">
-          <a:blip xmlns:r="http://schemas.openxmlformats.org/officeDocument/2006/relationships" r:embed="rId1">
-            <a:duotone>
-              <a:schemeClr val="accent1">
-                <a:hueOff val="0"/>
-                <a:satOff val="0"/>
-                <a:lumOff val="0"/>
-                <a:alphaOff val="0"/>
-                <a:shade val="22000"/>
-                <a:satMod val="160000"/>
-              </a:schemeClr>
-              <a:schemeClr val="accent1">
-                <a:hueOff val="0"/>
-                <a:satOff val="0"/>
-                <a:lumOff val="0"/>
-                <a:alphaOff val="0"/>
-                <a:shade val="45000"/>
-                <a:satMod val="100000"/>
-              </a:schemeClr>
-            </a:duotone>
-          </a:blip>
-          <a:tile tx="0" ty="0" sx="65000" sy="65000" flip="none" algn="ctr"/>
-        </a:blipFill>
-        <a:ln>
-          <a:noFill/>
-        </a:ln>
-        <a:effectLst>
-          <a:outerShdw blurRad="38100" dist="25400" dir="5400000" algn="t" rotWithShape="0">
-            <a:srgbClr val="000000">
-              <a:alpha val="50000"/>
-            </a:srgbClr>
-          </a:outerShdw>
-        </a:effectLst>
-      </dsp:spPr>
-      <dsp:style>
-        <a:lnRef idx="0">
-          <a:scrgbClr r="0" g="0" b="0"/>
-        </a:lnRef>
-        <a:fillRef idx="3">
-          <a:scrgbClr r="0" g="0" b="0"/>
-        </a:fillRef>
-        <a:effectRef idx="2">
-          <a:scrgbClr r="0" g="0" b="0"/>
-        </a:effectRef>
-        <a:fontRef idx="minor">
-          <a:schemeClr val="lt1"/>
-        </a:fontRef>
-      </dsp:style>
-      <dsp:txBody>
-        <a:bodyPr spcFirstLastPara="0" vert="horz" wrap="square" lIns="215053" tIns="0" rIns="215053" bIns="0" numCol="1" spcCol="1270" anchor="ctr" anchorCtr="0">
-          <a:noAutofit/>
-        </a:bodyPr>
-        <a:lstStyle/>
-        <a:p>
-          <a:pPr lvl="0" algn="l" defTabSz="755650">
-            <a:lnSpc>
-              <a:spcPct val="90000"/>
-            </a:lnSpc>
-            <a:spcBef>
-              <a:spcPct val="0"/>
-            </a:spcBef>
-            <a:spcAft>
-              <a:spcPct val="35000"/>
-            </a:spcAft>
-          </a:pPr>
-          <a:r>
-            <a:rPr lang="es-CO" sz="1700" b="1" kern="1200" dirty="0" smtClean="0"/>
-            <a:t>Manejo de errores</a:t>
-          </a:r>
-          <a:endParaRPr lang="es-CO" sz="1700" kern="1200" dirty="0"/>
-        </a:p>
-      </dsp:txBody>
-      <dsp:txXfrm>
-        <a:off x="430898" y="1623051"/>
-        <a:ext cx="5640604" cy="452844"/>
-      </dsp:txXfrm>
-    </dsp:sp>
-    <dsp:sp modelId="{D019BDAB-2385-4646-AD65-F416B565E5B0}">
-      <dsp:nvSpPr>
-        <dsp:cNvPr id="0" name=""/>
-        <dsp:cNvSpPr/>
-      </dsp:nvSpPr>
-      <dsp:spPr>
-        <a:xfrm>
-          <a:off x="0" y="2620593"/>
-          <a:ext cx="8128000" cy="428400"/>
-        </a:xfrm>
-        <a:prstGeom prst="rect">
-          <a:avLst/>
-        </a:prstGeom>
-        <a:solidFill>
-          <a:schemeClr val="lt1">
-            <a:alpha val="90000"/>
-            <a:hueOff val="0"/>
-            <a:satOff val="0"/>
-            <a:lumOff val="0"/>
-            <a:alphaOff val="0"/>
-          </a:schemeClr>
-        </a:solidFill>
-        <a:ln w="9525" cap="flat" cmpd="sng" algn="ctr">
-          <a:solidFill>
-            <a:schemeClr val="accent1">
-              <a:hueOff val="0"/>
-              <a:satOff val="0"/>
-              <a:lumOff val="0"/>
-              <a:alphaOff val="0"/>
-            </a:schemeClr>
-          </a:solidFill>
-          <a:prstDash val="solid"/>
-        </a:ln>
-        <a:effectLst/>
-      </dsp:spPr>
-      <dsp:style>
-        <a:lnRef idx="1">
-          <a:scrgbClr r="0" g="0" b="0"/>
-        </a:lnRef>
-        <a:fillRef idx="1">
-          <a:scrgbClr r="0" g="0" b="0"/>
-        </a:fillRef>
-        <a:effectRef idx="0">
-          <a:scrgbClr r="0" g="0" b="0"/>
-        </a:effectRef>
-        <a:fontRef idx="minor"/>
-      </dsp:style>
-    </dsp:sp>
-    <dsp:sp modelId="{D00FFEE7-174D-46A7-AB90-3878887DC6E7}">
-      <dsp:nvSpPr>
-        <dsp:cNvPr id="0" name=""/>
-        <dsp:cNvSpPr/>
-      </dsp:nvSpPr>
-      <dsp:spPr>
-        <a:xfrm>
-          <a:off x="406400" y="2369673"/>
-          <a:ext cx="5689600" cy="501840"/>
-        </a:xfrm>
-        <a:prstGeom prst="roundRect">
-          <a:avLst/>
-        </a:prstGeom>
-        <a:blipFill rotWithShape="0">
-          <a:blip xmlns:r="http://schemas.openxmlformats.org/officeDocument/2006/relationships" r:embed="rId1">
-            <a:duotone>
-              <a:schemeClr val="accent1">
-                <a:hueOff val="0"/>
-                <a:satOff val="0"/>
-                <a:lumOff val="0"/>
-                <a:alphaOff val="0"/>
-                <a:shade val="22000"/>
-                <a:satMod val="160000"/>
-              </a:schemeClr>
-              <a:schemeClr val="accent1">
-                <a:hueOff val="0"/>
-                <a:satOff val="0"/>
-                <a:lumOff val="0"/>
-                <a:alphaOff val="0"/>
-                <a:shade val="45000"/>
-                <a:satMod val="100000"/>
-              </a:schemeClr>
-            </a:duotone>
-          </a:blip>
-          <a:tile tx="0" ty="0" sx="65000" sy="65000" flip="none" algn="ctr"/>
-        </a:blipFill>
-        <a:ln>
-          <a:noFill/>
-        </a:ln>
-        <a:effectLst>
-          <a:outerShdw blurRad="38100" dist="25400" dir="5400000" algn="t" rotWithShape="0">
-            <a:srgbClr val="000000">
-              <a:alpha val="50000"/>
-            </a:srgbClr>
-          </a:outerShdw>
-        </a:effectLst>
-      </dsp:spPr>
-      <dsp:style>
-        <a:lnRef idx="0">
-          <a:scrgbClr r="0" g="0" b="0"/>
-        </a:lnRef>
-        <a:fillRef idx="3">
-          <a:scrgbClr r="0" g="0" b="0"/>
-        </a:fillRef>
-        <a:effectRef idx="2">
-          <a:scrgbClr r="0" g="0" b="0"/>
-        </a:effectRef>
-        <a:fontRef idx="minor">
-          <a:schemeClr val="lt1"/>
-        </a:fontRef>
-      </dsp:style>
-      <dsp:txBody>
-        <a:bodyPr spcFirstLastPara="0" vert="horz" wrap="square" lIns="215053" tIns="0" rIns="215053" bIns="0" numCol="1" spcCol="1270" anchor="ctr" anchorCtr="0">
-          <a:noAutofit/>
-        </a:bodyPr>
-        <a:lstStyle/>
-        <a:p>
-          <a:pPr lvl="0" algn="l" defTabSz="755650">
-            <a:lnSpc>
-              <a:spcPct val="90000"/>
-            </a:lnSpc>
-            <a:spcBef>
-              <a:spcPct val="0"/>
-            </a:spcBef>
-            <a:spcAft>
-              <a:spcPct val="35000"/>
-            </a:spcAft>
-          </a:pPr>
-          <a:r>
-            <a:rPr lang="es-CO" sz="1700" b="1" kern="1200" dirty="0" smtClean="0"/>
-            <a:t>Multiplataforma</a:t>
-          </a:r>
-          <a:endParaRPr lang="es-CO" sz="1700" kern="1200" dirty="0"/>
-        </a:p>
-      </dsp:txBody>
-      <dsp:txXfrm>
-        <a:off x="430898" y="2394171"/>
-        <a:ext cx="5640604" cy="452844"/>
-      </dsp:txXfrm>
-    </dsp:sp>
-    <dsp:sp modelId="{17A8F7D8-9E2B-41A5-A6D6-A052C1A2F211}">
-      <dsp:nvSpPr>
-        <dsp:cNvPr id="0" name=""/>
-        <dsp:cNvSpPr/>
-      </dsp:nvSpPr>
-      <dsp:spPr>
-        <a:xfrm>
-          <a:off x="0" y="3391713"/>
-          <a:ext cx="8128000" cy="428400"/>
-        </a:xfrm>
-        <a:prstGeom prst="rect">
-          <a:avLst/>
-        </a:prstGeom>
-        <a:solidFill>
-          <a:schemeClr val="lt1">
-            <a:alpha val="90000"/>
-            <a:hueOff val="0"/>
-            <a:satOff val="0"/>
-            <a:lumOff val="0"/>
-            <a:alphaOff val="0"/>
-          </a:schemeClr>
-        </a:solidFill>
-        <a:ln w="9525" cap="flat" cmpd="sng" algn="ctr">
-          <a:solidFill>
-            <a:schemeClr val="accent1">
-              <a:hueOff val="0"/>
-              <a:satOff val="0"/>
-              <a:lumOff val="0"/>
-              <a:alphaOff val="0"/>
-            </a:schemeClr>
-          </a:solidFill>
-          <a:prstDash val="solid"/>
-        </a:ln>
-        <a:effectLst/>
-      </dsp:spPr>
-      <dsp:style>
-        <a:lnRef idx="1">
-          <a:scrgbClr r="0" g="0" b="0"/>
-        </a:lnRef>
-        <a:fillRef idx="1">
-          <a:scrgbClr r="0" g="0" b="0"/>
-        </a:fillRef>
-        <a:effectRef idx="0">
-          <a:scrgbClr r="0" g="0" b="0"/>
-        </a:effectRef>
-        <a:fontRef idx="minor"/>
-      </dsp:style>
-    </dsp:sp>
-    <dsp:sp modelId="{DAA915C5-62CE-4737-80C5-DCA0E0067CCA}">
-      <dsp:nvSpPr>
-        <dsp:cNvPr id="0" name=""/>
-        <dsp:cNvSpPr/>
-      </dsp:nvSpPr>
-      <dsp:spPr>
-        <a:xfrm>
-          <a:off x="406400" y="3140793"/>
-          <a:ext cx="5689600" cy="501840"/>
-        </a:xfrm>
-        <a:prstGeom prst="roundRect">
-          <a:avLst/>
-        </a:prstGeom>
-        <a:blipFill rotWithShape="0">
-          <a:blip xmlns:r="http://schemas.openxmlformats.org/officeDocument/2006/relationships" r:embed="rId1">
-            <a:duotone>
-              <a:schemeClr val="accent1">
-                <a:hueOff val="0"/>
-                <a:satOff val="0"/>
-                <a:lumOff val="0"/>
-                <a:alphaOff val="0"/>
-                <a:shade val="22000"/>
-                <a:satMod val="160000"/>
-              </a:schemeClr>
-              <a:schemeClr val="accent1">
-                <a:hueOff val="0"/>
-                <a:satOff val="0"/>
-                <a:lumOff val="0"/>
-                <a:alphaOff val="0"/>
-                <a:shade val="45000"/>
-                <a:satMod val="100000"/>
-              </a:schemeClr>
-            </a:duotone>
-          </a:blip>
-          <a:tile tx="0" ty="0" sx="65000" sy="65000" flip="none" algn="ctr"/>
-        </a:blipFill>
-        <a:ln>
-          <a:noFill/>
-        </a:ln>
-        <a:effectLst>
-          <a:outerShdw blurRad="38100" dist="25400" dir="5400000" algn="t" rotWithShape="0">
-            <a:srgbClr val="000000">
-              <a:alpha val="50000"/>
-            </a:srgbClr>
-          </a:outerShdw>
-        </a:effectLst>
-      </dsp:spPr>
-      <dsp:style>
-        <a:lnRef idx="0">
-          <a:scrgbClr r="0" g="0" b="0"/>
-        </a:lnRef>
-        <a:fillRef idx="3">
-          <a:scrgbClr r="0" g="0" b="0"/>
-        </a:fillRef>
-        <a:effectRef idx="2">
-          <a:scrgbClr r="0" g="0" b="0"/>
-        </a:effectRef>
-        <a:fontRef idx="minor">
-          <a:schemeClr val="lt1"/>
-        </a:fontRef>
-      </dsp:style>
-      <dsp:txBody>
-        <a:bodyPr spcFirstLastPara="0" vert="horz" wrap="square" lIns="215053" tIns="0" rIns="215053" bIns="0" numCol="1" spcCol="1270" anchor="ctr" anchorCtr="0">
-          <a:noAutofit/>
-        </a:bodyPr>
-        <a:lstStyle/>
-        <a:p>
-          <a:pPr lvl="0" algn="l" defTabSz="755650">
-            <a:lnSpc>
-              <a:spcPct val="90000"/>
-            </a:lnSpc>
-            <a:spcBef>
-              <a:spcPct val="0"/>
-            </a:spcBef>
-            <a:spcAft>
-              <a:spcPct val="35000"/>
-            </a:spcAft>
-          </a:pPr>
-          <a:r>
-            <a:rPr lang="es-CO" sz="1700" b="1" kern="1200" dirty="0" smtClean="0"/>
-            <a:t>Interoperabilidad</a:t>
-          </a:r>
-          <a:endParaRPr lang="es-CO" sz="1700" kern="1200" dirty="0"/>
-        </a:p>
-      </dsp:txBody>
-      <dsp:txXfrm>
-        <a:off x="430898" y="3165291"/>
-        <a:ext cx="5640604" cy="452844"/>
-      </dsp:txXfrm>
-    </dsp:sp>
-    <dsp:sp modelId="{6C879FAD-3C6C-4517-B33D-CDE860A0D14F}">
-      <dsp:nvSpPr>
-        <dsp:cNvPr id="0" name=""/>
-        <dsp:cNvSpPr/>
-      </dsp:nvSpPr>
-      <dsp:spPr>
-        <a:xfrm>
-          <a:off x="0" y="4162833"/>
-          <a:ext cx="8128000" cy="428400"/>
-        </a:xfrm>
-        <a:prstGeom prst="rect">
-          <a:avLst/>
-        </a:prstGeom>
-        <a:solidFill>
-          <a:schemeClr val="lt1">
-            <a:alpha val="90000"/>
-            <a:hueOff val="0"/>
-            <a:satOff val="0"/>
-            <a:lumOff val="0"/>
-            <a:alphaOff val="0"/>
-          </a:schemeClr>
-        </a:solidFill>
-        <a:ln w="9525" cap="flat" cmpd="sng" algn="ctr">
-          <a:solidFill>
-            <a:schemeClr val="accent1">
-              <a:hueOff val="0"/>
-              <a:satOff val="0"/>
-              <a:lumOff val="0"/>
-              <a:alphaOff val="0"/>
-            </a:schemeClr>
-          </a:solidFill>
-          <a:prstDash val="solid"/>
-        </a:ln>
-        <a:effectLst/>
-      </dsp:spPr>
-      <dsp:style>
-        <a:lnRef idx="1">
-          <a:scrgbClr r="0" g="0" b="0"/>
-        </a:lnRef>
-        <a:fillRef idx="1">
-          <a:scrgbClr r="0" g="0" b="0"/>
-        </a:fillRef>
-        <a:effectRef idx="0">
-          <a:scrgbClr r="0" g="0" b="0"/>
-        </a:effectRef>
-        <a:fontRef idx="minor"/>
-      </dsp:style>
-    </dsp:sp>
-    <dsp:sp modelId="{F90EB9A8-F9E0-493F-8254-4EC19B850E62}">
-      <dsp:nvSpPr>
-        <dsp:cNvPr id="0" name=""/>
-        <dsp:cNvSpPr/>
-      </dsp:nvSpPr>
-      <dsp:spPr>
-        <a:xfrm>
-          <a:off x="406400" y="3911913"/>
-          <a:ext cx="5689600" cy="501840"/>
-        </a:xfrm>
-        <a:prstGeom prst="roundRect">
-          <a:avLst/>
-        </a:prstGeom>
-        <a:blipFill>
-          <a:blip xmlns:r="http://schemas.openxmlformats.org/officeDocument/2006/relationships" r:embed="rId1">
-            <a:duotone>
-              <a:schemeClr val="accent1">
-                <a:tint val="30000"/>
-                <a:satMod val="300000"/>
-              </a:schemeClr>
-              <a:schemeClr val="accent1">
-                <a:tint val="40000"/>
-                <a:satMod val="200000"/>
-              </a:schemeClr>
-            </a:duotone>
-          </a:blip>
-          <a:tile tx="0" ty="0" sx="70000" sy="70000" flip="none" algn="ctr"/>
-        </a:blipFill>
-        <a:ln w="9525" cap="flat" cmpd="sng" algn="ctr">
-          <a:solidFill>
-            <a:schemeClr val="accent1">
-              <a:shade val="60000"/>
-              <a:satMod val="110000"/>
-            </a:schemeClr>
-          </a:solidFill>
-          <a:prstDash val="solid"/>
-        </a:ln>
-        <a:effectLst>
-          <a:outerShdw blurRad="38100" dist="25400" dir="5400000" algn="t" rotWithShape="0">
-            <a:srgbClr val="000000">
-              <a:alpha val="50000"/>
-            </a:srgbClr>
-          </a:outerShdw>
-        </a:effectLst>
-      </dsp:spPr>
-      <dsp:style>
-        <a:lnRef idx="1">
-          <a:schemeClr val="accent1"/>
-        </a:lnRef>
-        <a:fillRef idx="2">
-          <a:schemeClr val="accent1"/>
-        </a:fillRef>
-        <a:effectRef idx="1">
-          <a:schemeClr val="accent1"/>
-        </a:effectRef>
-        <a:fontRef idx="minor">
-          <a:schemeClr val="dk1"/>
-        </a:fontRef>
-      </dsp:style>
-      <dsp:txBody>
-        <a:bodyPr spcFirstLastPara="0" vert="horz" wrap="square" lIns="215053" tIns="0" rIns="215053" bIns="0" numCol="1" spcCol="1270" anchor="ctr" anchorCtr="0">
-          <a:noAutofit/>
-        </a:bodyPr>
-        <a:lstStyle/>
-        <a:p>
-          <a:pPr lvl="0" algn="l" defTabSz="755650">
-            <a:lnSpc>
-              <a:spcPct val="90000"/>
-            </a:lnSpc>
-            <a:spcBef>
-              <a:spcPct val="0"/>
-            </a:spcBef>
-            <a:spcAft>
-              <a:spcPct val="35000"/>
-            </a:spcAft>
-          </a:pPr>
-          <a:r>
-            <a:rPr lang="es-CO" sz="1700" b="1" kern="1200" dirty="0" smtClean="0"/>
-            <a:t>Integración</a:t>
-          </a:r>
-          <a:endParaRPr lang="es-CO" sz="1700" kern="1200" dirty="0"/>
-        </a:p>
-      </dsp:txBody>
-      <dsp:txXfrm>
-        <a:off x="430898" y="3936411"/>
-        <a:ext cx="5640604" cy="452844"/>
-      </dsp:txXfrm>
-    </dsp:sp>
-    <dsp:sp modelId="{5E882933-21CA-4A64-9324-C5D40137F8CD}">
-      <dsp:nvSpPr>
-        <dsp:cNvPr id="0" name=""/>
-        <dsp:cNvSpPr/>
-      </dsp:nvSpPr>
-      <dsp:spPr>
-        <a:xfrm>
-          <a:off x="0" y="4933953"/>
-          <a:ext cx="8128000" cy="428400"/>
-        </a:xfrm>
-        <a:prstGeom prst="rect">
-          <a:avLst/>
-        </a:prstGeom>
-        <a:solidFill>
-          <a:schemeClr val="lt1">
-            <a:alpha val="90000"/>
-            <a:hueOff val="0"/>
-            <a:satOff val="0"/>
-            <a:lumOff val="0"/>
-            <a:alphaOff val="0"/>
-          </a:schemeClr>
-        </a:solidFill>
-        <a:ln w="9525" cap="flat" cmpd="sng" algn="ctr">
-          <a:solidFill>
-            <a:schemeClr val="accent1">
-              <a:hueOff val="0"/>
-              <a:satOff val="0"/>
-              <a:lumOff val="0"/>
-              <a:alphaOff val="0"/>
-            </a:schemeClr>
-          </a:solidFill>
-          <a:prstDash val="solid"/>
-        </a:ln>
-        <a:effectLst/>
-      </dsp:spPr>
-      <dsp:style>
-        <a:lnRef idx="1">
-          <a:scrgbClr r="0" g="0" b="0"/>
-        </a:lnRef>
-        <a:fillRef idx="1">
-          <a:scrgbClr r="0" g="0" b="0"/>
-        </a:fillRef>
-        <a:effectRef idx="0">
-          <a:scrgbClr r="0" g="0" b="0"/>
-        </a:effectRef>
-        <a:fontRef idx="minor"/>
-      </dsp:style>
-    </dsp:sp>
-    <dsp:sp modelId="{F8A22EE0-D616-4EC2-B8F8-D5D793D6F654}">
-      <dsp:nvSpPr>
-        <dsp:cNvPr id="0" name=""/>
-        <dsp:cNvSpPr/>
-      </dsp:nvSpPr>
-      <dsp:spPr>
-        <a:xfrm>
-          <a:off x="406400" y="4683033"/>
-          <a:ext cx="5689600" cy="501840"/>
-        </a:xfrm>
-        <a:prstGeom prst="roundRect">
-          <a:avLst/>
-        </a:prstGeom>
-        <a:blipFill>
-          <a:blip xmlns:r="http://schemas.openxmlformats.org/officeDocument/2006/relationships" r:embed="rId1">
-            <a:duotone>
-              <a:schemeClr val="accent1">
-                <a:tint val="30000"/>
-                <a:satMod val="300000"/>
-              </a:schemeClr>
-              <a:schemeClr val="accent1">
-                <a:tint val="40000"/>
-                <a:satMod val="200000"/>
-              </a:schemeClr>
-            </a:duotone>
-          </a:blip>
-          <a:tile tx="0" ty="0" sx="70000" sy="70000" flip="none" algn="ctr"/>
-        </a:blipFill>
-        <a:ln w="9525" cap="flat" cmpd="sng" algn="ctr">
-          <a:solidFill>
-            <a:schemeClr val="accent1">
-              <a:shade val="60000"/>
-              <a:satMod val="110000"/>
-            </a:schemeClr>
-          </a:solidFill>
-          <a:prstDash val="solid"/>
-        </a:ln>
-        <a:effectLst>
-          <a:outerShdw blurRad="38100" dist="25400" dir="5400000" algn="t" rotWithShape="0">
-            <a:srgbClr val="000000">
-              <a:alpha val="50000"/>
-            </a:srgbClr>
-          </a:outerShdw>
-        </a:effectLst>
-      </dsp:spPr>
-      <dsp:style>
-        <a:lnRef idx="1">
-          <a:schemeClr val="accent1"/>
-        </a:lnRef>
-        <a:fillRef idx="2">
-          <a:schemeClr val="accent1"/>
-        </a:fillRef>
-        <a:effectRef idx="1">
-          <a:schemeClr val="accent1"/>
-        </a:effectRef>
-        <a:fontRef idx="minor">
-          <a:schemeClr val="dk1"/>
-        </a:fontRef>
-      </dsp:style>
-      <dsp:txBody>
-        <a:bodyPr spcFirstLastPara="0" vert="horz" wrap="square" lIns="215053" tIns="0" rIns="215053" bIns="0" numCol="1" spcCol="1270" anchor="ctr" anchorCtr="0">
-          <a:noAutofit/>
-        </a:bodyPr>
-        <a:lstStyle/>
-        <a:p>
-          <a:pPr lvl="0" algn="l" defTabSz="755650">
-            <a:lnSpc>
-              <a:spcPct val="90000"/>
-            </a:lnSpc>
-            <a:spcBef>
-              <a:spcPct val="0"/>
-            </a:spcBef>
-            <a:spcAft>
-              <a:spcPct val="35000"/>
-            </a:spcAft>
-          </a:pPr>
-          <a:r>
-            <a:rPr lang="es-CO" sz="1700" b="1" kern="1200" dirty="0" smtClean="0"/>
-            <a:t>Usabilidad</a:t>
-          </a:r>
-          <a:endParaRPr lang="es-CO" sz="1700" kern="1200" dirty="0"/>
-        </a:p>
-      </dsp:txBody>
-      <dsp:txXfrm>
-        <a:off x="430898" y="4707531"/>
-        <a:ext cx="5640604" cy="452844"/>
-      </dsp:txXfrm>
-    </dsp:sp>
   </dsp:spTree>
 </dsp:drawing>
 </file>
 
 <file path=ppt/diagrams/drawing4.xml><?xml version="1.0" encoding="utf-8"?>
+<dsp:drawing xmlns:dgm="http://schemas.openxmlformats.org/drawingml/2006/diagram" xmlns:dsp="http://schemas.microsoft.com/office/drawing/2008/diagram" xmlns:a="http://schemas.openxmlformats.org/drawingml/2006/main">
+  <dsp:spTree>
+    <dsp:nvGrpSpPr>
+      <dsp:cNvPr id="0" name=""/>
+      <dsp:cNvGrpSpPr/>
+    </dsp:nvGrpSpPr>
+    <dsp:grpSpPr/>
+  </dsp:spTree>
+</dsp:drawing>
+</file>
+
+<file path=ppt/diagrams/drawing5.xml><?xml version="1.0" encoding="utf-8"?>
 <dsp:drawing xmlns:dgm="http://schemas.openxmlformats.org/drawingml/2006/diagram" xmlns:dsp="http://schemas.microsoft.com/office/drawing/2008/diagram" xmlns:a="http://schemas.openxmlformats.org/drawingml/2006/main">
   <dsp:spTree>
     <dsp:nvGrpSpPr>
@@ -10797,7 +11281,7 @@
 </dsp:drawing>
 </file>
 
-<file path=ppt/diagrams/drawing5.xml><?xml version="1.0" encoding="utf-8"?>
+<file path=ppt/diagrams/drawing6.xml><?xml version="1.0" encoding="utf-8"?>
 <dsp:drawing xmlns:dgm="http://schemas.openxmlformats.org/drawingml/2006/diagram" xmlns:dsp="http://schemas.microsoft.com/office/drawing/2008/diagram" xmlns:a="http://schemas.openxmlformats.org/drawingml/2006/main">
   <dsp:spTree>
     <dsp:nvGrpSpPr>
@@ -10990,7 +11474,7 @@
             <a:rPr lang="es-ES" sz="2400" kern="1200" dirty="0" smtClean="0">
               <a:latin typeface="Calibri" pitchFamily="34" charset="0"/>
             </a:rPr>
-            <a:t>Después de que el proyecto fue "completado" , muchos cambios fueron requeridos antes de la aprobación del cliente</a:t>
+            <a:t>Se requirieron muchos cambios antes de recibir la aprobación del cliente aún cuando el proyecto se había “completado”</a:t>
           </a:r>
           <a:endParaRPr lang="es-CO" sz="2400" kern="1200" dirty="0">
             <a:latin typeface="Calibri" pitchFamily="34" charset="0"/>
@@ -11211,10 +11695,22 @@
             </a:spcAft>
           </a:pPr>
           <a:r>
-            <a:rPr lang="es-ES" sz="2400" kern="1200" dirty="0" smtClean="0">
+            <a:rPr lang="es-CO" sz="2400" kern="1200" dirty="0" smtClean="0">
               <a:latin typeface="Calibri" pitchFamily="34" charset="0"/>
             </a:rPr>
-            <a:t>El sistema complejo fue diseñado en partes, cuando la integración falló fue necesario rediseñar todo</a:t>
+            <a:t>La integración de un sistema complejo falla pues sus partes no fueron diseñadas </a:t>
+          </a:r>
+          <a:r>
+            <a:rPr lang="es-CO" sz="2400" kern="1200" dirty="0" smtClean="0">
+              <a:latin typeface="Calibri" pitchFamily="34" charset="0"/>
+            </a:rPr>
+            <a:t>adecuadamente</a:t>
+          </a:r>
+          <a:r>
+            <a:rPr lang="es-CO" sz="2400" kern="1200" dirty="0" smtClean="0">
+              <a:latin typeface="Calibri" pitchFamily="34" charset="0"/>
+            </a:rPr>
+            <a:t>.</a:t>
           </a:r>
           <a:endParaRPr lang="es-CO" sz="2400" kern="1200" dirty="0">
             <a:latin typeface="Calibri" pitchFamily="34" charset="0"/>
@@ -11882,6 +12378,194 @@
 </file>
 
 <file path=ppt/diagrams/layout3.xml><?xml version="1.0" encoding="utf-8"?>
+<dgm:layoutDef xmlns:dgm="http://schemas.openxmlformats.org/drawingml/2006/diagram" xmlns:a="http://schemas.openxmlformats.org/drawingml/2006/main" uniqueId="urn:microsoft.com/office/officeart/2005/8/layout/bProcess3">
+  <dgm:title val=""/>
+  <dgm:desc val=""/>
+  <dgm:catLst>
+    <dgm:cat type="process" pri="18000"/>
+  </dgm:catLst>
+  <dgm:sampData>
+    <dgm:dataModel>
+      <dgm:ptLst>
+        <dgm:pt modelId="0" type="doc"/>
+        <dgm:pt modelId="1">
+          <dgm:prSet phldr="1"/>
+        </dgm:pt>
+        <dgm:pt modelId="2">
+          <dgm:prSet phldr="1"/>
+        </dgm:pt>
+        <dgm:pt modelId="3">
+          <dgm:prSet phldr="1"/>
+        </dgm:pt>
+        <dgm:pt modelId="4">
+          <dgm:prSet phldr="1"/>
+        </dgm:pt>
+        <dgm:pt modelId="5">
+          <dgm:prSet phldr="1"/>
+        </dgm:pt>
+      </dgm:ptLst>
+      <dgm:cxnLst>
+        <dgm:cxn modelId="7" srcId="0" destId="1" srcOrd="0" destOrd="0"/>
+        <dgm:cxn modelId="8" srcId="0" destId="2" srcOrd="1" destOrd="0"/>
+        <dgm:cxn modelId="9" srcId="0" destId="3" srcOrd="2" destOrd="0"/>
+        <dgm:cxn modelId="10" srcId="0" destId="4" srcOrd="3" destOrd="0"/>
+        <dgm:cxn modelId="11" srcId="0" destId="5" srcOrd="4" destOrd="0"/>
+      </dgm:cxnLst>
+      <dgm:bg/>
+      <dgm:whole/>
+    </dgm:dataModel>
+  </dgm:sampData>
+  <dgm:styleData>
+    <dgm:dataModel>
+      <dgm:ptLst>
+        <dgm:pt modelId="0" type="doc"/>
+        <dgm:pt modelId="1"/>
+        <dgm:pt modelId="2"/>
+      </dgm:ptLst>
+      <dgm:cxnLst>
+        <dgm:cxn modelId="3" srcId="0" destId="1" srcOrd="0" destOrd="0"/>
+        <dgm:cxn modelId="4" srcId="0" destId="2" srcOrd="1" destOrd="0"/>
+      </dgm:cxnLst>
+      <dgm:bg/>
+      <dgm:whole/>
+    </dgm:dataModel>
+  </dgm:styleData>
+  <dgm:clrData>
+    <dgm:dataModel>
+      <dgm:ptLst>
+        <dgm:pt modelId="0" type="doc"/>
+        <dgm:pt modelId="1"/>
+        <dgm:pt modelId="2"/>
+        <dgm:pt modelId="3"/>
+        <dgm:pt modelId="4"/>
+      </dgm:ptLst>
+      <dgm:cxnLst>
+        <dgm:cxn modelId="5" srcId="0" destId="1" srcOrd="0" destOrd="0"/>
+        <dgm:cxn modelId="6" srcId="0" destId="2" srcOrd="1" destOrd="0"/>
+        <dgm:cxn modelId="7" srcId="0" destId="3" srcOrd="2" destOrd="0"/>
+        <dgm:cxn modelId="8" srcId="0" destId="4" srcOrd="3" destOrd="0"/>
+      </dgm:cxnLst>
+      <dgm:bg/>
+      <dgm:whole/>
+    </dgm:dataModel>
+  </dgm:clrData>
+  <dgm:layoutNode name="Name0">
+    <dgm:varLst>
+      <dgm:dir/>
+      <dgm:resizeHandles val="exact"/>
+    </dgm:varLst>
+    <dgm:choose name="Name1">
+      <dgm:if name="Name2" axis="self" func="var" arg="dir" op="equ" val="norm">
+        <dgm:alg type="snake">
+          <dgm:param type="grDir" val="tL"/>
+          <dgm:param type="flowDir" val="row"/>
+          <dgm:param type="contDir" val="sameDir"/>
+          <dgm:param type="bkpt" val="endCnv"/>
+        </dgm:alg>
+      </dgm:if>
+      <dgm:else name="Name3">
+        <dgm:alg type="snake">
+          <dgm:param type="grDir" val="tR"/>
+          <dgm:param type="flowDir" val="row"/>
+          <dgm:param type="contDir" val="sameDir"/>
+          <dgm:param type="bkpt" val="endCnv"/>
+        </dgm:alg>
+      </dgm:else>
+    </dgm:choose>
+    <dgm:shape xmlns:r="http://schemas.openxmlformats.org/officeDocument/2006/relationships" r:blip="">
+      <dgm:adjLst/>
+    </dgm:shape>
+    <dgm:presOf/>
+    <dgm:constrLst>
+      <dgm:constr type="w" for="ch" ptType="node" refType="w"/>
+      <dgm:constr type="w" for="ch" forName="sibTrans" refType="w" refFor="ch" refPtType="node" op="equ" fact="0.23"/>
+      <dgm:constr type="sp" refType="w" refFor="ch" refForName="sibTrans" op="equ"/>
+      <dgm:constr type="userB" for="des" forName="connectorText" refType="sp"/>
+      <dgm:constr type="primFontSz" for="ch" ptType="node" op="equ" val="65"/>
+      <dgm:constr type="h" for="ch" ptType="sibTrans" op="equ"/>
+      <dgm:constr type="primFontSz" for="des" forName="connectorText" op="equ" val="55"/>
+      <dgm:constr type="primFontSz" for="des" forName="connectorText" refType="primFontSz" refFor="ch" refPtType="node" op="lte" fact="0.8"/>
+    </dgm:constrLst>
+    <dgm:ruleLst/>
+    <dgm:forEach name="nodesForEach" axis="ch" ptType="node">
+      <dgm:layoutNode name="node">
+        <dgm:varLst>
+          <dgm:bulletEnabled val="1"/>
+        </dgm:varLst>
+        <dgm:alg type="tx"/>
+        <dgm:shape xmlns:r="http://schemas.openxmlformats.org/officeDocument/2006/relationships" type="rect" r:blip="">
+          <dgm:adjLst/>
+        </dgm:shape>
+        <dgm:presOf axis="desOrSelf" ptType="node"/>
+        <dgm:constrLst>
+          <dgm:constr type="h" refType="w" fact="0.6"/>
+        </dgm:constrLst>
+        <dgm:ruleLst>
+          <dgm:rule type="primFontSz" val="5" fact="NaN" max="NaN"/>
+        </dgm:ruleLst>
+      </dgm:layoutNode>
+      <dgm:forEach name="sibTransForEach" axis="followSib" ptType="sibTrans" cnt="1">
+        <dgm:layoutNode name="sibTrans">
+          <dgm:choose name="Name4">
+            <dgm:if name="Name5" axis="self" func="var" arg="dir" op="equ" val="norm">
+              <dgm:alg type="conn">
+                <dgm:param type="connRout" val="bend"/>
+                <dgm:param type="dim" val="1D"/>
+                <dgm:param type="begPts" val="midR bCtr"/>
+                <dgm:param type="endPts" val="midL tCtr"/>
+              </dgm:alg>
+            </dgm:if>
+            <dgm:else name="Name6">
+              <dgm:alg type="conn">
+                <dgm:param type="connRout" val="bend"/>
+                <dgm:param type="dim" val="1D"/>
+                <dgm:param type="begPts" val="midL bCtr"/>
+                <dgm:param type="endPts" val="midR tCtr"/>
+              </dgm:alg>
+            </dgm:else>
+          </dgm:choose>
+          <dgm:shape xmlns:r="http://schemas.openxmlformats.org/officeDocument/2006/relationships" type="conn" r:blip="" zOrderOff="-2">
+            <dgm:adjLst/>
+          </dgm:shape>
+          <dgm:presOf axis="self"/>
+          <dgm:constrLst>
+            <dgm:constr type="begPad" val="-0.05"/>
+            <dgm:constr type="endPad" val="0.9"/>
+            <dgm:constr type="userA" for="ch" refType="connDist"/>
+          </dgm:constrLst>
+          <dgm:ruleLst/>
+          <dgm:layoutNode name="connectorText">
+            <dgm:alg type="tx">
+              <dgm:param type="autoTxRot" val="upr"/>
+            </dgm:alg>
+            <dgm:shape xmlns:r="http://schemas.openxmlformats.org/officeDocument/2006/relationships" type="rect" r:blip="" hideGeom="1">
+              <dgm:adjLst/>
+            </dgm:shape>
+            <dgm:presOf axis="self"/>
+            <dgm:constrLst>
+              <dgm:constr type="userA"/>
+              <dgm:constr type="userB"/>
+              <dgm:constr type="w" refType="userA" fact="0.05"/>
+              <dgm:constr type="h" refType="userB" fact="0.01"/>
+              <dgm:constr type="lMarg" val="1"/>
+              <dgm:constr type="rMarg" val="1"/>
+              <dgm:constr type="tMarg"/>
+              <dgm:constr type="bMarg"/>
+            </dgm:constrLst>
+            <dgm:ruleLst>
+              <dgm:rule type="w" val="NaN" fact="0.6" max="NaN"/>
+              <dgm:rule type="h" val="NaN" fact="0.6" max="NaN"/>
+              <dgm:rule type="primFontSz" val="5" fact="NaN" max="NaN"/>
+            </dgm:ruleLst>
+          </dgm:layoutNode>
+        </dgm:layoutNode>
+      </dgm:forEach>
+    </dgm:forEach>
+  </dgm:layoutNode>
+</dgm:layoutDef>
+</file>
+
+<file path=ppt/diagrams/layout4.xml><?xml version="1.0" encoding="utf-8"?>
 <dgm:layoutDef xmlns:dgm="http://schemas.openxmlformats.org/drawingml/2006/diagram" xmlns:a="http://schemas.openxmlformats.org/drawingml/2006/main" uniqueId="urn:microsoft.com/office/officeart/2005/8/layout/list1">
   <dgm:title val=""/>
   <dgm:desc val=""/>
@@ -12106,7 +12790,7 @@
 </dgm:layoutDef>
 </file>
 
-<file path=ppt/diagrams/layout4.xml><?xml version="1.0" encoding="utf-8"?>
+<file path=ppt/diagrams/layout5.xml><?xml version="1.0" encoding="utf-8"?>
 <dgm:layoutDef xmlns:dgm="http://schemas.openxmlformats.org/drawingml/2006/diagram" xmlns:a="http://schemas.openxmlformats.org/drawingml/2006/main" uniqueId="urn:microsoft.com/office/officeart/2009/3/layout/SubStepProcess">
   <dgm:title val=""/>
   <dgm:desc val=""/>
@@ -13802,7 +14486,7 @@
 </dgm:layoutDef>
 </file>
 
-<file path=ppt/diagrams/layout5.xml><?xml version="1.0" encoding="utf-8"?>
+<file path=ppt/diagrams/layout6.xml><?xml version="1.0" encoding="utf-8"?>
 <dgm:layoutDef xmlns:dgm="http://schemas.openxmlformats.org/drawingml/2006/diagram" xmlns:a="http://schemas.openxmlformats.org/drawingml/2006/main" uniqueId="urn:microsoft.com/office/officeart/2008/layout/LinedList">
   <dgm:title val=""/>
   <dgm:desc val=""/>
@@ -16633,6 +17317,1040 @@
 </file>
 
 <file path=ppt/diagrams/quickStyle3.xml><?xml version="1.0" encoding="utf-8"?>
+<dgm:styleDef xmlns:dgm="http://schemas.openxmlformats.org/drawingml/2006/diagram" xmlns:a="http://schemas.openxmlformats.org/drawingml/2006/main" uniqueId="urn:microsoft.com/office/officeart/2005/8/quickstyle/simple2">
+  <dgm:title val=""/>
+  <dgm:desc val=""/>
+  <dgm:catLst>
+    <dgm:cat type="simple" pri="10200"/>
+  </dgm:catLst>
+  <dgm:scene3d>
+    <a:camera prst="orthographicFront"/>
+    <a:lightRig rig="threePt" dir="t"/>
+  </dgm:scene3d>
+  <dgm:styleLbl name="node0">
+    <dgm:scene3d>
+      <a:camera prst="orthographicFront"/>
+      <a:lightRig rig="threePt" dir="t"/>
+    </dgm:scene3d>
+    <dgm:sp3d/>
+    <dgm:txPr/>
+    <dgm:style>
+      <a:lnRef idx="3">
+        <a:scrgbClr r="0" g="0" b="0"/>
+      </a:lnRef>
+      <a:fillRef idx="1">
+        <a:scrgbClr r="0" g="0" b="0"/>
+      </a:fillRef>
+      <a:effectRef idx="1">
+        <a:scrgbClr r="0" g="0" b="0"/>
+      </a:effectRef>
+      <a:fontRef idx="minor">
+        <a:schemeClr val="lt1"/>
+      </a:fontRef>
+    </dgm:style>
+  </dgm:styleLbl>
+  <dgm:styleLbl name="lnNode1">
+    <dgm:scene3d>
+      <a:camera prst="orthographicFront"/>
+      <a:lightRig rig="threePt" dir="t"/>
+    </dgm:scene3d>
+    <dgm:sp3d/>
+    <dgm:txPr/>
+    <dgm:style>
+      <a:lnRef idx="3">
+        <a:scrgbClr r="0" g="0" b="0"/>
+      </a:lnRef>
+      <a:fillRef idx="1">
+        <a:scrgbClr r="0" g="0" b="0"/>
+      </a:fillRef>
+      <a:effectRef idx="1">
+        <a:scrgbClr r="0" g="0" b="0"/>
+      </a:effectRef>
+      <a:fontRef idx="minor">
+        <a:schemeClr val="lt1"/>
+      </a:fontRef>
+    </dgm:style>
+  </dgm:styleLbl>
+  <dgm:styleLbl name="vennNode1">
+    <dgm:scene3d>
+      <a:camera prst="orthographicFront"/>
+      <a:lightRig rig="threePt" dir="t"/>
+    </dgm:scene3d>
+    <dgm:sp3d/>
+    <dgm:txPr/>
+    <dgm:style>
+      <a:lnRef idx="3">
+        <a:scrgbClr r="0" g="0" b="0"/>
+      </a:lnRef>
+      <a:fillRef idx="1">
+        <a:scrgbClr r="0" g="0" b="0"/>
+      </a:fillRef>
+      <a:effectRef idx="0">
+        <a:scrgbClr r="0" g="0" b="0"/>
+      </a:effectRef>
+      <a:fontRef idx="minor">
+        <a:schemeClr val="tx1"/>
+      </a:fontRef>
+    </dgm:style>
+  </dgm:styleLbl>
+  <dgm:styleLbl name="alignNode1">
+    <dgm:scene3d>
+      <a:camera prst="orthographicFront"/>
+      <a:lightRig rig="threePt" dir="t"/>
+    </dgm:scene3d>
+    <dgm:sp3d/>
+    <dgm:txPr/>
+    <dgm:style>
+      <a:lnRef idx="2">
+        <a:scrgbClr r="0" g="0" b="0"/>
+      </a:lnRef>
+      <a:fillRef idx="1">
+        <a:scrgbClr r="0" g="0" b="0"/>
+      </a:fillRef>
+      <a:effectRef idx="1">
+        <a:scrgbClr r="0" g="0" b="0"/>
+      </a:effectRef>
+      <a:fontRef idx="minor">
+        <a:schemeClr val="lt1"/>
+      </a:fontRef>
+    </dgm:style>
+  </dgm:styleLbl>
+  <dgm:styleLbl name="node1">
+    <dgm:scene3d>
+      <a:camera prst="orthographicFront"/>
+      <a:lightRig rig="threePt" dir="t"/>
+    </dgm:scene3d>
+    <dgm:sp3d/>
+    <dgm:txPr/>
+    <dgm:style>
+      <a:lnRef idx="3">
+        <a:scrgbClr r="0" g="0" b="0"/>
+      </a:lnRef>
+      <a:fillRef idx="1">
+        <a:scrgbClr r="0" g="0" b="0"/>
+      </a:fillRef>
+      <a:effectRef idx="1">
+        <a:scrgbClr r="0" g="0" b="0"/>
+      </a:effectRef>
+      <a:fontRef idx="minor">
+        <a:schemeClr val="lt1"/>
+      </a:fontRef>
+    </dgm:style>
+  </dgm:styleLbl>
+  <dgm:styleLbl name="node2">
+    <dgm:scene3d>
+      <a:camera prst="orthographicFront"/>
+      <a:lightRig rig="threePt" dir="t"/>
+    </dgm:scene3d>
+    <dgm:sp3d/>
+    <dgm:txPr/>
+    <dgm:style>
+      <a:lnRef idx="3">
+        <a:scrgbClr r="0" g="0" b="0"/>
+      </a:lnRef>
+      <a:fillRef idx="1">
+        <a:scrgbClr r="0" g="0" b="0"/>
+      </a:fillRef>
+      <a:effectRef idx="1">
+        <a:scrgbClr r="0" g="0" b="0"/>
+      </a:effectRef>
+      <a:fontRef idx="minor">
+        <a:schemeClr val="lt1"/>
+      </a:fontRef>
+    </dgm:style>
+  </dgm:styleLbl>
+  <dgm:styleLbl name="node3">
+    <dgm:scene3d>
+      <a:camera prst="orthographicFront"/>
+      <a:lightRig rig="threePt" dir="t"/>
+    </dgm:scene3d>
+    <dgm:sp3d/>
+    <dgm:txPr/>
+    <dgm:style>
+      <a:lnRef idx="3">
+        <a:scrgbClr r="0" g="0" b="0"/>
+      </a:lnRef>
+      <a:fillRef idx="1">
+        <a:scrgbClr r="0" g="0" b="0"/>
+      </a:fillRef>
+      <a:effectRef idx="1">
+        <a:scrgbClr r="0" g="0" b="0"/>
+      </a:effectRef>
+      <a:fontRef idx="minor">
+        <a:schemeClr val="lt1"/>
+      </a:fontRef>
+    </dgm:style>
+  </dgm:styleLbl>
+  <dgm:styleLbl name="node4">
+    <dgm:scene3d>
+      <a:camera prst="orthographicFront"/>
+      <a:lightRig rig="threePt" dir="t"/>
+    </dgm:scene3d>
+    <dgm:sp3d/>
+    <dgm:txPr/>
+    <dgm:style>
+      <a:lnRef idx="3">
+        <a:scrgbClr r="0" g="0" b="0"/>
+      </a:lnRef>
+      <a:fillRef idx="1">
+        <a:scrgbClr r="0" g="0" b="0"/>
+      </a:fillRef>
+      <a:effectRef idx="1">
+        <a:scrgbClr r="0" g="0" b="0"/>
+      </a:effectRef>
+      <a:fontRef idx="minor">
+        <a:schemeClr val="lt1"/>
+      </a:fontRef>
+    </dgm:style>
+  </dgm:styleLbl>
+  <dgm:styleLbl name="fgImgPlace1">
+    <dgm:scene3d>
+      <a:camera prst="orthographicFront"/>
+      <a:lightRig rig="threePt" dir="t"/>
+    </dgm:scene3d>
+    <dgm:sp3d/>
+    <dgm:txPr/>
+    <dgm:style>
+      <a:lnRef idx="3">
+        <a:scrgbClr r="0" g="0" b="0"/>
+      </a:lnRef>
+      <a:fillRef idx="1">
+        <a:scrgbClr r="0" g="0" b="0"/>
+      </a:fillRef>
+      <a:effectRef idx="1">
+        <a:scrgbClr r="0" g="0" b="0"/>
+      </a:effectRef>
+      <a:fontRef idx="minor"/>
+    </dgm:style>
+  </dgm:styleLbl>
+  <dgm:styleLbl name="alignImgPlace1">
+    <dgm:scene3d>
+      <a:camera prst="orthographicFront"/>
+      <a:lightRig rig="threePt" dir="t"/>
+    </dgm:scene3d>
+    <dgm:sp3d/>
+    <dgm:txPr/>
+    <dgm:style>
+      <a:lnRef idx="3">
+        <a:scrgbClr r="0" g="0" b="0"/>
+      </a:lnRef>
+      <a:fillRef idx="1">
+        <a:scrgbClr r="0" g="0" b="0"/>
+      </a:fillRef>
+      <a:effectRef idx="1">
+        <a:scrgbClr r="0" g="0" b="0"/>
+      </a:effectRef>
+      <a:fontRef idx="minor"/>
+    </dgm:style>
+  </dgm:styleLbl>
+  <dgm:styleLbl name="bgImgPlace1">
+    <dgm:scene3d>
+      <a:camera prst="orthographicFront"/>
+      <a:lightRig rig="threePt" dir="t"/>
+    </dgm:scene3d>
+    <dgm:sp3d/>
+    <dgm:txPr/>
+    <dgm:style>
+      <a:lnRef idx="3">
+        <a:scrgbClr r="0" g="0" b="0"/>
+      </a:lnRef>
+      <a:fillRef idx="1">
+        <a:scrgbClr r="0" g="0" b="0"/>
+      </a:fillRef>
+      <a:effectRef idx="1">
+        <a:scrgbClr r="0" g="0" b="0"/>
+      </a:effectRef>
+      <a:fontRef idx="minor"/>
+    </dgm:style>
+  </dgm:styleLbl>
+  <dgm:styleLbl name="sibTrans2D1">
+    <dgm:scene3d>
+      <a:camera prst="orthographicFront"/>
+      <a:lightRig rig="threePt" dir="t"/>
+    </dgm:scene3d>
+    <dgm:sp3d/>
+    <dgm:txPr/>
+    <dgm:style>
+      <a:lnRef idx="0">
+        <a:scrgbClr r="0" g="0" b="0"/>
+      </a:lnRef>
+      <a:fillRef idx="1">
+        <a:scrgbClr r="0" g="0" b="0"/>
+      </a:fillRef>
+      <a:effectRef idx="1">
+        <a:scrgbClr r="0" g="0" b="0"/>
+      </a:effectRef>
+      <a:fontRef idx="minor">
+        <a:schemeClr val="lt1"/>
+      </a:fontRef>
+    </dgm:style>
+  </dgm:styleLbl>
+  <dgm:styleLbl name="fgSibTrans2D1">
+    <dgm:scene3d>
+      <a:camera prst="orthographicFront"/>
+      <a:lightRig rig="threePt" dir="t"/>
+    </dgm:scene3d>
+    <dgm:sp3d/>
+    <dgm:txPr/>
+    <dgm:style>
+      <a:lnRef idx="0">
+        <a:scrgbClr r="0" g="0" b="0"/>
+      </a:lnRef>
+      <a:fillRef idx="1">
+        <a:scrgbClr r="0" g="0" b="0"/>
+      </a:fillRef>
+      <a:effectRef idx="1">
+        <a:scrgbClr r="0" g="0" b="0"/>
+      </a:effectRef>
+      <a:fontRef idx="minor">
+        <a:schemeClr val="lt1"/>
+      </a:fontRef>
+    </dgm:style>
+  </dgm:styleLbl>
+  <dgm:styleLbl name="bgSibTrans2D1">
+    <dgm:scene3d>
+      <a:camera prst="orthographicFront"/>
+      <a:lightRig rig="threePt" dir="t"/>
+    </dgm:scene3d>
+    <dgm:sp3d/>
+    <dgm:txPr/>
+    <dgm:style>
+      <a:lnRef idx="0">
+        <a:scrgbClr r="0" g="0" b="0"/>
+      </a:lnRef>
+      <a:fillRef idx="1">
+        <a:scrgbClr r="0" g="0" b="0"/>
+      </a:fillRef>
+      <a:effectRef idx="1">
+        <a:scrgbClr r="0" g="0" b="0"/>
+      </a:effectRef>
+      <a:fontRef idx="minor">
+        <a:schemeClr val="lt1"/>
+      </a:fontRef>
+    </dgm:style>
+  </dgm:styleLbl>
+  <dgm:styleLbl name="sibTrans1D1">
+    <dgm:scene3d>
+      <a:camera prst="orthographicFront"/>
+      <a:lightRig rig="threePt" dir="t"/>
+    </dgm:scene3d>
+    <dgm:sp3d/>
+    <dgm:txPr/>
+    <dgm:style>
+      <a:lnRef idx="1">
+        <a:scrgbClr r="0" g="0" b="0"/>
+      </a:lnRef>
+      <a:fillRef idx="0">
+        <a:scrgbClr r="0" g="0" b="0"/>
+      </a:fillRef>
+      <a:effectRef idx="0">
+        <a:scrgbClr r="0" g="0" b="0"/>
+      </a:effectRef>
+      <a:fontRef idx="minor"/>
+    </dgm:style>
+  </dgm:styleLbl>
+  <dgm:styleLbl name="callout">
+    <dgm:scene3d>
+      <a:camera prst="orthographicFront"/>
+      <a:lightRig rig="threePt" dir="t"/>
+    </dgm:scene3d>
+    <dgm:sp3d/>
+    <dgm:txPr/>
+    <dgm:style>
+      <a:lnRef idx="2">
+        <a:scrgbClr r="0" g="0" b="0"/>
+      </a:lnRef>
+      <a:fillRef idx="1">
+        <a:scrgbClr r="0" g="0" b="0"/>
+      </a:fillRef>
+      <a:effectRef idx="1">
+        <a:scrgbClr r="0" g="0" b="0"/>
+      </a:effectRef>
+      <a:fontRef idx="minor"/>
+    </dgm:style>
+  </dgm:styleLbl>
+  <dgm:styleLbl name="asst0">
+    <dgm:scene3d>
+      <a:camera prst="orthographicFront"/>
+      <a:lightRig rig="threePt" dir="t"/>
+    </dgm:scene3d>
+    <dgm:sp3d/>
+    <dgm:txPr/>
+    <dgm:style>
+      <a:lnRef idx="3">
+        <a:scrgbClr r="0" g="0" b="0"/>
+      </a:lnRef>
+      <a:fillRef idx="1">
+        <a:scrgbClr r="0" g="0" b="0"/>
+      </a:fillRef>
+      <a:effectRef idx="1">
+        <a:scrgbClr r="0" g="0" b="0"/>
+      </a:effectRef>
+      <a:fontRef idx="minor">
+        <a:schemeClr val="lt1"/>
+      </a:fontRef>
+    </dgm:style>
+  </dgm:styleLbl>
+  <dgm:styleLbl name="asst1">
+    <dgm:scene3d>
+      <a:camera prst="orthographicFront"/>
+      <a:lightRig rig="threePt" dir="t"/>
+    </dgm:scene3d>
+    <dgm:sp3d/>
+    <dgm:txPr/>
+    <dgm:style>
+      <a:lnRef idx="3">
+        <a:scrgbClr r="0" g="0" b="0"/>
+      </a:lnRef>
+      <a:fillRef idx="1">
+        <a:scrgbClr r="0" g="0" b="0"/>
+      </a:fillRef>
+      <a:effectRef idx="1">
+        <a:scrgbClr r="0" g="0" b="0"/>
+      </a:effectRef>
+      <a:fontRef idx="minor">
+        <a:schemeClr val="lt1"/>
+      </a:fontRef>
+    </dgm:style>
+  </dgm:styleLbl>
+  <dgm:styleLbl name="asst2">
+    <dgm:scene3d>
+      <a:camera prst="orthographicFront"/>
+      <a:lightRig rig="threePt" dir="t"/>
+    </dgm:scene3d>
+    <dgm:sp3d/>
+    <dgm:txPr/>
+    <dgm:style>
+      <a:lnRef idx="3">
+        <a:scrgbClr r="0" g="0" b="0"/>
+      </a:lnRef>
+      <a:fillRef idx="1">
+        <a:scrgbClr r="0" g="0" b="0"/>
+      </a:fillRef>
+      <a:effectRef idx="1">
+        <a:scrgbClr r="0" g="0" b="0"/>
+      </a:effectRef>
+      <a:fontRef idx="minor">
+        <a:schemeClr val="lt1"/>
+      </a:fontRef>
+    </dgm:style>
+  </dgm:styleLbl>
+  <dgm:styleLbl name="asst3">
+    <dgm:scene3d>
+      <a:camera prst="orthographicFront"/>
+      <a:lightRig rig="threePt" dir="t"/>
+    </dgm:scene3d>
+    <dgm:sp3d/>
+    <dgm:txPr/>
+    <dgm:style>
+      <a:lnRef idx="3">
+        <a:scrgbClr r="0" g="0" b="0"/>
+      </a:lnRef>
+      <a:fillRef idx="1">
+        <a:scrgbClr r="0" g="0" b="0"/>
+      </a:fillRef>
+      <a:effectRef idx="1">
+        <a:scrgbClr r="0" g="0" b="0"/>
+      </a:effectRef>
+      <a:fontRef idx="minor">
+        <a:schemeClr val="lt1"/>
+      </a:fontRef>
+    </dgm:style>
+  </dgm:styleLbl>
+  <dgm:styleLbl name="asst4">
+    <dgm:scene3d>
+      <a:camera prst="orthographicFront"/>
+      <a:lightRig rig="threePt" dir="t"/>
+    </dgm:scene3d>
+    <dgm:sp3d/>
+    <dgm:txPr/>
+    <dgm:style>
+      <a:lnRef idx="3">
+        <a:scrgbClr r="0" g="0" b="0"/>
+      </a:lnRef>
+      <a:fillRef idx="1">
+        <a:scrgbClr r="0" g="0" b="0"/>
+      </a:fillRef>
+      <a:effectRef idx="1">
+        <a:scrgbClr r="0" g="0" b="0"/>
+      </a:effectRef>
+      <a:fontRef idx="minor">
+        <a:schemeClr val="lt1"/>
+      </a:fontRef>
+    </dgm:style>
+  </dgm:styleLbl>
+  <dgm:styleLbl name="parChTrans2D1">
+    <dgm:scene3d>
+      <a:camera prst="orthographicFront"/>
+      <a:lightRig rig="threePt" dir="t"/>
+    </dgm:scene3d>
+    <dgm:sp3d/>
+    <dgm:txPr/>
+    <dgm:style>
+      <a:lnRef idx="3">
+        <a:scrgbClr r="0" g="0" b="0"/>
+      </a:lnRef>
+      <a:fillRef idx="1">
+        <a:scrgbClr r="0" g="0" b="0"/>
+      </a:fillRef>
+      <a:effectRef idx="1">
+        <a:scrgbClr r="0" g="0" b="0"/>
+      </a:effectRef>
+      <a:fontRef idx="minor">
+        <a:schemeClr val="lt1"/>
+      </a:fontRef>
+    </dgm:style>
+  </dgm:styleLbl>
+  <dgm:styleLbl name="parChTrans2D2">
+    <dgm:scene3d>
+      <a:camera prst="orthographicFront"/>
+      <a:lightRig rig="threePt" dir="t"/>
+    </dgm:scene3d>
+    <dgm:sp3d/>
+    <dgm:txPr/>
+    <dgm:style>
+      <a:lnRef idx="3">
+        <a:scrgbClr r="0" g="0" b="0"/>
+      </a:lnRef>
+      <a:fillRef idx="1">
+        <a:scrgbClr r="0" g="0" b="0"/>
+      </a:fillRef>
+      <a:effectRef idx="1">
+        <a:scrgbClr r="0" g="0" b="0"/>
+      </a:effectRef>
+      <a:fontRef idx="minor">
+        <a:schemeClr val="lt1"/>
+      </a:fontRef>
+    </dgm:style>
+  </dgm:styleLbl>
+  <dgm:styleLbl name="parChTrans2D3">
+    <dgm:scene3d>
+      <a:camera prst="orthographicFront"/>
+      <a:lightRig rig="threePt" dir="t"/>
+    </dgm:scene3d>
+    <dgm:sp3d/>
+    <dgm:txPr/>
+    <dgm:style>
+      <a:lnRef idx="3">
+        <a:scrgbClr r="0" g="0" b="0"/>
+      </a:lnRef>
+      <a:fillRef idx="1">
+        <a:scrgbClr r="0" g="0" b="0"/>
+      </a:fillRef>
+      <a:effectRef idx="1">
+        <a:scrgbClr r="0" g="0" b="0"/>
+      </a:effectRef>
+      <a:fontRef idx="minor">
+        <a:schemeClr val="lt1"/>
+      </a:fontRef>
+    </dgm:style>
+  </dgm:styleLbl>
+  <dgm:styleLbl name="parChTrans2D4">
+    <dgm:scene3d>
+      <a:camera prst="orthographicFront"/>
+      <a:lightRig rig="threePt" dir="t"/>
+    </dgm:scene3d>
+    <dgm:sp3d/>
+    <dgm:txPr/>
+    <dgm:style>
+      <a:lnRef idx="3">
+        <a:scrgbClr r="0" g="0" b="0"/>
+      </a:lnRef>
+      <a:fillRef idx="1">
+        <a:scrgbClr r="0" g="0" b="0"/>
+      </a:fillRef>
+      <a:effectRef idx="1">
+        <a:scrgbClr r="0" g="0" b="0"/>
+      </a:effectRef>
+      <a:fontRef idx="minor">
+        <a:schemeClr val="lt1"/>
+      </a:fontRef>
+    </dgm:style>
+  </dgm:styleLbl>
+  <dgm:styleLbl name="parChTrans1D1">
+    <dgm:scene3d>
+      <a:camera prst="orthographicFront"/>
+      <a:lightRig rig="threePt" dir="t"/>
+    </dgm:scene3d>
+    <dgm:sp3d/>
+    <dgm:txPr/>
+    <dgm:style>
+      <a:lnRef idx="2">
+        <a:scrgbClr r="0" g="0" b="0"/>
+      </a:lnRef>
+      <a:fillRef idx="0">
+        <a:scrgbClr r="0" g="0" b="0"/>
+      </a:fillRef>
+      <a:effectRef idx="0">
+        <a:scrgbClr r="0" g="0" b="0"/>
+      </a:effectRef>
+      <a:fontRef idx="minor"/>
+    </dgm:style>
+  </dgm:styleLbl>
+  <dgm:styleLbl name="parChTrans1D2">
+    <dgm:scene3d>
+      <a:camera prst="orthographicFront"/>
+      <a:lightRig rig="threePt" dir="t"/>
+    </dgm:scene3d>
+    <dgm:sp3d/>
+    <dgm:txPr/>
+    <dgm:style>
+      <a:lnRef idx="2">
+        <a:scrgbClr r="0" g="0" b="0"/>
+      </a:lnRef>
+      <a:fillRef idx="0">
+        <a:scrgbClr r="0" g="0" b="0"/>
+      </a:fillRef>
+      <a:effectRef idx="0">
+        <a:scrgbClr r="0" g="0" b="0"/>
+      </a:effectRef>
+      <a:fontRef idx="minor"/>
+    </dgm:style>
+  </dgm:styleLbl>
+  <dgm:styleLbl name="parChTrans1D3">
+    <dgm:scene3d>
+      <a:camera prst="orthographicFront"/>
+      <a:lightRig rig="threePt" dir="t"/>
+    </dgm:scene3d>
+    <dgm:sp3d/>
+    <dgm:txPr/>
+    <dgm:style>
+      <a:lnRef idx="2">
+        <a:scrgbClr r="0" g="0" b="0"/>
+      </a:lnRef>
+      <a:fillRef idx="0">
+        <a:scrgbClr r="0" g="0" b="0"/>
+      </a:fillRef>
+      <a:effectRef idx="0">
+        <a:scrgbClr r="0" g="0" b="0"/>
+      </a:effectRef>
+      <a:fontRef idx="minor"/>
+    </dgm:style>
+  </dgm:styleLbl>
+  <dgm:styleLbl name="parChTrans1D4">
+    <dgm:scene3d>
+      <a:camera prst="orthographicFront"/>
+      <a:lightRig rig="threePt" dir="t"/>
+    </dgm:scene3d>
+    <dgm:sp3d/>
+    <dgm:txPr/>
+    <dgm:style>
+      <a:lnRef idx="2">
+        <a:scrgbClr r="0" g="0" b="0"/>
+      </a:lnRef>
+      <a:fillRef idx="0">
+        <a:scrgbClr r="0" g="0" b="0"/>
+      </a:fillRef>
+      <a:effectRef idx="0">
+        <a:scrgbClr r="0" g="0" b="0"/>
+      </a:effectRef>
+      <a:fontRef idx="minor"/>
+    </dgm:style>
+  </dgm:styleLbl>
+  <dgm:styleLbl name="fgAcc1">
+    <dgm:scene3d>
+      <a:camera prst="orthographicFront"/>
+      <a:lightRig rig="threePt" dir="t"/>
+    </dgm:scene3d>
+    <dgm:sp3d/>
+    <dgm:txPr/>
+    <dgm:style>
+      <a:lnRef idx="2">
+        <a:scrgbClr r="0" g="0" b="0"/>
+      </a:lnRef>
+      <a:fillRef idx="1">
+        <a:scrgbClr r="0" g="0" b="0"/>
+      </a:fillRef>
+      <a:effectRef idx="0">
+        <a:scrgbClr r="0" g="0" b="0"/>
+      </a:effectRef>
+      <a:fontRef idx="minor"/>
+    </dgm:style>
+  </dgm:styleLbl>
+  <dgm:styleLbl name="conFgAcc1">
+    <dgm:scene3d>
+      <a:camera prst="orthographicFront"/>
+      <a:lightRig rig="threePt" dir="t"/>
+    </dgm:scene3d>
+    <dgm:sp3d/>
+    <dgm:txPr/>
+    <dgm:style>
+      <a:lnRef idx="2">
+        <a:scrgbClr r="0" g="0" b="0"/>
+      </a:lnRef>
+      <a:fillRef idx="1">
+        <a:scrgbClr r="0" g="0" b="0"/>
+      </a:fillRef>
+      <a:effectRef idx="0">
+        <a:scrgbClr r="0" g="0" b="0"/>
+      </a:effectRef>
+      <a:fontRef idx="minor"/>
+    </dgm:style>
+  </dgm:styleLbl>
+  <dgm:styleLbl name="alignAcc1">
+    <dgm:scene3d>
+      <a:camera prst="orthographicFront"/>
+      <a:lightRig rig="threePt" dir="t"/>
+    </dgm:scene3d>
+    <dgm:sp3d/>
+    <dgm:txPr/>
+    <dgm:style>
+      <a:lnRef idx="2">
+        <a:scrgbClr r="0" g="0" b="0"/>
+      </a:lnRef>
+      <a:fillRef idx="1">
+        <a:scrgbClr r="0" g="0" b="0"/>
+      </a:fillRef>
+      <a:effectRef idx="0">
+        <a:scrgbClr r="0" g="0" b="0"/>
+      </a:effectRef>
+      <a:fontRef idx="minor"/>
+    </dgm:style>
+  </dgm:styleLbl>
+  <dgm:styleLbl name="trAlignAcc1">
+    <dgm:scene3d>
+      <a:camera prst="orthographicFront"/>
+      <a:lightRig rig="threePt" dir="t"/>
+    </dgm:scene3d>
+    <dgm:sp3d/>
+    <dgm:txPr/>
+    <dgm:style>
+      <a:lnRef idx="1">
+        <a:scrgbClr r="0" g="0" b="0"/>
+      </a:lnRef>
+      <a:fillRef idx="1">
+        <a:scrgbClr r="0" g="0" b="0"/>
+      </a:fillRef>
+      <a:effectRef idx="0">
+        <a:scrgbClr r="0" g="0" b="0"/>
+      </a:effectRef>
+      <a:fontRef idx="minor"/>
+    </dgm:style>
+  </dgm:styleLbl>
+  <dgm:styleLbl name="bgAcc1">
+    <dgm:scene3d>
+      <a:camera prst="orthographicFront"/>
+      <a:lightRig rig="threePt" dir="t"/>
+    </dgm:scene3d>
+    <dgm:sp3d/>
+    <dgm:txPr/>
+    <dgm:style>
+      <a:lnRef idx="2">
+        <a:scrgbClr r="0" g="0" b="0"/>
+      </a:lnRef>
+      <a:fillRef idx="1">
+        <a:scrgbClr r="0" g="0" b="0"/>
+      </a:fillRef>
+      <a:effectRef idx="0">
+        <a:scrgbClr r="0" g="0" b="0"/>
+      </a:effectRef>
+      <a:fontRef idx="minor"/>
+    </dgm:style>
+  </dgm:styleLbl>
+  <dgm:styleLbl name="solidFgAcc1">
+    <dgm:scene3d>
+      <a:camera prst="orthographicFront"/>
+      <a:lightRig rig="threePt" dir="t"/>
+    </dgm:scene3d>
+    <dgm:sp3d/>
+    <dgm:txPr/>
+    <dgm:style>
+      <a:lnRef idx="2">
+        <a:scrgbClr r="0" g="0" b="0"/>
+      </a:lnRef>
+      <a:fillRef idx="1">
+        <a:scrgbClr r="0" g="0" b="0"/>
+      </a:fillRef>
+      <a:effectRef idx="0">
+        <a:scrgbClr r="0" g="0" b="0"/>
+      </a:effectRef>
+      <a:fontRef idx="minor"/>
+    </dgm:style>
+  </dgm:styleLbl>
+  <dgm:styleLbl name="solidAlignAcc1">
+    <dgm:scene3d>
+      <a:camera prst="orthographicFront"/>
+      <a:lightRig rig="threePt" dir="t"/>
+    </dgm:scene3d>
+    <dgm:sp3d/>
+    <dgm:txPr/>
+    <dgm:style>
+      <a:lnRef idx="2">
+        <a:scrgbClr r="0" g="0" b="0"/>
+      </a:lnRef>
+      <a:fillRef idx="1">
+        <a:scrgbClr r="0" g="0" b="0"/>
+      </a:fillRef>
+      <a:effectRef idx="0">
+        <a:scrgbClr r="0" g="0" b="0"/>
+      </a:effectRef>
+      <a:fontRef idx="minor"/>
+    </dgm:style>
+  </dgm:styleLbl>
+  <dgm:styleLbl name="solidBgAcc1">
+    <dgm:scene3d>
+      <a:camera prst="orthographicFront"/>
+      <a:lightRig rig="threePt" dir="t"/>
+    </dgm:scene3d>
+    <dgm:sp3d/>
+    <dgm:txPr/>
+    <dgm:style>
+      <a:lnRef idx="2">
+        <a:scrgbClr r="0" g="0" b="0"/>
+      </a:lnRef>
+      <a:fillRef idx="1">
+        <a:scrgbClr r="0" g="0" b="0"/>
+      </a:fillRef>
+      <a:effectRef idx="0">
+        <a:scrgbClr r="0" g="0" b="0"/>
+      </a:effectRef>
+      <a:fontRef idx="minor"/>
+    </dgm:style>
+  </dgm:styleLbl>
+  <dgm:styleLbl name="fgAccFollowNode1">
+    <dgm:scene3d>
+      <a:camera prst="orthographicFront"/>
+      <a:lightRig rig="threePt" dir="t"/>
+    </dgm:scene3d>
+    <dgm:sp3d/>
+    <dgm:txPr/>
+    <dgm:style>
+      <a:lnRef idx="2">
+        <a:scrgbClr r="0" g="0" b="0"/>
+      </a:lnRef>
+      <a:fillRef idx="1">
+        <a:scrgbClr r="0" g="0" b="0"/>
+      </a:fillRef>
+      <a:effectRef idx="0">
+        <a:scrgbClr r="0" g="0" b="0"/>
+      </a:effectRef>
+      <a:fontRef idx="minor"/>
+    </dgm:style>
+  </dgm:styleLbl>
+  <dgm:styleLbl name="alignAccFollowNode1">
+    <dgm:scene3d>
+      <a:camera prst="orthographicFront"/>
+      <a:lightRig rig="threePt" dir="t"/>
+    </dgm:scene3d>
+    <dgm:sp3d/>
+    <dgm:txPr/>
+    <dgm:style>
+      <a:lnRef idx="2">
+        <a:scrgbClr r="0" g="0" b="0"/>
+      </a:lnRef>
+      <a:fillRef idx="1">
+        <a:scrgbClr r="0" g="0" b="0"/>
+      </a:fillRef>
+      <a:effectRef idx="0">
+        <a:scrgbClr r="0" g="0" b="0"/>
+      </a:effectRef>
+      <a:fontRef idx="minor"/>
+    </dgm:style>
+  </dgm:styleLbl>
+  <dgm:styleLbl name="bgAccFollowNode1">
+    <dgm:scene3d>
+      <a:camera prst="orthographicFront"/>
+      <a:lightRig rig="threePt" dir="t"/>
+    </dgm:scene3d>
+    <dgm:sp3d/>
+    <dgm:txPr/>
+    <dgm:style>
+      <a:lnRef idx="2">
+        <a:scrgbClr r="0" g="0" b="0"/>
+      </a:lnRef>
+      <a:fillRef idx="1">
+        <a:scrgbClr r="0" g="0" b="0"/>
+      </a:fillRef>
+      <a:effectRef idx="0">
+        <a:scrgbClr r="0" g="0" b="0"/>
+      </a:effectRef>
+      <a:fontRef idx="minor"/>
+    </dgm:style>
+  </dgm:styleLbl>
+  <dgm:styleLbl name="fgAcc0">
+    <dgm:scene3d>
+      <a:camera prst="orthographicFront"/>
+      <a:lightRig rig="threePt" dir="t"/>
+    </dgm:scene3d>
+    <dgm:sp3d/>
+    <dgm:txPr/>
+    <dgm:style>
+      <a:lnRef idx="2">
+        <a:scrgbClr r="0" g="0" b="0"/>
+      </a:lnRef>
+      <a:fillRef idx="1">
+        <a:scrgbClr r="0" g="0" b="0"/>
+      </a:fillRef>
+      <a:effectRef idx="0">
+        <a:scrgbClr r="0" g="0" b="0"/>
+      </a:effectRef>
+      <a:fontRef idx="minor"/>
+    </dgm:style>
+  </dgm:styleLbl>
+  <dgm:styleLbl name="fgAcc2">
+    <dgm:scene3d>
+      <a:camera prst="orthographicFront"/>
+      <a:lightRig rig="threePt" dir="t"/>
+    </dgm:scene3d>
+    <dgm:sp3d/>
+    <dgm:txPr/>
+    <dgm:style>
+      <a:lnRef idx="2">
+        <a:scrgbClr r="0" g="0" b="0"/>
+      </a:lnRef>
+      <a:fillRef idx="1">
+        <a:scrgbClr r="0" g="0" b="0"/>
+      </a:fillRef>
+      <a:effectRef idx="0">
+        <a:scrgbClr r="0" g="0" b="0"/>
+      </a:effectRef>
+      <a:fontRef idx="minor"/>
+    </dgm:style>
+  </dgm:styleLbl>
+  <dgm:styleLbl name="fgAcc3">
+    <dgm:scene3d>
+      <a:camera prst="orthographicFront"/>
+      <a:lightRig rig="threePt" dir="t"/>
+    </dgm:scene3d>
+    <dgm:sp3d/>
+    <dgm:txPr/>
+    <dgm:style>
+      <a:lnRef idx="2">
+        <a:scrgbClr r="0" g="0" b="0"/>
+      </a:lnRef>
+      <a:fillRef idx="1">
+        <a:scrgbClr r="0" g="0" b="0"/>
+      </a:fillRef>
+      <a:effectRef idx="0">
+        <a:scrgbClr r="0" g="0" b="0"/>
+      </a:effectRef>
+      <a:fontRef idx="minor"/>
+    </dgm:style>
+  </dgm:styleLbl>
+  <dgm:styleLbl name="fgAcc4">
+    <dgm:scene3d>
+      <a:camera prst="orthographicFront"/>
+      <a:lightRig rig="threePt" dir="t"/>
+    </dgm:scene3d>
+    <dgm:sp3d/>
+    <dgm:txPr/>
+    <dgm:style>
+      <a:lnRef idx="2">
+        <a:scrgbClr r="0" g="0" b="0"/>
+      </a:lnRef>
+      <a:fillRef idx="1">
+        <a:scrgbClr r="0" g="0" b="0"/>
+      </a:fillRef>
+      <a:effectRef idx="0">
+        <a:scrgbClr r="0" g="0" b="0"/>
+      </a:effectRef>
+      <a:fontRef idx="minor"/>
+    </dgm:style>
+  </dgm:styleLbl>
+  <dgm:styleLbl name="bgShp">
+    <dgm:scene3d>
+      <a:camera prst="orthographicFront"/>
+      <a:lightRig rig="threePt" dir="t"/>
+    </dgm:scene3d>
+    <dgm:sp3d/>
+    <dgm:txPr/>
+    <dgm:style>
+      <a:lnRef idx="0">
+        <a:scrgbClr r="0" g="0" b="0"/>
+      </a:lnRef>
+      <a:fillRef idx="1">
+        <a:scrgbClr r="0" g="0" b="0"/>
+      </a:fillRef>
+      <a:effectRef idx="0">
+        <a:scrgbClr r="0" g="0" b="0"/>
+      </a:effectRef>
+      <a:fontRef idx="minor"/>
+    </dgm:style>
+  </dgm:styleLbl>
+  <dgm:styleLbl name="dkBgShp">
+    <dgm:scene3d>
+      <a:camera prst="orthographicFront"/>
+      <a:lightRig rig="threePt" dir="t"/>
+    </dgm:scene3d>
+    <dgm:sp3d/>
+    <dgm:txPr/>
+    <dgm:style>
+      <a:lnRef idx="0">
+        <a:scrgbClr r="0" g="0" b="0"/>
+      </a:lnRef>
+      <a:fillRef idx="1">
+        <a:scrgbClr r="0" g="0" b="0"/>
+      </a:fillRef>
+      <a:effectRef idx="0">
+        <a:scrgbClr r="0" g="0" b="0"/>
+      </a:effectRef>
+      <a:fontRef idx="minor"/>
+    </dgm:style>
+  </dgm:styleLbl>
+  <dgm:styleLbl name="trBgShp">
+    <dgm:scene3d>
+      <a:camera prst="orthographicFront"/>
+      <a:lightRig rig="threePt" dir="t"/>
+    </dgm:scene3d>
+    <dgm:sp3d/>
+    <dgm:txPr/>
+    <dgm:style>
+      <a:lnRef idx="0">
+        <a:scrgbClr r="0" g="0" b="0"/>
+      </a:lnRef>
+      <a:fillRef idx="1">
+        <a:scrgbClr r="0" g="0" b="0"/>
+      </a:fillRef>
+      <a:effectRef idx="0">
+        <a:scrgbClr r="0" g="0" b="0"/>
+      </a:effectRef>
+      <a:fontRef idx="minor"/>
+    </dgm:style>
+  </dgm:styleLbl>
+  <dgm:styleLbl name="fgShp">
+    <dgm:scene3d>
+      <a:camera prst="orthographicFront"/>
+      <a:lightRig rig="threePt" dir="t"/>
+    </dgm:scene3d>
+    <dgm:sp3d/>
+    <dgm:txPr/>
+    <dgm:style>
+      <a:lnRef idx="3">
+        <a:scrgbClr r="0" g="0" b="0"/>
+      </a:lnRef>
+      <a:fillRef idx="1">
+        <a:scrgbClr r="0" g="0" b="0"/>
+      </a:fillRef>
+      <a:effectRef idx="1">
+        <a:scrgbClr r="0" g="0" b="0"/>
+      </a:effectRef>
+      <a:fontRef idx="minor"/>
+    </dgm:style>
+  </dgm:styleLbl>
+  <dgm:styleLbl name="revTx">
+    <dgm:scene3d>
+      <a:camera prst="orthographicFront"/>
+      <a:lightRig rig="threePt" dir="t"/>
+    </dgm:scene3d>
+    <dgm:sp3d/>
+    <dgm:txPr/>
+    <dgm:style>
+      <a:lnRef idx="0">
+        <a:scrgbClr r="0" g="0" b="0"/>
+      </a:lnRef>
+      <a:fillRef idx="0">
+        <a:scrgbClr r="0" g="0" b="0"/>
+      </a:fillRef>
+      <a:effectRef idx="0">
+        <a:scrgbClr r="0" g="0" b="0"/>
+      </a:effectRef>
+      <a:fontRef idx="minor"/>
+    </dgm:style>
+  </dgm:styleLbl>
+</dgm:styleDef>
+</file>
+
+<file path=ppt/diagrams/quickStyle4.xml><?xml version="1.0" encoding="utf-8"?>
 <dgm:styleDef xmlns:dgm="http://schemas.openxmlformats.org/drawingml/2006/diagram" xmlns:a="http://schemas.openxmlformats.org/drawingml/2006/main" uniqueId="urn:microsoft.com/office/officeart/2005/8/quickstyle/simple4">
   <dgm:title val=""/>
   <dgm:desc val=""/>
@@ -17666,7 +19384,7 @@
 </dgm:styleDef>
 </file>
 
-<file path=ppt/diagrams/quickStyle4.xml><?xml version="1.0" encoding="utf-8"?>
+<file path=ppt/diagrams/quickStyle5.xml><?xml version="1.0" encoding="utf-8"?>
 <dgm:styleDef xmlns:dgm="http://schemas.openxmlformats.org/drawingml/2006/diagram" xmlns:a="http://schemas.openxmlformats.org/drawingml/2006/main" uniqueId="urn:microsoft.com/office/officeart/2005/8/quickstyle/simple2">
   <dgm:title val=""/>
   <dgm:desc val=""/>
@@ -18700,7 +20418,7 @@
 </dgm:styleDef>
 </file>
 
-<file path=ppt/diagrams/quickStyle5.xml><?xml version="1.0" encoding="utf-8"?>
+<file path=ppt/diagrams/quickStyle6.xml><?xml version="1.0" encoding="utf-8"?>
 <dgm:styleDef xmlns:dgm="http://schemas.openxmlformats.org/drawingml/2006/diagram" xmlns:a="http://schemas.openxmlformats.org/drawingml/2006/main" uniqueId="urn:microsoft.com/office/officeart/2005/8/quickstyle/simple1">
   <dgm:title val=""/>
   <dgm:desc val=""/>
@@ -19975,7 +21693,7 @@
           <a:p>
             <a:fld id="{FEF02337-93B6-43D1-A633-DCAFC5ABEAF6}" type="slidenum">
               <a:rPr lang="es-CO" smtClean="0"/>
-              <a:t>‹#›</a:t>
+              <a:t>‹Nº›</a:t>
             </a:fld>
             <a:endParaRPr lang="es-CO"/>
           </a:p>
@@ -20653,7 +22371,7 @@
           <a:p>
             <a:fld id="{FEF02337-93B6-43D1-A633-DCAFC5ABEAF6}" type="slidenum">
               <a:rPr lang="es-CO" smtClean="0"/>
-              <a:t>13</a:t>
+              <a:t>12</a:t>
             </a:fld>
             <a:endParaRPr lang="es-CO"/>
           </a:p>
@@ -20737,7 +22455,91 @@
           <a:p>
             <a:fld id="{FEF02337-93B6-43D1-A633-DCAFC5ABEAF6}" type="slidenum">
               <a:rPr lang="es-CO" smtClean="0"/>
-              <a:t>21</a:t>
+              <a:t>15</a:t>
+            </a:fld>
+            <a:endParaRPr lang="es-CO"/>
+          </a:p>
+        </p:txBody>
+      </p:sp>
+    </p:spTree>
+    <p:extLst>
+      <p:ext uri="{BB962C8B-B14F-4D97-AF65-F5344CB8AC3E}">
+        <p14:creationId xmlns:p14="http://schemas.microsoft.com/office/powerpoint/2010/main" val="2573510642"/>
+      </p:ext>
+    </p:extLst>
+  </p:cSld>
+  <p:clrMapOvr>
+    <a:masterClrMapping/>
+  </p:clrMapOvr>
+</p:notes>
+</file>
+
+<file path=ppt/notesSlides/notesSlide9.xml><?xml version="1.0" encoding="utf-8"?>
+<p:notes xmlns:a="http://schemas.openxmlformats.org/drawingml/2006/main" xmlns:r="http://schemas.openxmlformats.org/officeDocument/2006/relationships" xmlns:p="http://schemas.openxmlformats.org/presentationml/2006/main">
+  <p:cSld>
+    <p:spTree>
+      <p:nvGrpSpPr>
+        <p:cNvPr id="1" name=""/>
+        <p:cNvGrpSpPr/>
+        <p:nvPr/>
+      </p:nvGrpSpPr>
+      <p:grpSpPr>
+        <a:xfrm>
+          <a:off x="0" y="0"/>
+          <a:ext cx="0" cy="0"/>
+          <a:chOff x="0" y="0"/>
+          <a:chExt cx="0" cy="0"/>
+        </a:xfrm>
+      </p:grpSpPr>
+      <p:sp>
+        <p:nvSpPr>
+          <p:cNvPr id="2" name="1 Marcador de imagen de diapositiva"/>
+          <p:cNvSpPr>
+            <a:spLocks noGrp="1" noRot="1" noChangeAspect="1"/>
+          </p:cNvSpPr>
+          <p:nvPr>
+            <p:ph type="sldImg"/>
+          </p:nvPr>
+        </p:nvSpPr>
+        <p:spPr/>
+      </p:sp>
+      <p:sp>
+        <p:nvSpPr>
+          <p:cNvPr id="3" name="2 Marcador de notas"/>
+          <p:cNvSpPr>
+            <a:spLocks noGrp="1"/>
+          </p:cNvSpPr>
+          <p:nvPr>
+            <p:ph type="body" idx="1"/>
+          </p:nvPr>
+        </p:nvSpPr>
+        <p:spPr/>
+        <p:txBody>
+          <a:bodyPr/>
+          <a:lstStyle/>
+          <a:p>
+            <a:endParaRPr lang="es-CO"/>
+          </a:p>
+        </p:txBody>
+      </p:sp>
+      <p:sp>
+        <p:nvSpPr>
+          <p:cNvPr id="4" name="3 Marcador de número de diapositiva"/>
+          <p:cNvSpPr>
+            <a:spLocks noGrp="1"/>
+          </p:cNvSpPr>
+          <p:nvPr>
+            <p:ph type="sldNum" sz="quarter" idx="10"/>
+          </p:nvPr>
+        </p:nvSpPr>
+        <p:spPr/>
+        <p:txBody>
+          <a:bodyPr/>
+          <a:lstStyle/>
+          <a:p>
+            <a:fld id="{FEF02337-93B6-43D1-A633-DCAFC5ABEAF6}" type="slidenum">
+              <a:rPr lang="es-CO" smtClean="0"/>
+              <a:t>23</a:t>
             </a:fld>
             <a:endParaRPr lang="es-CO"/>
           </a:p>
@@ -21002,7 +22804,7 @@
           <a:p>
             <a:fld id="{F79A0AC0-E633-477D-8F20-2C034F2AC778}" type="slidenum">
               <a:rPr lang="es-MX" smtClean="0"/>
-              <a:t>‹#›</a:t>
+              <a:t>‹Nº›</a:t>
             </a:fld>
             <a:endParaRPr lang="es-MX"/>
           </a:p>
@@ -21345,7 +23147,7 @@
           <a:p>
             <a:fld id="{F79A0AC0-E633-477D-8F20-2C034F2AC778}" type="slidenum">
               <a:rPr lang="es-MX" smtClean="0"/>
-              <a:t>‹#›</a:t>
+              <a:t>‹Nº›</a:t>
             </a:fld>
             <a:endParaRPr lang="es-MX"/>
           </a:p>
@@ -21520,7 +23322,7 @@
           <a:p>
             <a:fld id="{F79A0AC0-E633-477D-8F20-2C034F2AC778}" type="slidenum">
               <a:rPr lang="es-MX" smtClean="0"/>
-              <a:t>‹#›</a:t>
+              <a:t>‹Nº›</a:t>
             </a:fld>
             <a:endParaRPr lang="es-MX"/>
           </a:p>
@@ -21633,7 +23435,7 @@
           <a:p>
             <a:fld id="{F79A0AC0-E633-477D-8F20-2C034F2AC778}" type="slidenum">
               <a:rPr lang="es-MX" smtClean="0"/>
-              <a:t>‹#›</a:t>
+              <a:t>‹Nº›</a:t>
             </a:fld>
             <a:endParaRPr lang="es-MX"/>
           </a:p>
@@ -22143,7 +23945,7 @@
           <a:p>
             <a:fld id="{F79A0AC0-E633-477D-8F20-2C034F2AC778}" type="slidenum">
               <a:rPr lang="es-MX" smtClean="0"/>
-              <a:t>‹#›</a:t>
+              <a:t>‹Nº›</a:t>
             </a:fld>
             <a:endParaRPr lang="es-MX"/>
           </a:p>
@@ -22256,7 +24058,7 @@
           <a:p>
             <a:fld id="{F79A0AC0-E633-477D-8F20-2C034F2AC778}" type="slidenum">
               <a:rPr lang="es-MX" smtClean="0"/>
-              <a:t>‹#›</a:t>
+              <a:t>‹Nº›</a:t>
             </a:fld>
             <a:endParaRPr lang="es-MX"/>
           </a:p>
@@ -22618,7 +24420,7 @@
           <a:p>
             <a:fld id="{F79A0AC0-E633-477D-8F20-2C034F2AC778}" type="slidenum">
               <a:rPr lang="es-MX" smtClean="0"/>
-              <a:t>‹#›</a:t>
+              <a:t>‹Nº›</a:t>
             </a:fld>
             <a:endParaRPr lang="es-MX"/>
           </a:p>
@@ -22845,7 +24647,7 @@
           <a:p>
             <a:fld id="{F79A0AC0-E633-477D-8F20-2C034F2AC778}" type="slidenum">
               <a:rPr lang="es-MX" smtClean="0"/>
-              <a:t>‹#›</a:t>
+              <a:t>‹Nº›</a:t>
             </a:fld>
             <a:endParaRPr lang="es-MX"/>
           </a:p>
@@ -22935,7 +24737,7 @@
           <a:p>
             <a:fld id="{F79A0AC0-E633-477D-8F20-2C034F2AC778}" type="slidenum">
               <a:rPr lang="es-MX" smtClean="0"/>
-              <a:t>‹#›</a:t>
+              <a:t>‹Nº›</a:t>
             </a:fld>
             <a:endParaRPr lang="es-MX"/>
           </a:p>
@@ -23202,7 +25004,7 @@
           <a:p>
             <a:fld id="{F79A0AC0-E633-477D-8F20-2C034F2AC778}" type="slidenum">
               <a:rPr lang="es-MX" smtClean="0"/>
-              <a:t>‹#›</a:t>
+              <a:t>‹Nº›</a:t>
             </a:fld>
             <a:endParaRPr lang="es-MX"/>
           </a:p>
@@ -23440,7 +25242,7 @@
           <a:p>
             <a:fld id="{F79A0AC0-E633-477D-8F20-2C034F2AC778}" type="slidenum">
               <a:rPr lang="es-MX" smtClean="0"/>
-              <a:t>‹#›</a:t>
+              <a:t>‹Nº›</a:t>
             </a:fld>
             <a:endParaRPr lang="es-MX"/>
           </a:p>
@@ -23969,7 +25771,7 @@
           <a:p>
             <a:fld id="{F79A0AC0-E633-477D-8F20-2C034F2AC778}" type="slidenum">
               <a:rPr lang="es-MX" smtClean="0"/>
-              <a:t>‹#›</a:t>
+              <a:t>‹Nº›</a:t>
             </a:fld>
             <a:endParaRPr lang="es-MX"/>
           </a:p>
@@ -24519,6 +26321,444 @@
         </p:spPr>
         <p:txBody>
           <a:bodyPr>
+            <a:normAutofit lnSpcReduction="10000"/>
+          </a:bodyPr>
+          <a:lstStyle/>
+          <a:p>
+            <a:r>
+              <a:rPr lang="es-MX" sz="2900" dirty="0">
+                <a:latin typeface="Calibri" pitchFamily="34" charset="0"/>
+              </a:rPr>
+              <a:t>Marco </a:t>
+            </a:r>
+            <a:r>
+              <a:rPr lang="es-MX" sz="2900" dirty="0" smtClean="0">
+                <a:latin typeface="Calibri" pitchFamily="34" charset="0"/>
+              </a:rPr>
+              <a:t>metodológico</a:t>
+            </a:r>
+          </a:p>
+          <a:p>
+            <a:r>
+              <a:rPr lang="es-MX" sz="2900" dirty="0" smtClean="0">
+                <a:latin typeface="Calibri" pitchFamily="34" charset="0"/>
+              </a:rPr>
+              <a:t>¿Por qué cambiar?</a:t>
+            </a:r>
+          </a:p>
+          <a:p>
+            <a:r>
+              <a:rPr lang="es-MX" sz="2900" dirty="0" smtClean="0">
+                <a:latin typeface="Calibri" pitchFamily="34" charset="0"/>
+              </a:rPr>
+              <a:t>Contexto estrategias</a:t>
+            </a:r>
+          </a:p>
+          <a:p>
+            <a:r>
+              <a:rPr lang="es-MX" sz="2900" dirty="0" smtClean="0">
+                <a:latin typeface="Calibri" pitchFamily="34" charset="0"/>
+              </a:rPr>
+              <a:t>Resumen impacto de la brecha</a:t>
+            </a:r>
+          </a:p>
+          <a:p>
+            <a:r>
+              <a:rPr lang="es-MX" sz="2900" b="1" dirty="0" err="1" smtClean="0">
+                <a:latin typeface="Calibri" pitchFamily="34" charset="0"/>
+              </a:rPr>
+              <a:t>KPI´s</a:t>
+            </a:r>
+            <a:endParaRPr lang="es-MX" sz="2900" b="1" dirty="0" smtClean="0">
+              <a:latin typeface="Calibri" pitchFamily="34" charset="0"/>
+            </a:endParaRPr>
+          </a:p>
+          <a:p>
+            <a:r>
+              <a:rPr lang="es-MX" sz="2900" dirty="0" smtClean="0">
+                <a:latin typeface="Calibri" pitchFamily="34" charset="0"/>
+              </a:rPr>
+              <a:t>Arquitectura </a:t>
+            </a:r>
+            <a:r>
+              <a:rPr lang="es-MX" sz="2900" dirty="0">
+                <a:latin typeface="Calibri" pitchFamily="34" charset="0"/>
+              </a:rPr>
+              <a:t>de solución</a:t>
+            </a:r>
+          </a:p>
+          <a:p>
+            <a:r>
+              <a:rPr lang="es-MX" sz="2900" dirty="0" smtClean="0">
+                <a:latin typeface="Calibri" pitchFamily="34" charset="0"/>
+              </a:rPr>
+              <a:t>Proyectos</a:t>
+            </a:r>
+          </a:p>
+          <a:p>
+            <a:r>
+              <a:rPr lang="es-MX" sz="2900" dirty="0" smtClean="0">
+                <a:latin typeface="Calibri" pitchFamily="34" charset="0"/>
+              </a:rPr>
+              <a:t>Impacto y Riesgos</a:t>
+            </a:r>
+          </a:p>
+          <a:p>
+            <a:endParaRPr lang="es-MX" dirty="0" smtClean="0"/>
+          </a:p>
+          <a:p>
+            <a:endParaRPr lang="es-MX" dirty="0" smtClean="0"/>
+          </a:p>
+          <a:p>
+            <a:endParaRPr lang="es-MX" dirty="0"/>
+          </a:p>
+        </p:txBody>
+      </p:sp>
+      <p:pic>
+        <p:nvPicPr>
+          <p:cNvPr id="8" name="Imagen 3"/>
+          <p:cNvPicPr/>
+          <p:nvPr/>
+        </p:nvPicPr>
+        <p:blipFill>
+          <a:blip r:embed="rId3" cstate="print"/>
+          <a:srcRect/>
+          <a:stretch>
+            <a:fillRect/>
+          </a:stretch>
+        </p:blipFill>
+        <p:spPr bwMode="auto">
+          <a:xfrm>
+            <a:off x="10106160" y="5743666"/>
+            <a:ext cx="1791335" cy="676910"/>
+          </a:xfrm>
+          <a:prstGeom prst="rect">
+            <a:avLst/>
+          </a:prstGeom>
+          <a:noFill/>
+          <a:ln w="9525">
+            <a:noFill/>
+            <a:miter lim="800000"/>
+            <a:headEnd/>
+            <a:tailEnd/>
+          </a:ln>
+        </p:spPr>
+      </p:pic>
+      <p:pic>
+        <p:nvPicPr>
+          <p:cNvPr id="9" name="8 Imagen"/>
+          <p:cNvPicPr>
+            <a:picLocks noChangeAspect="1"/>
+          </p:cNvPicPr>
+          <p:nvPr/>
+        </p:nvPicPr>
+        <p:blipFill rotWithShape="1">
+          <a:blip r:embed="rId4" cstate="print">
+            <a:extLst>
+              <a:ext uri="{BEBA8EAE-BF5A-486C-A8C5-ECC9F3942E4B}">
+                <a14:imgProps xmlns:a14="http://schemas.microsoft.com/office/drawing/2010/main">
+                  <a14:imgLayer r:embed="rId5">
+                    <a14:imgEffect>
+                      <a14:saturation sat="400000"/>
+                    </a14:imgEffect>
+                  </a14:imgLayer>
+                </a14:imgProps>
+              </a:ext>
+              <a:ext uri="{28A0092B-C50C-407E-A947-70E740481C1C}">
+                <a14:useLocalDpi xmlns:a14="http://schemas.microsoft.com/office/drawing/2010/main" val="0"/>
+              </a:ext>
+            </a:extLst>
+          </a:blip>
+          <a:srcRect t="11640" b="37778"/>
+          <a:stretch/>
+        </p:blipFill>
+        <p:spPr>
+          <a:xfrm>
+            <a:off x="10043885" y="269034"/>
+            <a:ext cx="1915886" cy="1266888"/>
+          </a:xfrm>
+          <a:prstGeom prst="rect">
+            <a:avLst/>
+          </a:prstGeom>
+        </p:spPr>
+      </p:pic>
+    </p:spTree>
+    <p:extLst>
+      <p:ext uri="{BB962C8B-B14F-4D97-AF65-F5344CB8AC3E}">
+        <p14:creationId xmlns:p14="http://schemas.microsoft.com/office/powerpoint/2010/main" val="3875315776"/>
+      </p:ext>
+    </p:extLst>
+  </p:cSld>
+  <p:clrMapOvr>
+    <a:masterClrMapping/>
+  </p:clrMapOvr>
+  <p:timing>
+    <p:tnLst>
+      <p:par>
+        <p:cTn id="1" dur="indefinite" restart="never" nodeType="tmRoot"/>
+      </p:par>
+    </p:tnLst>
+  </p:timing>
+</p:sld>
+</file>
+
+<file path=ppt/slides/slide11.xml><?xml version="1.0" encoding="utf-8"?>
+<p:sld xmlns:a="http://schemas.openxmlformats.org/drawingml/2006/main" xmlns:r="http://schemas.openxmlformats.org/officeDocument/2006/relationships" xmlns:p="http://schemas.openxmlformats.org/presentationml/2006/main">
+  <p:cSld>
+    <p:spTree>
+      <p:nvGrpSpPr>
+        <p:cNvPr id="1" name=""/>
+        <p:cNvGrpSpPr/>
+        <p:nvPr/>
+      </p:nvGrpSpPr>
+      <p:grpSpPr>
+        <a:xfrm>
+          <a:off x="0" y="0"/>
+          <a:ext cx="0" cy="0"/>
+          <a:chOff x="0" y="0"/>
+          <a:chExt cx="0" cy="0"/>
+        </a:xfrm>
+      </p:grpSpPr>
+      <p:sp>
+        <p:nvSpPr>
+          <p:cNvPr id="2" name="1 Título"/>
+          <p:cNvSpPr>
+            <a:spLocks noGrp="1"/>
+          </p:cNvSpPr>
+          <p:nvPr>
+            <p:ph type="title"/>
+          </p:nvPr>
+        </p:nvSpPr>
+        <p:spPr/>
+        <p:txBody>
+          <a:bodyPr/>
+          <a:lstStyle/>
+          <a:p>
+            <a:r>
+              <a:rPr lang="es-CO" b="1" dirty="0" smtClean="0">
+                <a:solidFill>
+                  <a:srgbClr val="C00000"/>
+                </a:solidFill>
+                <a:effectLst>
+                  <a:outerShdw blurRad="38100" dist="38100" dir="2700000" algn="tl">
+                    <a:srgbClr val="000000">
+                      <a:alpha val="43137"/>
+                    </a:srgbClr>
+                  </a:outerShdw>
+                </a:effectLst>
+                <a:latin typeface="Calibri" pitchFamily="34" charset="0"/>
+              </a:rPr>
+              <a:t>¿Cómo se van a medir las estrategias?</a:t>
+            </a:r>
+            <a:endParaRPr lang="es-CO" b="1" dirty="0">
+              <a:solidFill>
+                <a:srgbClr val="C00000"/>
+              </a:solidFill>
+              <a:effectLst>
+                <a:outerShdw blurRad="38100" dist="38100" dir="2700000" algn="tl">
+                  <a:srgbClr val="000000">
+                    <a:alpha val="43137"/>
+                  </a:srgbClr>
+                </a:outerShdw>
+              </a:effectLst>
+              <a:latin typeface="Calibri" pitchFamily="34" charset="0"/>
+            </a:endParaRPr>
+          </a:p>
+        </p:txBody>
+      </p:sp>
+      <p:graphicFrame>
+        <p:nvGraphicFramePr>
+          <p:cNvPr id="4" name="3 Marcador de contenido"/>
+          <p:cNvGraphicFramePr>
+            <a:graphicFrameLocks noGrp="1"/>
+          </p:cNvGraphicFramePr>
+          <p:nvPr>
+            <p:ph sz="quarter" idx="1"/>
+            <p:extLst>
+              <p:ext uri="{D42A27DB-BD31-4B8C-83A1-F6EECF244321}">
+                <p14:modId xmlns:p14="http://schemas.microsoft.com/office/powerpoint/2010/main" val="948913072"/>
+              </p:ext>
+            </p:extLst>
+          </p:nvPr>
+        </p:nvGraphicFramePr>
+        <p:xfrm>
+          <a:off x="1219200" y="1447800"/>
+          <a:ext cx="10363200" cy="4572000"/>
+        </p:xfrm>
+        <a:graphic>
+          <a:graphicData uri="http://schemas.openxmlformats.org/drawingml/2006/diagram">
+            <dgm:relIds xmlns:dgm="http://schemas.openxmlformats.org/drawingml/2006/diagram" xmlns:r="http://schemas.openxmlformats.org/officeDocument/2006/relationships" r:dm="rId2" r:lo="rId3" r:qs="rId4" r:cs="rId5"/>
+          </a:graphicData>
+        </a:graphic>
+      </p:graphicFrame>
+      <p:pic>
+        <p:nvPicPr>
+          <p:cNvPr id="5" name="Imagen 3"/>
+          <p:cNvPicPr/>
+          <p:nvPr/>
+        </p:nvPicPr>
+        <p:blipFill>
+          <a:blip r:embed="rId7" cstate="print"/>
+          <a:srcRect/>
+          <a:stretch>
+            <a:fillRect/>
+          </a:stretch>
+        </p:blipFill>
+        <p:spPr bwMode="auto">
+          <a:xfrm>
+            <a:off x="10106160" y="5743666"/>
+            <a:ext cx="1791335" cy="676910"/>
+          </a:xfrm>
+          <a:prstGeom prst="rect">
+            <a:avLst/>
+          </a:prstGeom>
+          <a:noFill/>
+          <a:ln w="9525">
+            <a:noFill/>
+            <a:miter lim="800000"/>
+            <a:headEnd/>
+            <a:tailEnd/>
+          </a:ln>
+        </p:spPr>
+      </p:pic>
+      <p:pic>
+        <p:nvPicPr>
+          <p:cNvPr id="6" name="5 Imagen"/>
+          <p:cNvPicPr>
+            <a:picLocks noChangeAspect="1"/>
+          </p:cNvPicPr>
+          <p:nvPr/>
+        </p:nvPicPr>
+        <p:blipFill rotWithShape="1">
+          <a:blip r:embed="rId8" cstate="print">
+            <a:extLst>
+              <a:ext uri="{BEBA8EAE-BF5A-486C-A8C5-ECC9F3942E4B}">
+                <a14:imgProps xmlns:a14="http://schemas.microsoft.com/office/drawing/2010/main">
+                  <a14:imgLayer r:embed="rId9">
+                    <a14:imgEffect>
+                      <a14:saturation sat="400000"/>
+                    </a14:imgEffect>
+                  </a14:imgLayer>
+                </a14:imgProps>
+              </a:ext>
+              <a:ext uri="{28A0092B-C50C-407E-A947-70E740481C1C}">
+                <a14:useLocalDpi xmlns:a14="http://schemas.microsoft.com/office/drawing/2010/main" val="0"/>
+              </a:ext>
+            </a:extLst>
+          </a:blip>
+          <a:srcRect t="11640" b="37778"/>
+          <a:stretch/>
+        </p:blipFill>
+        <p:spPr>
+          <a:xfrm>
+            <a:off x="10043885" y="269034"/>
+            <a:ext cx="1915886" cy="1266888"/>
+          </a:xfrm>
+          <a:prstGeom prst="rect">
+            <a:avLst/>
+          </a:prstGeom>
+        </p:spPr>
+      </p:pic>
+    </p:spTree>
+    <p:extLst>
+      <p:ext uri="{BB962C8B-B14F-4D97-AF65-F5344CB8AC3E}">
+        <p14:creationId xmlns:p14="http://schemas.microsoft.com/office/powerpoint/2010/main" val="526006661"/>
+      </p:ext>
+    </p:extLst>
+  </p:cSld>
+  <p:clrMapOvr>
+    <a:masterClrMapping/>
+  </p:clrMapOvr>
+</p:sld>
+</file>
+
+<file path=ppt/slides/slide12.xml><?xml version="1.0" encoding="utf-8"?>
+<p:sld xmlns:a="http://schemas.openxmlformats.org/drawingml/2006/main" xmlns:r="http://schemas.openxmlformats.org/officeDocument/2006/relationships" xmlns:p="http://schemas.openxmlformats.org/presentationml/2006/main">
+  <p:cSld>
+    <p:spTree>
+      <p:nvGrpSpPr>
+        <p:cNvPr id="1" name=""/>
+        <p:cNvGrpSpPr/>
+        <p:nvPr/>
+      </p:nvGrpSpPr>
+      <p:grpSpPr>
+        <a:xfrm>
+          <a:off x="0" y="0"/>
+          <a:ext cx="0" cy="0"/>
+          <a:chOff x="0" y="0"/>
+          <a:chExt cx="0" cy="0"/>
+        </a:xfrm>
+      </p:grpSpPr>
+      <p:sp>
+        <p:nvSpPr>
+          <p:cNvPr id="2" name="1 Título"/>
+          <p:cNvSpPr>
+            <a:spLocks noGrp="1"/>
+          </p:cNvSpPr>
+          <p:nvPr>
+            <p:ph type="title"/>
+          </p:nvPr>
+        </p:nvSpPr>
+        <p:spPr>
+          <a:xfrm>
+            <a:off x="1484311" y="99647"/>
+            <a:ext cx="10018713" cy="1752599"/>
+          </a:xfrm>
+        </p:spPr>
+        <p:txBody>
+          <a:bodyPr/>
+          <a:lstStyle/>
+          <a:p>
+            <a:r>
+              <a:rPr lang="es-CO" b="1" dirty="0" smtClean="0">
+                <a:solidFill>
+                  <a:srgbClr val="C00000"/>
+                </a:solidFill>
+                <a:effectLst>
+                  <a:outerShdw blurRad="38100" dist="38100" dir="2700000" algn="tl">
+                    <a:srgbClr val="000000">
+                      <a:alpha val="43137"/>
+                    </a:srgbClr>
+                  </a:outerShdw>
+                </a:effectLst>
+                <a:latin typeface="Calibri" pitchFamily="34" charset="0"/>
+              </a:rPr>
+              <a:t>Agenda</a:t>
+            </a:r>
+            <a:endParaRPr lang="es-CO" b="1" dirty="0">
+              <a:solidFill>
+                <a:srgbClr val="C00000"/>
+              </a:solidFill>
+              <a:effectLst>
+                <a:outerShdw blurRad="38100" dist="38100" dir="2700000" algn="tl">
+                  <a:srgbClr val="000000">
+                    <a:alpha val="43137"/>
+                  </a:srgbClr>
+                </a:outerShdw>
+              </a:effectLst>
+              <a:latin typeface="Calibri" pitchFamily="34" charset="0"/>
+            </a:endParaRPr>
+          </a:p>
+        </p:txBody>
+      </p:sp>
+      <p:sp>
+        <p:nvSpPr>
+          <p:cNvPr id="5" name="Marcador de contenido 2"/>
+          <p:cNvSpPr>
+            <a:spLocks noGrp="1"/>
+          </p:cNvSpPr>
+          <p:nvPr>
+            <p:ph sz="quarter" idx="1"/>
+          </p:nvPr>
+        </p:nvSpPr>
+        <p:spPr>
+          <a:xfrm>
+            <a:off x="2867633" y="2332893"/>
+            <a:ext cx="10018713" cy="3810000"/>
+          </a:xfrm>
+        </p:spPr>
+        <p:txBody>
+          <a:bodyPr>
             <a:normAutofit/>
           </a:bodyPr>
           <a:lstStyle/>
@@ -24672,7 +26912,7 @@
     </p:spTree>
     <p:extLst>
       <p:ext uri="{BB962C8B-B14F-4D97-AF65-F5344CB8AC3E}">
-        <p14:creationId xmlns:p14="http://schemas.microsoft.com/office/powerpoint/2010/main" val="3875315776"/>
+        <p14:creationId xmlns:p14="http://schemas.microsoft.com/office/powerpoint/2010/main" val="460604305"/>
       </p:ext>
     </p:extLst>
   </p:cSld>
@@ -24689,7 +26929,7 @@
 </p:sld>
 </file>
 
-<file path=ppt/slides/slide11.xml><?xml version="1.0" encoding="utf-8"?>
+<file path=ppt/slides/slide13.xml><?xml version="1.0" encoding="utf-8"?>
 <p:sld xmlns:a="http://schemas.openxmlformats.org/drawingml/2006/main" xmlns:r="http://schemas.openxmlformats.org/officeDocument/2006/relationships" xmlns:p="http://schemas.openxmlformats.org/presentationml/2006/main">
   <p:cSld>
     <p:spTree>
@@ -24991,7 +27231,7 @@
 </p:sld>
 </file>
 
-<file path=ppt/slides/slide12.xml><?xml version="1.0" encoding="utf-8"?>
+<file path=ppt/slides/slide14.xml><?xml version="1.0" encoding="utf-8"?>
 <p:sld xmlns:a="http://schemas.openxmlformats.org/drawingml/2006/main" xmlns:r="http://schemas.openxmlformats.org/officeDocument/2006/relationships" xmlns:p="http://schemas.openxmlformats.org/presentationml/2006/main">
   <p:cSld>
     <p:spTree>
@@ -25191,7 +27431,7 @@
 </p:sld>
 </file>
 
-<file path=ppt/slides/slide13.xml><?xml version="1.0" encoding="utf-8"?>
+<file path=ppt/slides/slide15.xml><?xml version="1.0" encoding="utf-8"?>
 <p:sld xmlns:a="http://schemas.openxmlformats.org/drawingml/2006/main" xmlns:r="http://schemas.openxmlformats.org/officeDocument/2006/relationships" xmlns:p="http://schemas.openxmlformats.org/presentationml/2006/main">
   <p:cSld>
     <p:spTree>
@@ -25278,7 +27518,7 @@
         </p:spPr>
         <p:txBody>
           <a:bodyPr>
-            <a:normAutofit/>
+            <a:normAutofit lnSpcReduction="10000"/>
           </a:bodyPr>
           <a:lstStyle/>
           <a:p>
@@ -25318,6 +27558,17 @@
               </a:rPr>
               <a:t>Resumen impacto de la brecha</a:t>
             </a:r>
+          </a:p>
+          <a:p>
+            <a:r>
+              <a:rPr lang="es-MX" sz="2900" dirty="0" err="1" smtClean="0">
+                <a:latin typeface="Calibri" pitchFamily="34" charset="0"/>
+              </a:rPr>
+              <a:t>KPI´s</a:t>
+            </a:r>
+            <a:endParaRPr lang="es-MX" sz="2900" dirty="0" smtClean="0">
+              <a:latin typeface="Calibri" pitchFamily="34" charset="0"/>
+            </a:endParaRPr>
           </a:p>
           <a:p>
             <a:r>
@@ -25448,7 +27699,7 @@
 </p:sld>
 </file>
 
-<file path=ppt/slides/slide14.xml><?xml version="1.0" encoding="utf-8"?>
+<file path=ppt/slides/slide16.xml><?xml version="1.0" encoding="utf-8"?>
 <p:sld xmlns:a="http://schemas.openxmlformats.org/drawingml/2006/main" xmlns:r="http://schemas.openxmlformats.org/officeDocument/2006/relationships" xmlns:p="http://schemas.openxmlformats.org/presentationml/2006/main">
   <p:cSld>
     <p:spTree>
@@ -25600,7 +27851,7 @@
 </p:sld>
 </file>
 
-<file path=ppt/slides/slide15.xml><?xml version="1.0" encoding="utf-8"?>
+<file path=ppt/slides/slide17.xml><?xml version="1.0" encoding="utf-8"?>
 <p:sld xmlns:a="http://schemas.openxmlformats.org/drawingml/2006/main" xmlns:r="http://schemas.openxmlformats.org/officeDocument/2006/relationships" xmlns:p="http://schemas.openxmlformats.org/presentationml/2006/main">
   <p:cSld>
     <p:spTree>
@@ -25787,7 +28038,7 @@
 </p:sld>
 </file>
 
-<file path=ppt/slides/slide16.xml><?xml version="1.0" encoding="utf-8"?>
+<file path=ppt/slides/slide18.xml><?xml version="1.0" encoding="utf-8"?>
 <p:sld xmlns:a="http://schemas.openxmlformats.org/drawingml/2006/main" xmlns:r="http://schemas.openxmlformats.org/officeDocument/2006/relationships" xmlns:p="http://schemas.openxmlformats.org/presentationml/2006/main">
   <p:cSld>
     <p:spTree>
@@ -26106,7 +28357,7 @@
 </p:sld>
 </file>
 
-<file path=ppt/slides/slide17.xml><?xml version="1.0" encoding="utf-8"?>
+<file path=ppt/slides/slide19.xml><?xml version="1.0" encoding="utf-8"?>
 <p:sld xmlns:a="http://schemas.openxmlformats.org/drawingml/2006/main" xmlns:r="http://schemas.openxmlformats.org/officeDocument/2006/relationships" xmlns:p="http://schemas.openxmlformats.org/presentationml/2006/main">
   <p:cSld>
     <p:spTree>
@@ -26302,7 +28553,275 @@
 </p:sld>
 </file>
 
-<file path=ppt/slides/slide18.xml><?xml version="1.0" encoding="utf-8"?>
+<file path=ppt/slides/slide2.xml><?xml version="1.0" encoding="utf-8"?>
+<p:sld xmlns:a="http://schemas.openxmlformats.org/drawingml/2006/main" xmlns:r="http://schemas.openxmlformats.org/officeDocument/2006/relationships" xmlns:p="http://schemas.openxmlformats.org/presentationml/2006/main">
+  <p:cSld>
+    <p:spTree>
+      <p:nvGrpSpPr>
+        <p:cNvPr id="1" name=""/>
+        <p:cNvGrpSpPr/>
+        <p:nvPr/>
+      </p:nvGrpSpPr>
+      <p:grpSpPr>
+        <a:xfrm>
+          <a:off x="0" y="0"/>
+          <a:ext cx="0" cy="0"/>
+          <a:chOff x="0" y="0"/>
+          <a:chExt cx="0" cy="0"/>
+        </a:xfrm>
+      </p:grpSpPr>
+      <p:sp>
+        <p:nvSpPr>
+          <p:cNvPr id="2" name="1 Título"/>
+          <p:cNvSpPr>
+            <a:spLocks noGrp="1"/>
+          </p:cNvSpPr>
+          <p:nvPr>
+            <p:ph type="title"/>
+          </p:nvPr>
+        </p:nvSpPr>
+        <p:spPr>
+          <a:xfrm>
+            <a:off x="1484311" y="99647"/>
+            <a:ext cx="10018713" cy="1752599"/>
+          </a:xfrm>
+        </p:spPr>
+        <p:txBody>
+          <a:bodyPr/>
+          <a:lstStyle/>
+          <a:p>
+            <a:r>
+              <a:rPr lang="es-CO" b="1" dirty="0" smtClean="0">
+                <a:solidFill>
+                  <a:srgbClr val="C00000"/>
+                </a:solidFill>
+                <a:effectLst>
+                  <a:outerShdw blurRad="38100" dist="38100" dir="2700000" algn="tl">
+                    <a:srgbClr val="000000">
+                      <a:alpha val="43137"/>
+                    </a:srgbClr>
+                  </a:outerShdw>
+                </a:effectLst>
+                <a:latin typeface="Calibri" pitchFamily="34" charset="0"/>
+              </a:rPr>
+              <a:t>Agenda</a:t>
+            </a:r>
+            <a:endParaRPr lang="es-CO" b="1" dirty="0">
+              <a:solidFill>
+                <a:srgbClr val="C00000"/>
+              </a:solidFill>
+              <a:effectLst>
+                <a:outerShdw blurRad="38100" dist="38100" dir="2700000" algn="tl">
+                  <a:srgbClr val="000000">
+                    <a:alpha val="43137"/>
+                  </a:srgbClr>
+                </a:outerShdw>
+              </a:effectLst>
+              <a:latin typeface="Calibri" pitchFamily="34" charset="0"/>
+            </a:endParaRPr>
+          </a:p>
+        </p:txBody>
+      </p:sp>
+      <p:sp>
+        <p:nvSpPr>
+          <p:cNvPr id="5" name="Marcador de contenido 2"/>
+          <p:cNvSpPr>
+            <a:spLocks noGrp="1"/>
+          </p:cNvSpPr>
+          <p:nvPr>
+            <p:ph sz="quarter" idx="1"/>
+          </p:nvPr>
+        </p:nvSpPr>
+        <p:spPr>
+          <a:xfrm>
+            <a:off x="2867633" y="2332893"/>
+            <a:ext cx="10018713" cy="3810000"/>
+          </a:xfrm>
+        </p:spPr>
+        <p:txBody>
+          <a:bodyPr>
+            <a:normAutofit lnSpcReduction="10000"/>
+          </a:bodyPr>
+          <a:lstStyle/>
+          <a:p>
+            <a:r>
+              <a:rPr lang="es-MX" sz="2900" b="1" dirty="0">
+                <a:latin typeface="Calibri" pitchFamily="34" charset="0"/>
+              </a:rPr>
+              <a:t>Marco </a:t>
+            </a:r>
+            <a:r>
+              <a:rPr lang="es-MX" sz="2900" b="1" dirty="0" smtClean="0">
+                <a:latin typeface="Calibri" pitchFamily="34" charset="0"/>
+              </a:rPr>
+              <a:t>metodológico</a:t>
+            </a:r>
+          </a:p>
+          <a:p>
+            <a:r>
+              <a:rPr lang="es-MX" sz="2900" dirty="0" smtClean="0">
+                <a:latin typeface="Calibri" pitchFamily="34" charset="0"/>
+              </a:rPr>
+              <a:t>¿Por qué cambiar?</a:t>
+            </a:r>
+          </a:p>
+          <a:p>
+            <a:r>
+              <a:rPr lang="es-MX" sz="2900" dirty="0" smtClean="0">
+                <a:latin typeface="Calibri" pitchFamily="34" charset="0"/>
+              </a:rPr>
+              <a:t>Contexto estrategias</a:t>
+            </a:r>
+          </a:p>
+          <a:p>
+            <a:r>
+              <a:rPr lang="es-MX" sz="2900" dirty="0" smtClean="0">
+                <a:latin typeface="Calibri" pitchFamily="34" charset="0"/>
+              </a:rPr>
+              <a:t>Resumen impacto de la brecha</a:t>
+            </a:r>
+          </a:p>
+          <a:p>
+            <a:r>
+              <a:rPr lang="es-MX" sz="2900" dirty="0" err="1" smtClean="0">
+                <a:latin typeface="Calibri" pitchFamily="34" charset="0"/>
+              </a:rPr>
+              <a:t>KPI´s</a:t>
+            </a:r>
+            <a:endParaRPr lang="es-MX" sz="2900" dirty="0" smtClean="0">
+              <a:latin typeface="Calibri" pitchFamily="34" charset="0"/>
+            </a:endParaRPr>
+          </a:p>
+          <a:p>
+            <a:r>
+              <a:rPr lang="es-MX" sz="2900" dirty="0" smtClean="0">
+                <a:latin typeface="Calibri" pitchFamily="34" charset="0"/>
+              </a:rPr>
+              <a:t>Arquitectura </a:t>
+            </a:r>
+            <a:r>
+              <a:rPr lang="es-MX" sz="2900" dirty="0">
+                <a:latin typeface="Calibri" pitchFamily="34" charset="0"/>
+              </a:rPr>
+              <a:t>de solución</a:t>
+            </a:r>
+          </a:p>
+          <a:p>
+            <a:r>
+              <a:rPr lang="es-MX" sz="2900" dirty="0" smtClean="0">
+                <a:latin typeface="Calibri" pitchFamily="34" charset="0"/>
+              </a:rPr>
+              <a:t>Proyectos</a:t>
+            </a:r>
+          </a:p>
+          <a:p>
+            <a:r>
+              <a:rPr lang="es-MX" sz="2900" dirty="0" smtClean="0">
+                <a:latin typeface="Calibri" pitchFamily="34" charset="0"/>
+              </a:rPr>
+              <a:t>Impacto y Riesgos</a:t>
+            </a:r>
+          </a:p>
+          <a:p>
+            <a:endParaRPr lang="es-MX" dirty="0" smtClean="0"/>
+          </a:p>
+          <a:p>
+            <a:endParaRPr lang="es-MX" dirty="0" smtClean="0"/>
+          </a:p>
+          <a:p>
+            <a:endParaRPr lang="es-MX" dirty="0"/>
+          </a:p>
+        </p:txBody>
+      </p:sp>
+      <p:pic>
+        <p:nvPicPr>
+          <p:cNvPr id="8" name="Imagen 3"/>
+          <p:cNvPicPr/>
+          <p:nvPr/>
+        </p:nvPicPr>
+        <p:blipFill>
+          <a:blip r:embed="rId3" cstate="print"/>
+          <a:srcRect/>
+          <a:stretch>
+            <a:fillRect/>
+          </a:stretch>
+        </p:blipFill>
+        <p:spPr bwMode="auto">
+          <a:xfrm>
+            <a:off x="10106160" y="5743666"/>
+            <a:ext cx="1791335" cy="676910"/>
+          </a:xfrm>
+          <a:prstGeom prst="rect">
+            <a:avLst/>
+          </a:prstGeom>
+          <a:noFill/>
+          <a:ln w="9525">
+            <a:noFill/>
+            <a:miter lim="800000"/>
+            <a:headEnd/>
+            <a:tailEnd/>
+          </a:ln>
+        </p:spPr>
+      </p:pic>
+      <p:pic>
+        <p:nvPicPr>
+          <p:cNvPr id="9" name="8 Imagen"/>
+          <p:cNvPicPr>
+            <a:picLocks noChangeAspect="1"/>
+          </p:cNvPicPr>
+          <p:nvPr/>
+        </p:nvPicPr>
+        <p:blipFill rotWithShape="1">
+          <a:blip r:embed="rId4" cstate="print">
+            <a:extLst>
+              <a:ext uri="{BEBA8EAE-BF5A-486C-A8C5-ECC9F3942E4B}">
+                <a14:imgProps xmlns:a14="http://schemas.microsoft.com/office/drawing/2010/main">
+                  <a14:imgLayer r:embed="rId5">
+                    <a14:imgEffect>
+                      <a14:saturation sat="400000"/>
+                    </a14:imgEffect>
+                  </a14:imgLayer>
+                </a14:imgProps>
+              </a:ext>
+              <a:ext uri="{28A0092B-C50C-407E-A947-70E740481C1C}">
+                <a14:useLocalDpi xmlns:a14="http://schemas.microsoft.com/office/drawing/2010/main" val="0"/>
+              </a:ext>
+            </a:extLst>
+          </a:blip>
+          <a:srcRect t="11640" b="37778"/>
+          <a:stretch/>
+        </p:blipFill>
+        <p:spPr>
+          <a:xfrm>
+            <a:off x="10043885" y="269034"/>
+            <a:ext cx="1915886" cy="1266888"/>
+          </a:xfrm>
+          <a:prstGeom prst="rect">
+            <a:avLst/>
+          </a:prstGeom>
+        </p:spPr>
+      </p:pic>
+    </p:spTree>
+    <p:extLst>
+      <p:ext uri="{BB962C8B-B14F-4D97-AF65-F5344CB8AC3E}">
+        <p14:creationId xmlns:p14="http://schemas.microsoft.com/office/powerpoint/2010/main" val="3639613036"/>
+      </p:ext>
+    </p:extLst>
+  </p:cSld>
+  <p:clrMapOvr>
+    <a:masterClrMapping/>
+  </p:clrMapOvr>
+  <p:timing>
+    <p:tnLst>
+      <p:par>
+        <p:cTn id="1" dur="indefinite" restart="never" nodeType="tmRoot"/>
+      </p:par>
+    </p:tnLst>
+  </p:timing>
+</p:sld>
+</file>
+
+<file path=ppt/slides/slide20.xml><?xml version="1.0" encoding="utf-8"?>
 <p:sld xmlns:a="http://schemas.openxmlformats.org/drawingml/2006/main" xmlns:r="http://schemas.openxmlformats.org/officeDocument/2006/relationships" xmlns:p="http://schemas.openxmlformats.org/presentationml/2006/main">
   <p:cSld>
     <p:spTree>
@@ -26500,7 +29019,7 @@
 </p:sld>
 </file>
 
-<file path=ppt/slides/slide19.xml><?xml version="1.0" encoding="utf-8"?>
+<file path=ppt/slides/slide21.xml><?xml version="1.0" encoding="utf-8"?>
 <p:sld xmlns:a="http://schemas.openxmlformats.org/drawingml/2006/main" xmlns:r="http://schemas.openxmlformats.org/officeDocument/2006/relationships" xmlns:p="http://schemas.openxmlformats.org/presentationml/2006/main">
   <p:cSld>
     <p:spTree>
@@ -26718,264 +29237,7 @@
 </p:sld>
 </file>
 
-<file path=ppt/slides/slide2.xml><?xml version="1.0" encoding="utf-8"?>
-<p:sld xmlns:a="http://schemas.openxmlformats.org/drawingml/2006/main" xmlns:r="http://schemas.openxmlformats.org/officeDocument/2006/relationships" xmlns:p="http://schemas.openxmlformats.org/presentationml/2006/main">
-  <p:cSld>
-    <p:spTree>
-      <p:nvGrpSpPr>
-        <p:cNvPr id="1" name=""/>
-        <p:cNvGrpSpPr/>
-        <p:nvPr/>
-      </p:nvGrpSpPr>
-      <p:grpSpPr>
-        <a:xfrm>
-          <a:off x="0" y="0"/>
-          <a:ext cx="0" cy="0"/>
-          <a:chOff x="0" y="0"/>
-          <a:chExt cx="0" cy="0"/>
-        </a:xfrm>
-      </p:grpSpPr>
-      <p:sp>
-        <p:nvSpPr>
-          <p:cNvPr id="2" name="1 Título"/>
-          <p:cNvSpPr>
-            <a:spLocks noGrp="1"/>
-          </p:cNvSpPr>
-          <p:nvPr>
-            <p:ph type="title"/>
-          </p:nvPr>
-        </p:nvSpPr>
-        <p:spPr>
-          <a:xfrm>
-            <a:off x="1484311" y="99647"/>
-            <a:ext cx="10018713" cy="1752599"/>
-          </a:xfrm>
-        </p:spPr>
-        <p:txBody>
-          <a:bodyPr/>
-          <a:lstStyle/>
-          <a:p>
-            <a:r>
-              <a:rPr lang="es-CO" b="1" dirty="0" smtClean="0">
-                <a:solidFill>
-                  <a:srgbClr val="C00000"/>
-                </a:solidFill>
-                <a:effectLst>
-                  <a:outerShdw blurRad="38100" dist="38100" dir="2700000" algn="tl">
-                    <a:srgbClr val="000000">
-                      <a:alpha val="43137"/>
-                    </a:srgbClr>
-                  </a:outerShdw>
-                </a:effectLst>
-                <a:latin typeface="Calibri" pitchFamily="34" charset="0"/>
-              </a:rPr>
-              <a:t>Agenda</a:t>
-            </a:r>
-            <a:endParaRPr lang="es-CO" b="1" dirty="0">
-              <a:solidFill>
-                <a:srgbClr val="C00000"/>
-              </a:solidFill>
-              <a:effectLst>
-                <a:outerShdw blurRad="38100" dist="38100" dir="2700000" algn="tl">
-                  <a:srgbClr val="000000">
-                    <a:alpha val="43137"/>
-                  </a:srgbClr>
-                </a:outerShdw>
-              </a:effectLst>
-              <a:latin typeface="Calibri" pitchFamily="34" charset="0"/>
-            </a:endParaRPr>
-          </a:p>
-        </p:txBody>
-      </p:sp>
-      <p:sp>
-        <p:nvSpPr>
-          <p:cNvPr id="5" name="Marcador de contenido 2"/>
-          <p:cNvSpPr>
-            <a:spLocks noGrp="1"/>
-          </p:cNvSpPr>
-          <p:nvPr>
-            <p:ph sz="quarter" idx="1"/>
-          </p:nvPr>
-        </p:nvSpPr>
-        <p:spPr>
-          <a:xfrm>
-            <a:off x="2867633" y="2332893"/>
-            <a:ext cx="10018713" cy="3810000"/>
-          </a:xfrm>
-        </p:spPr>
-        <p:txBody>
-          <a:bodyPr>
-            <a:normAutofit/>
-          </a:bodyPr>
-          <a:lstStyle/>
-          <a:p>
-            <a:r>
-              <a:rPr lang="es-MX" sz="2900" b="1" dirty="0">
-                <a:latin typeface="Calibri" pitchFamily="34" charset="0"/>
-              </a:rPr>
-              <a:t>Marco </a:t>
-            </a:r>
-            <a:r>
-              <a:rPr lang="es-MX" sz="2900" b="1" dirty="0" smtClean="0">
-                <a:latin typeface="Calibri" pitchFamily="34" charset="0"/>
-              </a:rPr>
-              <a:t>metodológico</a:t>
-            </a:r>
-          </a:p>
-          <a:p>
-            <a:r>
-              <a:rPr lang="es-MX" sz="2900" dirty="0" smtClean="0">
-                <a:latin typeface="Calibri" pitchFamily="34" charset="0"/>
-              </a:rPr>
-              <a:t>¿Por qué cambiar?</a:t>
-            </a:r>
-          </a:p>
-          <a:p>
-            <a:r>
-              <a:rPr lang="es-MX" sz="2900" dirty="0" smtClean="0">
-                <a:latin typeface="Calibri" pitchFamily="34" charset="0"/>
-              </a:rPr>
-              <a:t>Contexto estrategias</a:t>
-            </a:r>
-          </a:p>
-          <a:p>
-            <a:r>
-              <a:rPr lang="es-MX" sz="2900" dirty="0" smtClean="0">
-                <a:latin typeface="Calibri" pitchFamily="34" charset="0"/>
-              </a:rPr>
-              <a:t>Resumen impacto de la brecha</a:t>
-            </a:r>
-          </a:p>
-          <a:p>
-            <a:r>
-              <a:rPr lang="es-MX" sz="2900" dirty="0" smtClean="0">
-                <a:latin typeface="Calibri" pitchFamily="34" charset="0"/>
-              </a:rPr>
-              <a:t>Arquitectura </a:t>
-            </a:r>
-            <a:r>
-              <a:rPr lang="es-MX" sz="2900" dirty="0">
-                <a:latin typeface="Calibri" pitchFamily="34" charset="0"/>
-              </a:rPr>
-              <a:t>de solución</a:t>
-            </a:r>
-          </a:p>
-          <a:p>
-            <a:r>
-              <a:rPr lang="es-MX" sz="2900" dirty="0" smtClean="0">
-                <a:latin typeface="Calibri" pitchFamily="34" charset="0"/>
-              </a:rPr>
-              <a:t>Proyectos</a:t>
-            </a:r>
-          </a:p>
-          <a:p>
-            <a:r>
-              <a:rPr lang="es-MX" sz="2900" dirty="0" smtClean="0">
-                <a:latin typeface="Calibri" pitchFamily="34" charset="0"/>
-              </a:rPr>
-              <a:t>Impacto y Riesgos</a:t>
-            </a:r>
-          </a:p>
-          <a:p>
-            <a:endParaRPr lang="es-MX" dirty="0" smtClean="0"/>
-          </a:p>
-          <a:p>
-            <a:endParaRPr lang="es-MX" dirty="0" smtClean="0"/>
-          </a:p>
-          <a:p>
-            <a:endParaRPr lang="es-MX" dirty="0"/>
-          </a:p>
-        </p:txBody>
-      </p:sp>
-      <p:pic>
-        <p:nvPicPr>
-          <p:cNvPr id="8" name="Imagen 3"/>
-          <p:cNvPicPr/>
-          <p:nvPr/>
-        </p:nvPicPr>
-        <p:blipFill>
-          <a:blip r:embed="rId3" cstate="print"/>
-          <a:srcRect/>
-          <a:stretch>
-            <a:fillRect/>
-          </a:stretch>
-        </p:blipFill>
-        <p:spPr bwMode="auto">
-          <a:xfrm>
-            <a:off x="10106160" y="5743666"/>
-            <a:ext cx="1791335" cy="676910"/>
-          </a:xfrm>
-          <a:prstGeom prst="rect">
-            <a:avLst/>
-          </a:prstGeom>
-          <a:noFill/>
-          <a:ln w="9525">
-            <a:noFill/>
-            <a:miter lim="800000"/>
-            <a:headEnd/>
-            <a:tailEnd/>
-          </a:ln>
-        </p:spPr>
-      </p:pic>
-      <p:pic>
-        <p:nvPicPr>
-          <p:cNvPr id="9" name="8 Imagen"/>
-          <p:cNvPicPr>
-            <a:picLocks noChangeAspect="1"/>
-          </p:cNvPicPr>
-          <p:nvPr/>
-        </p:nvPicPr>
-        <p:blipFill rotWithShape="1">
-          <a:blip r:embed="rId4" cstate="print">
-            <a:extLst>
-              <a:ext uri="{BEBA8EAE-BF5A-486C-A8C5-ECC9F3942E4B}">
-                <a14:imgProps xmlns:a14="http://schemas.microsoft.com/office/drawing/2010/main">
-                  <a14:imgLayer r:embed="rId5">
-                    <a14:imgEffect>
-                      <a14:saturation sat="400000"/>
-                    </a14:imgEffect>
-                  </a14:imgLayer>
-                </a14:imgProps>
-              </a:ext>
-              <a:ext uri="{28A0092B-C50C-407E-A947-70E740481C1C}">
-                <a14:useLocalDpi xmlns:a14="http://schemas.microsoft.com/office/drawing/2010/main" val="0"/>
-              </a:ext>
-            </a:extLst>
-          </a:blip>
-          <a:srcRect t="11640" b="37778"/>
-          <a:stretch/>
-        </p:blipFill>
-        <p:spPr>
-          <a:xfrm>
-            <a:off x="10043885" y="269034"/>
-            <a:ext cx="1915886" cy="1266888"/>
-          </a:xfrm>
-          <a:prstGeom prst="rect">
-            <a:avLst/>
-          </a:prstGeom>
-        </p:spPr>
-      </p:pic>
-    </p:spTree>
-    <p:extLst>
-      <p:ext uri="{BB962C8B-B14F-4D97-AF65-F5344CB8AC3E}">
-        <p14:creationId xmlns:p14="http://schemas.microsoft.com/office/powerpoint/2010/main" val="3639613036"/>
-      </p:ext>
-    </p:extLst>
-  </p:cSld>
-  <p:clrMapOvr>
-    <a:masterClrMapping/>
-  </p:clrMapOvr>
-  <p:timing>
-    <p:tnLst>
-      <p:par>
-        <p:cTn id="1" dur="indefinite" restart="never" nodeType="tmRoot"/>
-      </p:par>
-    </p:tnLst>
-  </p:timing>
-</p:sld>
-</file>
-
-<file path=ppt/slides/slide20.xml><?xml version="1.0" encoding="utf-8"?>
+<file path=ppt/slides/slide22.xml><?xml version="1.0" encoding="utf-8"?>
 <p:sld xmlns:a="http://schemas.openxmlformats.org/drawingml/2006/main" xmlns:r="http://schemas.openxmlformats.org/officeDocument/2006/relationships" xmlns:p="http://schemas.openxmlformats.org/presentationml/2006/main">
   <p:cSld>
     <p:spTree>
@@ -27338,7 +29600,7 @@
 </p:sld>
 </file>
 
-<file path=ppt/slides/slide21.xml><?xml version="1.0" encoding="utf-8"?>
+<file path=ppt/slides/slide23.xml><?xml version="1.0" encoding="utf-8"?>
 <p:sld xmlns:a="http://schemas.openxmlformats.org/drawingml/2006/main" xmlns:r="http://schemas.openxmlformats.org/officeDocument/2006/relationships" xmlns:p="http://schemas.openxmlformats.org/presentationml/2006/main">
   <p:cSld>
     <p:spTree>
@@ -27425,7 +29687,7 @@
         </p:spPr>
         <p:txBody>
           <a:bodyPr>
-            <a:normAutofit/>
+            <a:normAutofit lnSpcReduction="10000"/>
           </a:bodyPr>
           <a:lstStyle/>
           <a:p>
@@ -27465,6 +29727,17 @@
               </a:rPr>
               <a:t>Resumen impacto de la brecha</a:t>
             </a:r>
+          </a:p>
+          <a:p>
+            <a:r>
+              <a:rPr lang="es-MX" sz="2900" dirty="0" err="1" smtClean="0">
+                <a:latin typeface="Calibri" pitchFamily="34" charset="0"/>
+              </a:rPr>
+              <a:t>KPI´s</a:t>
+            </a:r>
+            <a:endParaRPr lang="es-MX" sz="2900" dirty="0" smtClean="0">
+              <a:latin typeface="Calibri" pitchFamily="34" charset="0"/>
+            </a:endParaRPr>
           </a:p>
           <a:p>
             <a:r>
@@ -27595,7 +29868,7 @@
 </p:sld>
 </file>
 
-<file path=ppt/slides/slide22.xml><?xml version="1.0" encoding="utf-8"?>
+<file path=ppt/slides/slide24.xml><?xml version="1.0" encoding="utf-8"?>
 <p:sld xmlns:a="http://schemas.openxmlformats.org/drawingml/2006/main" xmlns:r="http://schemas.openxmlformats.org/officeDocument/2006/relationships" xmlns:p="http://schemas.openxmlformats.org/presentationml/2006/main">
   <p:cSld>
     <p:spTree>
@@ -27671,7 +29944,7 @@
           <p:nvPr>
             <p:extLst>
               <p:ext uri="{D42A27DB-BD31-4B8C-83A1-F6EECF244321}">
-                <p14:modId xmlns:p14="http://schemas.microsoft.com/office/powerpoint/2010/main" val="2594699414"/>
+                <p14:modId xmlns:p14="http://schemas.microsoft.com/office/powerpoint/2010/main" val="27646574"/>
               </p:ext>
             </p:extLst>
           </p:nvPr>
@@ -28212,7 +30485,7 @@
 </p:sld>
 </file>
 
-<file path=ppt/slides/slide23.xml><?xml version="1.0" encoding="utf-8"?>
+<file path=ppt/slides/slide25.xml><?xml version="1.0" encoding="utf-8"?>
 <p:sld xmlns:a="http://schemas.openxmlformats.org/drawingml/2006/main" xmlns:r="http://schemas.openxmlformats.org/officeDocument/2006/relationships" xmlns:p="http://schemas.openxmlformats.org/presentationml/2006/main">
   <p:cSld>
     <p:spTree>
@@ -29343,7 +31616,7 @@
         </p:spPr>
         <p:txBody>
           <a:bodyPr>
-            <a:normAutofit/>
+            <a:normAutofit lnSpcReduction="10000"/>
           </a:bodyPr>
           <a:lstStyle/>
           <a:p>
@@ -29383,6 +31656,17 @@
               </a:rPr>
               <a:t>Resumen impacto de la brecha</a:t>
             </a:r>
+          </a:p>
+          <a:p>
+            <a:r>
+              <a:rPr lang="es-MX" sz="2900" dirty="0" err="1" smtClean="0">
+                <a:latin typeface="Calibri" pitchFamily="34" charset="0"/>
+              </a:rPr>
+              <a:t>KPI´s</a:t>
+            </a:r>
+            <a:endParaRPr lang="es-MX" sz="2900" dirty="0" smtClean="0">
+              <a:latin typeface="Calibri" pitchFamily="34" charset="0"/>
+            </a:endParaRPr>
           </a:p>
           <a:p>
             <a:r>
@@ -29640,17 +31924,8 @@
               <a:rPr lang="es-MX" dirty="0" smtClean="0">
                 <a:latin typeface="Calibri" pitchFamily="34" charset="0"/>
               </a:rPr>
-              <a:t>nuevas </a:t>
+              <a:t>nuevas funcionalidades.</a:t>
             </a:r>
-            <a:r>
-              <a:rPr lang="es-MX" dirty="0" smtClean="0">
-                <a:latin typeface="Calibri" pitchFamily="34" charset="0"/>
-              </a:rPr>
-              <a:t>funcionalidades.</a:t>
-            </a:r>
-            <a:endParaRPr lang="es-MX" dirty="0" smtClean="0">
-              <a:latin typeface="Calibri" pitchFamily="34" charset="0"/>
-            </a:endParaRPr>
           </a:p>
         </p:txBody>
       </p:sp>
@@ -29829,7 +32104,7 @@
         </p:spPr>
         <p:txBody>
           <a:bodyPr>
-            <a:normAutofit/>
+            <a:normAutofit lnSpcReduction="10000"/>
           </a:bodyPr>
           <a:lstStyle/>
           <a:p>
@@ -29869,6 +32144,17 @@
               </a:rPr>
               <a:t>Resumen impacto de la brecha</a:t>
             </a:r>
+          </a:p>
+          <a:p>
+            <a:r>
+              <a:rPr lang="es-MX" sz="2900" dirty="0" err="1" smtClean="0">
+                <a:latin typeface="Calibri" pitchFamily="34" charset="0"/>
+              </a:rPr>
+              <a:t>KPI´s</a:t>
+            </a:r>
+            <a:endParaRPr lang="es-MX" sz="2900" dirty="0" smtClean="0">
+              <a:latin typeface="Calibri" pitchFamily="34" charset="0"/>
+            </a:endParaRPr>
           </a:p>
           <a:p>
             <a:r>
@@ -30279,7 +32565,7 @@
         </p:spPr>
         <p:txBody>
           <a:bodyPr>
-            <a:normAutofit/>
+            <a:normAutofit fontScale="92500" lnSpcReduction="10000"/>
           </a:bodyPr>
           <a:lstStyle/>
           <a:p>
@@ -30319,6 +32605,17 @@
               </a:rPr>
               <a:t>Resumen impacto de la brecha</a:t>
             </a:r>
+          </a:p>
+          <a:p>
+            <a:r>
+              <a:rPr lang="es-MX" sz="2900" dirty="0" err="1" smtClean="0">
+                <a:latin typeface="Calibri" pitchFamily="34" charset="0"/>
+              </a:rPr>
+              <a:t>KPI´s</a:t>
+            </a:r>
+            <a:endParaRPr lang="es-MX" sz="2900" dirty="0" smtClean="0">
+              <a:latin typeface="Calibri" pitchFamily="34" charset="0"/>
+            </a:endParaRPr>
           </a:p>
           <a:p>
             <a:r>

--- a/Proyecto I/Presentación/Arquitectura Objetivo MPLA.pptx
+++ b/Proyecto I/Presentación/Arquitectura Objetivo MPLA.pptx
@@ -133,7 +133,7 @@
   </p:defaultTextStyle>
   <p:extLst>
     <p:ext uri="{EFAFB233-063F-42B5-8137-9DF3F51BA10A}">
-      <p15:sldGuideLst xmlns="" xmlns:p15="http://schemas.microsoft.com/office/powerpoint/2012/main">
+      <p15:sldGuideLst xmlns:p15="http://schemas.microsoft.com/office/powerpoint/2012/main" xmlns="">
         <p15:guide id="1" orient="horz" pos="2160">
           <p15:clr>
             <a:srgbClr val="A4A3A4"/>
@@ -147,7 +147,7 @@
       </p15:sldGuideLst>
     </p:ext>
     <p:ext uri="{2D200454-40CA-4A62-9FC3-DE9A4176ACB9}">
-      <p15:notesGuideLst xmlns="" xmlns:p15="http://schemas.microsoft.com/office/powerpoint/2012/main">
+      <p15:notesGuideLst xmlns:p15="http://schemas.microsoft.com/office/powerpoint/2012/main" xmlns="">
         <p15:guide id="1" orient="horz" pos="2880">
           <p15:clr>
             <a:srgbClr val="A4A3A4"/>
@@ -5740,12 +5740,12 @@
         <a:lstStyle/>
         <a:p>
           <a:r>
-            <a:rPr lang="es-MX" sz="1600" b="1" dirty="0" smtClean="0">
+            <a:rPr lang="es-MX" sz="1400" b="1" dirty="0" smtClean="0">
               <a:latin typeface="Calibri" pitchFamily="34" charset="0"/>
             </a:rPr>
             <a:t>Medios de retroalimentación y reconocimiento de clientes y productos</a:t>
           </a:r>
-          <a:endParaRPr lang="es-MX" sz="1600" b="1" dirty="0">
+          <a:endParaRPr lang="es-MX" sz="1400" b="1" dirty="0">
             <a:latin typeface="Calibri" pitchFamily="34" charset="0"/>
           </a:endParaRPr>
         </a:p>
@@ -6680,33 +6680,33 @@
     </dgm:pt>
   </dgm:ptLst>
   <dgm:cxnLst>
+    <dgm:cxn modelId="{C1D0FF52-F8C6-4D7D-BF1B-C6E3D183A893}" type="presOf" srcId="{64DB8AC4-F2F4-4964-BF1E-149839778CA0}" destId="{E8E6B5FF-5FE7-41F3-9076-D189B92FD604}" srcOrd="1" destOrd="0" presId="urn:microsoft.com/office/officeart/2005/8/layout/bProcess3"/>
+    <dgm:cxn modelId="{05BDCAC0-492A-4B9F-A53B-7F74F48CD560}" srcId="{2B173404-3200-4D89-8602-3D079F2196B5}" destId="{E5C79A8F-16D9-4406-BF3B-CB05FFFCEC50}" srcOrd="6" destOrd="0" parTransId="{2105947B-5BC5-4007-A50F-AA65C5664328}" sibTransId="{36753BED-1225-47A3-A898-F01C4C1D4B82}"/>
+    <dgm:cxn modelId="{965F81AD-9440-47FA-A7D9-D477C051ADE4}" type="presOf" srcId="{980DC417-4553-4D8F-81D8-0AECAE4AA72A}" destId="{6510398C-C384-41F1-8E35-B4AE0AA2E5FB}" srcOrd="0" destOrd="0" presId="urn:microsoft.com/office/officeart/2005/8/layout/bProcess3"/>
+    <dgm:cxn modelId="{37289E82-39E6-40A0-903C-050E09379CFB}" type="presOf" srcId="{B1305F0A-8AFD-4480-A1DF-A35B73593359}" destId="{7FD54B9D-EECF-40B6-834D-14DD75190266}" srcOrd="0" destOrd="0" presId="urn:microsoft.com/office/officeart/2005/8/layout/bProcess3"/>
+    <dgm:cxn modelId="{D6EE37D8-B95F-4CF2-9B41-FDA7DCF69134}" srcId="{2B173404-3200-4D89-8602-3D079F2196B5}" destId="{F8E06C02-B1A5-4CFF-90EF-6BA89D884257}" srcOrd="1" destOrd="0" parTransId="{5073FE76-ABF0-4E70-8FC4-0A940C48CBAD}" sibTransId="{E9F45098-5506-4658-83C6-65A28C831342}"/>
+    <dgm:cxn modelId="{FDBDA4EA-D0B4-48CD-96BE-16DE1721971C}" srcId="{2B173404-3200-4D89-8602-3D079F2196B5}" destId="{980DC417-4553-4D8F-81D8-0AECAE4AA72A}" srcOrd="0" destOrd="0" parTransId="{03E1EE82-ABBE-4F22-878D-448ACF1347CD}" sibTransId="{64DB8AC4-F2F4-4964-BF1E-149839778CA0}"/>
+    <dgm:cxn modelId="{133C6124-A91A-4DE3-83BF-EDB9ED052C5A}" type="presOf" srcId="{A0247901-337B-45E9-ABDF-FFA9A8099429}" destId="{E4BB81D2-E9A0-42DF-B1F3-202D999B6F4E}" srcOrd="0" destOrd="0" presId="urn:microsoft.com/office/officeart/2005/8/layout/bProcess3"/>
     <dgm:cxn modelId="{54F9BD36-18F0-4BEF-9FEB-6F0D8EFB4372}" type="presOf" srcId="{64DB8AC4-F2F4-4964-BF1E-149839778CA0}" destId="{C78CAC3E-1F3D-4CFD-AE65-69267EC55DE4}" srcOrd="0" destOrd="0" presId="urn:microsoft.com/office/officeart/2005/8/layout/bProcess3"/>
+    <dgm:cxn modelId="{CFC4ACCE-D9E6-48C4-B01B-759681831DF8}" type="presOf" srcId="{780F0993-D991-4253-A7CA-5A7A41F8ED35}" destId="{1D7B041B-7312-4C26-A071-90B8BC3C6D16}" srcOrd="0" destOrd="0" presId="urn:microsoft.com/office/officeart/2005/8/layout/bProcess3"/>
+    <dgm:cxn modelId="{AC6216F7-7EA5-4CF4-90A5-F936F34CDA5C}" type="presOf" srcId="{B3DC507C-FA25-41A3-9CDE-B5324AF1FCEC}" destId="{79E4E270-E07A-43F8-B201-16B17F1C14B7}" srcOrd="0" destOrd="0" presId="urn:microsoft.com/office/officeart/2005/8/layout/bProcess3"/>
+    <dgm:cxn modelId="{C185CA85-7370-4E21-BC75-2811D6927DA2}" type="presOf" srcId="{4EFDCCC3-3BA0-4C8B-AE9A-0112CCBC8C46}" destId="{6374216F-1716-49A4-A887-26D34E91D91C}" srcOrd="1" destOrd="0" presId="urn:microsoft.com/office/officeart/2005/8/layout/bProcess3"/>
+    <dgm:cxn modelId="{8D87FCD7-9779-4156-A5D5-C334B0F8B93C}" type="presOf" srcId="{F8E06C02-B1A5-4CFF-90EF-6BA89D884257}" destId="{EEFBDDCB-84E5-4FBD-B22D-7780DBBD4CD6}" srcOrd="0" destOrd="0" presId="urn:microsoft.com/office/officeart/2005/8/layout/bProcess3"/>
+    <dgm:cxn modelId="{7F01E124-1A2D-4F85-86E0-15AFCA7806E3}" type="presOf" srcId="{B1305F0A-8AFD-4480-A1DF-A35B73593359}" destId="{55262A6A-5675-45CD-8C60-E4F712AE2EC7}" srcOrd="1" destOrd="0" presId="urn:microsoft.com/office/officeart/2005/8/layout/bProcess3"/>
+    <dgm:cxn modelId="{1AB6A270-FB1B-4B50-9344-327370F1A6A3}" srcId="{2B173404-3200-4D89-8602-3D079F2196B5}" destId="{780F0993-D991-4253-A7CA-5A7A41F8ED35}" srcOrd="3" destOrd="0" parTransId="{D2DA1105-CF77-4432-8E4E-1E8D72000953}" sibTransId="{B3DC507C-FA25-41A3-9CDE-B5324AF1FCEC}"/>
+    <dgm:cxn modelId="{6D91E19B-1008-4FFF-BB79-DD998AD2B0FD}" type="presOf" srcId="{E5C79A8F-16D9-4406-BF3B-CB05FFFCEC50}" destId="{B99A191C-93EF-4F28-9E5B-AE47570B95FA}" srcOrd="0" destOrd="0" presId="urn:microsoft.com/office/officeart/2005/8/layout/bProcess3"/>
+    <dgm:cxn modelId="{BCDFCF5B-91A6-4812-8196-A9E008682FDF}" srcId="{2B173404-3200-4D89-8602-3D079F2196B5}" destId="{051B04D5-5C47-42EE-9A81-2C15EFB8EDBC}" srcOrd="5" destOrd="0" parTransId="{AB40A33C-46A3-467C-889A-464D433FBB2C}" sibTransId="{A0247901-337B-45E9-ABDF-FFA9A8099429}"/>
+    <dgm:cxn modelId="{14FF06CF-9A88-49E7-9A78-B7A6F6953115}" srcId="{2B173404-3200-4D89-8602-3D079F2196B5}" destId="{00EB21A1-4A4C-4164-AB10-8A595E8360CD}" srcOrd="4" destOrd="0" parTransId="{106F80F9-AC2F-4519-AB45-980B9FEBC047}" sibTransId="{4EFDCCC3-3BA0-4C8B-AE9A-0112CCBC8C46}"/>
+    <dgm:cxn modelId="{BE2C040C-89DA-4693-ADB4-16B787E77FE3}" srcId="{2B173404-3200-4D89-8602-3D079F2196B5}" destId="{48175AEE-E69A-4932-BC73-1AF53B88F8C9}" srcOrd="2" destOrd="0" parTransId="{51CDC069-DE6E-41D3-92EC-C767F5D004CB}" sibTransId="{B1305F0A-8AFD-4480-A1DF-A35B73593359}"/>
     <dgm:cxn modelId="{4D194FD0-AE54-407A-AB79-47749C759A9F}" type="presOf" srcId="{E9F45098-5506-4658-83C6-65A28C831342}" destId="{6E878B84-F675-4EDE-9DFE-BA4B62A371CA}" srcOrd="0" destOrd="0" presId="urn:microsoft.com/office/officeart/2005/8/layout/bProcess3"/>
-    <dgm:cxn modelId="{FDBDA4EA-D0B4-48CD-96BE-16DE1721971C}" srcId="{2B173404-3200-4D89-8602-3D079F2196B5}" destId="{980DC417-4553-4D8F-81D8-0AECAE4AA72A}" srcOrd="0" destOrd="0" parTransId="{03E1EE82-ABBE-4F22-878D-448ACF1347CD}" sibTransId="{64DB8AC4-F2F4-4964-BF1E-149839778CA0}"/>
-    <dgm:cxn modelId="{8D87FCD7-9779-4156-A5D5-C334B0F8B93C}" type="presOf" srcId="{F8E06C02-B1A5-4CFF-90EF-6BA89D884257}" destId="{EEFBDDCB-84E5-4FBD-B22D-7780DBBD4CD6}" srcOrd="0" destOrd="0" presId="urn:microsoft.com/office/officeart/2005/8/layout/bProcess3"/>
+    <dgm:cxn modelId="{D13C624F-B64A-4490-92C9-6B6B377142FD}" type="presOf" srcId="{2B173404-3200-4D89-8602-3D079F2196B5}" destId="{B9DC1DF4-4AF4-4915-9B21-36C4795CC9FF}" srcOrd="0" destOrd="0" presId="urn:microsoft.com/office/officeart/2005/8/layout/bProcess3"/>
     <dgm:cxn modelId="{69F963B2-0F8A-4A4E-BE8C-D74CFA6BEE2F}" type="presOf" srcId="{A0247901-337B-45E9-ABDF-FFA9A8099429}" destId="{FD611060-D09B-43BB-A294-C7F6D352B856}" srcOrd="1" destOrd="0" presId="urn:microsoft.com/office/officeart/2005/8/layout/bProcess3"/>
+    <dgm:cxn modelId="{12846AA2-4902-4312-9F85-FE98B066557E}" type="presOf" srcId="{051B04D5-5C47-42EE-9A81-2C15EFB8EDBC}" destId="{AFDDBB38-DEAE-4076-BAEA-3A748BDC47DE}" srcOrd="0" destOrd="0" presId="urn:microsoft.com/office/officeart/2005/8/layout/bProcess3"/>
+    <dgm:cxn modelId="{C9C79541-4C56-4B21-B735-249FA85AD672}" type="presOf" srcId="{B3DC507C-FA25-41A3-9CDE-B5324AF1FCEC}" destId="{CB976A60-9BB7-42A6-AED1-293B8AA2125C}" srcOrd="1" destOrd="0" presId="urn:microsoft.com/office/officeart/2005/8/layout/bProcess3"/>
+    <dgm:cxn modelId="{3790B50B-A978-4ABC-9A30-0C54DFBCBE75}" type="presOf" srcId="{E9F45098-5506-4658-83C6-65A28C831342}" destId="{CBB6F11F-A1AD-457A-A19C-9FE625F51D09}" srcOrd="1" destOrd="0" presId="urn:microsoft.com/office/officeart/2005/8/layout/bProcess3"/>
+    <dgm:cxn modelId="{A067AB9C-3269-4C36-A828-D181622B4CED}" type="presOf" srcId="{00EB21A1-4A4C-4164-AB10-8A595E8360CD}" destId="{5767C035-9960-45CF-A940-00CA50CF6755}" srcOrd="0" destOrd="0" presId="urn:microsoft.com/office/officeart/2005/8/layout/bProcess3"/>
+    <dgm:cxn modelId="{18E7E72A-ADCB-4A82-BB4C-0E11607C7BBE}" type="presOf" srcId="{48175AEE-E69A-4932-BC73-1AF53B88F8C9}" destId="{4F25B712-9FF1-4AA8-9D65-ACAF7A4A0BD4}" srcOrd="0" destOrd="0" presId="urn:microsoft.com/office/officeart/2005/8/layout/bProcess3"/>
     <dgm:cxn modelId="{22472F31-FAC3-49EB-889C-AC16123D9EDF}" type="presOf" srcId="{4EFDCCC3-3BA0-4C8B-AE9A-0112CCBC8C46}" destId="{D3AEAEAE-0D7F-4FDD-BEF0-43BF61945376}" srcOrd="0" destOrd="0" presId="urn:microsoft.com/office/officeart/2005/8/layout/bProcess3"/>
-    <dgm:cxn modelId="{6D91E19B-1008-4FFF-BB79-DD998AD2B0FD}" type="presOf" srcId="{E5C79A8F-16D9-4406-BF3B-CB05FFFCEC50}" destId="{B99A191C-93EF-4F28-9E5B-AE47570B95FA}" srcOrd="0" destOrd="0" presId="urn:microsoft.com/office/officeart/2005/8/layout/bProcess3"/>
-    <dgm:cxn modelId="{C9C79541-4C56-4B21-B735-249FA85AD672}" type="presOf" srcId="{B3DC507C-FA25-41A3-9CDE-B5324AF1FCEC}" destId="{CB976A60-9BB7-42A6-AED1-293B8AA2125C}" srcOrd="1" destOrd="0" presId="urn:microsoft.com/office/officeart/2005/8/layout/bProcess3"/>
-    <dgm:cxn modelId="{18E7E72A-ADCB-4A82-BB4C-0E11607C7BBE}" type="presOf" srcId="{48175AEE-E69A-4932-BC73-1AF53B88F8C9}" destId="{4F25B712-9FF1-4AA8-9D65-ACAF7A4A0BD4}" srcOrd="0" destOrd="0" presId="urn:microsoft.com/office/officeart/2005/8/layout/bProcess3"/>
-    <dgm:cxn modelId="{A067AB9C-3269-4C36-A828-D181622B4CED}" type="presOf" srcId="{00EB21A1-4A4C-4164-AB10-8A595E8360CD}" destId="{5767C035-9960-45CF-A940-00CA50CF6755}" srcOrd="0" destOrd="0" presId="urn:microsoft.com/office/officeart/2005/8/layout/bProcess3"/>
-    <dgm:cxn modelId="{1AB6A270-FB1B-4B50-9344-327370F1A6A3}" srcId="{2B173404-3200-4D89-8602-3D079F2196B5}" destId="{780F0993-D991-4253-A7CA-5A7A41F8ED35}" srcOrd="3" destOrd="0" parTransId="{D2DA1105-CF77-4432-8E4E-1E8D72000953}" sibTransId="{B3DC507C-FA25-41A3-9CDE-B5324AF1FCEC}"/>
-    <dgm:cxn modelId="{BE2C040C-89DA-4693-ADB4-16B787E77FE3}" srcId="{2B173404-3200-4D89-8602-3D079F2196B5}" destId="{48175AEE-E69A-4932-BC73-1AF53B88F8C9}" srcOrd="2" destOrd="0" parTransId="{51CDC069-DE6E-41D3-92EC-C767F5D004CB}" sibTransId="{B1305F0A-8AFD-4480-A1DF-A35B73593359}"/>
-    <dgm:cxn modelId="{12846AA2-4902-4312-9F85-FE98B066557E}" type="presOf" srcId="{051B04D5-5C47-42EE-9A81-2C15EFB8EDBC}" destId="{AFDDBB38-DEAE-4076-BAEA-3A748BDC47DE}" srcOrd="0" destOrd="0" presId="urn:microsoft.com/office/officeart/2005/8/layout/bProcess3"/>
-    <dgm:cxn modelId="{133C6124-A91A-4DE3-83BF-EDB9ED052C5A}" type="presOf" srcId="{A0247901-337B-45E9-ABDF-FFA9A8099429}" destId="{E4BB81D2-E9A0-42DF-B1F3-202D999B6F4E}" srcOrd="0" destOrd="0" presId="urn:microsoft.com/office/officeart/2005/8/layout/bProcess3"/>
-    <dgm:cxn modelId="{D6EE37D8-B95F-4CF2-9B41-FDA7DCF69134}" srcId="{2B173404-3200-4D89-8602-3D079F2196B5}" destId="{F8E06C02-B1A5-4CFF-90EF-6BA89D884257}" srcOrd="1" destOrd="0" parTransId="{5073FE76-ABF0-4E70-8FC4-0A940C48CBAD}" sibTransId="{E9F45098-5506-4658-83C6-65A28C831342}"/>
-    <dgm:cxn modelId="{7F01E124-1A2D-4F85-86E0-15AFCA7806E3}" type="presOf" srcId="{B1305F0A-8AFD-4480-A1DF-A35B73593359}" destId="{55262A6A-5675-45CD-8C60-E4F712AE2EC7}" srcOrd="1" destOrd="0" presId="urn:microsoft.com/office/officeart/2005/8/layout/bProcess3"/>
-    <dgm:cxn modelId="{C1D0FF52-F8C6-4D7D-BF1B-C6E3D183A893}" type="presOf" srcId="{64DB8AC4-F2F4-4964-BF1E-149839778CA0}" destId="{E8E6B5FF-5FE7-41F3-9076-D189B92FD604}" srcOrd="1" destOrd="0" presId="urn:microsoft.com/office/officeart/2005/8/layout/bProcess3"/>
-    <dgm:cxn modelId="{BCDFCF5B-91A6-4812-8196-A9E008682FDF}" srcId="{2B173404-3200-4D89-8602-3D079F2196B5}" destId="{051B04D5-5C47-42EE-9A81-2C15EFB8EDBC}" srcOrd="5" destOrd="0" parTransId="{AB40A33C-46A3-467C-889A-464D433FBB2C}" sibTransId="{A0247901-337B-45E9-ABDF-FFA9A8099429}"/>
-    <dgm:cxn modelId="{37289E82-39E6-40A0-903C-050E09379CFB}" type="presOf" srcId="{B1305F0A-8AFD-4480-A1DF-A35B73593359}" destId="{7FD54B9D-EECF-40B6-834D-14DD75190266}" srcOrd="0" destOrd="0" presId="urn:microsoft.com/office/officeart/2005/8/layout/bProcess3"/>
-    <dgm:cxn modelId="{D13C624F-B64A-4490-92C9-6B6B377142FD}" type="presOf" srcId="{2B173404-3200-4D89-8602-3D079F2196B5}" destId="{B9DC1DF4-4AF4-4915-9B21-36C4795CC9FF}" srcOrd="0" destOrd="0" presId="urn:microsoft.com/office/officeart/2005/8/layout/bProcess3"/>
-    <dgm:cxn modelId="{965F81AD-9440-47FA-A7D9-D477C051ADE4}" type="presOf" srcId="{980DC417-4553-4D8F-81D8-0AECAE4AA72A}" destId="{6510398C-C384-41F1-8E35-B4AE0AA2E5FB}" srcOrd="0" destOrd="0" presId="urn:microsoft.com/office/officeart/2005/8/layout/bProcess3"/>
-    <dgm:cxn modelId="{AC6216F7-7EA5-4CF4-90A5-F936F34CDA5C}" type="presOf" srcId="{B3DC507C-FA25-41A3-9CDE-B5324AF1FCEC}" destId="{79E4E270-E07A-43F8-B201-16B17F1C14B7}" srcOrd="0" destOrd="0" presId="urn:microsoft.com/office/officeart/2005/8/layout/bProcess3"/>
-    <dgm:cxn modelId="{14FF06CF-9A88-49E7-9A78-B7A6F6953115}" srcId="{2B173404-3200-4D89-8602-3D079F2196B5}" destId="{00EB21A1-4A4C-4164-AB10-8A595E8360CD}" srcOrd="4" destOrd="0" parTransId="{106F80F9-AC2F-4519-AB45-980B9FEBC047}" sibTransId="{4EFDCCC3-3BA0-4C8B-AE9A-0112CCBC8C46}"/>
-    <dgm:cxn modelId="{05BDCAC0-492A-4B9F-A53B-7F74F48CD560}" srcId="{2B173404-3200-4D89-8602-3D079F2196B5}" destId="{E5C79A8F-16D9-4406-BF3B-CB05FFFCEC50}" srcOrd="6" destOrd="0" parTransId="{2105947B-5BC5-4007-A50F-AA65C5664328}" sibTransId="{36753BED-1225-47A3-A898-F01C4C1D4B82}"/>
-    <dgm:cxn modelId="{C185CA85-7370-4E21-BC75-2811D6927DA2}" type="presOf" srcId="{4EFDCCC3-3BA0-4C8B-AE9A-0112CCBC8C46}" destId="{6374216F-1716-49A4-A887-26D34E91D91C}" srcOrd="1" destOrd="0" presId="urn:microsoft.com/office/officeart/2005/8/layout/bProcess3"/>
-    <dgm:cxn modelId="{CFC4ACCE-D9E6-48C4-B01B-759681831DF8}" type="presOf" srcId="{780F0993-D991-4253-A7CA-5A7A41F8ED35}" destId="{1D7B041B-7312-4C26-A071-90B8BC3C6D16}" srcOrd="0" destOrd="0" presId="urn:microsoft.com/office/officeart/2005/8/layout/bProcess3"/>
-    <dgm:cxn modelId="{3790B50B-A978-4ABC-9A30-0C54DFBCBE75}" type="presOf" srcId="{E9F45098-5506-4658-83C6-65A28C831342}" destId="{CBB6F11F-A1AD-457A-A19C-9FE625F51D09}" srcOrd="1" destOrd="0" presId="urn:microsoft.com/office/officeart/2005/8/layout/bProcess3"/>
     <dgm:cxn modelId="{A6DC13DE-C516-409B-AA05-69A36CAD83BE}" type="presParOf" srcId="{B9DC1DF4-4AF4-4915-9B21-36C4795CC9FF}" destId="{6510398C-C384-41F1-8E35-B4AE0AA2E5FB}" srcOrd="0" destOrd="0" presId="urn:microsoft.com/office/officeart/2005/8/layout/bProcess3"/>
     <dgm:cxn modelId="{B6E6ECDC-CE0F-48B5-8FF3-E9607E59467B}" type="presParOf" srcId="{B9DC1DF4-4AF4-4915-9B21-36C4795CC9FF}" destId="{C78CAC3E-1F3D-4CFD-AE65-69267EC55DE4}" srcOrd="1" destOrd="0" presId="urn:microsoft.com/office/officeart/2005/8/layout/bProcess3"/>
     <dgm:cxn modelId="{A98B0C8E-3474-435D-86A4-6BC1E1C6E0FD}" type="presParOf" srcId="{C78CAC3E-1F3D-4CFD-AE65-69267EC55DE4}" destId="{E8E6B5FF-5FE7-41F3-9076-D189B92FD604}" srcOrd="0" destOrd="0" presId="urn:microsoft.com/office/officeart/2005/8/layout/bProcess3"/>
@@ -8321,19 +8321,7 @@
             <a:rPr lang="es-CO" sz="2400" dirty="0" smtClean="0">
               <a:latin typeface="Calibri" pitchFamily="34" charset="0"/>
             </a:rPr>
-            <a:t>La integración de un sistema complejo falla pues sus partes no fueron diseñadas </a:t>
-          </a:r>
-          <a:r>
-            <a:rPr lang="es-CO" sz="2400" dirty="0" smtClean="0">
-              <a:latin typeface="Calibri" pitchFamily="34" charset="0"/>
-            </a:rPr>
-            <a:t>adecuadamente</a:t>
-          </a:r>
-          <a:r>
-            <a:rPr lang="es-CO" sz="2400" dirty="0" smtClean="0">
-              <a:latin typeface="Calibri" pitchFamily="34" charset="0"/>
-            </a:rPr>
-            <a:t>.</a:t>
+            <a:t>La integración de un sistema complejo falla pues sus partes no fueron diseñadas adecuadamente.</a:t>
           </a:r>
           <a:endParaRPr lang="es-CO" sz="2400" dirty="0">
             <a:latin typeface="Calibri" pitchFamily="34" charset="0"/>
@@ -10209,12 +10197,12 @@
         </a:fontRef>
       </dsp:style>
       <dsp:txBody>
-        <a:bodyPr spcFirstLastPara="0" vert="horz" wrap="square" lIns="20320" tIns="20320" rIns="20320" bIns="20320" numCol="1" spcCol="1270" anchor="ctr" anchorCtr="0">
+        <a:bodyPr spcFirstLastPara="0" vert="horz" wrap="square" lIns="17780" tIns="17780" rIns="17780" bIns="17780" numCol="1" spcCol="1270" anchor="ctr" anchorCtr="0">
           <a:noAutofit/>
         </a:bodyPr>
         <a:lstStyle/>
         <a:p>
-          <a:pPr lvl="0" algn="ctr" defTabSz="711200">
+          <a:pPr lvl="0" algn="ctr" defTabSz="622300">
             <a:lnSpc>
               <a:spcPct val="90000"/>
             </a:lnSpc>
@@ -10226,12 +10214,12 @@
             </a:spcAft>
           </a:pPr>
           <a:r>
-            <a:rPr lang="es-MX" sz="1600" b="1" kern="1200" dirty="0" smtClean="0">
+            <a:rPr lang="es-MX" sz="1400" b="1" kern="1200" dirty="0" smtClean="0">
               <a:latin typeface="Calibri" pitchFamily="34" charset="0"/>
             </a:rPr>
             <a:t>Medios de retroalimentación y reconocimiento de clientes y productos</a:t>
           </a:r>
-          <a:endParaRPr lang="es-MX" sz="1600" b="1" kern="1200" dirty="0">
+          <a:endParaRPr lang="es-MX" sz="1400" b="1" kern="1200" dirty="0">
             <a:latin typeface="Calibri" pitchFamily="34" charset="0"/>
           </a:endParaRPr>
         </a:p>
@@ -10579,6 +10567,1102 @@
       <dsp:cNvGrpSpPr/>
     </dsp:nvGrpSpPr>
     <dsp:grpSpPr/>
+    <dsp:sp modelId="{C78CAC3E-1F3D-4CFD-AE65-69267EC55DE4}">
+      <dsp:nvSpPr>
+        <dsp:cNvPr id="0" name=""/>
+        <dsp:cNvSpPr/>
+      </dsp:nvSpPr>
+      <dsp:spPr>
+        <a:xfrm>
+          <a:off x="2209020" y="1323645"/>
+          <a:ext cx="477414" cy="91440"/>
+        </a:xfrm>
+        <a:custGeom>
+          <a:avLst/>
+          <a:gdLst/>
+          <a:ahLst/>
+          <a:cxnLst/>
+          <a:rect l="0" t="0" r="0" b="0"/>
+          <a:pathLst>
+            <a:path>
+              <a:moveTo>
+                <a:pt x="0" y="45720"/>
+              </a:moveTo>
+              <a:lnTo>
+                <a:pt x="477414" y="45720"/>
+              </a:lnTo>
+            </a:path>
+          </a:pathLst>
+        </a:custGeom>
+        <a:noFill/>
+        <a:ln w="9525" cap="flat" cmpd="sng" algn="ctr">
+          <a:solidFill>
+            <a:schemeClr val="accent2">
+              <a:hueOff val="0"/>
+              <a:satOff val="0"/>
+              <a:lumOff val="0"/>
+              <a:alphaOff val="0"/>
+            </a:schemeClr>
+          </a:solidFill>
+          <a:prstDash val="solid"/>
+          <a:tailEnd type="arrow"/>
+        </a:ln>
+        <a:effectLst/>
+      </dsp:spPr>
+      <dsp:style>
+        <a:lnRef idx="1">
+          <a:scrgbClr r="0" g="0" b="0"/>
+        </a:lnRef>
+        <a:fillRef idx="0">
+          <a:scrgbClr r="0" g="0" b="0"/>
+        </a:fillRef>
+        <a:effectRef idx="0">
+          <a:scrgbClr r="0" g="0" b="0"/>
+        </a:effectRef>
+        <a:fontRef idx="minor"/>
+      </dsp:style>
+      <dsp:txBody>
+        <a:bodyPr spcFirstLastPara="0" vert="horz" wrap="square" lIns="12700" tIns="0" rIns="12700" bIns="0" numCol="1" spcCol="1270" anchor="ctr" anchorCtr="0">
+          <a:noAutofit/>
+        </a:bodyPr>
+        <a:lstStyle/>
+        <a:p>
+          <a:pPr lvl="0" algn="ctr" defTabSz="222250">
+            <a:lnSpc>
+              <a:spcPct val="90000"/>
+            </a:lnSpc>
+            <a:spcBef>
+              <a:spcPct val="0"/>
+            </a:spcBef>
+            <a:spcAft>
+              <a:spcPct val="35000"/>
+            </a:spcAft>
+          </a:pPr>
+          <a:endParaRPr lang="es-CO" sz="500" kern="1200"/>
+        </a:p>
+      </dsp:txBody>
+      <dsp:txXfrm>
+        <a:off x="2435027" y="1366825"/>
+        <a:ext cx="25400" cy="5080"/>
+      </dsp:txXfrm>
+    </dsp:sp>
+    <dsp:sp modelId="{6510398C-C384-41F1-8E35-B4AE0AA2E5FB}">
+      <dsp:nvSpPr>
+        <dsp:cNvPr id="0" name=""/>
+        <dsp:cNvSpPr/>
+      </dsp:nvSpPr>
+      <dsp:spPr>
+        <a:xfrm>
+          <a:off x="2062" y="706737"/>
+          <a:ext cx="2208758" cy="1325254"/>
+        </a:xfrm>
+        <a:prstGeom prst="rect">
+          <a:avLst/>
+        </a:prstGeom>
+        <a:solidFill>
+          <a:schemeClr val="lt1">
+            <a:hueOff val="0"/>
+            <a:satOff val="0"/>
+            <a:lumOff val="0"/>
+            <a:alphaOff val="0"/>
+          </a:schemeClr>
+        </a:solidFill>
+        <a:ln w="38100" cap="flat" cmpd="sng" algn="ctr">
+          <a:solidFill>
+            <a:schemeClr val="accent2">
+              <a:shade val="80000"/>
+              <a:hueOff val="0"/>
+              <a:satOff val="0"/>
+              <a:lumOff val="0"/>
+              <a:alphaOff val="0"/>
+            </a:schemeClr>
+          </a:solidFill>
+          <a:prstDash val="solid"/>
+        </a:ln>
+        <a:effectLst>
+          <a:outerShdw blurRad="38100" dist="25400" dir="5400000" algn="t" rotWithShape="0">
+            <a:srgbClr val="000000">
+              <a:alpha val="50000"/>
+            </a:srgbClr>
+          </a:outerShdw>
+        </a:effectLst>
+      </dsp:spPr>
+      <dsp:style>
+        <a:lnRef idx="3">
+          <a:scrgbClr r="0" g="0" b="0"/>
+        </a:lnRef>
+        <a:fillRef idx="1">
+          <a:scrgbClr r="0" g="0" b="0"/>
+        </a:fillRef>
+        <a:effectRef idx="1">
+          <a:scrgbClr r="0" g="0" b="0"/>
+        </a:effectRef>
+        <a:fontRef idx="minor">
+          <a:schemeClr val="lt1"/>
+        </a:fontRef>
+      </dsp:style>
+      <dsp:txBody>
+        <a:bodyPr spcFirstLastPara="0" vert="horz" wrap="square" lIns="120904" tIns="120904" rIns="120904" bIns="120904" numCol="1" spcCol="1270" anchor="ctr" anchorCtr="0">
+          <a:noAutofit/>
+        </a:bodyPr>
+        <a:lstStyle/>
+        <a:p>
+          <a:pPr lvl="0" algn="ctr" defTabSz="755650">
+            <a:lnSpc>
+              <a:spcPct val="90000"/>
+            </a:lnSpc>
+            <a:spcBef>
+              <a:spcPct val="0"/>
+            </a:spcBef>
+            <a:spcAft>
+              <a:spcPct val="35000"/>
+            </a:spcAft>
+          </a:pPr>
+          <a:r>
+            <a:rPr lang="es-ES" sz="1700" b="1" kern="1200" dirty="0" smtClean="0">
+              <a:latin typeface="Calibri" pitchFamily="34" charset="0"/>
+            </a:rPr>
+            <a:t>Solicitudes Cotización</a:t>
+          </a:r>
+          <a:endParaRPr lang="es-CO" sz="1700" b="1" kern="1200" dirty="0">
+            <a:latin typeface="Calibri" pitchFamily="34" charset="0"/>
+          </a:endParaRPr>
+        </a:p>
+      </dsp:txBody>
+      <dsp:txXfrm>
+        <a:off x="2062" y="706737"/>
+        <a:ext cx="2208758" cy="1325254"/>
+      </dsp:txXfrm>
+    </dsp:sp>
+    <dsp:sp modelId="{6E878B84-F675-4EDE-9DFE-BA4B62A371CA}">
+      <dsp:nvSpPr>
+        <dsp:cNvPr id="0" name=""/>
+        <dsp:cNvSpPr/>
+      </dsp:nvSpPr>
+      <dsp:spPr>
+        <a:xfrm>
+          <a:off x="4925792" y="1323645"/>
+          <a:ext cx="477414" cy="91440"/>
+        </a:xfrm>
+        <a:custGeom>
+          <a:avLst/>
+          <a:gdLst/>
+          <a:ahLst/>
+          <a:cxnLst/>
+          <a:rect l="0" t="0" r="0" b="0"/>
+          <a:pathLst>
+            <a:path>
+              <a:moveTo>
+                <a:pt x="0" y="45720"/>
+              </a:moveTo>
+              <a:lnTo>
+                <a:pt x="477414" y="45720"/>
+              </a:lnTo>
+            </a:path>
+          </a:pathLst>
+        </a:custGeom>
+        <a:noFill/>
+        <a:ln w="9525" cap="flat" cmpd="sng" algn="ctr">
+          <a:solidFill>
+            <a:schemeClr val="accent2">
+              <a:hueOff val="0"/>
+              <a:satOff val="0"/>
+              <a:lumOff val="0"/>
+              <a:alphaOff val="0"/>
+            </a:schemeClr>
+          </a:solidFill>
+          <a:prstDash val="solid"/>
+          <a:tailEnd type="arrow"/>
+        </a:ln>
+        <a:effectLst/>
+      </dsp:spPr>
+      <dsp:style>
+        <a:lnRef idx="1">
+          <a:scrgbClr r="0" g="0" b="0"/>
+        </a:lnRef>
+        <a:fillRef idx="0">
+          <a:scrgbClr r="0" g="0" b="0"/>
+        </a:fillRef>
+        <a:effectRef idx="0">
+          <a:scrgbClr r="0" g="0" b="0"/>
+        </a:effectRef>
+        <a:fontRef idx="minor"/>
+      </dsp:style>
+      <dsp:txBody>
+        <a:bodyPr spcFirstLastPara="0" vert="horz" wrap="square" lIns="12700" tIns="0" rIns="12700" bIns="0" numCol="1" spcCol="1270" anchor="ctr" anchorCtr="0">
+          <a:noAutofit/>
+        </a:bodyPr>
+        <a:lstStyle/>
+        <a:p>
+          <a:pPr lvl="0" algn="ctr" defTabSz="222250">
+            <a:lnSpc>
+              <a:spcPct val="90000"/>
+            </a:lnSpc>
+            <a:spcBef>
+              <a:spcPct val="0"/>
+            </a:spcBef>
+            <a:spcAft>
+              <a:spcPct val="35000"/>
+            </a:spcAft>
+          </a:pPr>
+          <a:endParaRPr lang="es-CO" sz="500" kern="1200"/>
+        </a:p>
+      </dsp:txBody>
+      <dsp:txXfrm>
+        <a:off x="5151799" y="1366825"/>
+        <a:ext cx="25400" cy="5080"/>
+      </dsp:txXfrm>
+    </dsp:sp>
+    <dsp:sp modelId="{EEFBDDCB-84E5-4FBD-B22D-7780DBBD4CD6}">
+      <dsp:nvSpPr>
+        <dsp:cNvPr id="0" name=""/>
+        <dsp:cNvSpPr/>
+      </dsp:nvSpPr>
+      <dsp:spPr>
+        <a:xfrm>
+          <a:off x="2718834" y="706737"/>
+          <a:ext cx="2208758" cy="1325254"/>
+        </a:xfrm>
+        <a:prstGeom prst="rect">
+          <a:avLst/>
+        </a:prstGeom>
+        <a:solidFill>
+          <a:schemeClr val="lt1">
+            <a:hueOff val="0"/>
+            <a:satOff val="0"/>
+            <a:lumOff val="0"/>
+            <a:alphaOff val="0"/>
+          </a:schemeClr>
+        </a:solidFill>
+        <a:ln w="38100" cap="flat" cmpd="sng" algn="ctr">
+          <a:solidFill>
+            <a:schemeClr val="accent2">
+              <a:shade val="80000"/>
+              <a:hueOff val="0"/>
+              <a:satOff val="0"/>
+              <a:lumOff val="0"/>
+              <a:alphaOff val="0"/>
+            </a:schemeClr>
+          </a:solidFill>
+          <a:prstDash val="solid"/>
+        </a:ln>
+        <a:effectLst>
+          <a:outerShdw blurRad="38100" dist="25400" dir="5400000" algn="t" rotWithShape="0">
+            <a:srgbClr val="000000">
+              <a:alpha val="50000"/>
+            </a:srgbClr>
+          </a:outerShdw>
+        </a:effectLst>
+      </dsp:spPr>
+      <dsp:style>
+        <a:lnRef idx="3">
+          <a:scrgbClr r="0" g="0" b="0"/>
+        </a:lnRef>
+        <a:fillRef idx="1">
+          <a:scrgbClr r="0" g="0" b="0"/>
+        </a:fillRef>
+        <a:effectRef idx="1">
+          <a:scrgbClr r="0" g="0" b="0"/>
+        </a:effectRef>
+        <a:fontRef idx="minor">
+          <a:schemeClr val="lt1"/>
+        </a:fontRef>
+      </dsp:style>
+      <dsp:txBody>
+        <a:bodyPr spcFirstLastPara="0" vert="horz" wrap="square" lIns="120904" tIns="120904" rIns="120904" bIns="120904" numCol="1" spcCol="1270" anchor="ctr" anchorCtr="0">
+          <a:noAutofit/>
+        </a:bodyPr>
+        <a:lstStyle/>
+        <a:p>
+          <a:pPr lvl="0" algn="ctr" defTabSz="755650">
+            <a:lnSpc>
+              <a:spcPct val="90000"/>
+            </a:lnSpc>
+            <a:spcBef>
+              <a:spcPct val="0"/>
+            </a:spcBef>
+            <a:spcAft>
+              <a:spcPct val="35000"/>
+            </a:spcAft>
+          </a:pPr>
+          <a:r>
+            <a:rPr lang="es-ES" sz="1700" b="1" kern="1200" dirty="0" smtClean="0">
+              <a:latin typeface="Calibri" pitchFamily="34" charset="0"/>
+            </a:rPr>
+            <a:t>Cantidad Compra vs venta</a:t>
+          </a:r>
+          <a:endParaRPr lang="es-CO" sz="1700" b="1" kern="1200" dirty="0">
+            <a:latin typeface="Calibri" pitchFamily="34" charset="0"/>
+          </a:endParaRPr>
+        </a:p>
+      </dsp:txBody>
+      <dsp:txXfrm>
+        <a:off x="2718834" y="706737"/>
+        <a:ext cx="2208758" cy="1325254"/>
+      </dsp:txXfrm>
+    </dsp:sp>
+    <dsp:sp modelId="{7FD54B9D-EECF-40B6-834D-14DD75190266}">
+      <dsp:nvSpPr>
+        <dsp:cNvPr id="0" name=""/>
+        <dsp:cNvSpPr/>
+      </dsp:nvSpPr>
+      <dsp:spPr>
+        <a:xfrm>
+          <a:off x="7642565" y="1323645"/>
+          <a:ext cx="477414" cy="91440"/>
+        </a:xfrm>
+        <a:custGeom>
+          <a:avLst/>
+          <a:gdLst/>
+          <a:ahLst/>
+          <a:cxnLst/>
+          <a:rect l="0" t="0" r="0" b="0"/>
+          <a:pathLst>
+            <a:path>
+              <a:moveTo>
+                <a:pt x="0" y="45720"/>
+              </a:moveTo>
+              <a:lnTo>
+                <a:pt x="477414" y="45720"/>
+              </a:lnTo>
+            </a:path>
+          </a:pathLst>
+        </a:custGeom>
+        <a:noFill/>
+        <a:ln w="9525" cap="flat" cmpd="sng" algn="ctr">
+          <a:solidFill>
+            <a:schemeClr val="accent2">
+              <a:hueOff val="0"/>
+              <a:satOff val="0"/>
+              <a:lumOff val="0"/>
+              <a:alphaOff val="0"/>
+            </a:schemeClr>
+          </a:solidFill>
+          <a:prstDash val="solid"/>
+          <a:tailEnd type="arrow"/>
+        </a:ln>
+        <a:effectLst/>
+      </dsp:spPr>
+      <dsp:style>
+        <a:lnRef idx="1">
+          <a:scrgbClr r="0" g="0" b="0"/>
+        </a:lnRef>
+        <a:fillRef idx="0">
+          <a:scrgbClr r="0" g="0" b="0"/>
+        </a:fillRef>
+        <a:effectRef idx="0">
+          <a:scrgbClr r="0" g="0" b="0"/>
+        </a:effectRef>
+        <a:fontRef idx="minor"/>
+      </dsp:style>
+      <dsp:txBody>
+        <a:bodyPr spcFirstLastPara="0" vert="horz" wrap="square" lIns="12700" tIns="0" rIns="12700" bIns="0" numCol="1" spcCol="1270" anchor="ctr" anchorCtr="0">
+          <a:noAutofit/>
+        </a:bodyPr>
+        <a:lstStyle/>
+        <a:p>
+          <a:pPr lvl="0" algn="ctr" defTabSz="222250">
+            <a:lnSpc>
+              <a:spcPct val="90000"/>
+            </a:lnSpc>
+            <a:spcBef>
+              <a:spcPct val="0"/>
+            </a:spcBef>
+            <a:spcAft>
+              <a:spcPct val="35000"/>
+            </a:spcAft>
+          </a:pPr>
+          <a:endParaRPr lang="es-CO" sz="500" kern="1200"/>
+        </a:p>
+      </dsp:txBody>
+      <dsp:txXfrm>
+        <a:off x="7868572" y="1366825"/>
+        <a:ext cx="25400" cy="5080"/>
+      </dsp:txXfrm>
+    </dsp:sp>
+    <dsp:sp modelId="{4F25B712-9FF1-4AA8-9D65-ACAF7A4A0BD4}">
+      <dsp:nvSpPr>
+        <dsp:cNvPr id="0" name=""/>
+        <dsp:cNvSpPr/>
+      </dsp:nvSpPr>
+      <dsp:spPr>
+        <a:xfrm>
+          <a:off x="5435607" y="706737"/>
+          <a:ext cx="2208758" cy="1325254"/>
+        </a:xfrm>
+        <a:prstGeom prst="rect">
+          <a:avLst/>
+        </a:prstGeom>
+        <a:solidFill>
+          <a:schemeClr val="lt1">
+            <a:hueOff val="0"/>
+            <a:satOff val="0"/>
+            <a:lumOff val="0"/>
+            <a:alphaOff val="0"/>
+          </a:schemeClr>
+        </a:solidFill>
+        <a:ln w="38100" cap="flat" cmpd="sng" algn="ctr">
+          <a:solidFill>
+            <a:schemeClr val="accent2">
+              <a:shade val="80000"/>
+              <a:hueOff val="0"/>
+              <a:satOff val="0"/>
+              <a:lumOff val="0"/>
+              <a:alphaOff val="0"/>
+            </a:schemeClr>
+          </a:solidFill>
+          <a:prstDash val="solid"/>
+        </a:ln>
+        <a:effectLst>
+          <a:outerShdw blurRad="38100" dist="25400" dir="5400000" algn="t" rotWithShape="0">
+            <a:srgbClr val="000000">
+              <a:alpha val="50000"/>
+            </a:srgbClr>
+          </a:outerShdw>
+        </a:effectLst>
+      </dsp:spPr>
+      <dsp:style>
+        <a:lnRef idx="3">
+          <a:scrgbClr r="0" g="0" b="0"/>
+        </a:lnRef>
+        <a:fillRef idx="1">
+          <a:scrgbClr r="0" g="0" b="0"/>
+        </a:fillRef>
+        <a:effectRef idx="1">
+          <a:scrgbClr r="0" g="0" b="0"/>
+        </a:effectRef>
+        <a:fontRef idx="minor">
+          <a:schemeClr val="lt1"/>
+        </a:fontRef>
+      </dsp:style>
+      <dsp:txBody>
+        <a:bodyPr spcFirstLastPara="0" vert="horz" wrap="square" lIns="120904" tIns="120904" rIns="120904" bIns="120904" numCol="1" spcCol="1270" anchor="ctr" anchorCtr="0">
+          <a:noAutofit/>
+        </a:bodyPr>
+        <a:lstStyle/>
+        <a:p>
+          <a:pPr lvl="0" algn="ctr" defTabSz="755650">
+            <a:lnSpc>
+              <a:spcPct val="90000"/>
+            </a:lnSpc>
+            <a:spcBef>
+              <a:spcPct val="0"/>
+            </a:spcBef>
+            <a:spcAft>
+              <a:spcPct val="35000"/>
+            </a:spcAft>
+          </a:pPr>
+          <a:r>
+            <a:rPr lang="es-ES" sz="1700" b="1" kern="1200" dirty="0" smtClean="0">
+              <a:latin typeface="Calibri" pitchFamily="34" charset="0"/>
+            </a:rPr>
+            <a:t>Subastas</a:t>
+          </a:r>
+          <a:endParaRPr lang="es-CO" sz="1700" b="1" kern="1200" dirty="0">
+            <a:latin typeface="Calibri" pitchFamily="34" charset="0"/>
+          </a:endParaRPr>
+        </a:p>
+      </dsp:txBody>
+      <dsp:txXfrm>
+        <a:off x="5435607" y="706737"/>
+        <a:ext cx="2208758" cy="1325254"/>
+      </dsp:txXfrm>
+    </dsp:sp>
+    <dsp:sp modelId="{79E4E270-E07A-43F8-B201-16B17F1C14B7}">
+      <dsp:nvSpPr>
+        <dsp:cNvPr id="0" name=""/>
+        <dsp:cNvSpPr/>
+      </dsp:nvSpPr>
+      <dsp:spPr>
+        <a:xfrm>
+          <a:off x="1106441" y="2030192"/>
+          <a:ext cx="8150317" cy="477414"/>
+        </a:xfrm>
+        <a:custGeom>
+          <a:avLst/>
+          <a:gdLst/>
+          <a:ahLst/>
+          <a:cxnLst/>
+          <a:rect l="0" t="0" r="0" b="0"/>
+          <a:pathLst>
+            <a:path>
+              <a:moveTo>
+                <a:pt x="8150317" y="0"/>
+              </a:moveTo>
+              <a:lnTo>
+                <a:pt x="8150317" y="255807"/>
+              </a:lnTo>
+              <a:lnTo>
+                <a:pt x="0" y="255807"/>
+              </a:lnTo>
+              <a:lnTo>
+                <a:pt x="0" y="477414"/>
+              </a:lnTo>
+            </a:path>
+          </a:pathLst>
+        </a:custGeom>
+        <a:noFill/>
+        <a:ln w="9525" cap="flat" cmpd="sng" algn="ctr">
+          <a:solidFill>
+            <a:schemeClr val="accent2">
+              <a:hueOff val="0"/>
+              <a:satOff val="0"/>
+              <a:lumOff val="0"/>
+              <a:alphaOff val="0"/>
+            </a:schemeClr>
+          </a:solidFill>
+          <a:prstDash val="solid"/>
+          <a:tailEnd type="arrow"/>
+        </a:ln>
+        <a:effectLst/>
+      </dsp:spPr>
+      <dsp:style>
+        <a:lnRef idx="1">
+          <a:scrgbClr r="0" g="0" b="0"/>
+        </a:lnRef>
+        <a:fillRef idx="0">
+          <a:scrgbClr r="0" g="0" b="0"/>
+        </a:fillRef>
+        <a:effectRef idx="0">
+          <a:scrgbClr r="0" g="0" b="0"/>
+        </a:effectRef>
+        <a:fontRef idx="minor"/>
+      </dsp:style>
+      <dsp:txBody>
+        <a:bodyPr spcFirstLastPara="0" vert="horz" wrap="square" lIns="12700" tIns="0" rIns="12700" bIns="0" numCol="1" spcCol="1270" anchor="ctr" anchorCtr="0">
+          <a:noAutofit/>
+        </a:bodyPr>
+        <a:lstStyle/>
+        <a:p>
+          <a:pPr lvl="0" algn="ctr" defTabSz="222250">
+            <a:lnSpc>
+              <a:spcPct val="90000"/>
+            </a:lnSpc>
+            <a:spcBef>
+              <a:spcPct val="0"/>
+            </a:spcBef>
+            <a:spcAft>
+              <a:spcPct val="35000"/>
+            </a:spcAft>
+          </a:pPr>
+          <a:endParaRPr lang="es-CO" sz="500" kern="1200"/>
+        </a:p>
+      </dsp:txBody>
+      <dsp:txXfrm>
+        <a:off x="4977446" y="2266359"/>
+        <a:ext cx="408306" cy="5080"/>
+      </dsp:txXfrm>
+    </dsp:sp>
+    <dsp:sp modelId="{1D7B041B-7312-4C26-A071-90B8BC3C6D16}">
+      <dsp:nvSpPr>
+        <dsp:cNvPr id="0" name=""/>
+        <dsp:cNvSpPr/>
+      </dsp:nvSpPr>
+      <dsp:spPr>
+        <a:xfrm>
+          <a:off x="8152379" y="706737"/>
+          <a:ext cx="2208758" cy="1325254"/>
+        </a:xfrm>
+        <a:prstGeom prst="rect">
+          <a:avLst/>
+        </a:prstGeom>
+        <a:solidFill>
+          <a:schemeClr val="lt1">
+            <a:hueOff val="0"/>
+            <a:satOff val="0"/>
+            <a:lumOff val="0"/>
+            <a:alphaOff val="0"/>
+          </a:schemeClr>
+        </a:solidFill>
+        <a:ln w="38100" cap="flat" cmpd="sng" algn="ctr">
+          <a:solidFill>
+            <a:schemeClr val="accent2">
+              <a:shade val="80000"/>
+              <a:hueOff val="0"/>
+              <a:satOff val="0"/>
+              <a:lumOff val="0"/>
+              <a:alphaOff val="0"/>
+            </a:schemeClr>
+          </a:solidFill>
+          <a:prstDash val="solid"/>
+        </a:ln>
+        <a:effectLst>
+          <a:outerShdw blurRad="38100" dist="25400" dir="5400000" algn="t" rotWithShape="0">
+            <a:srgbClr val="000000">
+              <a:alpha val="50000"/>
+            </a:srgbClr>
+          </a:outerShdw>
+        </a:effectLst>
+      </dsp:spPr>
+      <dsp:style>
+        <a:lnRef idx="3">
+          <a:scrgbClr r="0" g="0" b="0"/>
+        </a:lnRef>
+        <a:fillRef idx="1">
+          <a:scrgbClr r="0" g="0" b="0"/>
+        </a:fillRef>
+        <a:effectRef idx="1">
+          <a:scrgbClr r="0" g="0" b="0"/>
+        </a:effectRef>
+        <a:fontRef idx="minor">
+          <a:schemeClr val="lt1"/>
+        </a:fontRef>
+      </dsp:style>
+      <dsp:txBody>
+        <a:bodyPr spcFirstLastPara="0" vert="horz" wrap="square" lIns="120904" tIns="120904" rIns="120904" bIns="120904" numCol="1" spcCol="1270" anchor="ctr" anchorCtr="0">
+          <a:noAutofit/>
+        </a:bodyPr>
+        <a:lstStyle/>
+        <a:p>
+          <a:pPr lvl="0" algn="ctr" defTabSz="755650">
+            <a:lnSpc>
+              <a:spcPct val="90000"/>
+            </a:lnSpc>
+            <a:spcBef>
+              <a:spcPct val="0"/>
+            </a:spcBef>
+            <a:spcAft>
+              <a:spcPct val="35000"/>
+            </a:spcAft>
+          </a:pPr>
+          <a:r>
+            <a:rPr lang="es-MX" sz="1700" b="1" kern="1200" dirty="0" smtClean="0">
+              <a:latin typeface="Calibri" pitchFamily="34" charset="0"/>
+            </a:rPr>
+            <a:t>Porcentaje transacciones campaña</a:t>
+          </a:r>
+          <a:endParaRPr lang="es-CO" sz="1700" b="1" kern="1200" dirty="0">
+            <a:latin typeface="Calibri" pitchFamily="34" charset="0"/>
+          </a:endParaRPr>
+        </a:p>
+      </dsp:txBody>
+      <dsp:txXfrm>
+        <a:off x="8152379" y="706737"/>
+        <a:ext cx="2208758" cy="1325254"/>
+      </dsp:txXfrm>
+    </dsp:sp>
+    <dsp:sp modelId="{D3AEAEAE-0D7F-4FDD-BEF0-43BF61945376}">
+      <dsp:nvSpPr>
+        <dsp:cNvPr id="0" name=""/>
+        <dsp:cNvSpPr/>
+      </dsp:nvSpPr>
+      <dsp:spPr>
+        <a:xfrm>
+          <a:off x="2209020" y="3156914"/>
+          <a:ext cx="477414" cy="91440"/>
+        </a:xfrm>
+        <a:custGeom>
+          <a:avLst/>
+          <a:gdLst/>
+          <a:ahLst/>
+          <a:cxnLst/>
+          <a:rect l="0" t="0" r="0" b="0"/>
+          <a:pathLst>
+            <a:path>
+              <a:moveTo>
+                <a:pt x="0" y="45720"/>
+              </a:moveTo>
+              <a:lnTo>
+                <a:pt x="477414" y="45720"/>
+              </a:lnTo>
+            </a:path>
+          </a:pathLst>
+        </a:custGeom>
+        <a:noFill/>
+        <a:ln w="9525" cap="flat" cmpd="sng" algn="ctr">
+          <a:solidFill>
+            <a:schemeClr val="accent2">
+              <a:hueOff val="0"/>
+              <a:satOff val="0"/>
+              <a:lumOff val="0"/>
+              <a:alphaOff val="0"/>
+            </a:schemeClr>
+          </a:solidFill>
+          <a:prstDash val="solid"/>
+          <a:tailEnd type="arrow"/>
+        </a:ln>
+        <a:effectLst/>
+      </dsp:spPr>
+      <dsp:style>
+        <a:lnRef idx="1">
+          <a:scrgbClr r="0" g="0" b="0"/>
+        </a:lnRef>
+        <a:fillRef idx="0">
+          <a:scrgbClr r="0" g="0" b="0"/>
+        </a:fillRef>
+        <a:effectRef idx="0">
+          <a:scrgbClr r="0" g="0" b="0"/>
+        </a:effectRef>
+        <a:fontRef idx="minor"/>
+      </dsp:style>
+      <dsp:txBody>
+        <a:bodyPr spcFirstLastPara="0" vert="horz" wrap="square" lIns="12700" tIns="0" rIns="12700" bIns="0" numCol="1" spcCol="1270" anchor="ctr" anchorCtr="0">
+          <a:noAutofit/>
+        </a:bodyPr>
+        <a:lstStyle/>
+        <a:p>
+          <a:pPr lvl="0" algn="ctr" defTabSz="222250">
+            <a:lnSpc>
+              <a:spcPct val="90000"/>
+            </a:lnSpc>
+            <a:spcBef>
+              <a:spcPct val="0"/>
+            </a:spcBef>
+            <a:spcAft>
+              <a:spcPct val="35000"/>
+            </a:spcAft>
+          </a:pPr>
+          <a:endParaRPr lang="es-CO" sz="500" kern="1200"/>
+        </a:p>
+      </dsp:txBody>
+      <dsp:txXfrm>
+        <a:off x="2435027" y="3200094"/>
+        <a:ext cx="25400" cy="5080"/>
+      </dsp:txXfrm>
+    </dsp:sp>
+    <dsp:sp modelId="{5767C035-9960-45CF-A940-00CA50CF6755}">
+      <dsp:nvSpPr>
+        <dsp:cNvPr id="0" name=""/>
+        <dsp:cNvSpPr/>
+      </dsp:nvSpPr>
+      <dsp:spPr>
+        <a:xfrm>
+          <a:off x="2062" y="2540007"/>
+          <a:ext cx="2208758" cy="1325254"/>
+        </a:xfrm>
+        <a:prstGeom prst="rect">
+          <a:avLst/>
+        </a:prstGeom>
+        <a:solidFill>
+          <a:schemeClr val="lt1">
+            <a:hueOff val="0"/>
+            <a:satOff val="0"/>
+            <a:lumOff val="0"/>
+            <a:alphaOff val="0"/>
+          </a:schemeClr>
+        </a:solidFill>
+        <a:ln w="38100" cap="flat" cmpd="sng" algn="ctr">
+          <a:solidFill>
+            <a:schemeClr val="accent2">
+              <a:shade val="80000"/>
+              <a:hueOff val="0"/>
+              <a:satOff val="0"/>
+              <a:lumOff val="0"/>
+              <a:alphaOff val="0"/>
+            </a:schemeClr>
+          </a:solidFill>
+          <a:prstDash val="solid"/>
+        </a:ln>
+        <a:effectLst>
+          <a:outerShdw blurRad="38100" dist="25400" dir="5400000" algn="t" rotWithShape="0">
+            <a:srgbClr val="000000">
+              <a:alpha val="50000"/>
+            </a:srgbClr>
+          </a:outerShdw>
+        </a:effectLst>
+      </dsp:spPr>
+      <dsp:style>
+        <a:lnRef idx="3">
+          <a:scrgbClr r="0" g="0" b="0"/>
+        </a:lnRef>
+        <a:fillRef idx="1">
+          <a:scrgbClr r="0" g="0" b="0"/>
+        </a:fillRef>
+        <a:effectRef idx="1">
+          <a:scrgbClr r="0" g="0" b="0"/>
+        </a:effectRef>
+        <a:fontRef idx="minor">
+          <a:schemeClr val="lt1"/>
+        </a:fontRef>
+      </dsp:style>
+      <dsp:txBody>
+        <a:bodyPr spcFirstLastPara="0" vert="horz" wrap="square" lIns="120904" tIns="120904" rIns="120904" bIns="120904" numCol="1" spcCol="1270" anchor="ctr" anchorCtr="0">
+          <a:noAutofit/>
+        </a:bodyPr>
+        <a:lstStyle/>
+        <a:p>
+          <a:pPr lvl="0" algn="ctr" defTabSz="755650">
+            <a:lnSpc>
+              <a:spcPct val="90000"/>
+            </a:lnSpc>
+            <a:spcBef>
+              <a:spcPct val="0"/>
+            </a:spcBef>
+            <a:spcAft>
+              <a:spcPct val="35000"/>
+            </a:spcAft>
+          </a:pPr>
+          <a:r>
+            <a:rPr lang="es-ES" sz="1700" b="1" kern="1200" dirty="0" smtClean="0">
+              <a:latin typeface="Calibri" pitchFamily="34" charset="0"/>
+            </a:rPr>
+            <a:t>Retroalimentaciones</a:t>
+          </a:r>
+          <a:endParaRPr lang="es-CO" sz="1700" b="1" kern="1200" dirty="0">
+            <a:latin typeface="Calibri" pitchFamily="34" charset="0"/>
+          </a:endParaRPr>
+        </a:p>
+      </dsp:txBody>
+      <dsp:txXfrm>
+        <a:off x="2062" y="2540007"/>
+        <a:ext cx="2208758" cy="1325254"/>
+      </dsp:txXfrm>
+    </dsp:sp>
+    <dsp:sp modelId="{E4BB81D2-E9A0-42DF-B1F3-202D999B6F4E}">
+      <dsp:nvSpPr>
+        <dsp:cNvPr id="0" name=""/>
+        <dsp:cNvSpPr/>
+      </dsp:nvSpPr>
+      <dsp:spPr>
+        <a:xfrm>
+          <a:off x="4925792" y="3156914"/>
+          <a:ext cx="477414" cy="91440"/>
+        </a:xfrm>
+        <a:custGeom>
+          <a:avLst/>
+          <a:gdLst/>
+          <a:ahLst/>
+          <a:cxnLst/>
+          <a:rect l="0" t="0" r="0" b="0"/>
+          <a:pathLst>
+            <a:path>
+              <a:moveTo>
+                <a:pt x="0" y="45720"/>
+              </a:moveTo>
+              <a:lnTo>
+                <a:pt x="477414" y="45720"/>
+              </a:lnTo>
+            </a:path>
+          </a:pathLst>
+        </a:custGeom>
+        <a:noFill/>
+        <a:ln w="9525" cap="flat" cmpd="sng" algn="ctr">
+          <a:solidFill>
+            <a:schemeClr val="accent2">
+              <a:hueOff val="0"/>
+              <a:satOff val="0"/>
+              <a:lumOff val="0"/>
+              <a:alphaOff val="0"/>
+            </a:schemeClr>
+          </a:solidFill>
+          <a:prstDash val="solid"/>
+          <a:tailEnd type="arrow"/>
+        </a:ln>
+        <a:effectLst/>
+      </dsp:spPr>
+      <dsp:style>
+        <a:lnRef idx="1">
+          <a:scrgbClr r="0" g="0" b="0"/>
+        </a:lnRef>
+        <a:fillRef idx="0">
+          <a:scrgbClr r="0" g="0" b="0"/>
+        </a:fillRef>
+        <a:effectRef idx="0">
+          <a:scrgbClr r="0" g="0" b="0"/>
+        </a:effectRef>
+        <a:fontRef idx="minor"/>
+      </dsp:style>
+      <dsp:txBody>
+        <a:bodyPr spcFirstLastPara="0" vert="horz" wrap="square" lIns="12700" tIns="0" rIns="12700" bIns="0" numCol="1" spcCol="1270" anchor="ctr" anchorCtr="0">
+          <a:noAutofit/>
+        </a:bodyPr>
+        <a:lstStyle/>
+        <a:p>
+          <a:pPr lvl="0" algn="ctr" defTabSz="222250">
+            <a:lnSpc>
+              <a:spcPct val="90000"/>
+            </a:lnSpc>
+            <a:spcBef>
+              <a:spcPct val="0"/>
+            </a:spcBef>
+            <a:spcAft>
+              <a:spcPct val="35000"/>
+            </a:spcAft>
+          </a:pPr>
+          <a:endParaRPr lang="es-CO" sz="500" kern="1200"/>
+        </a:p>
+      </dsp:txBody>
+      <dsp:txXfrm>
+        <a:off x="5151799" y="3200094"/>
+        <a:ext cx="25400" cy="5080"/>
+      </dsp:txXfrm>
+    </dsp:sp>
+    <dsp:sp modelId="{AFDDBB38-DEAE-4076-BAEA-3A748BDC47DE}">
+      <dsp:nvSpPr>
+        <dsp:cNvPr id="0" name=""/>
+        <dsp:cNvSpPr/>
+      </dsp:nvSpPr>
+      <dsp:spPr>
+        <a:xfrm>
+          <a:off x="2718834" y="2540007"/>
+          <a:ext cx="2208758" cy="1325254"/>
+        </a:xfrm>
+        <a:prstGeom prst="rect">
+          <a:avLst/>
+        </a:prstGeom>
+        <a:solidFill>
+          <a:schemeClr val="lt1">
+            <a:hueOff val="0"/>
+            <a:satOff val="0"/>
+            <a:lumOff val="0"/>
+            <a:alphaOff val="0"/>
+          </a:schemeClr>
+        </a:solidFill>
+        <a:ln w="38100" cap="flat" cmpd="sng" algn="ctr">
+          <a:solidFill>
+            <a:schemeClr val="accent2">
+              <a:shade val="80000"/>
+              <a:hueOff val="0"/>
+              <a:satOff val="0"/>
+              <a:lumOff val="0"/>
+              <a:alphaOff val="0"/>
+            </a:schemeClr>
+          </a:solidFill>
+          <a:prstDash val="solid"/>
+        </a:ln>
+        <a:effectLst>
+          <a:outerShdw blurRad="38100" dist="25400" dir="5400000" algn="t" rotWithShape="0">
+            <a:srgbClr val="000000">
+              <a:alpha val="50000"/>
+            </a:srgbClr>
+          </a:outerShdw>
+        </a:effectLst>
+      </dsp:spPr>
+      <dsp:style>
+        <a:lnRef idx="3">
+          <a:scrgbClr r="0" g="0" b="0"/>
+        </a:lnRef>
+        <a:fillRef idx="1">
+          <a:scrgbClr r="0" g="0" b="0"/>
+        </a:fillRef>
+        <a:effectRef idx="1">
+          <a:scrgbClr r="0" g="0" b="0"/>
+        </a:effectRef>
+        <a:fontRef idx="minor">
+          <a:schemeClr val="lt1"/>
+        </a:fontRef>
+      </dsp:style>
+      <dsp:txBody>
+        <a:bodyPr spcFirstLastPara="0" vert="horz" wrap="square" lIns="120904" tIns="120904" rIns="120904" bIns="120904" numCol="1" spcCol="1270" anchor="ctr" anchorCtr="0">
+          <a:noAutofit/>
+        </a:bodyPr>
+        <a:lstStyle/>
+        <a:p>
+          <a:pPr lvl="0" algn="ctr" defTabSz="755650">
+            <a:lnSpc>
+              <a:spcPct val="90000"/>
+            </a:lnSpc>
+            <a:spcBef>
+              <a:spcPct val="0"/>
+            </a:spcBef>
+            <a:spcAft>
+              <a:spcPct val="35000"/>
+            </a:spcAft>
+          </a:pPr>
+          <a:r>
+            <a:rPr lang="es-ES" sz="1700" b="1" kern="1200" dirty="0" smtClean="0">
+              <a:latin typeface="Calibri" pitchFamily="34" charset="0"/>
+            </a:rPr>
+            <a:t>Evaluaciones Negativas</a:t>
+          </a:r>
+          <a:endParaRPr lang="es-CO" sz="1700" b="1" kern="1200" dirty="0">
+            <a:latin typeface="Calibri" pitchFamily="34" charset="0"/>
+          </a:endParaRPr>
+        </a:p>
+      </dsp:txBody>
+      <dsp:txXfrm>
+        <a:off x="2718834" y="2540007"/>
+        <a:ext cx="2208758" cy="1325254"/>
+      </dsp:txXfrm>
+    </dsp:sp>
+    <dsp:sp modelId="{B99A191C-93EF-4F28-9E5B-AE47570B95FA}">
+      <dsp:nvSpPr>
+        <dsp:cNvPr id="0" name=""/>
+        <dsp:cNvSpPr/>
+      </dsp:nvSpPr>
+      <dsp:spPr>
+        <a:xfrm>
+          <a:off x="5435607" y="2540007"/>
+          <a:ext cx="2208758" cy="1325254"/>
+        </a:xfrm>
+        <a:prstGeom prst="rect">
+          <a:avLst/>
+        </a:prstGeom>
+        <a:solidFill>
+          <a:schemeClr val="lt1">
+            <a:hueOff val="0"/>
+            <a:satOff val="0"/>
+            <a:lumOff val="0"/>
+            <a:alphaOff val="0"/>
+          </a:schemeClr>
+        </a:solidFill>
+        <a:ln w="38100" cap="flat" cmpd="sng" algn="ctr">
+          <a:solidFill>
+            <a:schemeClr val="accent2">
+              <a:shade val="80000"/>
+              <a:hueOff val="0"/>
+              <a:satOff val="0"/>
+              <a:lumOff val="0"/>
+              <a:alphaOff val="0"/>
+            </a:schemeClr>
+          </a:solidFill>
+          <a:prstDash val="solid"/>
+        </a:ln>
+        <a:effectLst>
+          <a:outerShdw blurRad="38100" dist="25400" dir="5400000" algn="t" rotWithShape="0">
+            <a:srgbClr val="000000">
+              <a:alpha val="50000"/>
+            </a:srgbClr>
+          </a:outerShdw>
+        </a:effectLst>
+      </dsp:spPr>
+      <dsp:style>
+        <a:lnRef idx="3">
+          <a:scrgbClr r="0" g="0" b="0"/>
+        </a:lnRef>
+        <a:fillRef idx="1">
+          <a:scrgbClr r="0" g="0" b="0"/>
+        </a:fillRef>
+        <a:effectRef idx="1">
+          <a:scrgbClr r="0" g="0" b="0"/>
+        </a:effectRef>
+        <a:fontRef idx="minor">
+          <a:schemeClr val="lt1"/>
+        </a:fontRef>
+      </dsp:style>
+      <dsp:txBody>
+        <a:bodyPr spcFirstLastPara="0" vert="horz" wrap="square" lIns="120904" tIns="120904" rIns="120904" bIns="120904" numCol="1" spcCol="1270" anchor="ctr" anchorCtr="0">
+          <a:noAutofit/>
+        </a:bodyPr>
+        <a:lstStyle/>
+        <a:p>
+          <a:pPr lvl="0" algn="ctr" defTabSz="755650">
+            <a:lnSpc>
+              <a:spcPct val="90000"/>
+            </a:lnSpc>
+            <a:spcBef>
+              <a:spcPct val="0"/>
+            </a:spcBef>
+            <a:spcAft>
+              <a:spcPct val="35000"/>
+            </a:spcAft>
+          </a:pPr>
+          <a:r>
+            <a:rPr lang="es-ES" sz="1700" b="1" kern="1200" dirty="0" smtClean="0">
+              <a:latin typeface="Calibri" pitchFamily="34" charset="0"/>
+            </a:rPr>
+            <a:t>Productos Evaluados</a:t>
+          </a:r>
+          <a:endParaRPr lang="es-CO" sz="1700" b="1" kern="1200" dirty="0">
+            <a:latin typeface="Calibri" pitchFamily="34" charset="0"/>
+          </a:endParaRPr>
+        </a:p>
+      </dsp:txBody>
+      <dsp:txXfrm>
+        <a:off x="5435607" y="2540007"/>
+        <a:ext cx="2208758" cy="1325254"/>
+      </dsp:txXfrm>
+    </dsp:sp>
   </dsp:spTree>
 </dsp:drawing>
 </file>
@@ -10591,6 +11675,968 @@
       <dsp:cNvGrpSpPr/>
     </dsp:nvGrpSpPr>
     <dsp:grpSpPr/>
+    <dsp:sp modelId="{08657ECF-32BD-4118-827D-ABDD07145D23}">
+      <dsp:nvSpPr>
+        <dsp:cNvPr id="0" name=""/>
+        <dsp:cNvSpPr/>
+      </dsp:nvSpPr>
+      <dsp:spPr>
+        <a:xfrm>
+          <a:off x="0" y="0"/>
+          <a:ext cx="8128000" cy="428400"/>
+        </a:xfrm>
+        <a:prstGeom prst="rect">
+          <a:avLst/>
+        </a:prstGeom>
+        <a:solidFill>
+          <a:schemeClr val="lt1">
+            <a:alpha val="90000"/>
+            <a:hueOff val="0"/>
+            <a:satOff val="0"/>
+            <a:lumOff val="0"/>
+            <a:alphaOff val="0"/>
+          </a:schemeClr>
+        </a:solidFill>
+        <a:ln w="9525" cap="flat" cmpd="sng" algn="ctr">
+          <a:solidFill>
+            <a:schemeClr val="accent1">
+              <a:hueOff val="0"/>
+              <a:satOff val="0"/>
+              <a:lumOff val="0"/>
+              <a:alphaOff val="0"/>
+            </a:schemeClr>
+          </a:solidFill>
+          <a:prstDash val="solid"/>
+        </a:ln>
+        <a:effectLst/>
+      </dsp:spPr>
+      <dsp:style>
+        <a:lnRef idx="1">
+          <a:scrgbClr r="0" g="0" b="0"/>
+        </a:lnRef>
+        <a:fillRef idx="1">
+          <a:scrgbClr r="0" g="0" b="0"/>
+        </a:fillRef>
+        <a:effectRef idx="0">
+          <a:scrgbClr r="0" g="0" b="0"/>
+        </a:effectRef>
+        <a:fontRef idx="minor"/>
+      </dsp:style>
+    </dsp:sp>
+    <dsp:sp modelId="{4D2FF85C-8DE1-4A3B-A3AD-31E2F2B01967}">
+      <dsp:nvSpPr>
+        <dsp:cNvPr id="0" name=""/>
+        <dsp:cNvSpPr/>
+      </dsp:nvSpPr>
+      <dsp:spPr>
+        <a:xfrm>
+          <a:off x="406400" y="56313"/>
+          <a:ext cx="5689600" cy="501840"/>
+        </a:xfrm>
+        <a:prstGeom prst="roundRect">
+          <a:avLst/>
+        </a:prstGeom>
+        <a:blipFill rotWithShape="0">
+          <a:blip xmlns:r="http://schemas.openxmlformats.org/officeDocument/2006/relationships" r:embed="rId1">
+            <a:duotone>
+              <a:schemeClr val="accent1">
+                <a:hueOff val="0"/>
+                <a:satOff val="0"/>
+                <a:lumOff val="0"/>
+                <a:alphaOff val="0"/>
+                <a:shade val="22000"/>
+                <a:satMod val="160000"/>
+              </a:schemeClr>
+              <a:schemeClr val="accent1">
+                <a:hueOff val="0"/>
+                <a:satOff val="0"/>
+                <a:lumOff val="0"/>
+                <a:alphaOff val="0"/>
+                <a:shade val="45000"/>
+                <a:satMod val="100000"/>
+              </a:schemeClr>
+            </a:duotone>
+          </a:blip>
+          <a:tile tx="0" ty="0" sx="65000" sy="65000" flip="none" algn="ctr"/>
+        </a:blipFill>
+        <a:ln>
+          <a:noFill/>
+        </a:ln>
+        <a:effectLst>
+          <a:outerShdw blurRad="38100" dist="25400" dir="5400000" algn="t" rotWithShape="0">
+            <a:srgbClr val="000000">
+              <a:alpha val="50000"/>
+            </a:srgbClr>
+          </a:outerShdw>
+        </a:effectLst>
+      </dsp:spPr>
+      <dsp:style>
+        <a:lnRef idx="0">
+          <a:scrgbClr r="0" g="0" b="0"/>
+        </a:lnRef>
+        <a:fillRef idx="3">
+          <a:scrgbClr r="0" g="0" b="0"/>
+        </a:fillRef>
+        <a:effectRef idx="2">
+          <a:scrgbClr r="0" g="0" b="0"/>
+        </a:effectRef>
+        <a:fontRef idx="minor">
+          <a:schemeClr val="lt1"/>
+        </a:fontRef>
+      </dsp:style>
+      <dsp:txBody>
+        <a:bodyPr spcFirstLastPara="0" vert="horz" wrap="square" lIns="215053" tIns="0" rIns="215053" bIns="0" numCol="1" spcCol="1270" anchor="ctr" anchorCtr="0">
+          <a:noAutofit/>
+        </a:bodyPr>
+        <a:lstStyle/>
+        <a:p>
+          <a:pPr lvl="0" algn="l" defTabSz="755650">
+            <a:lnSpc>
+              <a:spcPct val="90000"/>
+            </a:lnSpc>
+            <a:spcBef>
+              <a:spcPct val="0"/>
+            </a:spcBef>
+            <a:spcAft>
+              <a:spcPct val="35000"/>
+            </a:spcAft>
+          </a:pPr>
+          <a:r>
+            <a:rPr lang="es-CO" sz="1700" b="1" kern="1200" dirty="0" smtClean="0"/>
+            <a:t>Seguridad</a:t>
+          </a:r>
+          <a:endParaRPr lang="es-CO" sz="1700" kern="1200" dirty="0"/>
+        </a:p>
+      </dsp:txBody>
+      <dsp:txXfrm>
+        <a:off x="430898" y="80811"/>
+        <a:ext cx="5640604" cy="452844"/>
+      </dsp:txXfrm>
+    </dsp:sp>
+    <dsp:sp modelId="{759E7ABB-BAD6-44FA-9F03-2A62CA9C6F20}">
+      <dsp:nvSpPr>
+        <dsp:cNvPr id="0" name=""/>
+        <dsp:cNvSpPr/>
+      </dsp:nvSpPr>
+      <dsp:spPr>
+        <a:xfrm>
+          <a:off x="0" y="1078353"/>
+          <a:ext cx="8128000" cy="428400"/>
+        </a:xfrm>
+        <a:prstGeom prst="rect">
+          <a:avLst/>
+        </a:prstGeom>
+        <a:solidFill>
+          <a:schemeClr val="lt1">
+            <a:alpha val="90000"/>
+            <a:hueOff val="0"/>
+            <a:satOff val="0"/>
+            <a:lumOff val="0"/>
+            <a:alphaOff val="0"/>
+          </a:schemeClr>
+        </a:solidFill>
+        <a:ln w="9525" cap="flat" cmpd="sng" algn="ctr">
+          <a:solidFill>
+            <a:schemeClr val="accent1">
+              <a:hueOff val="0"/>
+              <a:satOff val="0"/>
+              <a:lumOff val="0"/>
+              <a:alphaOff val="0"/>
+            </a:schemeClr>
+          </a:solidFill>
+          <a:prstDash val="solid"/>
+        </a:ln>
+        <a:effectLst/>
+      </dsp:spPr>
+      <dsp:style>
+        <a:lnRef idx="1">
+          <a:scrgbClr r="0" g="0" b="0"/>
+        </a:lnRef>
+        <a:fillRef idx="1">
+          <a:scrgbClr r="0" g="0" b="0"/>
+        </a:fillRef>
+        <a:effectRef idx="0">
+          <a:scrgbClr r="0" g="0" b="0"/>
+        </a:effectRef>
+        <a:fontRef idx="minor"/>
+      </dsp:style>
+    </dsp:sp>
+    <dsp:sp modelId="{763EE1E1-BEC5-4157-80AE-AD36AC09F505}">
+      <dsp:nvSpPr>
+        <dsp:cNvPr id="0" name=""/>
+        <dsp:cNvSpPr/>
+      </dsp:nvSpPr>
+      <dsp:spPr>
+        <a:xfrm>
+          <a:off x="406400" y="827433"/>
+          <a:ext cx="5689600" cy="501840"/>
+        </a:xfrm>
+        <a:prstGeom prst="roundRect">
+          <a:avLst/>
+        </a:prstGeom>
+        <a:blipFill rotWithShape="0">
+          <a:blip xmlns:r="http://schemas.openxmlformats.org/officeDocument/2006/relationships" r:embed="rId1">
+            <a:duotone>
+              <a:schemeClr val="accent1">
+                <a:hueOff val="0"/>
+                <a:satOff val="0"/>
+                <a:lumOff val="0"/>
+                <a:alphaOff val="0"/>
+                <a:shade val="22000"/>
+                <a:satMod val="160000"/>
+              </a:schemeClr>
+              <a:schemeClr val="accent1">
+                <a:hueOff val="0"/>
+                <a:satOff val="0"/>
+                <a:lumOff val="0"/>
+                <a:alphaOff val="0"/>
+                <a:shade val="45000"/>
+                <a:satMod val="100000"/>
+              </a:schemeClr>
+            </a:duotone>
+          </a:blip>
+          <a:tile tx="0" ty="0" sx="65000" sy="65000" flip="none" algn="ctr"/>
+        </a:blipFill>
+        <a:ln>
+          <a:noFill/>
+        </a:ln>
+        <a:effectLst>
+          <a:outerShdw blurRad="38100" dist="25400" dir="5400000" algn="t" rotWithShape="0">
+            <a:srgbClr val="000000">
+              <a:alpha val="50000"/>
+            </a:srgbClr>
+          </a:outerShdw>
+        </a:effectLst>
+      </dsp:spPr>
+      <dsp:style>
+        <a:lnRef idx="0">
+          <a:scrgbClr r="0" g="0" b="0"/>
+        </a:lnRef>
+        <a:fillRef idx="3">
+          <a:scrgbClr r="0" g="0" b="0"/>
+        </a:fillRef>
+        <a:effectRef idx="2">
+          <a:scrgbClr r="0" g="0" b="0"/>
+        </a:effectRef>
+        <a:fontRef idx="minor">
+          <a:schemeClr val="lt1"/>
+        </a:fontRef>
+      </dsp:style>
+      <dsp:txBody>
+        <a:bodyPr spcFirstLastPara="0" vert="horz" wrap="square" lIns="215053" tIns="0" rIns="215053" bIns="0" numCol="1" spcCol="1270" anchor="ctr" anchorCtr="0">
+          <a:noAutofit/>
+        </a:bodyPr>
+        <a:lstStyle/>
+        <a:p>
+          <a:pPr lvl="0" algn="l" defTabSz="755650">
+            <a:lnSpc>
+              <a:spcPct val="90000"/>
+            </a:lnSpc>
+            <a:spcBef>
+              <a:spcPct val="0"/>
+            </a:spcBef>
+            <a:spcAft>
+              <a:spcPct val="35000"/>
+            </a:spcAft>
+          </a:pPr>
+          <a:r>
+            <a:rPr lang="es-CO" sz="1700" b="1" kern="1200" dirty="0" smtClean="0"/>
+            <a:t>Confiabilidad</a:t>
+          </a:r>
+          <a:endParaRPr lang="es-CO" sz="1700" kern="1200" dirty="0"/>
+        </a:p>
+      </dsp:txBody>
+      <dsp:txXfrm>
+        <a:off x="430898" y="851931"/>
+        <a:ext cx="5640604" cy="452844"/>
+      </dsp:txXfrm>
+    </dsp:sp>
+    <dsp:sp modelId="{DFCDB830-5FC4-42C3-B6BC-4B8A05DF873A}">
+      <dsp:nvSpPr>
+        <dsp:cNvPr id="0" name=""/>
+        <dsp:cNvSpPr/>
+      </dsp:nvSpPr>
+      <dsp:spPr>
+        <a:xfrm>
+          <a:off x="0" y="1849473"/>
+          <a:ext cx="8128000" cy="428400"/>
+        </a:xfrm>
+        <a:prstGeom prst="rect">
+          <a:avLst/>
+        </a:prstGeom>
+        <a:solidFill>
+          <a:schemeClr val="lt1">
+            <a:alpha val="90000"/>
+            <a:hueOff val="0"/>
+            <a:satOff val="0"/>
+            <a:lumOff val="0"/>
+            <a:alphaOff val="0"/>
+          </a:schemeClr>
+        </a:solidFill>
+        <a:ln w="9525" cap="flat" cmpd="sng" algn="ctr">
+          <a:solidFill>
+            <a:schemeClr val="accent1">
+              <a:hueOff val="0"/>
+              <a:satOff val="0"/>
+              <a:lumOff val="0"/>
+              <a:alphaOff val="0"/>
+            </a:schemeClr>
+          </a:solidFill>
+          <a:prstDash val="solid"/>
+        </a:ln>
+        <a:effectLst/>
+      </dsp:spPr>
+      <dsp:style>
+        <a:lnRef idx="1">
+          <a:scrgbClr r="0" g="0" b="0"/>
+        </a:lnRef>
+        <a:fillRef idx="1">
+          <a:scrgbClr r="0" g="0" b="0"/>
+        </a:fillRef>
+        <a:effectRef idx="0">
+          <a:scrgbClr r="0" g="0" b="0"/>
+        </a:effectRef>
+        <a:fontRef idx="minor"/>
+      </dsp:style>
+    </dsp:sp>
+    <dsp:sp modelId="{835C4722-8584-4D6D-BD50-8F93B76390C0}">
+      <dsp:nvSpPr>
+        <dsp:cNvPr id="0" name=""/>
+        <dsp:cNvSpPr/>
+      </dsp:nvSpPr>
+      <dsp:spPr>
+        <a:xfrm>
+          <a:off x="406400" y="1598553"/>
+          <a:ext cx="5689600" cy="501840"/>
+        </a:xfrm>
+        <a:prstGeom prst="roundRect">
+          <a:avLst/>
+        </a:prstGeom>
+        <a:blipFill rotWithShape="0">
+          <a:blip xmlns:r="http://schemas.openxmlformats.org/officeDocument/2006/relationships" r:embed="rId1">
+            <a:duotone>
+              <a:schemeClr val="accent1">
+                <a:hueOff val="0"/>
+                <a:satOff val="0"/>
+                <a:lumOff val="0"/>
+                <a:alphaOff val="0"/>
+                <a:shade val="22000"/>
+                <a:satMod val="160000"/>
+              </a:schemeClr>
+              <a:schemeClr val="accent1">
+                <a:hueOff val="0"/>
+                <a:satOff val="0"/>
+                <a:lumOff val="0"/>
+                <a:alphaOff val="0"/>
+                <a:shade val="45000"/>
+                <a:satMod val="100000"/>
+              </a:schemeClr>
+            </a:duotone>
+          </a:blip>
+          <a:tile tx="0" ty="0" sx="65000" sy="65000" flip="none" algn="ctr"/>
+        </a:blipFill>
+        <a:ln>
+          <a:noFill/>
+        </a:ln>
+        <a:effectLst>
+          <a:outerShdw blurRad="38100" dist="25400" dir="5400000" algn="t" rotWithShape="0">
+            <a:srgbClr val="000000">
+              <a:alpha val="50000"/>
+            </a:srgbClr>
+          </a:outerShdw>
+        </a:effectLst>
+      </dsp:spPr>
+      <dsp:style>
+        <a:lnRef idx="0">
+          <a:scrgbClr r="0" g="0" b="0"/>
+        </a:lnRef>
+        <a:fillRef idx="3">
+          <a:scrgbClr r="0" g="0" b="0"/>
+        </a:fillRef>
+        <a:effectRef idx="2">
+          <a:scrgbClr r="0" g="0" b="0"/>
+        </a:effectRef>
+        <a:fontRef idx="minor">
+          <a:schemeClr val="lt1"/>
+        </a:fontRef>
+      </dsp:style>
+      <dsp:txBody>
+        <a:bodyPr spcFirstLastPara="0" vert="horz" wrap="square" lIns="215053" tIns="0" rIns="215053" bIns="0" numCol="1" spcCol="1270" anchor="ctr" anchorCtr="0">
+          <a:noAutofit/>
+        </a:bodyPr>
+        <a:lstStyle/>
+        <a:p>
+          <a:pPr lvl="0" algn="l" defTabSz="755650">
+            <a:lnSpc>
+              <a:spcPct val="90000"/>
+            </a:lnSpc>
+            <a:spcBef>
+              <a:spcPct val="0"/>
+            </a:spcBef>
+            <a:spcAft>
+              <a:spcPct val="35000"/>
+            </a:spcAft>
+          </a:pPr>
+          <a:r>
+            <a:rPr lang="es-CO" sz="1700" b="1" kern="1200" dirty="0" smtClean="0"/>
+            <a:t>Manejo de errores</a:t>
+          </a:r>
+          <a:endParaRPr lang="es-CO" sz="1700" kern="1200" dirty="0"/>
+        </a:p>
+      </dsp:txBody>
+      <dsp:txXfrm>
+        <a:off x="430898" y="1623051"/>
+        <a:ext cx="5640604" cy="452844"/>
+      </dsp:txXfrm>
+    </dsp:sp>
+    <dsp:sp modelId="{D019BDAB-2385-4646-AD65-F416B565E5B0}">
+      <dsp:nvSpPr>
+        <dsp:cNvPr id="0" name=""/>
+        <dsp:cNvSpPr/>
+      </dsp:nvSpPr>
+      <dsp:spPr>
+        <a:xfrm>
+          <a:off x="0" y="2620593"/>
+          <a:ext cx="8128000" cy="428400"/>
+        </a:xfrm>
+        <a:prstGeom prst="rect">
+          <a:avLst/>
+        </a:prstGeom>
+        <a:solidFill>
+          <a:schemeClr val="lt1">
+            <a:alpha val="90000"/>
+            <a:hueOff val="0"/>
+            <a:satOff val="0"/>
+            <a:lumOff val="0"/>
+            <a:alphaOff val="0"/>
+          </a:schemeClr>
+        </a:solidFill>
+        <a:ln w="9525" cap="flat" cmpd="sng" algn="ctr">
+          <a:solidFill>
+            <a:schemeClr val="accent1">
+              <a:hueOff val="0"/>
+              <a:satOff val="0"/>
+              <a:lumOff val="0"/>
+              <a:alphaOff val="0"/>
+            </a:schemeClr>
+          </a:solidFill>
+          <a:prstDash val="solid"/>
+        </a:ln>
+        <a:effectLst/>
+      </dsp:spPr>
+      <dsp:style>
+        <a:lnRef idx="1">
+          <a:scrgbClr r="0" g="0" b="0"/>
+        </a:lnRef>
+        <a:fillRef idx="1">
+          <a:scrgbClr r="0" g="0" b="0"/>
+        </a:fillRef>
+        <a:effectRef idx="0">
+          <a:scrgbClr r="0" g="0" b="0"/>
+        </a:effectRef>
+        <a:fontRef idx="minor"/>
+      </dsp:style>
+    </dsp:sp>
+    <dsp:sp modelId="{D00FFEE7-174D-46A7-AB90-3878887DC6E7}">
+      <dsp:nvSpPr>
+        <dsp:cNvPr id="0" name=""/>
+        <dsp:cNvSpPr/>
+      </dsp:nvSpPr>
+      <dsp:spPr>
+        <a:xfrm>
+          <a:off x="406400" y="2369673"/>
+          <a:ext cx="5689600" cy="501840"/>
+        </a:xfrm>
+        <a:prstGeom prst="roundRect">
+          <a:avLst/>
+        </a:prstGeom>
+        <a:blipFill rotWithShape="0">
+          <a:blip xmlns:r="http://schemas.openxmlformats.org/officeDocument/2006/relationships" r:embed="rId1">
+            <a:duotone>
+              <a:schemeClr val="accent1">
+                <a:hueOff val="0"/>
+                <a:satOff val="0"/>
+                <a:lumOff val="0"/>
+                <a:alphaOff val="0"/>
+                <a:shade val="22000"/>
+                <a:satMod val="160000"/>
+              </a:schemeClr>
+              <a:schemeClr val="accent1">
+                <a:hueOff val="0"/>
+                <a:satOff val="0"/>
+                <a:lumOff val="0"/>
+                <a:alphaOff val="0"/>
+                <a:shade val="45000"/>
+                <a:satMod val="100000"/>
+              </a:schemeClr>
+            </a:duotone>
+          </a:blip>
+          <a:tile tx="0" ty="0" sx="65000" sy="65000" flip="none" algn="ctr"/>
+        </a:blipFill>
+        <a:ln>
+          <a:noFill/>
+        </a:ln>
+        <a:effectLst>
+          <a:outerShdw blurRad="38100" dist="25400" dir="5400000" algn="t" rotWithShape="0">
+            <a:srgbClr val="000000">
+              <a:alpha val="50000"/>
+            </a:srgbClr>
+          </a:outerShdw>
+        </a:effectLst>
+      </dsp:spPr>
+      <dsp:style>
+        <a:lnRef idx="0">
+          <a:scrgbClr r="0" g="0" b="0"/>
+        </a:lnRef>
+        <a:fillRef idx="3">
+          <a:scrgbClr r="0" g="0" b="0"/>
+        </a:fillRef>
+        <a:effectRef idx="2">
+          <a:scrgbClr r="0" g="0" b="0"/>
+        </a:effectRef>
+        <a:fontRef idx="minor">
+          <a:schemeClr val="lt1"/>
+        </a:fontRef>
+      </dsp:style>
+      <dsp:txBody>
+        <a:bodyPr spcFirstLastPara="0" vert="horz" wrap="square" lIns="215053" tIns="0" rIns="215053" bIns="0" numCol="1" spcCol="1270" anchor="ctr" anchorCtr="0">
+          <a:noAutofit/>
+        </a:bodyPr>
+        <a:lstStyle/>
+        <a:p>
+          <a:pPr lvl="0" algn="l" defTabSz="755650">
+            <a:lnSpc>
+              <a:spcPct val="90000"/>
+            </a:lnSpc>
+            <a:spcBef>
+              <a:spcPct val="0"/>
+            </a:spcBef>
+            <a:spcAft>
+              <a:spcPct val="35000"/>
+            </a:spcAft>
+          </a:pPr>
+          <a:r>
+            <a:rPr lang="es-CO" sz="1700" b="1" kern="1200" dirty="0" smtClean="0"/>
+            <a:t>Multiplataforma</a:t>
+          </a:r>
+          <a:endParaRPr lang="es-CO" sz="1700" kern="1200" dirty="0"/>
+        </a:p>
+      </dsp:txBody>
+      <dsp:txXfrm>
+        <a:off x="430898" y="2394171"/>
+        <a:ext cx="5640604" cy="452844"/>
+      </dsp:txXfrm>
+    </dsp:sp>
+    <dsp:sp modelId="{17A8F7D8-9E2B-41A5-A6D6-A052C1A2F211}">
+      <dsp:nvSpPr>
+        <dsp:cNvPr id="0" name=""/>
+        <dsp:cNvSpPr/>
+      </dsp:nvSpPr>
+      <dsp:spPr>
+        <a:xfrm>
+          <a:off x="0" y="3391713"/>
+          <a:ext cx="8128000" cy="428400"/>
+        </a:xfrm>
+        <a:prstGeom prst="rect">
+          <a:avLst/>
+        </a:prstGeom>
+        <a:solidFill>
+          <a:schemeClr val="lt1">
+            <a:alpha val="90000"/>
+            <a:hueOff val="0"/>
+            <a:satOff val="0"/>
+            <a:lumOff val="0"/>
+            <a:alphaOff val="0"/>
+          </a:schemeClr>
+        </a:solidFill>
+        <a:ln w="9525" cap="flat" cmpd="sng" algn="ctr">
+          <a:solidFill>
+            <a:schemeClr val="accent1">
+              <a:hueOff val="0"/>
+              <a:satOff val="0"/>
+              <a:lumOff val="0"/>
+              <a:alphaOff val="0"/>
+            </a:schemeClr>
+          </a:solidFill>
+          <a:prstDash val="solid"/>
+        </a:ln>
+        <a:effectLst/>
+      </dsp:spPr>
+      <dsp:style>
+        <a:lnRef idx="1">
+          <a:scrgbClr r="0" g="0" b="0"/>
+        </a:lnRef>
+        <a:fillRef idx="1">
+          <a:scrgbClr r="0" g="0" b="0"/>
+        </a:fillRef>
+        <a:effectRef idx="0">
+          <a:scrgbClr r="0" g="0" b="0"/>
+        </a:effectRef>
+        <a:fontRef idx="minor"/>
+      </dsp:style>
+    </dsp:sp>
+    <dsp:sp modelId="{DAA915C5-62CE-4737-80C5-DCA0E0067CCA}">
+      <dsp:nvSpPr>
+        <dsp:cNvPr id="0" name=""/>
+        <dsp:cNvSpPr/>
+      </dsp:nvSpPr>
+      <dsp:spPr>
+        <a:xfrm>
+          <a:off x="406400" y="3140793"/>
+          <a:ext cx="5689600" cy="501840"/>
+        </a:xfrm>
+        <a:prstGeom prst="roundRect">
+          <a:avLst/>
+        </a:prstGeom>
+        <a:blipFill rotWithShape="0">
+          <a:blip xmlns:r="http://schemas.openxmlformats.org/officeDocument/2006/relationships" r:embed="rId1">
+            <a:duotone>
+              <a:schemeClr val="accent1">
+                <a:hueOff val="0"/>
+                <a:satOff val="0"/>
+                <a:lumOff val="0"/>
+                <a:alphaOff val="0"/>
+                <a:shade val="22000"/>
+                <a:satMod val="160000"/>
+              </a:schemeClr>
+              <a:schemeClr val="accent1">
+                <a:hueOff val="0"/>
+                <a:satOff val="0"/>
+                <a:lumOff val="0"/>
+                <a:alphaOff val="0"/>
+                <a:shade val="45000"/>
+                <a:satMod val="100000"/>
+              </a:schemeClr>
+            </a:duotone>
+          </a:blip>
+          <a:tile tx="0" ty="0" sx="65000" sy="65000" flip="none" algn="ctr"/>
+        </a:blipFill>
+        <a:ln>
+          <a:noFill/>
+        </a:ln>
+        <a:effectLst>
+          <a:outerShdw blurRad="38100" dist="25400" dir="5400000" algn="t" rotWithShape="0">
+            <a:srgbClr val="000000">
+              <a:alpha val="50000"/>
+            </a:srgbClr>
+          </a:outerShdw>
+        </a:effectLst>
+      </dsp:spPr>
+      <dsp:style>
+        <a:lnRef idx="0">
+          <a:scrgbClr r="0" g="0" b="0"/>
+        </a:lnRef>
+        <a:fillRef idx="3">
+          <a:scrgbClr r="0" g="0" b="0"/>
+        </a:fillRef>
+        <a:effectRef idx="2">
+          <a:scrgbClr r="0" g="0" b="0"/>
+        </a:effectRef>
+        <a:fontRef idx="minor">
+          <a:schemeClr val="lt1"/>
+        </a:fontRef>
+      </dsp:style>
+      <dsp:txBody>
+        <a:bodyPr spcFirstLastPara="0" vert="horz" wrap="square" lIns="215053" tIns="0" rIns="215053" bIns="0" numCol="1" spcCol="1270" anchor="ctr" anchorCtr="0">
+          <a:noAutofit/>
+        </a:bodyPr>
+        <a:lstStyle/>
+        <a:p>
+          <a:pPr lvl="0" algn="l" defTabSz="755650">
+            <a:lnSpc>
+              <a:spcPct val="90000"/>
+            </a:lnSpc>
+            <a:spcBef>
+              <a:spcPct val="0"/>
+            </a:spcBef>
+            <a:spcAft>
+              <a:spcPct val="35000"/>
+            </a:spcAft>
+          </a:pPr>
+          <a:r>
+            <a:rPr lang="es-CO" sz="1700" b="1" kern="1200" dirty="0" smtClean="0"/>
+            <a:t>Interoperabilidad</a:t>
+          </a:r>
+          <a:endParaRPr lang="es-CO" sz="1700" kern="1200" dirty="0"/>
+        </a:p>
+      </dsp:txBody>
+      <dsp:txXfrm>
+        <a:off x="430898" y="3165291"/>
+        <a:ext cx="5640604" cy="452844"/>
+      </dsp:txXfrm>
+    </dsp:sp>
+    <dsp:sp modelId="{6C879FAD-3C6C-4517-B33D-CDE860A0D14F}">
+      <dsp:nvSpPr>
+        <dsp:cNvPr id="0" name=""/>
+        <dsp:cNvSpPr/>
+      </dsp:nvSpPr>
+      <dsp:spPr>
+        <a:xfrm>
+          <a:off x="0" y="4162833"/>
+          <a:ext cx="8128000" cy="428400"/>
+        </a:xfrm>
+        <a:prstGeom prst="rect">
+          <a:avLst/>
+        </a:prstGeom>
+        <a:solidFill>
+          <a:schemeClr val="lt1">
+            <a:alpha val="90000"/>
+            <a:hueOff val="0"/>
+            <a:satOff val="0"/>
+            <a:lumOff val="0"/>
+            <a:alphaOff val="0"/>
+          </a:schemeClr>
+        </a:solidFill>
+        <a:ln w="9525" cap="flat" cmpd="sng" algn="ctr">
+          <a:solidFill>
+            <a:schemeClr val="accent1">
+              <a:hueOff val="0"/>
+              <a:satOff val="0"/>
+              <a:lumOff val="0"/>
+              <a:alphaOff val="0"/>
+            </a:schemeClr>
+          </a:solidFill>
+          <a:prstDash val="solid"/>
+        </a:ln>
+        <a:effectLst/>
+      </dsp:spPr>
+      <dsp:style>
+        <a:lnRef idx="1">
+          <a:scrgbClr r="0" g="0" b="0"/>
+        </a:lnRef>
+        <a:fillRef idx="1">
+          <a:scrgbClr r="0" g="0" b="0"/>
+        </a:fillRef>
+        <a:effectRef idx="0">
+          <a:scrgbClr r="0" g="0" b="0"/>
+        </a:effectRef>
+        <a:fontRef idx="minor"/>
+      </dsp:style>
+    </dsp:sp>
+    <dsp:sp modelId="{F90EB9A8-F9E0-493F-8254-4EC19B850E62}">
+      <dsp:nvSpPr>
+        <dsp:cNvPr id="0" name=""/>
+        <dsp:cNvSpPr/>
+      </dsp:nvSpPr>
+      <dsp:spPr>
+        <a:xfrm>
+          <a:off x="406400" y="3911913"/>
+          <a:ext cx="5689600" cy="501840"/>
+        </a:xfrm>
+        <a:prstGeom prst="roundRect">
+          <a:avLst/>
+        </a:prstGeom>
+        <a:blipFill>
+          <a:blip xmlns:r="http://schemas.openxmlformats.org/officeDocument/2006/relationships" r:embed="rId1">
+            <a:duotone>
+              <a:schemeClr val="accent1">
+                <a:tint val="30000"/>
+                <a:satMod val="300000"/>
+              </a:schemeClr>
+              <a:schemeClr val="accent1">
+                <a:tint val="40000"/>
+                <a:satMod val="200000"/>
+              </a:schemeClr>
+            </a:duotone>
+          </a:blip>
+          <a:tile tx="0" ty="0" sx="70000" sy="70000" flip="none" algn="ctr"/>
+        </a:blipFill>
+        <a:ln w="9525" cap="flat" cmpd="sng" algn="ctr">
+          <a:solidFill>
+            <a:schemeClr val="accent1">
+              <a:shade val="60000"/>
+              <a:satMod val="110000"/>
+            </a:schemeClr>
+          </a:solidFill>
+          <a:prstDash val="solid"/>
+        </a:ln>
+        <a:effectLst>
+          <a:outerShdw blurRad="38100" dist="25400" dir="5400000" algn="t" rotWithShape="0">
+            <a:srgbClr val="000000">
+              <a:alpha val="50000"/>
+            </a:srgbClr>
+          </a:outerShdw>
+        </a:effectLst>
+      </dsp:spPr>
+      <dsp:style>
+        <a:lnRef idx="1">
+          <a:schemeClr val="accent1"/>
+        </a:lnRef>
+        <a:fillRef idx="2">
+          <a:schemeClr val="accent1"/>
+        </a:fillRef>
+        <a:effectRef idx="1">
+          <a:schemeClr val="accent1"/>
+        </a:effectRef>
+        <a:fontRef idx="minor">
+          <a:schemeClr val="dk1"/>
+        </a:fontRef>
+      </dsp:style>
+      <dsp:txBody>
+        <a:bodyPr spcFirstLastPara="0" vert="horz" wrap="square" lIns="215053" tIns="0" rIns="215053" bIns="0" numCol="1" spcCol="1270" anchor="ctr" anchorCtr="0">
+          <a:noAutofit/>
+        </a:bodyPr>
+        <a:lstStyle/>
+        <a:p>
+          <a:pPr lvl="0" algn="l" defTabSz="755650">
+            <a:lnSpc>
+              <a:spcPct val="90000"/>
+            </a:lnSpc>
+            <a:spcBef>
+              <a:spcPct val="0"/>
+            </a:spcBef>
+            <a:spcAft>
+              <a:spcPct val="35000"/>
+            </a:spcAft>
+          </a:pPr>
+          <a:r>
+            <a:rPr lang="es-CO" sz="1700" b="1" kern="1200" dirty="0" smtClean="0"/>
+            <a:t>Integración</a:t>
+          </a:r>
+          <a:endParaRPr lang="es-CO" sz="1700" kern="1200" dirty="0"/>
+        </a:p>
+      </dsp:txBody>
+      <dsp:txXfrm>
+        <a:off x="430898" y="3936411"/>
+        <a:ext cx="5640604" cy="452844"/>
+      </dsp:txXfrm>
+    </dsp:sp>
+    <dsp:sp modelId="{5E882933-21CA-4A64-9324-C5D40137F8CD}">
+      <dsp:nvSpPr>
+        <dsp:cNvPr id="0" name=""/>
+        <dsp:cNvSpPr/>
+      </dsp:nvSpPr>
+      <dsp:spPr>
+        <a:xfrm>
+          <a:off x="0" y="4933953"/>
+          <a:ext cx="8128000" cy="428400"/>
+        </a:xfrm>
+        <a:prstGeom prst="rect">
+          <a:avLst/>
+        </a:prstGeom>
+        <a:solidFill>
+          <a:schemeClr val="lt1">
+            <a:alpha val="90000"/>
+            <a:hueOff val="0"/>
+            <a:satOff val="0"/>
+            <a:lumOff val="0"/>
+            <a:alphaOff val="0"/>
+          </a:schemeClr>
+        </a:solidFill>
+        <a:ln w="9525" cap="flat" cmpd="sng" algn="ctr">
+          <a:solidFill>
+            <a:schemeClr val="accent1">
+              <a:hueOff val="0"/>
+              <a:satOff val="0"/>
+              <a:lumOff val="0"/>
+              <a:alphaOff val="0"/>
+            </a:schemeClr>
+          </a:solidFill>
+          <a:prstDash val="solid"/>
+        </a:ln>
+        <a:effectLst/>
+      </dsp:spPr>
+      <dsp:style>
+        <a:lnRef idx="1">
+          <a:scrgbClr r="0" g="0" b="0"/>
+        </a:lnRef>
+        <a:fillRef idx="1">
+          <a:scrgbClr r="0" g="0" b="0"/>
+        </a:fillRef>
+        <a:effectRef idx="0">
+          <a:scrgbClr r="0" g="0" b="0"/>
+        </a:effectRef>
+        <a:fontRef idx="minor"/>
+      </dsp:style>
+    </dsp:sp>
+    <dsp:sp modelId="{F8A22EE0-D616-4EC2-B8F8-D5D793D6F654}">
+      <dsp:nvSpPr>
+        <dsp:cNvPr id="0" name=""/>
+        <dsp:cNvSpPr/>
+      </dsp:nvSpPr>
+      <dsp:spPr>
+        <a:xfrm>
+          <a:off x="406400" y="4683033"/>
+          <a:ext cx="5689600" cy="501840"/>
+        </a:xfrm>
+        <a:prstGeom prst="roundRect">
+          <a:avLst/>
+        </a:prstGeom>
+        <a:blipFill>
+          <a:blip xmlns:r="http://schemas.openxmlformats.org/officeDocument/2006/relationships" r:embed="rId1">
+            <a:duotone>
+              <a:schemeClr val="accent1">
+                <a:tint val="30000"/>
+                <a:satMod val="300000"/>
+              </a:schemeClr>
+              <a:schemeClr val="accent1">
+                <a:tint val="40000"/>
+                <a:satMod val="200000"/>
+              </a:schemeClr>
+            </a:duotone>
+          </a:blip>
+          <a:tile tx="0" ty="0" sx="70000" sy="70000" flip="none" algn="ctr"/>
+        </a:blipFill>
+        <a:ln w="9525" cap="flat" cmpd="sng" algn="ctr">
+          <a:solidFill>
+            <a:schemeClr val="accent1">
+              <a:shade val="60000"/>
+              <a:satMod val="110000"/>
+            </a:schemeClr>
+          </a:solidFill>
+          <a:prstDash val="solid"/>
+        </a:ln>
+        <a:effectLst>
+          <a:outerShdw blurRad="38100" dist="25400" dir="5400000" algn="t" rotWithShape="0">
+            <a:srgbClr val="000000">
+              <a:alpha val="50000"/>
+            </a:srgbClr>
+          </a:outerShdw>
+        </a:effectLst>
+      </dsp:spPr>
+      <dsp:style>
+        <a:lnRef idx="1">
+          <a:schemeClr val="accent1"/>
+        </a:lnRef>
+        <a:fillRef idx="2">
+          <a:schemeClr val="accent1"/>
+        </a:fillRef>
+        <a:effectRef idx="1">
+          <a:schemeClr val="accent1"/>
+        </a:effectRef>
+        <a:fontRef idx="minor">
+          <a:schemeClr val="dk1"/>
+        </a:fontRef>
+      </dsp:style>
+      <dsp:txBody>
+        <a:bodyPr spcFirstLastPara="0" vert="horz" wrap="square" lIns="215053" tIns="0" rIns="215053" bIns="0" numCol="1" spcCol="1270" anchor="ctr" anchorCtr="0">
+          <a:noAutofit/>
+        </a:bodyPr>
+        <a:lstStyle/>
+        <a:p>
+          <a:pPr lvl="0" algn="l" defTabSz="755650">
+            <a:lnSpc>
+              <a:spcPct val="90000"/>
+            </a:lnSpc>
+            <a:spcBef>
+              <a:spcPct val="0"/>
+            </a:spcBef>
+            <a:spcAft>
+              <a:spcPct val="35000"/>
+            </a:spcAft>
+          </a:pPr>
+          <a:r>
+            <a:rPr lang="es-CO" sz="1700" b="1" kern="1200" dirty="0" smtClean="0"/>
+            <a:t>Usabilidad</a:t>
+          </a:r>
+          <a:endParaRPr lang="es-CO" sz="1700" kern="1200" dirty="0"/>
+        </a:p>
+      </dsp:txBody>
+      <dsp:txXfrm>
+        <a:off x="430898" y="4707531"/>
+        <a:ext cx="5640604" cy="452844"/>
+      </dsp:txXfrm>
+    </dsp:sp>
   </dsp:spTree>
 </dsp:drawing>
 </file>
@@ -11698,19 +13744,7 @@
             <a:rPr lang="es-CO" sz="2400" kern="1200" dirty="0" smtClean="0">
               <a:latin typeface="Calibri" pitchFamily="34" charset="0"/>
             </a:rPr>
-            <a:t>La integración de un sistema complejo falla pues sus partes no fueron diseñadas </a:t>
-          </a:r>
-          <a:r>
-            <a:rPr lang="es-CO" sz="2400" kern="1200" dirty="0" smtClean="0">
-              <a:latin typeface="Calibri" pitchFamily="34" charset="0"/>
-            </a:rPr>
-            <a:t>adecuadamente</a:t>
-          </a:r>
-          <a:r>
-            <a:rPr lang="es-CO" sz="2400" kern="1200" dirty="0" smtClean="0">
-              <a:latin typeface="Calibri" pitchFamily="34" charset="0"/>
-            </a:rPr>
-            <a:t>.</a:t>
+            <a:t>La integración de un sistema complejo falla pues sus partes no fueron diseñadas adecuadamente.</a:t>
           </a:r>
           <a:endParaRPr lang="es-CO" sz="2400" kern="1200" dirty="0">
             <a:latin typeface="Calibri" pitchFamily="34" charset="0"/>
@@ -21534,7 +23568,7 @@
           <a:p>
             <a:fld id="{8D7B64FC-3C05-482A-B2C3-A991BF501683}" type="datetimeFigureOut">
               <a:rPr lang="es-CO" smtClean="0"/>
-              <a:t>13/05/2013</a:t>
+              <a:t>14/05/2013</a:t>
             </a:fld>
             <a:endParaRPr lang="es-CO"/>
           </a:p>
@@ -22752,7 +24786,7 @@
           <a:p>
             <a:fld id="{CEA43909-7C32-4AE2-B433-9BC7CDD912C3}" type="datetimeFigureOut">
               <a:rPr lang="es-MX" smtClean="0"/>
-              <a:t>13/05/2013</a:t>
+              <a:t>14/05/2013</a:t>
             </a:fld>
             <a:endParaRPr lang="es-MX"/>
           </a:p>
@@ -23105,7 +25139,7 @@
           <a:p>
             <a:fld id="{CEA43909-7C32-4AE2-B433-9BC7CDD912C3}" type="datetimeFigureOut">
               <a:rPr lang="es-MX" smtClean="0"/>
-              <a:t>13/05/2013</a:t>
+              <a:t>14/05/2013</a:t>
             </a:fld>
             <a:endParaRPr lang="es-MX"/>
           </a:p>
@@ -23280,7 +25314,7 @@
           <a:p>
             <a:fld id="{CEA43909-7C32-4AE2-B433-9BC7CDD912C3}" type="datetimeFigureOut">
               <a:rPr lang="es-MX" smtClean="0"/>
-              <a:t>13/05/2013</a:t>
+              <a:t>14/05/2013</a:t>
             </a:fld>
             <a:endParaRPr lang="es-MX"/>
           </a:p>
@@ -23393,7 +25427,7 @@
           <a:p>
             <a:fld id="{CEA43909-7C32-4AE2-B433-9BC7CDD912C3}" type="datetimeFigureOut">
               <a:rPr lang="es-MX" smtClean="0"/>
-              <a:t>13/05/2013</a:t>
+              <a:t>14/05/2013</a:t>
             </a:fld>
             <a:endParaRPr lang="es-MX"/>
           </a:p>
@@ -23751,7 +25785,7 @@
           <a:p>
             <a:fld id="{CEA43909-7C32-4AE2-B433-9BC7CDD912C3}" type="datetimeFigureOut">
               <a:rPr lang="es-MX" smtClean="0"/>
-              <a:t>13/05/2013</a:t>
+              <a:t>14/05/2013</a:t>
             </a:fld>
             <a:endParaRPr lang="es-MX"/>
           </a:p>
@@ -24016,7 +26050,7 @@
           <a:p>
             <a:fld id="{CEA43909-7C32-4AE2-B433-9BC7CDD912C3}" type="datetimeFigureOut">
               <a:rPr lang="es-MX" smtClean="0"/>
-              <a:t>13/05/2013</a:t>
+              <a:t>14/05/2013</a:t>
             </a:fld>
             <a:endParaRPr lang="es-MX"/>
           </a:p>
@@ -24378,7 +26412,7 @@
           <a:p>
             <a:fld id="{CEA43909-7C32-4AE2-B433-9BC7CDD912C3}" type="datetimeFigureOut">
               <a:rPr lang="es-MX" smtClean="0"/>
-              <a:t>13/05/2013</a:t>
+              <a:t>14/05/2013</a:t>
             </a:fld>
             <a:endParaRPr lang="es-MX"/>
           </a:p>
@@ -24605,7 +26639,7 @@
           <a:p>
             <a:fld id="{CEA43909-7C32-4AE2-B433-9BC7CDD912C3}" type="datetimeFigureOut">
               <a:rPr lang="es-MX" smtClean="0"/>
-              <a:t>13/05/2013</a:t>
+              <a:t>14/05/2013</a:t>
             </a:fld>
             <a:endParaRPr lang="es-MX"/>
           </a:p>
@@ -24695,7 +26729,7 @@
           <a:p>
             <a:fld id="{CEA43909-7C32-4AE2-B433-9BC7CDD912C3}" type="datetimeFigureOut">
               <a:rPr lang="es-MX" smtClean="0"/>
-              <a:t>13/05/2013</a:t>
+              <a:t>14/05/2013</a:t>
             </a:fld>
             <a:endParaRPr lang="es-MX"/>
           </a:p>
@@ -24962,7 +26996,7 @@
           <a:p>
             <a:fld id="{CEA43909-7C32-4AE2-B433-9BC7CDD912C3}" type="datetimeFigureOut">
               <a:rPr lang="es-MX" smtClean="0"/>
-              <a:t>13/05/2013</a:t>
+              <a:t>14/05/2013</a:t>
             </a:fld>
             <a:endParaRPr lang="es-MX"/>
           </a:p>
@@ -25190,7 +27224,7 @@
           <a:p>
             <a:fld id="{CEA43909-7C32-4AE2-B433-9BC7CDD912C3}" type="datetimeFigureOut">
               <a:rPr lang="es-MX" smtClean="0"/>
-              <a:t>13/05/2013</a:t>
+              <a:t>14/05/2013</a:t>
             </a:fld>
             <a:endParaRPr lang="es-MX"/>
           </a:p>
@@ -25689,7 +27723,7 @@
           <a:p>
             <a:fld id="{CEA43909-7C32-4AE2-B433-9BC7CDD912C3}" type="datetimeFigureOut">
               <a:rPr lang="es-MX" smtClean="0"/>
-              <a:t>13/05/2013</a:t>
+              <a:t>14/05/2013</a:t>
             </a:fld>
             <a:endParaRPr lang="es-MX"/>
           </a:p>
@@ -26669,6 +28703,13 @@
   <p:clrMapOvr>
     <a:masterClrMapping/>
   </p:clrMapOvr>
+  <p:timing>
+    <p:tnLst>
+      <p:par>
+        <p:cTn id="1" dur="indefinite" restart="never" nodeType="tmRoot"/>
+      </p:par>
+    </p:tnLst>
+  </p:timing>
 </p:sld>
 </file>
 
@@ -32367,7 +34408,7 @@
             <p:ph sz="quarter" idx="1"/>
             <p:extLst>
               <p:ext uri="{D42A27DB-BD31-4B8C-83A1-F6EECF244321}">
-                <p14:modId xmlns:p14="http://schemas.microsoft.com/office/powerpoint/2010/main" val="3460620632"/>
+                <p14:modId xmlns:p14="http://schemas.microsoft.com/office/powerpoint/2010/main" val="1021288531"/>
               </p:ext>
             </p:extLst>
           </p:nvPr>
@@ -32786,8 +34827,8 @@
         </p:blipFill>
         <p:spPr bwMode="auto">
           <a:xfrm>
-            <a:off x="1952090" y="277900"/>
-            <a:ext cx="8441162" cy="6273287"/>
+            <a:off x="693965" y="151038"/>
+            <a:ext cx="9582150" cy="6706962"/>
           </a:xfrm>
           <a:prstGeom prst="rect">
             <a:avLst/>
@@ -32874,7 +34915,7 @@
         </p:blipFill>
         <p:spPr>
           <a:xfrm>
-            <a:off x="10043885" y="269034"/>
+            <a:off x="10044292" y="277900"/>
             <a:ext cx="1915886" cy="1266888"/>
           </a:xfrm>
           <a:prstGeom prst="rect">
